--- a/Revue de projet/Diapo revue de projet.pptx
+++ b/Revue de projet/Diapo revue de projet.pptx
@@ -5,35 +5,49 @@
     <p:sldMasterId id="2147483659" r:id="rId4"/>
   </p:sldMasterIdLst>
   <p:notesMasterIdLst>
-    <p:notesMasterId r:id="rId9"/>
+    <p:notesMasterId r:id="rId20"/>
   </p:notesMasterIdLst>
+  <p:handoutMasterIdLst>
+    <p:handoutMasterId r:id="rId21"/>
+  </p:handoutMasterIdLst>
   <p:sldIdLst>
     <p:sldId id="256" r:id="rId5"/>
     <p:sldId id="257" r:id="rId6"/>
     <p:sldId id="292" r:id="rId7"/>
-    <p:sldId id="313" r:id="rId8"/>
+    <p:sldId id="294" r:id="rId8"/>
+    <p:sldId id="315" r:id="rId9"/>
+    <p:sldId id="323" r:id="rId10"/>
+    <p:sldId id="322" r:id="rId11"/>
+    <p:sldId id="324" r:id="rId12"/>
+    <p:sldId id="321" r:id="rId13"/>
+    <p:sldId id="316" r:id="rId14"/>
+    <p:sldId id="317" r:id="rId15"/>
+    <p:sldId id="318" r:id="rId16"/>
+    <p:sldId id="319" r:id="rId17"/>
+    <p:sldId id="308" r:id="rId18"/>
+    <p:sldId id="313" r:id="rId19"/>
   </p:sldIdLst>
   <p:sldSz cx="9144000" cy="5143500" type="screen16x9"/>
   <p:notesSz cx="6858000" cy="9144000"/>
   <p:embeddedFontLst>
     <p:embeddedFont>
       <p:font typeface="Maven Pro" panose="020B0604020202020204" charset="0"/>
-      <p:regular r:id="rId10"/>
-      <p:bold r:id="rId11"/>
+      <p:regular r:id="rId22"/>
+      <p:bold r:id="rId23"/>
     </p:embeddedFont>
     <p:embeddedFont>
       <p:font typeface="Nunito Light" pitchFamily="2" charset="0"/>
-      <p:regular r:id="rId12"/>
-      <p:italic r:id="rId13"/>
+      <p:regular r:id="rId24"/>
+      <p:italic r:id="rId25"/>
     </p:embeddedFont>
     <p:embeddedFont>
       <p:font typeface="Roboto Condensed Light" panose="02000000000000000000" pitchFamily="2" charset="0"/>
-      <p:regular r:id="rId14"/>
-      <p:italic r:id="rId15"/>
+      <p:regular r:id="rId26"/>
+      <p:italic r:id="rId27"/>
     </p:embeddedFont>
     <p:embeddedFont>
       <p:font typeface="Share Tech" panose="020B0604020202020204" charset="0"/>
-      <p:regular r:id="rId16"/>
+      <p:regular r:id="rId28"/>
     </p:embeddedFont>
   </p:embeddedFontLst>
   <p:defaultTextStyle>
@@ -286,6 +300,199 @@
 </p1510:revInfo>
 </file>
 
+<file path=ppt/handoutMasters/handoutMaster1.xml><?xml version="1.0" encoding="utf-8"?>
+<p:handoutMaster xmlns:a="http://schemas.openxmlformats.org/drawingml/2006/main" xmlns:r="http://schemas.openxmlformats.org/officeDocument/2006/relationships" xmlns:p="http://schemas.openxmlformats.org/presentationml/2006/main">
+  <p:cSld>
+    <p:bg>
+      <p:bgRef idx="1001">
+        <a:schemeClr val="bg1"/>
+      </p:bgRef>
+    </p:bg>
+    <p:spTree>
+      <p:nvGrpSpPr>
+        <p:cNvPr id="1" name=""/>
+        <p:cNvGrpSpPr/>
+        <p:nvPr/>
+      </p:nvGrpSpPr>
+      <p:grpSpPr>
+        <a:xfrm>
+          <a:off x="0" y="0"/>
+          <a:ext cx="0" cy="0"/>
+          <a:chOff x="0" y="0"/>
+          <a:chExt cx="0" cy="0"/>
+        </a:xfrm>
+      </p:grpSpPr>
+      <p:sp>
+        <p:nvSpPr>
+          <p:cNvPr id="2" name="Espace réservé de l'en-tête 1">
+            <a:extLst>
+              <a:ext uri="{FF2B5EF4-FFF2-40B4-BE49-F238E27FC236}">
+                <a16:creationId xmlns:a16="http://schemas.microsoft.com/office/drawing/2014/main" id="{60B173E2-8F84-4E30-6C0F-67BB51B1FBEE}"/>
+              </a:ext>
+            </a:extLst>
+          </p:cNvPr>
+          <p:cNvSpPr>
+            <a:spLocks noGrp="1"/>
+          </p:cNvSpPr>
+          <p:nvPr>
+            <p:ph type="hdr" sz="quarter"/>
+          </p:nvPr>
+        </p:nvSpPr>
+        <p:spPr>
+          <a:xfrm>
+            <a:off x="0" y="0"/>
+            <a:ext cx="2971800" cy="458788"/>
+          </a:xfrm>
+          <a:prstGeom prst="rect">
+            <a:avLst/>
+          </a:prstGeom>
+        </p:spPr>
+        <p:txBody>
+          <a:bodyPr vert="horz" lIns="91440" tIns="45720" rIns="91440" bIns="45720" rtlCol="0"/>
+          <a:lstStyle>
+            <a:lvl1pPr algn="l">
+              <a:defRPr sz="1200"/>
+            </a:lvl1pPr>
+          </a:lstStyle>
+          <a:p>
+            <a:endParaRPr lang="fr-FR"/>
+          </a:p>
+        </p:txBody>
+      </p:sp>
+      <p:sp>
+        <p:nvSpPr>
+          <p:cNvPr id="3" name="Espace réservé de la date 2">
+            <a:extLst>
+              <a:ext uri="{FF2B5EF4-FFF2-40B4-BE49-F238E27FC236}">
+                <a16:creationId xmlns:a16="http://schemas.microsoft.com/office/drawing/2014/main" id="{23BC0873-E7AF-2BD8-A181-9A7CD84EF518}"/>
+              </a:ext>
+            </a:extLst>
+          </p:cNvPr>
+          <p:cNvSpPr>
+            <a:spLocks noGrp="1"/>
+          </p:cNvSpPr>
+          <p:nvPr>
+            <p:ph type="dt" sz="quarter" idx="1"/>
+          </p:nvPr>
+        </p:nvSpPr>
+        <p:spPr>
+          <a:xfrm>
+            <a:off x="3884613" y="0"/>
+            <a:ext cx="2971800" cy="458788"/>
+          </a:xfrm>
+          <a:prstGeom prst="rect">
+            <a:avLst/>
+          </a:prstGeom>
+        </p:spPr>
+        <p:txBody>
+          <a:bodyPr vert="horz" lIns="91440" tIns="45720" rIns="91440" bIns="45720" rtlCol="0"/>
+          <a:lstStyle>
+            <a:lvl1pPr algn="r">
+              <a:defRPr sz="1200"/>
+            </a:lvl1pPr>
+          </a:lstStyle>
+          <a:p>
+            <a:fld id="{1177AD86-A677-4E33-B4C2-8C9F15FBF2CD}" type="datetimeFigureOut">
+              <a:rPr lang="fr-FR" smtClean="0"/>
+              <a:t>11/02/2024</a:t>
+            </a:fld>
+            <a:endParaRPr lang="fr-FR"/>
+          </a:p>
+        </p:txBody>
+      </p:sp>
+      <p:sp>
+        <p:nvSpPr>
+          <p:cNvPr id="4" name="Espace réservé du pied de page 3">
+            <a:extLst>
+              <a:ext uri="{FF2B5EF4-FFF2-40B4-BE49-F238E27FC236}">
+                <a16:creationId xmlns:a16="http://schemas.microsoft.com/office/drawing/2014/main" id="{29AD4D31-D7BF-DA7B-5AC8-6474C40792DF}"/>
+              </a:ext>
+            </a:extLst>
+          </p:cNvPr>
+          <p:cNvSpPr>
+            <a:spLocks noGrp="1"/>
+          </p:cNvSpPr>
+          <p:nvPr>
+            <p:ph type="ftr" sz="quarter" idx="2"/>
+          </p:nvPr>
+        </p:nvSpPr>
+        <p:spPr>
+          <a:xfrm>
+            <a:off x="0" y="8685213"/>
+            <a:ext cx="2971800" cy="458787"/>
+          </a:xfrm>
+          <a:prstGeom prst="rect">
+            <a:avLst/>
+          </a:prstGeom>
+        </p:spPr>
+        <p:txBody>
+          <a:bodyPr vert="horz" lIns="91440" tIns="45720" rIns="91440" bIns="45720" rtlCol="0" anchor="b"/>
+          <a:lstStyle>
+            <a:lvl1pPr algn="l">
+              <a:defRPr sz="1200"/>
+            </a:lvl1pPr>
+          </a:lstStyle>
+          <a:p>
+            <a:r>
+              <a:rPr lang="fr-FR"/>
+              <a:t>4</a:t>
+            </a:r>
+          </a:p>
+        </p:txBody>
+      </p:sp>
+      <p:sp>
+        <p:nvSpPr>
+          <p:cNvPr id="5" name="Espace réservé du numéro de diapositive 4">
+            <a:extLst>
+              <a:ext uri="{FF2B5EF4-FFF2-40B4-BE49-F238E27FC236}">
+                <a16:creationId xmlns:a16="http://schemas.microsoft.com/office/drawing/2014/main" id="{22D52B22-792D-07B9-0E92-C2F7B81A9DE0}"/>
+              </a:ext>
+            </a:extLst>
+          </p:cNvPr>
+          <p:cNvSpPr>
+            <a:spLocks noGrp="1"/>
+          </p:cNvSpPr>
+          <p:nvPr>
+            <p:ph type="sldNum" sz="quarter" idx="3"/>
+          </p:nvPr>
+        </p:nvSpPr>
+        <p:spPr>
+          <a:xfrm>
+            <a:off x="3884613" y="8685213"/>
+            <a:ext cx="2971800" cy="458787"/>
+          </a:xfrm>
+          <a:prstGeom prst="rect">
+            <a:avLst/>
+          </a:prstGeom>
+        </p:spPr>
+        <p:txBody>
+          <a:bodyPr vert="horz" lIns="91440" tIns="45720" rIns="91440" bIns="45720" rtlCol="0" anchor="b"/>
+          <a:lstStyle>
+            <a:lvl1pPr algn="r">
+              <a:defRPr sz="1200"/>
+            </a:lvl1pPr>
+          </a:lstStyle>
+          <a:p>
+            <a:fld id="{E7F8D76E-9907-457F-B662-666322514C30}" type="slidenum">
+              <a:rPr lang="fr-FR" smtClean="0"/>
+              <a:t>‹N°›</a:t>
+            </a:fld>
+            <a:endParaRPr lang="fr-FR"/>
+          </a:p>
+        </p:txBody>
+      </p:sp>
+    </p:spTree>
+    <p:extLst>
+      <p:ext uri="{BB962C8B-B14F-4D97-AF65-F5344CB8AC3E}">
+        <p14:creationId xmlns:p14="http://schemas.microsoft.com/office/powerpoint/2010/main" val="1805550768"/>
+      </p:ext>
+    </p:extLst>
+  </p:cSld>
+  <p:clrMap bg1="lt1" tx1="dk1" bg2="lt2" tx2="dk2" accent1="accent1" accent2="accent2" accent3="accent3" accent4="accent4" accent5="accent5" accent6="accent6" hlink="hlink" folHlink="folHlink"/>
+  <p:hf hdr="0" dt="0"/>
+</p:handoutMaster>
+</file>
+
 <file path=ppt/notesMasters/notesMaster1.xml><?xml version="1.0" encoding="utf-8"?>
 <p:notesMaster xmlns:a="http://schemas.openxmlformats.org/drawingml/2006/main" xmlns:r="http://schemas.openxmlformats.org/officeDocument/2006/relationships" xmlns:p="http://schemas.openxmlformats.org/presentationml/2006/main">
   <p:cSld>
@@ -495,6 +702,7 @@
     </p:spTree>
   </p:cSld>
   <p:clrMap bg1="lt1" tx1="dk1" bg2="dk2" tx2="lt2" accent1="accent1" accent2="accent2" accent3="accent3" accent4="accent4" accent5="accent5" accent6="accent6" hlink="hlink" folHlink="folHlink"/>
+  <p:hf hdr="0" dt="0"/>
   <p:notesStyle>
     <a:defPPr marR="0" lvl="0" algn="l" rtl="0">
       <a:lnSpc>
@@ -940,6 +1148,224 @@
   <p:cSld>
     <p:spTree>
       <p:nvGrpSpPr>
+        <p:cNvPr id="1" name="Shape 436"/>
+        <p:cNvGrpSpPr/>
+        <p:nvPr/>
+      </p:nvGrpSpPr>
+      <p:grpSpPr>
+        <a:xfrm>
+          <a:off x="0" y="0"/>
+          <a:ext cx="0" cy="0"/>
+          <a:chOff x="0" y="0"/>
+          <a:chExt cx="0" cy="0"/>
+        </a:xfrm>
+      </p:grpSpPr>
+      <p:sp>
+        <p:nvSpPr>
+          <p:cNvPr id="437" name="Google Shape;437;g1b16c18d105_0_243:notes"/>
+          <p:cNvSpPr>
+            <a:spLocks noGrp="1" noRot="1" noChangeAspect="1"/>
+          </p:cNvSpPr>
+          <p:nvPr>
+            <p:ph type="sldImg" idx="2"/>
+          </p:nvPr>
+        </p:nvSpPr>
+        <p:spPr>
+          <a:xfrm>
+            <a:off x="381000" y="685800"/>
+            <a:ext cx="6096000" cy="3429000"/>
+          </a:xfrm>
+          <a:custGeom>
+            <a:avLst/>
+            <a:gdLst/>
+            <a:ahLst/>
+            <a:cxnLst/>
+            <a:rect l="l" t="t" r="r" b="b"/>
+            <a:pathLst>
+              <a:path w="120000" h="120000" extrusionOk="0">
+                <a:moveTo>
+                  <a:pt x="0" y="0"/>
+                </a:moveTo>
+                <a:lnTo>
+                  <a:pt x="120000" y="0"/>
+                </a:lnTo>
+                <a:lnTo>
+                  <a:pt x="120000" y="120000"/>
+                </a:lnTo>
+                <a:lnTo>
+                  <a:pt x="0" y="120000"/>
+                </a:lnTo>
+                <a:close/>
+              </a:path>
+            </a:pathLst>
+          </a:custGeom>
+        </p:spPr>
+      </p:sp>
+      <p:sp>
+        <p:nvSpPr>
+          <p:cNvPr id="438" name="Google Shape;438;g1b16c18d105_0_243:notes"/>
+          <p:cNvSpPr txBox="1">
+            <a:spLocks noGrp="1"/>
+          </p:cNvSpPr>
+          <p:nvPr>
+            <p:ph type="body" idx="1"/>
+          </p:nvPr>
+        </p:nvSpPr>
+        <p:spPr>
+          <a:xfrm>
+            <a:off x="685800" y="4343400"/>
+            <a:ext cx="5486400" cy="4114800"/>
+          </a:xfrm>
+          <a:prstGeom prst="rect">
+            <a:avLst/>
+          </a:prstGeom>
+        </p:spPr>
+        <p:txBody>
+          <a:bodyPr spcFirstLastPara="1" wrap="square" lIns="91425" tIns="91425" rIns="91425" bIns="91425" anchor="t" anchorCtr="0">
+            <a:noAutofit/>
+          </a:bodyPr>
+          <a:lstStyle/>
+          <a:p>
+            <a:pPr marL="0" lvl="0" indent="0" algn="l" rtl="0">
+              <a:spcBef>
+                <a:spcPts val="0"/>
+              </a:spcBef>
+              <a:spcAft>
+                <a:spcPts val="0"/>
+              </a:spcAft>
+              <a:buNone/>
+            </a:pPr>
+            <a:endParaRPr/>
+          </a:p>
+        </p:txBody>
+      </p:sp>
+    </p:spTree>
+    <p:extLst>
+      <p:ext uri="{BB962C8B-B14F-4D97-AF65-F5344CB8AC3E}">
+        <p14:creationId xmlns:p14="http://schemas.microsoft.com/office/powerpoint/2010/main" val="2874577723"/>
+      </p:ext>
+    </p:extLst>
+  </p:cSld>
+  <p:clrMapOvr>
+    <a:masterClrMapping/>
+  </p:clrMapOvr>
+</p:notes>
+</file>
+
+<file path=ppt/notesSlides/notesSlide4.xml><?xml version="1.0" encoding="utf-8"?>
+<p:notes xmlns:a="http://schemas.openxmlformats.org/drawingml/2006/main" xmlns:r="http://schemas.openxmlformats.org/officeDocument/2006/relationships" xmlns:p="http://schemas.openxmlformats.org/presentationml/2006/main" showMasterSp="0" showMasterPhAnim="0">
+  <p:cSld>
+    <p:spTree>
+      <p:nvGrpSpPr>
+        <p:cNvPr id="1" name="Shape 462"/>
+        <p:cNvGrpSpPr/>
+        <p:nvPr/>
+      </p:nvGrpSpPr>
+      <p:grpSpPr>
+        <a:xfrm>
+          <a:off x="0" y="0"/>
+          <a:ext cx="0" cy="0"/>
+          <a:chOff x="0" y="0"/>
+          <a:chExt cx="0" cy="0"/>
+        </a:xfrm>
+      </p:grpSpPr>
+      <p:sp>
+        <p:nvSpPr>
+          <p:cNvPr id="463" name="Google Shape;463;g1b16c18d105_0_247:notes"/>
+          <p:cNvSpPr>
+            <a:spLocks noGrp="1" noRot="1" noChangeAspect="1"/>
+          </p:cNvSpPr>
+          <p:nvPr>
+            <p:ph type="sldImg" idx="2"/>
+          </p:nvPr>
+        </p:nvSpPr>
+        <p:spPr>
+          <a:xfrm>
+            <a:off x="381000" y="685800"/>
+            <a:ext cx="6096000" cy="3429000"/>
+          </a:xfrm>
+          <a:custGeom>
+            <a:avLst/>
+            <a:gdLst/>
+            <a:ahLst/>
+            <a:cxnLst/>
+            <a:rect l="l" t="t" r="r" b="b"/>
+            <a:pathLst>
+              <a:path w="120000" h="120000" extrusionOk="0">
+                <a:moveTo>
+                  <a:pt x="0" y="0"/>
+                </a:moveTo>
+                <a:lnTo>
+                  <a:pt x="120000" y="0"/>
+                </a:lnTo>
+                <a:lnTo>
+                  <a:pt x="120000" y="120000"/>
+                </a:lnTo>
+                <a:lnTo>
+                  <a:pt x="0" y="120000"/>
+                </a:lnTo>
+                <a:close/>
+              </a:path>
+            </a:pathLst>
+          </a:custGeom>
+        </p:spPr>
+      </p:sp>
+      <p:sp>
+        <p:nvSpPr>
+          <p:cNvPr id="464" name="Google Shape;464;g1b16c18d105_0_247:notes"/>
+          <p:cNvSpPr txBox="1">
+            <a:spLocks noGrp="1"/>
+          </p:cNvSpPr>
+          <p:nvPr>
+            <p:ph type="body" idx="1"/>
+          </p:nvPr>
+        </p:nvSpPr>
+        <p:spPr>
+          <a:xfrm>
+            <a:off x="685800" y="4343400"/>
+            <a:ext cx="5486400" cy="4114800"/>
+          </a:xfrm>
+          <a:prstGeom prst="rect">
+            <a:avLst/>
+          </a:prstGeom>
+        </p:spPr>
+        <p:txBody>
+          <a:bodyPr spcFirstLastPara="1" wrap="square" lIns="91425" tIns="91425" rIns="91425" bIns="91425" anchor="t" anchorCtr="0">
+            <a:noAutofit/>
+          </a:bodyPr>
+          <a:lstStyle/>
+          <a:p>
+            <a:pPr marL="0" lvl="0" indent="0" algn="l" rtl="0">
+              <a:spcBef>
+                <a:spcPts val="0"/>
+              </a:spcBef>
+              <a:spcAft>
+                <a:spcPts val="0"/>
+              </a:spcAft>
+              <a:buNone/>
+            </a:pPr>
+            <a:endParaRPr/>
+          </a:p>
+        </p:txBody>
+      </p:sp>
+    </p:spTree>
+    <p:extLst>
+      <p:ext uri="{BB962C8B-B14F-4D97-AF65-F5344CB8AC3E}">
+        <p14:creationId xmlns:p14="http://schemas.microsoft.com/office/powerpoint/2010/main" val="1427846932"/>
+      </p:ext>
+    </p:extLst>
+  </p:cSld>
+  <p:clrMapOvr>
+    <a:masterClrMapping/>
+  </p:clrMapOvr>
+</p:notes>
+</file>
+
+<file path=ppt/notesSlides/notesSlide5.xml><?xml version="1.0" encoding="utf-8"?>
+<p:notes xmlns:a="http://schemas.openxmlformats.org/drawingml/2006/main" xmlns:r="http://schemas.openxmlformats.org/officeDocument/2006/relationships" xmlns:p="http://schemas.openxmlformats.org/presentationml/2006/main" showMasterSp="0" showMasterPhAnim="0">
+  <p:cSld>
+    <p:spTree>
+      <p:nvGrpSpPr>
         <p:cNvPr id="1" name="Shape 153"/>
         <p:cNvGrpSpPr/>
         <p:nvPr/>
@@ -2215,6 +2641,644 @@
         </p:txBody>
       </p:sp>
     </p:spTree>
+  </p:cSld>
+  <p:clrMapOvr>
+    <a:masterClrMapping/>
+  </p:clrMapOvr>
+</p:sldLayout>
+</file>
+
+<file path=ppt/slideLayouts/slideLayout10.xml><?xml version="1.0" encoding="utf-8"?>
+<p:sldLayout xmlns:a="http://schemas.openxmlformats.org/drawingml/2006/main" xmlns:r="http://schemas.openxmlformats.org/officeDocument/2006/relationships" xmlns:p="http://schemas.openxmlformats.org/presentationml/2006/main" matchingName="Title only" type="titleOnly">
+  <p:cSld name="Title only">
+    <p:spTree>
+      <p:nvGrpSpPr>
+        <p:cNvPr id="1" name="Shape 73"/>
+        <p:cNvGrpSpPr/>
+        <p:nvPr/>
+      </p:nvGrpSpPr>
+      <p:grpSpPr>
+        <a:xfrm>
+          <a:off x="0" y="0"/>
+          <a:ext cx="0" cy="0"/>
+          <a:chOff x="0" y="0"/>
+          <a:chExt cx="0" cy="0"/>
+        </a:xfrm>
+      </p:grpSpPr>
+      <p:sp>
+        <p:nvSpPr>
+          <p:cNvPr id="74" name="Google Shape;74;p6"/>
+          <p:cNvSpPr txBox="1">
+            <a:spLocks noGrp="1"/>
+          </p:cNvSpPr>
+          <p:nvPr>
+            <p:ph type="title"/>
+          </p:nvPr>
+        </p:nvSpPr>
+        <p:spPr>
+          <a:xfrm>
+            <a:off x="720000" y="539500"/>
+            <a:ext cx="7704000" cy="572700"/>
+          </a:xfrm>
+          <a:prstGeom prst="rect">
+            <a:avLst/>
+          </a:prstGeom>
+        </p:spPr>
+        <p:txBody>
+          <a:bodyPr spcFirstLastPara="1" wrap="square" lIns="91425" tIns="91425" rIns="91425" bIns="91425" anchor="t" anchorCtr="0">
+            <a:noAutofit/>
+          </a:bodyPr>
+          <a:lstStyle>
+            <a:lvl1pPr lvl="0" rtl="0">
+              <a:spcBef>
+                <a:spcPts val="0"/>
+              </a:spcBef>
+              <a:spcAft>
+                <a:spcPts val="0"/>
+              </a:spcAft>
+              <a:buSzPts val="2800"/>
+              <a:buNone/>
+              <a:defRPr/>
+            </a:lvl1pPr>
+            <a:lvl2pPr lvl="1" rtl="0">
+              <a:spcBef>
+                <a:spcPts val="0"/>
+              </a:spcBef>
+              <a:spcAft>
+                <a:spcPts val="0"/>
+              </a:spcAft>
+              <a:buSzPts val="3500"/>
+              <a:buNone/>
+              <a:defRPr/>
+            </a:lvl2pPr>
+            <a:lvl3pPr lvl="2" rtl="0">
+              <a:spcBef>
+                <a:spcPts val="0"/>
+              </a:spcBef>
+              <a:spcAft>
+                <a:spcPts val="0"/>
+              </a:spcAft>
+              <a:buSzPts val="3500"/>
+              <a:buNone/>
+              <a:defRPr/>
+            </a:lvl3pPr>
+            <a:lvl4pPr lvl="3" rtl="0">
+              <a:spcBef>
+                <a:spcPts val="0"/>
+              </a:spcBef>
+              <a:spcAft>
+                <a:spcPts val="0"/>
+              </a:spcAft>
+              <a:buSzPts val="3500"/>
+              <a:buNone/>
+              <a:defRPr/>
+            </a:lvl4pPr>
+            <a:lvl5pPr lvl="4" rtl="0">
+              <a:spcBef>
+                <a:spcPts val="0"/>
+              </a:spcBef>
+              <a:spcAft>
+                <a:spcPts val="0"/>
+              </a:spcAft>
+              <a:buSzPts val="3500"/>
+              <a:buNone/>
+              <a:defRPr/>
+            </a:lvl5pPr>
+            <a:lvl6pPr lvl="5" rtl="0">
+              <a:spcBef>
+                <a:spcPts val="0"/>
+              </a:spcBef>
+              <a:spcAft>
+                <a:spcPts val="0"/>
+              </a:spcAft>
+              <a:buSzPts val="3500"/>
+              <a:buNone/>
+              <a:defRPr/>
+            </a:lvl6pPr>
+            <a:lvl7pPr lvl="6" rtl="0">
+              <a:spcBef>
+                <a:spcPts val="0"/>
+              </a:spcBef>
+              <a:spcAft>
+                <a:spcPts val="0"/>
+              </a:spcAft>
+              <a:buSzPts val="3500"/>
+              <a:buNone/>
+              <a:defRPr/>
+            </a:lvl7pPr>
+            <a:lvl8pPr lvl="7" rtl="0">
+              <a:spcBef>
+                <a:spcPts val="0"/>
+              </a:spcBef>
+              <a:spcAft>
+                <a:spcPts val="0"/>
+              </a:spcAft>
+              <a:buSzPts val="3500"/>
+              <a:buNone/>
+              <a:defRPr/>
+            </a:lvl8pPr>
+            <a:lvl9pPr lvl="8" rtl="0">
+              <a:spcBef>
+                <a:spcPts val="0"/>
+              </a:spcBef>
+              <a:spcAft>
+                <a:spcPts val="0"/>
+              </a:spcAft>
+              <a:buSzPts val="3500"/>
+              <a:buNone/>
+              <a:defRPr/>
+            </a:lvl9pPr>
+          </a:lstStyle>
+          <a:p>
+            <a:endParaRPr/>
+          </a:p>
+        </p:txBody>
+      </p:sp>
+      <p:sp>
+        <p:nvSpPr>
+          <p:cNvPr id="75" name="Google Shape;75;p6"/>
+          <p:cNvSpPr/>
+          <p:nvPr/>
+        </p:nvSpPr>
+        <p:spPr>
+          <a:xfrm>
+            <a:off x="8612763" y="867775"/>
+            <a:ext cx="167150" cy="167150"/>
+          </a:xfrm>
+          <a:custGeom>
+            <a:avLst/>
+            <a:gdLst/>
+            <a:ahLst/>
+            <a:cxnLst/>
+            <a:rect l="l" t="t" r="r" b="b"/>
+            <a:pathLst>
+              <a:path w="6686" h="6686" extrusionOk="0">
+                <a:moveTo>
+                  <a:pt x="6236" y="450"/>
+                </a:moveTo>
+                <a:lnTo>
+                  <a:pt x="6236" y="6236"/>
+                </a:lnTo>
+                <a:lnTo>
+                  <a:pt x="450" y="6236"/>
+                </a:lnTo>
+                <a:lnTo>
+                  <a:pt x="450" y="450"/>
+                </a:lnTo>
+                <a:close/>
+                <a:moveTo>
+                  <a:pt x="0" y="0"/>
+                </a:moveTo>
+                <a:lnTo>
+                  <a:pt x="0" y="6686"/>
+                </a:lnTo>
+                <a:lnTo>
+                  <a:pt x="6686" y="6686"/>
+                </a:lnTo>
+                <a:lnTo>
+                  <a:pt x="6686" y="0"/>
+                </a:lnTo>
+                <a:close/>
+              </a:path>
+            </a:pathLst>
+          </a:custGeom>
+          <a:solidFill>
+            <a:schemeClr val="lt2"/>
+          </a:solidFill>
+          <a:ln>
+            <a:noFill/>
+          </a:ln>
+        </p:spPr>
+        <p:txBody>
+          <a:bodyPr spcFirstLastPara="1" wrap="square" lIns="91425" tIns="91425" rIns="91425" bIns="91425" anchor="ctr" anchorCtr="0">
+            <a:noAutofit/>
+          </a:bodyPr>
+          <a:lstStyle/>
+          <a:p>
+            <a:pPr marL="0" lvl="0" indent="0" algn="l" rtl="0">
+              <a:spcBef>
+                <a:spcPts val="0"/>
+              </a:spcBef>
+              <a:spcAft>
+                <a:spcPts val="0"/>
+              </a:spcAft>
+              <a:buNone/>
+            </a:pPr>
+            <a:endParaRPr/>
+          </a:p>
+        </p:txBody>
+      </p:sp>
+      <p:sp>
+        <p:nvSpPr>
+          <p:cNvPr id="76" name="Google Shape;76;p6"/>
+          <p:cNvSpPr/>
+          <p:nvPr/>
+        </p:nvSpPr>
+        <p:spPr>
+          <a:xfrm>
+            <a:off x="8642025" y="485175"/>
+            <a:ext cx="108650" cy="108650"/>
+          </a:xfrm>
+          <a:custGeom>
+            <a:avLst/>
+            <a:gdLst/>
+            <a:ahLst/>
+            <a:cxnLst/>
+            <a:rect l="l" t="t" r="r" b="b"/>
+            <a:pathLst>
+              <a:path w="4346" h="4346" extrusionOk="0">
+                <a:moveTo>
+                  <a:pt x="4008" y="356"/>
+                </a:moveTo>
+                <a:lnTo>
+                  <a:pt x="4008" y="4027"/>
+                </a:lnTo>
+                <a:lnTo>
+                  <a:pt x="338" y="4027"/>
+                </a:lnTo>
+                <a:lnTo>
+                  <a:pt x="338" y="356"/>
+                </a:lnTo>
+                <a:close/>
+                <a:moveTo>
+                  <a:pt x="1" y="1"/>
+                </a:moveTo>
+                <a:lnTo>
+                  <a:pt x="1" y="4345"/>
+                </a:lnTo>
+                <a:lnTo>
+                  <a:pt x="4346" y="4345"/>
+                </a:lnTo>
+                <a:lnTo>
+                  <a:pt x="4346" y="1"/>
+                </a:lnTo>
+                <a:close/>
+              </a:path>
+            </a:pathLst>
+          </a:custGeom>
+          <a:solidFill>
+            <a:schemeClr val="accent6"/>
+          </a:solidFill>
+          <a:ln>
+            <a:noFill/>
+          </a:ln>
+        </p:spPr>
+        <p:txBody>
+          <a:bodyPr spcFirstLastPara="1" wrap="square" lIns="91425" tIns="91425" rIns="91425" bIns="91425" anchor="ctr" anchorCtr="0">
+            <a:noAutofit/>
+          </a:bodyPr>
+          <a:lstStyle/>
+          <a:p>
+            <a:pPr marL="0" lvl="0" indent="0" algn="l" rtl="0">
+              <a:spcBef>
+                <a:spcPts val="0"/>
+              </a:spcBef>
+              <a:spcAft>
+                <a:spcPts val="0"/>
+              </a:spcAft>
+              <a:buNone/>
+            </a:pPr>
+            <a:endParaRPr/>
+          </a:p>
+        </p:txBody>
+      </p:sp>
+      <p:sp>
+        <p:nvSpPr>
+          <p:cNvPr id="77" name="Google Shape;77;p6"/>
+          <p:cNvSpPr/>
+          <p:nvPr/>
+        </p:nvSpPr>
+        <p:spPr>
+          <a:xfrm>
+            <a:off x="8854450" y="195025"/>
+            <a:ext cx="155925" cy="156375"/>
+          </a:xfrm>
+          <a:custGeom>
+            <a:avLst/>
+            <a:gdLst/>
+            <a:ahLst/>
+            <a:cxnLst/>
+            <a:rect l="l" t="t" r="r" b="b"/>
+            <a:pathLst>
+              <a:path w="6237" h="6255" extrusionOk="0">
+                <a:moveTo>
+                  <a:pt x="0" y="0"/>
+                </a:moveTo>
+                <a:lnTo>
+                  <a:pt x="0" y="6255"/>
+                </a:lnTo>
+                <a:lnTo>
+                  <a:pt x="6236" y="6255"/>
+                </a:lnTo>
+                <a:lnTo>
+                  <a:pt x="6236" y="0"/>
+                </a:lnTo>
+                <a:close/>
+              </a:path>
+            </a:pathLst>
+          </a:custGeom>
+          <a:solidFill>
+            <a:schemeClr val="accent2"/>
+          </a:solidFill>
+          <a:ln>
+            <a:noFill/>
+          </a:ln>
+        </p:spPr>
+        <p:txBody>
+          <a:bodyPr spcFirstLastPara="1" wrap="square" lIns="91425" tIns="91425" rIns="91425" bIns="91425" anchor="ctr" anchorCtr="0">
+            <a:noAutofit/>
+          </a:bodyPr>
+          <a:lstStyle/>
+          <a:p>
+            <a:pPr marL="0" lvl="0" indent="0" algn="l" rtl="0">
+              <a:spcBef>
+                <a:spcPts val="0"/>
+              </a:spcBef>
+              <a:spcAft>
+                <a:spcPts val="0"/>
+              </a:spcAft>
+              <a:buNone/>
+            </a:pPr>
+            <a:endParaRPr/>
+          </a:p>
+        </p:txBody>
+      </p:sp>
+      <p:sp>
+        <p:nvSpPr>
+          <p:cNvPr id="78" name="Google Shape;78;p6"/>
+          <p:cNvSpPr/>
+          <p:nvPr/>
+        </p:nvSpPr>
+        <p:spPr>
+          <a:xfrm>
+            <a:off x="152210" y="4753911"/>
+            <a:ext cx="95493" cy="95462"/>
+          </a:xfrm>
+          <a:custGeom>
+            <a:avLst/>
+            <a:gdLst/>
+            <a:ahLst/>
+            <a:cxnLst/>
+            <a:rect l="l" t="t" r="r" b="b"/>
+            <a:pathLst>
+              <a:path w="3110" h="3109" extrusionOk="0">
+                <a:moveTo>
+                  <a:pt x="2678" y="450"/>
+                </a:moveTo>
+                <a:lnTo>
+                  <a:pt x="2678" y="2678"/>
+                </a:lnTo>
+                <a:lnTo>
+                  <a:pt x="450" y="2678"/>
+                </a:lnTo>
+                <a:lnTo>
+                  <a:pt x="450" y="450"/>
+                </a:lnTo>
+                <a:close/>
+                <a:moveTo>
+                  <a:pt x="1" y="0"/>
+                </a:moveTo>
+                <a:lnTo>
+                  <a:pt x="1" y="3109"/>
+                </a:lnTo>
+                <a:lnTo>
+                  <a:pt x="3109" y="3109"/>
+                </a:lnTo>
+                <a:lnTo>
+                  <a:pt x="3109" y="0"/>
+                </a:lnTo>
+                <a:close/>
+              </a:path>
+            </a:pathLst>
+          </a:custGeom>
+          <a:solidFill>
+            <a:schemeClr val="accent3"/>
+          </a:solidFill>
+          <a:ln>
+            <a:noFill/>
+          </a:ln>
+        </p:spPr>
+        <p:txBody>
+          <a:bodyPr spcFirstLastPara="1" wrap="square" lIns="91425" tIns="91425" rIns="91425" bIns="91425" anchor="ctr" anchorCtr="0">
+            <a:noAutofit/>
+          </a:bodyPr>
+          <a:lstStyle/>
+          <a:p>
+            <a:pPr marL="0" lvl="0" indent="0" algn="l" rtl="0">
+              <a:spcBef>
+                <a:spcPts val="0"/>
+              </a:spcBef>
+              <a:spcAft>
+                <a:spcPts val="0"/>
+              </a:spcAft>
+              <a:buNone/>
+            </a:pPr>
+            <a:endParaRPr/>
+          </a:p>
+        </p:txBody>
+      </p:sp>
+      <p:sp>
+        <p:nvSpPr>
+          <p:cNvPr id="79" name="Google Shape;79;p6"/>
+          <p:cNvSpPr/>
+          <p:nvPr/>
+        </p:nvSpPr>
+        <p:spPr>
+          <a:xfrm>
+            <a:off x="8891288" y="716085"/>
+            <a:ext cx="82259" cy="82259"/>
+          </a:xfrm>
+          <a:custGeom>
+            <a:avLst/>
+            <a:gdLst/>
+            <a:ahLst/>
+            <a:cxnLst/>
+            <a:rect l="l" t="t" r="r" b="b"/>
+            <a:pathLst>
+              <a:path w="2679" h="2679" extrusionOk="0">
+                <a:moveTo>
+                  <a:pt x="1" y="1"/>
+                </a:moveTo>
+                <a:lnTo>
+                  <a:pt x="1" y="2679"/>
+                </a:lnTo>
+                <a:lnTo>
+                  <a:pt x="2679" y="2679"/>
+                </a:lnTo>
+                <a:lnTo>
+                  <a:pt x="2679" y="1"/>
+                </a:lnTo>
+                <a:close/>
+              </a:path>
+            </a:pathLst>
+          </a:custGeom>
+          <a:solidFill>
+            <a:schemeClr val="accent4"/>
+          </a:solidFill>
+          <a:ln>
+            <a:noFill/>
+          </a:ln>
+        </p:spPr>
+        <p:txBody>
+          <a:bodyPr spcFirstLastPara="1" wrap="square" lIns="91425" tIns="91425" rIns="91425" bIns="91425" anchor="ctr" anchorCtr="0">
+            <a:noAutofit/>
+          </a:bodyPr>
+          <a:lstStyle/>
+          <a:p>
+            <a:pPr marL="0" lvl="0" indent="0" algn="l" rtl="0">
+              <a:spcBef>
+                <a:spcPts val="0"/>
+              </a:spcBef>
+              <a:spcAft>
+                <a:spcPts val="0"/>
+              </a:spcAft>
+              <a:buNone/>
+            </a:pPr>
+            <a:endParaRPr/>
+          </a:p>
+        </p:txBody>
+      </p:sp>
+      <p:sp>
+        <p:nvSpPr>
+          <p:cNvPr id="80" name="Google Shape;80;p6"/>
+          <p:cNvSpPr/>
+          <p:nvPr/>
+        </p:nvSpPr>
+        <p:spPr>
+          <a:xfrm>
+            <a:off x="202425" y="4401725"/>
+            <a:ext cx="167150" cy="167150"/>
+          </a:xfrm>
+          <a:custGeom>
+            <a:avLst/>
+            <a:gdLst/>
+            <a:ahLst/>
+            <a:cxnLst/>
+            <a:rect l="l" t="t" r="r" b="b"/>
+            <a:pathLst>
+              <a:path w="6686" h="6686" extrusionOk="0">
+                <a:moveTo>
+                  <a:pt x="6236" y="450"/>
+                </a:moveTo>
+                <a:lnTo>
+                  <a:pt x="6236" y="6236"/>
+                </a:lnTo>
+                <a:lnTo>
+                  <a:pt x="450" y="6236"/>
+                </a:lnTo>
+                <a:lnTo>
+                  <a:pt x="450" y="450"/>
+                </a:lnTo>
+                <a:close/>
+                <a:moveTo>
+                  <a:pt x="0" y="0"/>
+                </a:moveTo>
+                <a:lnTo>
+                  <a:pt x="0" y="6686"/>
+                </a:lnTo>
+                <a:lnTo>
+                  <a:pt x="6686" y="6686"/>
+                </a:lnTo>
+                <a:lnTo>
+                  <a:pt x="6686" y="0"/>
+                </a:lnTo>
+                <a:close/>
+              </a:path>
+            </a:pathLst>
+          </a:custGeom>
+          <a:solidFill>
+            <a:schemeClr val="lt2"/>
+          </a:solidFill>
+          <a:ln>
+            <a:noFill/>
+          </a:ln>
+        </p:spPr>
+        <p:txBody>
+          <a:bodyPr spcFirstLastPara="1" wrap="square" lIns="91425" tIns="91425" rIns="91425" bIns="91425" anchor="ctr" anchorCtr="0">
+            <a:noAutofit/>
+          </a:bodyPr>
+          <a:lstStyle/>
+          <a:p>
+            <a:pPr marL="0" lvl="0" indent="0" algn="l" rtl="0">
+              <a:spcBef>
+                <a:spcPts val="0"/>
+              </a:spcBef>
+              <a:spcAft>
+                <a:spcPts val="0"/>
+              </a:spcAft>
+              <a:buNone/>
+            </a:pPr>
+            <a:endParaRPr/>
+          </a:p>
+        </p:txBody>
+      </p:sp>
+      <p:sp>
+        <p:nvSpPr>
+          <p:cNvPr id="81" name="Google Shape;81;p6"/>
+          <p:cNvSpPr/>
+          <p:nvPr/>
+        </p:nvSpPr>
+        <p:spPr>
+          <a:xfrm>
+            <a:off x="462900" y="4753900"/>
+            <a:ext cx="155925" cy="156375"/>
+          </a:xfrm>
+          <a:custGeom>
+            <a:avLst/>
+            <a:gdLst/>
+            <a:ahLst/>
+            <a:cxnLst/>
+            <a:rect l="l" t="t" r="r" b="b"/>
+            <a:pathLst>
+              <a:path w="6237" h="6255" extrusionOk="0">
+                <a:moveTo>
+                  <a:pt x="0" y="0"/>
+                </a:moveTo>
+                <a:lnTo>
+                  <a:pt x="0" y="6255"/>
+                </a:lnTo>
+                <a:lnTo>
+                  <a:pt x="6236" y="6255"/>
+                </a:lnTo>
+                <a:lnTo>
+                  <a:pt x="6236" y="0"/>
+                </a:lnTo>
+                <a:close/>
+              </a:path>
+            </a:pathLst>
+          </a:custGeom>
+          <a:solidFill>
+            <a:schemeClr val="accent2"/>
+          </a:solidFill>
+          <a:ln>
+            <a:noFill/>
+          </a:ln>
+        </p:spPr>
+        <p:txBody>
+          <a:bodyPr spcFirstLastPara="1" wrap="square" lIns="91425" tIns="91425" rIns="91425" bIns="91425" anchor="ctr" anchorCtr="0">
+            <a:noAutofit/>
+          </a:bodyPr>
+          <a:lstStyle/>
+          <a:p>
+            <a:pPr marL="0" lvl="0" indent="0" algn="l" rtl="0">
+              <a:spcBef>
+                <a:spcPts val="0"/>
+              </a:spcBef>
+              <a:spcAft>
+                <a:spcPts val="0"/>
+              </a:spcAft>
+              <a:buNone/>
+            </a:pPr>
+            <a:endParaRPr/>
+          </a:p>
+        </p:txBody>
+      </p:sp>
+    </p:spTree>
+    <p:extLst>
+      <p:ext uri="{BB962C8B-B14F-4D97-AF65-F5344CB8AC3E}">
+        <p14:creationId xmlns:p14="http://schemas.microsoft.com/office/powerpoint/2010/main" val="1353880970"/>
+      </p:ext>
+    </p:extLst>
   </p:cSld>
   <p:clrMapOvr>
     <a:masterClrMapping/>
@@ -10628,8 +11692,9 @@
     <p:sldLayoutId id="2147483655" r:id="rId7"/>
     <p:sldLayoutId id="2147483656" r:id="rId8"/>
     <p:sldLayoutId id="2147483657" r:id="rId9"/>
+    <p:sldLayoutId id="2147483660" r:id="rId10"/>
   </p:sldLayoutIdLst>
-  <p:hf hdr="0" ftr="0" dt="0"/>
+  <p:hf hdr="0" dt="0"/>
   <p:txStyles>
     <p:titleStyle>
       <a:defPPr marR="0" lvl="0" algn="l" rtl="0">
@@ -11377,8 +12442,8 @@
         </p:nvSpPr>
         <p:spPr>
           <a:xfrm>
-            <a:off x="713225" y="1145100"/>
-            <a:ext cx="4242900" cy="2377500"/>
+            <a:off x="471463" y="313509"/>
+            <a:ext cx="4825229" cy="3197164"/>
           </a:xfrm>
           <a:prstGeom prst="rect">
             <a:avLst/>
@@ -11402,38 +12467,25 @@
             <a:r>
               <a:rPr lang="en" dirty="0">
                 <a:solidFill>
+                  <a:srgbClr val="00CFCC"/>
+                </a:solidFill>
+              </a:rPr>
+              <a:t>Revue intérmédiaire</a:t>
+            </a:r>
+            <a:br>
+              <a:rPr lang="en" dirty="0">
+                <a:solidFill>
                   <a:schemeClr val="tx1"/>
                 </a:solidFill>
               </a:rPr>
-              <a:t>REVUE DE </a:t>
-            </a:r>
-            <a:r>
-              <a:rPr lang="en" dirty="0">
-                <a:solidFill>
-                  <a:schemeClr val="accent2"/>
-                </a:solidFill>
-              </a:rPr>
-              <a:t>PROJET </a:t>
-            </a:r>
+            </a:br>
             <a:r>
               <a:rPr lang="en" dirty="0">
                 <a:solidFill>
                   <a:schemeClr val="tx1"/>
                 </a:solidFill>
               </a:rPr>
-              <a:t>FINALE</a:t>
-            </a:r>
-            <a:r>
-              <a:rPr lang="en" dirty="0"/>
-              <a:t> </a:t>
-            </a:r>
-            <a:r>
-              <a:rPr lang="en" dirty="0">
-                <a:solidFill>
-                  <a:schemeClr val="tx1"/>
-                </a:solidFill>
-              </a:rPr>
-              <a:t>SAE</a:t>
+              <a:t>Développement avancé</a:t>
             </a:r>
             <a:r>
               <a:rPr lang="en" dirty="0"/>
@@ -11445,7 +12497,7 @@
                   <a:srgbClr val="00CFCC"/>
                 </a:solidFill>
               </a:rPr>
-              <a:t>S3.A.01</a:t>
+              <a:t>S5.A.01</a:t>
             </a:r>
             <a:endParaRPr dirty="0"/>
           </a:p>
@@ -12899,6 +13951,3117 @@
 </p:sld>
 </file>
 
+<file path=ppt/slides/slide10.xml><?xml version="1.0" encoding="utf-8"?>
+<p:sld xmlns:a="http://schemas.openxmlformats.org/drawingml/2006/main" xmlns:r="http://schemas.openxmlformats.org/officeDocument/2006/relationships" xmlns:p="http://schemas.openxmlformats.org/presentationml/2006/main">
+  <p:cSld>
+    <p:spTree>
+      <p:nvGrpSpPr>
+        <p:cNvPr id="1" name="">
+          <a:extLst>
+            <a:ext uri="{FF2B5EF4-FFF2-40B4-BE49-F238E27FC236}">
+              <a16:creationId xmlns:a16="http://schemas.microsoft.com/office/drawing/2014/main" id="{FE6E1A45-E070-1E29-0921-DF82A8DBB38C}"/>
+            </a:ext>
+          </a:extLst>
+        </p:cNvPr>
+        <p:cNvGrpSpPr/>
+        <p:nvPr/>
+      </p:nvGrpSpPr>
+      <p:grpSpPr>
+        <a:xfrm>
+          <a:off x="0" y="0"/>
+          <a:ext cx="0" cy="0"/>
+          <a:chOff x="0" y="0"/>
+          <a:chExt cx="0" cy="0"/>
+        </a:xfrm>
+      </p:grpSpPr>
+      <p:sp>
+        <p:nvSpPr>
+          <p:cNvPr id="2" name="Titre 1">
+            <a:extLst>
+              <a:ext uri="{FF2B5EF4-FFF2-40B4-BE49-F238E27FC236}">
+                <a16:creationId xmlns:a16="http://schemas.microsoft.com/office/drawing/2014/main" id="{56F06488-DDE5-27A5-D245-8056379F9030}"/>
+              </a:ext>
+            </a:extLst>
+          </p:cNvPr>
+          <p:cNvSpPr>
+            <a:spLocks noGrp="1"/>
+          </p:cNvSpPr>
+          <p:nvPr>
+            <p:ph type="title"/>
+          </p:nvPr>
+        </p:nvSpPr>
+        <p:spPr/>
+        <p:txBody>
+          <a:bodyPr/>
+          <a:lstStyle/>
+          <a:p>
+            <a:r>
+              <a:rPr lang="fr-FR" dirty="0"/>
+              <a:t>Mise en œuvre technique</a:t>
+            </a:r>
+          </a:p>
+        </p:txBody>
+      </p:sp>
+      <p:sp>
+        <p:nvSpPr>
+          <p:cNvPr id="3" name="Sous-titre 2">
+            <a:extLst>
+              <a:ext uri="{FF2B5EF4-FFF2-40B4-BE49-F238E27FC236}">
+                <a16:creationId xmlns:a16="http://schemas.microsoft.com/office/drawing/2014/main" id="{90B45C1F-EEF0-B030-FE5A-54E2C301C448}"/>
+              </a:ext>
+            </a:extLst>
+          </p:cNvPr>
+          <p:cNvSpPr>
+            <a:spLocks noGrp="1"/>
+          </p:cNvSpPr>
+          <p:nvPr>
+            <p:ph type="subTitle" idx="1"/>
+          </p:nvPr>
+        </p:nvSpPr>
+        <p:spPr>
+          <a:xfrm>
+            <a:off x="720000" y="1653350"/>
+            <a:ext cx="3601924" cy="2298300"/>
+          </a:xfrm>
+        </p:spPr>
+        <p:txBody>
+          <a:bodyPr/>
+          <a:lstStyle/>
+          <a:p>
+            <a:endParaRPr lang="fr-FR" dirty="0">
+              <a:solidFill>
+                <a:srgbClr val="F8F8F8"/>
+              </a:solidFill>
+            </a:endParaRPr>
+          </a:p>
+        </p:txBody>
+      </p:sp>
+    </p:spTree>
+    <p:extLst>
+      <p:ext uri="{BB962C8B-B14F-4D97-AF65-F5344CB8AC3E}">
+        <p14:creationId xmlns:p14="http://schemas.microsoft.com/office/powerpoint/2010/main" val="3239669790"/>
+      </p:ext>
+    </p:extLst>
+  </p:cSld>
+  <p:clrMapOvr>
+    <a:masterClrMapping/>
+  </p:clrMapOvr>
+</p:sld>
+</file>
+
+<file path=ppt/slides/slide11.xml><?xml version="1.0" encoding="utf-8"?>
+<p:sld xmlns:a="http://schemas.openxmlformats.org/drawingml/2006/main" xmlns:r="http://schemas.openxmlformats.org/officeDocument/2006/relationships" xmlns:p="http://schemas.openxmlformats.org/presentationml/2006/main">
+  <p:cSld>
+    <p:spTree>
+      <p:nvGrpSpPr>
+        <p:cNvPr id="1" name="">
+          <a:extLst>
+            <a:ext uri="{FF2B5EF4-FFF2-40B4-BE49-F238E27FC236}">
+              <a16:creationId xmlns:a16="http://schemas.microsoft.com/office/drawing/2014/main" id="{6D98B35D-1030-F9D7-26AD-8DEB5648AEB9}"/>
+            </a:ext>
+          </a:extLst>
+        </p:cNvPr>
+        <p:cNvGrpSpPr/>
+        <p:nvPr/>
+      </p:nvGrpSpPr>
+      <p:grpSpPr>
+        <a:xfrm>
+          <a:off x="0" y="0"/>
+          <a:ext cx="0" cy="0"/>
+          <a:chOff x="0" y="0"/>
+          <a:chExt cx="0" cy="0"/>
+        </a:xfrm>
+      </p:grpSpPr>
+      <p:sp>
+        <p:nvSpPr>
+          <p:cNvPr id="2" name="Titre 1">
+            <a:extLst>
+              <a:ext uri="{FF2B5EF4-FFF2-40B4-BE49-F238E27FC236}">
+                <a16:creationId xmlns:a16="http://schemas.microsoft.com/office/drawing/2014/main" id="{B99C9FD4-F91E-3665-5ABC-56824FAEA160}"/>
+              </a:ext>
+            </a:extLst>
+          </p:cNvPr>
+          <p:cNvSpPr>
+            <a:spLocks noGrp="1"/>
+          </p:cNvSpPr>
+          <p:nvPr>
+            <p:ph type="title"/>
+          </p:nvPr>
+        </p:nvSpPr>
+        <p:spPr/>
+        <p:txBody>
+          <a:bodyPr/>
+          <a:lstStyle/>
+          <a:p>
+            <a:r>
+              <a:rPr lang="fr-FR" dirty="0"/>
+              <a:t>Compétences mises en œuvre </a:t>
+            </a:r>
+          </a:p>
+        </p:txBody>
+      </p:sp>
+      <p:sp>
+        <p:nvSpPr>
+          <p:cNvPr id="3" name="Sous-titre 2">
+            <a:extLst>
+              <a:ext uri="{FF2B5EF4-FFF2-40B4-BE49-F238E27FC236}">
+                <a16:creationId xmlns:a16="http://schemas.microsoft.com/office/drawing/2014/main" id="{FAE927B6-2690-E113-A3B2-43D127450E7F}"/>
+              </a:ext>
+            </a:extLst>
+          </p:cNvPr>
+          <p:cNvSpPr>
+            <a:spLocks noGrp="1"/>
+          </p:cNvSpPr>
+          <p:nvPr>
+            <p:ph type="subTitle" idx="1"/>
+          </p:nvPr>
+        </p:nvSpPr>
+        <p:spPr>
+          <a:xfrm>
+            <a:off x="720000" y="1653350"/>
+            <a:ext cx="3601924" cy="2298300"/>
+          </a:xfrm>
+        </p:spPr>
+        <p:txBody>
+          <a:bodyPr/>
+          <a:lstStyle/>
+          <a:p>
+            <a:endParaRPr lang="fr-FR" dirty="0">
+              <a:solidFill>
+                <a:srgbClr val="F8F8F8"/>
+              </a:solidFill>
+            </a:endParaRPr>
+          </a:p>
+        </p:txBody>
+      </p:sp>
+    </p:spTree>
+    <p:extLst>
+      <p:ext uri="{BB962C8B-B14F-4D97-AF65-F5344CB8AC3E}">
+        <p14:creationId xmlns:p14="http://schemas.microsoft.com/office/powerpoint/2010/main" val="2129883469"/>
+      </p:ext>
+    </p:extLst>
+  </p:cSld>
+  <p:clrMapOvr>
+    <a:masterClrMapping/>
+  </p:clrMapOvr>
+</p:sld>
+</file>
+
+<file path=ppt/slides/slide12.xml><?xml version="1.0" encoding="utf-8"?>
+<p:sld xmlns:a="http://schemas.openxmlformats.org/drawingml/2006/main" xmlns:r="http://schemas.openxmlformats.org/officeDocument/2006/relationships" xmlns:p="http://schemas.openxmlformats.org/presentationml/2006/main">
+  <p:cSld>
+    <p:spTree>
+      <p:nvGrpSpPr>
+        <p:cNvPr id="1" name="">
+          <a:extLst>
+            <a:ext uri="{FF2B5EF4-FFF2-40B4-BE49-F238E27FC236}">
+              <a16:creationId xmlns:a16="http://schemas.microsoft.com/office/drawing/2014/main" id="{3F0D33B2-8CB5-0968-ABE5-DED5D0C8EFA9}"/>
+            </a:ext>
+          </a:extLst>
+        </p:cNvPr>
+        <p:cNvGrpSpPr/>
+        <p:nvPr/>
+      </p:nvGrpSpPr>
+      <p:grpSpPr>
+        <a:xfrm>
+          <a:off x="0" y="0"/>
+          <a:ext cx="0" cy="0"/>
+          <a:chOff x="0" y="0"/>
+          <a:chExt cx="0" cy="0"/>
+        </a:xfrm>
+      </p:grpSpPr>
+      <p:sp>
+        <p:nvSpPr>
+          <p:cNvPr id="2" name="Titre 1">
+            <a:extLst>
+              <a:ext uri="{FF2B5EF4-FFF2-40B4-BE49-F238E27FC236}">
+                <a16:creationId xmlns:a16="http://schemas.microsoft.com/office/drawing/2014/main" id="{BCDD6F7A-25B2-AB4E-843A-83FE95F06C01}"/>
+              </a:ext>
+            </a:extLst>
+          </p:cNvPr>
+          <p:cNvSpPr>
+            <a:spLocks noGrp="1"/>
+          </p:cNvSpPr>
+          <p:nvPr>
+            <p:ph type="title"/>
+          </p:nvPr>
+        </p:nvSpPr>
+        <p:spPr/>
+        <p:txBody>
+          <a:bodyPr/>
+          <a:lstStyle/>
+          <a:p>
+            <a:r>
+              <a:rPr lang="fr-FR" dirty="0"/>
+              <a:t>Temps passé sur le projet</a:t>
+            </a:r>
+          </a:p>
+        </p:txBody>
+      </p:sp>
+      <p:sp>
+        <p:nvSpPr>
+          <p:cNvPr id="3" name="Sous-titre 2">
+            <a:extLst>
+              <a:ext uri="{FF2B5EF4-FFF2-40B4-BE49-F238E27FC236}">
+                <a16:creationId xmlns:a16="http://schemas.microsoft.com/office/drawing/2014/main" id="{3E3F8F7E-52A8-FB37-1917-23C8015991A1}"/>
+              </a:ext>
+            </a:extLst>
+          </p:cNvPr>
+          <p:cNvSpPr>
+            <a:spLocks noGrp="1"/>
+          </p:cNvSpPr>
+          <p:nvPr>
+            <p:ph type="subTitle" idx="1"/>
+          </p:nvPr>
+        </p:nvSpPr>
+        <p:spPr>
+          <a:xfrm>
+            <a:off x="720000" y="1653350"/>
+            <a:ext cx="3601924" cy="2298300"/>
+          </a:xfrm>
+        </p:spPr>
+        <p:txBody>
+          <a:bodyPr/>
+          <a:lstStyle/>
+          <a:p>
+            <a:endParaRPr lang="fr-FR" dirty="0">
+              <a:solidFill>
+                <a:srgbClr val="F8F8F8"/>
+              </a:solidFill>
+            </a:endParaRPr>
+          </a:p>
+        </p:txBody>
+      </p:sp>
+    </p:spTree>
+    <p:extLst>
+      <p:ext uri="{BB962C8B-B14F-4D97-AF65-F5344CB8AC3E}">
+        <p14:creationId xmlns:p14="http://schemas.microsoft.com/office/powerpoint/2010/main" val="4177519798"/>
+      </p:ext>
+    </p:extLst>
+  </p:cSld>
+  <p:clrMapOvr>
+    <a:masterClrMapping/>
+  </p:clrMapOvr>
+</p:sld>
+</file>
+
+<file path=ppt/slides/slide13.xml><?xml version="1.0" encoding="utf-8"?>
+<p:sld xmlns:a="http://schemas.openxmlformats.org/drawingml/2006/main" xmlns:r="http://schemas.openxmlformats.org/officeDocument/2006/relationships" xmlns:p="http://schemas.openxmlformats.org/presentationml/2006/main">
+  <p:cSld>
+    <p:spTree>
+      <p:nvGrpSpPr>
+        <p:cNvPr id="1" name="">
+          <a:extLst>
+            <a:ext uri="{FF2B5EF4-FFF2-40B4-BE49-F238E27FC236}">
+              <a16:creationId xmlns:a16="http://schemas.microsoft.com/office/drawing/2014/main" id="{FFFFBD26-2972-3D9A-5CFD-AE14352BBC05}"/>
+            </a:ext>
+          </a:extLst>
+        </p:cNvPr>
+        <p:cNvGrpSpPr/>
+        <p:nvPr/>
+      </p:nvGrpSpPr>
+      <p:grpSpPr>
+        <a:xfrm>
+          <a:off x="0" y="0"/>
+          <a:ext cx="0" cy="0"/>
+          <a:chOff x="0" y="0"/>
+          <a:chExt cx="0" cy="0"/>
+        </a:xfrm>
+      </p:grpSpPr>
+      <p:sp>
+        <p:nvSpPr>
+          <p:cNvPr id="2" name="Titre 1">
+            <a:extLst>
+              <a:ext uri="{FF2B5EF4-FFF2-40B4-BE49-F238E27FC236}">
+                <a16:creationId xmlns:a16="http://schemas.microsoft.com/office/drawing/2014/main" id="{2AAB5437-1166-71A8-2358-F0FCA006931C}"/>
+              </a:ext>
+            </a:extLst>
+          </p:cNvPr>
+          <p:cNvSpPr>
+            <a:spLocks noGrp="1"/>
+          </p:cNvSpPr>
+          <p:nvPr>
+            <p:ph type="title"/>
+          </p:nvPr>
+        </p:nvSpPr>
+        <p:spPr/>
+        <p:txBody>
+          <a:bodyPr/>
+          <a:lstStyle/>
+          <a:p>
+            <a:r>
+              <a:rPr lang="fr-FR" dirty="0"/>
+              <a:t>Conclusion</a:t>
+            </a:r>
+          </a:p>
+        </p:txBody>
+      </p:sp>
+      <p:sp>
+        <p:nvSpPr>
+          <p:cNvPr id="3" name="Sous-titre 2">
+            <a:extLst>
+              <a:ext uri="{FF2B5EF4-FFF2-40B4-BE49-F238E27FC236}">
+                <a16:creationId xmlns:a16="http://schemas.microsoft.com/office/drawing/2014/main" id="{E56B1DC2-9F74-4675-D488-84F4DC9C64D4}"/>
+              </a:ext>
+            </a:extLst>
+          </p:cNvPr>
+          <p:cNvSpPr>
+            <a:spLocks noGrp="1"/>
+          </p:cNvSpPr>
+          <p:nvPr>
+            <p:ph type="subTitle" idx="1"/>
+          </p:nvPr>
+        </p:nvSpPr>
+        <p:spPr>
+          <a:xfrm>
+            <a:off x="720000" y="1653350"/>
+            <a:ext cx="3601924" cy="2298300"/>
+          </a:xfrm>
+        </p:spPr>
+        <p:txBody>
+          <a:bodyPr/>
+          <a:lstStyle/>
+          <a:p>
+            <a:endParaRPr lang="fr-FR" dirty="0">
+              <a:solidFill>
+                <a:srgbClr val="F8F8F8"/>
+              </a:solidFill>
+            </a:endParaRPr>
+          </a:p>
+        </p:txBody>
+      </p:sp>
+    </p:spTree>
+    <p:extLst>
+      <p:ext uri="{BB962C8B-B14F-4D97-AF65-F5344CB8AC3E}">
+        <p14:creationId xmlns:p14="http://schemas.microsoft.com/office/powerpoint/2010/main" val="3276771029"/>
+      </p:ext>
+    </p:extLst>
+  </p:cSld>
+  <p:clrMapOvr>
+    <a:masterClrMapping/>
+  </p:clrMapOvr>
+</p:sld>
+</file>
+
+<file path=ppt/slides/slide14.xml><?xml version="1.0" encoding="utf-8"?>
+<p:sld xmlns:a="http://schemas.openxmlformats.org/drawingml/2006/main" xmlns:r="http://schemas.openxmlformats.org/officeDocument/2006/relationships" xmlns:p="http://schemas.openxmlformats.org/presentationml/2006/main">
+  <p:cSld>
+    <p:spTree>
+      <p:nvGrpSpPr>
+        <p:cNvPr id="1" name="Shape 465"/>
+        <p:cNvGrpSpPr/>
+        <p:nvPr/>
+      </p:nvGrpSpPr>
+      <p:grpSpPr>
+        <a:xfrm>
+          <a:off x="0" y="0"/>
+          <a:ext cx="0" cy="0"/>
+          <a:chOff x="0" y="0"/>
+          <a:chExt cx="0" cy="0"/>
+        </a:xfrm>
+      </p:grpSpPr>
+      <p:sp>
+        <p:nvSpPr>
+          <p:cNvPr id="466" name="Google Shape;466;p23"/>
+          <p:cNvSpPr txBox="1">
+            <a:spLocks noGrp="1"/>
+          </p:cNvSpPr>
+          <p:nvPr>
+            <p:ph type="title"/>
+          </p:nvPr>
+        </p:nvSpPr>
+        <p:spPr>
+          <a:xfrm>
+            <a:off x="720000" y="539500"/>
+            <a:ext cx="7704000" cy="572700"/>
+          </a:xfrm>
+          <a:prstGeom prst="rect">
+            <a:avLst/>
+          </a:prstGeom>
+        </p:spPr>
+        <p:txBody>
+          <a:bodyPr spcFirstLastPara="1" wrap="square" lIns="91425" tIns="91425" rIns="91425" bIns="91425" anchor="t" anchorCtr="0">
+            <a:noAutofit/>
+          </a:bodyPr>
+          <a:lstStyle/>
+          <a:p>
+            <a:pPr marL="0" lvl="0" indent="0" algn="l" rtl="0">
+              <a:spcBef>
+                <a:spcPts val="0"/>
+              </a:spcBef>
+              <a:spcAft>
+                <a:spcPts val="0"/>
+              </a:spcAft>
+              <a:buNone/>
+            </a:pPr>
+            <a:r>
+              <a:rPr lang="fr-FR"/>
+              <a:t>Démonstration technique</a:t>
+            </a:r>
+            <a:endParaRPr/>
+          </a:p>
+        </p:txBody>
+      </p:sp>
+      <p:sp>
+        <p:nvSpPr>
+          <p:cNvPr id="467" name="Google Shape;467;p23"/>
+          <p:cNvSpPr/>
+          <p:nvPr/>
+        </p:nvSpPr>
+        <p:spPr>
+          <a:xfrm>
+            <a:off x="1955391" y="2803400"/>
+            <a:ext cx="1466700" cy="1800600"/>
+          </a:xfrm>
+          <a:prstGeom prst="rect">
+            <a:avLst/>
+          </a:prstGeom>
+          <a:noFill/>
+          <a:ln w="19050" cap="flat" cmpd="sng">
+            <a:solidFill>
+              <a:schemeClr val="lt2"/>
+            </a:solidFill>
+            <a:prstDash val="solid"/>
+            <a:round/>
+            <a:headEnd type="none" w="sm" len="sm"/>
+            <a:tailEnd type="none" w="sm" len="sm"/>
+          </a:ln>
+        </p:spPr>
+        <p:txBody>
+          <a:bodyPr spcFirstLastPara="1" wrap="square" lIns="91425" tIns="91425" rIns="91425" bIns="91425" anchor="ctr" anchorCtr="0">
+            <a:noAutofit/>
+          </a:bodyPr>
+          <a:lstStyle/>
+          <a:p>
+            <a:pPr marL="0" lvl="0" indent="0" algn="l" rtl="0">
+              <a:spcBef>
+                <a:spcPts val="0"/>
+              </a:spcBef>
+              <a:spcAft>
+                <a:spcPts val="0"/>
+              </a:spcAft>
+              <a:buNone/>
+            </a:pPr>
+            <a:endParaRPr/>
+          </a:p>
+        </p:txBody>
+      </p:sp>
+      <p:sp>
+        <p:nvSpPr>
+          <p:cNvPr id="468" name="Google Shape;468;p23"/>
+          <p:cNvSpPr/>
+          <p:nvPr/>
+        </p:nvSpPr>
+        <p:spPr>
+          <a:xfrm>
+            <a:off x="2272191" y="2147250"/>
+            <a:ext cx="833100" cy="833100"/>
+          </a:xfrm>
+          <a:prstGeom prst="rect">
+            <a:avLst/>
+          </a:prstGeom>
+          <a:solidFill>
+            <a:schemeClr val="accent3"/>
+          </a:solidFill>
+          <a:ln>
+            <a:noFill/>
+          </a:ln>
+        </p:spPr>
+        <p:txBody>
+          <a:bodyPr spcFirstLastPara="1" wrap="square" lIns="91425" tIns="91425" rIns="91425" bIns="91425" anchor="ctr" anchorCtr="0">
+            <a:noAutofit/>
+          </a:bodyPr>
+          <a:lstStyle/>
+          <a:p>
+            <a:pPr marL="0" lvl="0" indent="0" algn="l" rtl="0">
+              <a:spcBef>
+                <a:spcPts val="0"/>
+              </a:spcBef>
+              <a:spcAft>
+                <a:spcPts val="0"/>
+              </a:spcAft>
+              <a:buNone/>
+            </a:pPr>
+            <a:endParaRPr/>
+          </a:p>
+        </p:txBody>
+      </p:sp>
+      <p:sp>
+        <p:nvSpPr>
+          <p:cNvPr id="469" name="Google Shape;469;p23"/>
+          <p:cNvSpPr/>
+          <p:nvPr/>
+        </p:nvSpPr>
+        <p:spPr>
+          <a:xfrm>
+            <a:off x="3838635" y="2803400"/>
+            <a:ext cx="1466700" cy="1800600"/>
+          </a:xfrm>
+          <a:prstGeom prst="rect">
+            <a:avLst/>
+          </a:prstGeom>
+          <a:noFill/>
+          <a:ln w="19050" cap="flat" cmpd="sng">
+            <a:solidFill>
+              <a:schemeClr val="lt2"/>
+            </a:solidFill>
+            <a:prstDash val="solid"/>
+            <a:round/>
+            <a:headEnd type="none" w="sm" len="sm"/>
+            <a:tailEnd type="none" w="sm" len="sm"/>
+          </a:ln>
+        </p:spPr>
+        <p:txBody>
+          <a:bodyPr spcFirstLastPara="1" wrap="square" lIns="91425" tIns="91425" rIns="91425" bIns="91425" anchor="ctr" anchorCtr="0">
+            <a:noAutofit/>
+          </a:bodyPr>
+          <a:lstStyle/>
+          <a:p>
+            <a:pPr marL="0" lvl="0" indent="0" algn="l" rtl="0">
+              <a:spcBef>
+                <a:spcPts val="0"/>
+              </a:spcBef>
+              <a:spcAft>
+                <a:spcPts val="0"/>
+              </a:spcAft>
+              <a:buNone/>
+            </a:pPr>
+            <a:endParaRPr/>
+          </a:p>
+        </p:txBody>
+      </p:sp>
+      <p:sp>
+        <p:nvSpPr>
+          <p:cNvPr id="470" name="Google Shape;470;p23"/>
+          <p:cNvSpPr/>
+          <p:nvPr/>
+        </p:nvSpPr>
+        <p:spPr>
+          <a:xfrm>
+            <a:off x="4153076" y="2182159"/>
+            <a:ext cx="833100" cy="833100"/>
+          </a:xfrm>
+          <a:prstGeom prst="rect">
+            <a:avLst/>
+          </a:prstGeom>
+          <a:solidFill>
+            <a:schemeClr val="accent5"/>
+          </a:solidFill>
+          <a:ln>
+            <a:noFill/>
+          </a:ln>
+        </p:spPr>
+        <p:txBody>
+          <a:bodyPr spcFirstLastPara="1" wrap="square" lIns="91425" tIns="91425" rIns="91425" bIns="91425" anchor="ctr" anchorCtr="0">
+            <a:noAutofit/>
+          </a:bodyPr>
+          <a:lstStyle/>
+          <a:p>
+            <a:pPr marL="0" lvl="0" indent="0" algn="l" rtl="0">
+              <a:spcBef>
+                <a:spcPts val="0"/>
+              </a:spcBef>
+              <a:spcAft>
+                <a:spcPts val="0"/>
+              </a:spcAft>
+              <a:buNone/>
+            </a:pPr>
+            <a:endParaRPr/>
+          </a:p>
+        </p:txBody>
+      </p:sp>
+      <p:sp>
+        <p:nvSpPr>
+          <p:cNvPr id="471" name="Google Shape;471;p23"/>
+          <p:cNvSpPr/>
+          <p:nvPr/>
+        </p:nvSpPr>
+        <p:spPr>
+          <a:xfrm>
+            <a:off x="5754150" y="2803400"/>
+            <a:ext cx="1466700" cy="1800600"/>
+          </a:xfrm>
+          <a:prstGeom prst="rect">
+            <a:avLst/>
+          </a:prstGeom>
+          <a:noFill/>
+          <a:ln w="19050" cap="flat" cmpd="sng">
+            <a:solidFill>
+              <a:schemeClr val="lt2"/>
+            </a:solidFill>
+            <a:prstDash val="solid"/>
+            <a:round/>
+            <a:headEnd type="none" w="sm" len="sm"/>
+            <a:tailEnd type="none" w="sm" len="sm"/>
+          </a:ln>
+        </p:spPr>
+        <p:txBody>
+          <a:bodyPr spcFirstLastPara="1" wrap="square" lIns="91425" tIns="91425" rIns="91425" bIns="91425" anchor="ctr" anchorCtr="0">
+            <a:noAutofit/>
+          </a:bodyPr>
+          <a:lstStyle/>
+          <a:p>
+            <a:pPr marL="0" lvl="0" indent="0" algn="l" rtl="0">
+              <a:spcBef>
+                <a:spcPts val="0"/>
+              </a:spcBef>
+              <a:spcAft>
+                <a:spcPts val="0"/>
+              </a:spcAft>
+              <a:buNone/>
+            </a:pPr>
+            <a:endParaRPr/>
+          </a:p>
+        </p:txBody>
+      </p:sp>
+      <p:sp>
+        <p:nvSpPr>
+          <p:cNvPr id="472" name="Google Shape;472;p23"/>
+          <p:cNvSpPr/>
+          <p:nvPr/>
+        </p:nvSpPr>
+        <p:spPr>
+          <a:xfrm>
+            <a:off x="6070225" y="2147250"/>
+            <a:ext cx="833100" cy="833100"/>
+          </a:xfrm>
+          <a:prstGeom prst="rect">
+            <a:avLst/>
+          </a:prstGeom>
+          <a:solidFill>
+            <a:schemeClr val="accent1"/>
+          </a:solidFill>
+          <a:ln>
+            <a:noFill/>
+          </a:ln>
+        </p:spPr>
+        <p:txBody>
+          <a:bodyPr spcFirstLastPara="1" wrap="square" lIns="91425" tIns="91425" rIns="91425" bIns="91425" anchor="ctr" anchorCtr="0">
+            <a:noAutofit/>
+          </a:bodyPr>
+          <a:lstStyle/>
+          <a:p>
+            <a:pPr marL="0" lvl="0" indent="0" algn="l" rtl="0">
+              <a:spcBef>
+                <a:spcPts val="0"/>
+              </a:spcBef>
+              <a:spcAft>
+                <a:spcPts val="0"/>
+              </a:spcAft>
+              <a:buNone/>
+            </a:pPr>
+            <a:endParaRPr/>
+          </a:p>
+        </p:txBody>
+      </p:sp>
+      <p:grpSp>
+        <p:nvGrpSpPr>
+          <p:cNvPr id="492" name="Google Shape;492;p23"/>
+          <p:cNvGrpSpPr/>
+          <p:nvPr/>
+        </p:nvGrpSpPr>
+        <p:grpSpPr>
+          <a:xfrm>
+            <a:off x="1955360" y="1453300"/>
+            <a:ext cx="1466761" cy="2691855"/>
+            <a:chOff x="1569550" y="1458000"/>
+            <a:chExt cx="1466761" cy="2691855"/>
+          </a:xfrm>
+        </p:grpSpPr>
+        <p:grpSp>
+          <p:nvGrpSpPr>
+            <p:cNvPr id="493" name="Google Shape;493;p23"/>
+            <p:cNvGrpSpPr/>
+            <p:nvPr/>
+          </p:nvGrpSpPr>
+          <p:grpSpPr>
+            <a:xfrm>
+              <a:off x="1569550" y="3166425"/>
+              <a:ext cx="1466761" cy="983430"/>
+              <a:chOff x="1228601" y="3299388"/>
+              <a:chExt cx="1596909" cy="983430"/>
+            </a:xfrm>
+          </p:grpSpPr>
+          <p:sp>
+            <p:nvSpPr>
+              <p:cNvPr id="494" name="Google Shape;494;p23"/>
+              <p:cNvSpPr txBox="1"/>
+              <p:nvPr/>
+            </p:nvSpPr>
+            <p:spPr>
+              <a:xfrm>
+                <a:off x="1228610" y="3299388"/>
+                <a:ext cx="1596900" cy="457200"/>
+              </a:xfrm>
+              <a:prstGeom prst="rect">
+                <a:avLst/>
+              </a:prstGeom>
+              <a:noFill/>
+              <a:ln>
+                <a:noFill/>
+              </a:ln>
+            </p:spPr>
+            <p:txBody>
+              <a:bodyPr spcFirstLastPara="1" wrap="square" lIns="91425" tIns="91425" rIns="91425" bIns="91425" anchor="b" anchorCtr="0">
+                <a:noAutofit/>
+              </a:bodyPr>
+              <a:lstStyle/>
+              <a:p>
+                <a:pPr marL="0" lvl="0" indent="0" algn="ctr" rtl="0">
+                  <a:spcBef>
+                    <a:spcPts val="0"/>
+                  </a:spcBef>
+                  <a:spcAft>
+                    <a:spcPts val="0"/>
+                  </a:spcAft>
+                  <a:buNone/>
+                </a:pPr>
+                <a:r>
+                  <a:rPr lang="en" sz="2000" dirty="0">
+                    <a:solidFill>
+                      <a:schemeClr val="accent6">
+                        <a:lumMod val="60000"/>
+                        <a:lumOff val="40000"/>
+                      </a:schemeClr>
+                    </a:solidFill>
+                    <a:latin typeface="Share Tech"/>
+                    <a:ea typeface="Share Tech"/>
+                    <a:cs typeface="Share Tech"/>
+                    <a:sym typeface="Share Tech"/>
+                  </a:rPr>
+                  <a:t>Se connecter</a:t>
+                </a:r>
+                <a:endParaRPr sz="2000" dirty="0">
+                  <a:solidFill>
+                    <a:schemeClr val="accent6">
+                      <a:lumMod val="60000"/>
+                      <a:lumOff val="40000"/>
+                    </a:schemeClr>
+                  </a:solidFill>
+                  <a:latin typeface="Share Tech"/>
+                  <a:ea typeface="Share Tech"/>
+                  <a:cs typeface="Share Tech"/>
+                  <a:sym typeface="Share Tech"/>
+                </a:endParaRPr>
+              </a:p>
+            </p:txBody>
+          </p:sp>
+          <p:sp>
+            <p:nvSpPr>
+              <p:cNvPr id="495" name="Google Shape;495;p23"/>
+              <p:cNvSpPr txBox="1"/>
+              <p:nvPr/>
+            </p:nvSpPr>
+            <p:spPr>
+              <a:xfrm>
+                <a:off x="1228601" y="3601818"/>
+                <a:ext cx="1596900" cy="681000"/>
+              </a:xfrm>
+              <a:prstGeom prst="rect">
+                <a:avLst/>
+              </a:prstGeom>
+              <a:noFill/>
+              <a:ln>
+                <a:noFill/>
+              </a:ln>
+            </p:spPr>
+            <p:txBody>
+              <a:bodyPr spcFirstLastPara="1" wrap="square" lIns="91425" tIns="91425" rIns="91425" bIns="91425" anchor="t" anchorCtr="0">
+                <a:noAutofit/>
+              </a:bodyPr>
+              <a:lstStyle/>
+              <a:p>
+                <a:pPr marL="0" lvl="0" indent="0" algn="ctr" rtl="0">
+                  <a:spcBef>
+                    <a:spcPts val="0"/>
+                  </a:spcBef>
+                  <a:spcAft>
+                    <a:spcPts val="0"/>
+                  </a:spcAft>
+                  <a:buNone/>
+                </a:pPr>
+                <a:r>
+                  <a:rPr lang="en" sz="1300" dirty="0">
+                    <a:solidFill>
+                      <a:schemeClr val="dk1"/>
+                    </a:solidFill>
+                    <a:latin typeface="Maven Pro"/>
+                    <a:ea typeface="Maven Pro"/>
+                    <a:cs typeface="Maven Pro"/>
+                    <a:sym typeface="Maven Pro"/>
+                  </a:rPr>
+                  <a:t>avec son identifiant et son mot de passe</a:t>
+                </a:r>
+                <a:endParaRPr sz="1300" dirty="0">
+                  <a:solidFill>
+                    <a:schemeClr val="dk1"/>
+                  </a:solidFill>
+                  <a:latin typeface="Maven Pro"/>
+                  <a:ea typeface="Maven Pro"/>
+                  <a:cs typeface="Maven Pro"/>
+                  <a:sym typeface="Maven Pro"/>
+                </a:endParaRPr>
+              </a:p>
+            </p:txBody>
+          </p:sp>
+        </p:grpSp>
+        <p:sp>
+          <p:nvSpPr>
+            <p:cNvPr id="496" name="Google Shape;496;p23"/>
+            <p:cNvSpPr txBox="1"/>
+            <p:nvPr/>
+          </p:nvSpPr>
+          <p:spPr>
+            <a:xfrm>
+              <a:off x="1918625" y="1458000"/>
+              <a:ext cx="768600" cy="457200"/>
+            </a:xfrm>
+            <a:prstGeom prst="rect">
+              <a:avLst/>
+            </a:prstGeom>
+            <a:noFill/>
+            <a:ln>
+              <a:noFill/>
+            </a:ln>
+          </p:spPr>
+          <p:txBody>
+            <a:bodyPr spcFirstLastPara="1" wrap="square" lIns="91425" tIns="91425" rIns="91425" bIns="91425" anchor="ctr" anchorCtr="0">
+              <a:noAutofit/>
+            </a:bodyPr>
+            <a:lstStyle/>
+            <a:p>
+              <a:pPr marL="0" lvl="0" indent="0" algn="ctr" rtl="0">
+                <a:spcBef>
+                  <a:spcPts val="0"/>
+                </a:spcBef>
+                <a:spcAft>
+                  <a:spcPts val="0"/>
+                </a:spcAft>
+                <a:buNone/>
+              </a:pPr>
+              <a:r>
+                <a:rPr lang="en" sz="2400">
+                  <a:solidFill>
+                    <a:schemeClr val="accent3"/>
+                  </a:solidFill>
+                  <a:latin typeface="Share Tech"/>
+                  <a:ea typeface="Share Tech"/>
+                  <a:cs typeface="Share Tech"/>
+                  <a:sym typeface="Share Tech"/>
+                </a:rPr>
+                <a:t>01</a:t>
+              </a:r>
+              <a:endParaRPr sz="2400">
+                <a:solidFill>
+                  <a:schemeClr val="accent3"/>
+                </a:solidFill>
+                <a:latin typeface="Share Tech"/>
+                <a:ea typeface="Share Tech"/>
+                <a:cs typeface="Share Tech"/>
+                <a:sym typeface="Share Tech"/>
+              </a:endParaRPr>
+            </a:p>
+          </p:txBody>
+        </p:sp>
+      </p:grpSp>
+      <p:grpSp>
+        <p:nvGrpSpPr>
+          <p:cNvPr id="497" name="Google Shape;497;p23"/>
+          <p:cNvGrpSpPr/>
+          <p:nvPr/>
+        </p:nvGrpSpPr>
+        <p:grpSpPr>
+          <a:xfrm>
+            <a:off x="3838646" y="1453300"/>
+            <a:ext cx="1466707" cy="2689409"/>
+            <a:chOff x="3838663" y="1458000"/>
+            <a:chExt cx="1466707" cy="2689409"/>
+          </a:xfrm>
+        </p:grpSpPr>
+        <p:grpSp>
+          <p:nvGrpSpPr>
+            <p:cNvPr id="498" name="Google Shape;498;p23"/>
+            <p:cNvGrpSpPr/>
+            <p:nvPr/>
+          </p:nvGrpSpPr>
+          <p:grpSpPr>
+            <a:xfrm>
+              <a:off x="3838663" y="3163974"/>
+              <a:ext cx="1466707" cy="983435"/>
+              <a:chOff x="3012024" y="3299387"/>
+              <a:chExt cx="1466707" cy="983435"/>
+            </a:xfrm>
+          </p:grpSpPr>
+          <p:sp>
+            <p:nvSpPr>
+              <p:cNvPr id="499" name="Google Shape;499;p23"/>
+              <p:cNvSpPr txBox="1"/>
+              <p:nvPr/>
+            </p:nvSpPr>
+            <p:spPr>
+              <a:xfrm>
+                <a:off x="3012031" y="3299387"/>
+                <a:ext cx="1466700" cy="457200"/>
+              </a:xfrm>
+              <a:prstGeom prst="rect">
+                <a:avLst/>
+              </a:prstGeom>
+              <a:noFill/>
+              <a:ln>
+                <a:noFill/>
+              </a:ln>
+            </p:spPr>
+            <p:txBody>
+              <a:bodyPr spcFirstLastPara="1" wrap="square" lIns="91425" tIns="91425" rIns="91425" bIns="91425" anchor="b" anchorCtr="0">
+                <a:noAutofit/>
+              </a:bodyPr>
+              <a:lstStyle/>
+              <a:p>
+                <a:pPr marL="0" lvl="0" indent="0" algn="ctr" rtl="0">
+                  <a:spcBef>
+                    <a:spcPts val="0"/>
+                  </a:spcBef>
+                  <a:spcAft>
+                    <a:spcPts val="0"/>
+                  </a:spcAft>
+                  <a:buNone/>
+                </a:pPr>
+                <a:r>
+                  <a:rPr lang="en" sz="2000" dirty="0">
+                    <a:solidFill>
+                      <a:schemeClr val="accent2">
+                        <a:lumMod val="60000"/>
+                        <a:lumOff val="40000"/>
+                      </a:schemeClr>
+                    </a:solidFill>
+                    <a:latin typeface="Share Tech"/>
+                    <a:ea typeface="Share Tech"/>
+                    <a:cs typeface="Share Tech"/>
+                    <a:sym typeface="Share Tech"/>
+                  </a:rPr>
+                  <a:t>Visualiser</a:t>
+                </a:r>
+                <a:endParaRPr sz="2000" dirty="0">
+                  <a:solidFill>
+                    <a:schemeClr val="accent2">
+                      <a:lumMod val="60000"/>
+                      <a:lumOff val="40000"/>
+                    </a:schemeClr>
+                  </a:solidFill>
+                  <a:latin typeface="Share Tech"/>
+                  <a:ea typeface="Share Tech"/>
+                  <a:cs typeface="Share Tech"/>
+                  <a:sym typeface="Share Tech"/>
+                </a:endParaRPr>
+              </a:p>
+            </p:txBody>
+          </p:sp>
+          <p:sp>
+            <p:nvSpPr>
+              <p:cNvPr id="500" name="Google Shape;500;p23"/>
+              <p:cNvSpPr txBox="1"/>
+              <p:nvPr/>
+            </p:nvSpPr>
+            <p:spPr>
+              <a:xfrm>
+                <a:off x="3012024" y="3601822"/>
+                <a:ext cx="1466700" cy="681000"/>
+              </a:xfrm>
+              <a:prstGeom prst="rect">
+                <a:avLst/>
+              </a:prstGeom>
+              <a:noFill/>
+              <a:ln>
+                <a:noFill/>
+              </a:ln>
+            </p:spPr>
+            <p:txBody>
+              <a:bodyPr spcFirstLastPara="1" wrap="square" lIns="91425" tIns="91425" rIns="91425" bIns="91425" anchor="t" anchorCtr="0">
+                <a:noAutofit/>
+              </a:bodyPr>
+              <a:lstStyle/>
+              <a:p>
+                <a:pPr marL="0" lvl="0" indent="0" algn="ctr" rtl="0">
+                  <a:spcBef>
+                    <a:spcPts val="0"/>
+                  </a:spcBef>
+                  <a:spcAft>
+                    <a:spcPts val="0"/>
+                  </a:spcAft>
+                  <a:buNone/>
+                </a:pPr>
+                <a:r>
+                  <a:rPr lang="fr-FR" sz="1300" dirty="0">
+                    <a:solidFill>
+                      <a:schemeClr val="dk1"/>
+                    </a:solidFill>
+                    <a:latin typeface="Maven Pro"/>
+                    <a:ea typeface="Maven Pro"/>
+                    <a:cs typeface="Maven Pro"/>
+                    <a:sym typeface="Maven Pro"/>
+                  </a:rPr>
+                  <a:t>la cartographie dans son ensemble</a:t>
+                </a:r>
+                <a:endParaRPr sz="1300" dirty="0">
+                  <a:solidFill>
+                    <a:schemeClr val="dk1"/>
+                  </a:solidFill>
+                  <a:latin typeface="Maven Pro"/>
+                  <a:ea typeface="Maven Pro"/>
+                  <a:cs typeface="Maven Pro"/>
+                  <a:sym typeface="Maven Pro"/>
+                </a:endParaRPr>
+              </a:p>
+            </p:txBody>
+          </p:sp>
+        </p:grpSp>
+        <p:sp>
+          <p:nvSpPr>
+            <p:cNvPr id="501" name="Google Shape;501;p23"/>
+            <p:cNvSpPr txBox="1"/>
+            <p:nvPr/>
+          </p:nvSpPr>
+          <p:spPr>
+            <a:xfrm>
+              <a:off x="4187717" y="1458000"/>
+              <a:ext cx="768600" cy="457200"/>
+            </a:xfrm>
+            <a:prstGeom prst="rect">
+              <a:avLst/>
+            </a:prstGeom>
+            <a:noFill/>
+            <a:ln>
+              <a:noFill/>
+            </a:ln>
+          </p:spPr>
+          <p:txBody>
+            <a:bodyPr spcFirstLastPara="1" wrap="square" lIns="91425" tIns="91425" rIns="91425" bIns="91425" anchor="ctr" anchorCtr="0">
+              <a:noAutofit/>
+            </a:bodyPr>
+            <a:lstStyle/>
+            <a:p>
+              <a:pPr marL="0" lvl="0" indent="0" algn="ctr" rtl="0">
+                <a:spcBef>
+                  <a:spcPts val="0"/>
+                </a:spcBef>
+                <a:spcAft>
+                  <a:spcPts val="0"/>
+                </a:spcAft>
+                <a:buNone/>
+              </a:pPr>
+              <a:r>
+                <a:rPr lang="en" sz="2400">
+                  <a:solidFill>
+                    <a:schemeClr val="accent5"/>
+                  </a:solidFill>
+                  <a:latin typeface="Share Tech"/>
+                  <a:ea typeface="Share Tech"/>
+                  <a:cs typeface="Share Tech"/>
+                  <a:sym typeface="Share Tech"/>
+                </a:rPr>
+                <a:t>02</a:t>
+              </a:r>
+              <a:endParaRPr sz="2400">
+                <a:solidFill>
+                  <a:schemeClr val="accent5"/>
+                </a:solidFill>
+                <a:latin typeface="Share Tech"/>
+                <a:ea typeface="Share Tech"/>
+                <a:cs typeface="Share Tech"/>
+                <a:sym typeface="Share Tech"/>
+              </a:endParaRPr>
+            </a:p>
+          </p:txBody>
+        </p:sp>
+      </p:grpSp>
+      <p:grpSp>
+        <p:nvGrpSpPr>
+          <p:cNvPr id="502" name="Google Shape;502;p23"/>
+          <p:cNvGrpSpPr/>
+          <p:nvPr/>
+        </p:nvGrpSpPr>
+        <p:grpSpPr>
+          <a:xfrm>
+            <a:off x="5754148" y="1453300"/>
+            <a:ext cx="1466704" cy="2691920"/>
+            <a:chOff x="6107722" y="1458000"/>
+            <a:chExt cx="1466704" cy="2691920"/>
+          </a:xfrm>
+        </p:grpSpPr>
+        <p:grpSp>
+          <p:nvGrpSpPr>
+            <p:cNvPr id="503" name="Google Shape;503;p23"/>
+            <p:cNvGrpSpPr/>
+            <p:nvPr/>
+          </p:nvGrpSpPr>
+          <p:grpSpPr>
+            <a:xfrm>
+              <a:off x="6107722" y="3166485"/>
+              <a:ext cx="1466704" cy="983435"/>
+              <a:chOff x="6318523" y="3299387"/>
+              <a:chExt cx="1466704" cy="983435"/>
+            </a:xfrm>
+          </p:grpSpPr>
+          <p:sp>
+            <p:nvSpPr>
+              <p:cNvPr id="504" name="Google Shape;504;p23"/>
+              <p:cNvSpPr txBox="1"/>
+              <p:nvPr/>
+            </p:nvSpPr>
+            <p:spPr>
+              <a:xfrm>
+                <a:off x="6318526" y="3299387"/>
+                <a:ext cx="1466700" cy="457200"/>
+              </a:xfrm>
+              <a:prstGeom prst="rect">
+                <a:avLst/>
+              </a:prstGeom>
+              <a:noFill/>
+              <a:ln>
+                <a:noFill/>
+              </a:ln>
+            </p:spPr>
+            <p:txBody>
+              <a:bodyPr spcFirstLastPara="1" wrap="square" lIns="91425" tIns="91425" rIns="91425" bIns="91425" anchor="b" anchorCtr="0">
+                <a:noAutofit/>
+              </a:bodyPr>
+              <a:lstStyle/>
+              <a:p>
+                <a:pPr marL="0" lvl="0" indent="0" algn="ctr" rtl="0">
+                  <a:spcBef>
+                    <a:spcPts val="0"/>
+                  </a:spcBef>
+                  <a:spcAft>
+                    <a:spcPts val="0"/>
+                  </a:spcAft>
+                  <a:buNone/>
+                </a:pPr>
+                <a:r>
+                  <a:rPr lang="en" sz="2000" dirty="0">
+                    <a:solidFill>
+                      <a:schemeClr val="accent4">
+                        <a:lumMod val="60000"/>
+                        <a:lumOff val="40000"/>
+                      </a:schemeClr>
+                    </a:solidFill>
+                    <a:latin typeface="Share Tech"/>
+                    <a:ea typeface="Share Tech"/>
+                    <a:cs typeface="Share Tech"/>
+                    <a:sym typeface="Share Tech"/>
+                  </a:rPr>
+                  <a:t>Éditer</a:t>
+                </a:r>
+                <a:endParaRPr sz="2000" dirty="0">
+                  <a:solidFill>
+                    <a:schemeClr val="accent4">
+                      <a:lumMod val="60000"/>
+                      <a:lumOff val="40000"/>
+                    </a:schemeClr>
+                  </a:solidFill>
+                  <a:latin typeface="Share Tech"/>
+                  <a:ea typeface="Share Tech"/>
+                  <a:cs typeface="Share Tech"/>
+                  <a:sym typeface="Share Tech"/>
+                </a:endParaRPr>
+              </a:p>
+            </p:txBody>
+          </p:sp>
+          <p:sp>
+            <p:nvSpPr>
+              <p:cNvPr id="505" name="Google Shape;505;p23"/>
+              <p:cNvSpPr txBox="1"/>
+              <p:nvPr/>
+            </p:nvSpPr>
+            <p:spPr>
+              <a:xfrm>
+                <a:off x="6318523" y="3601822"/>
+                <a:ext cx="1466700" cy="681000"/>
+              </a:xfrm>
+              <a:prstGeom prst="rect">
+                <a:avLst/>
+              </a:prstGeom>
+              <a:noFill/>
+              <a:ln>
+                <a:noFill/>
+              </a:ln>
+            </p:spPr>
+            <p:txBody>
+              <a:bodyPr spcFirstLastPara="1" wrap="square" lIns="91425" tIns="91425" rIns="91425" bIns="91425" anchor="t" anchorCtr="0">
+                <a:noAutofit/>
+              </a:bodyPr>
+              <a:lstStyle/>
+              <a:p>
+                <a:pPr marL="0" lvl="0" indent="0" algn="ctr" rtl="0">
+                  <a:spcBef>
+                    <a:spcPts val="0"/>
+                  </a:spcBef>
+                  <a:spcAft>
+                    <a:spcPts val="0"/>
+                  </a:spcAft>
+                  <a:buNone/>
+                </a:pPr>
+                <a:r>
+                  <a:rPr lang="fr-FR" sz="1300" dirty="0">
+                    <a:solidFill>
+                      <a:schemeClr val="dk1"/>
+                    </a:solidFill>
+                    <a:latin typeface="Maven Pro"/>
+                    <a:ea typeface="Maven Pro"/>
+                    <a:cs typeface="Maven Pro"/>
+                    <a:sym typeface="Maven Pro"/>
+                  </a:rPr>
+                  <a:t>la cartographie en ajoutant, modifiant ou supprimant des zones</a:t>
+                </a:r>
+                <a:endParaRPr sz="1300" dirty="0">
+                  <a:solidFill>
+                    <a:schemeClr val="dk1"/>
+                  </a:solidFill>
+                  <a:latin typeface="Maven Pro"/>
+                  <a:ea typeface="Maven Pro"/>
+                  <a:cs typeface="Maven Pro"/>
+                  <a:sym typeface="Maven Pro"/>
+                </a:endParaRPr>
+              </a:p>
+            </p:txBody>
+          </p:sp>
+        </p:grpSp>
+        <p:sp>
+          <p:nvSpPr>
+            <p:cNvPr id="506" name="Google Shape;506;p23"/>
+            <p:cNvSpPr txBox="1"/>
+            <p:nvPr/>
+          </p:nvSpPr>
+          <p:spPr>
+            <a:xfrm>
+              <a:off x="6456774" y="1458000"/>
+              <a:ext cx="768600" cy="457200"/>
+            </a:xfrm>
+            <a:prstGeom prst="rect">
+              <a:avLst/>
+            </a:prstGeom>
+            <a:noFill/>
+            <a:ln>
+              <a:noFill/>
+            </a:ln>
+          </p:spPr>
+          <p:txBody>
+            <a:bodyPr spcFirstLastPara="1" wrap="square" lIns="91425" tIns="91425" rIns="91425" bIns="91425" anchor="ctr" anchorCtr="0">
+              <a:noAutofit/>
+            </a:bodyPr>
+            <a:lstStyle/>
+            <a:p>
+              <a:pPr marL="0" lvl="0" indent="0" algn="ctr" rtl="0">
+                <a:spcBef>
+                  <a:spcPts val="0"/>
+                </a:spcBef>
+                <a:spcAft>
+                  <a:spcPts val="0"/>
+                </a:spcAft>
+                <a:buNone/>
+              </a:pPr>
+              <a:r>
+                <a:rPr lang="en" sz="2400">
+                  <a:solidFill>
+                    <a:schemeClr val="accent1"/>
+                  </a:solidFill>
+                  <a:latin typeface="Share Tech"/>
+                  <a:ea typeface="Share Tech"/>
+                  <a:cs typeface="Share Tech"/>
+                  <a:sym typeface="Share Tech"/>
+                </a:rPr>
+                <a:t>03</a:t>
+              </a:r>
+              <a:endParaRPr sz="2400">
+                <a:solidFill>
+                  <a:schemeClr val="accent1"/>
+                </a:solidFill>
+                <a:latin typeface="Share Tech"/>
+                <a:ea typeface="Share Tech"/>
+                <a:cs typeface="Share Tech"/>
+                <a:sym typeface="Share Tech"/>
+              </a:endParaRPr>
+            </a:p>
+          </p:txBody>
+        </p:sp>
+      </p:grpSp>
+      <p:cxnSp>
+        <p:nvCxnSpPr>
+          <p:cNvPr id="507" name="Google Shape;507;p23"/>
+          <p:cNvCxnSpPr>
+            <a:stCxn id="496" idx="3"/>
+            <a:endCxn id="501" idx="1"/>
+          </p:cNvCxnSpPr>
+          <p:nvPr/>
+        </p:nvCxnSpPr>
+        <p:spPr>
+          <a:xfrm>
+            <a:off x="3073035" y="1681900"/>
+            <a:ext cx="1114665" cy="0"/>
+          </a:xfrm>
+          <a:prstGeom prst="straightConnector1">
+            <a:avLst/>
+          </a:prstGeom>
+          <a:noFill/>
+          <a:ln w="19050" cap="flat" cmpd="sng">
+            <a:solidFill>
+              <a:schemeClr val="lt2"/>
+            </a:solidFill>
+            <a:prstDash val="dash"/>
+            <a:round/>
+            <a:headEnd type="none" w="med" len="med"/>
+            <a:tailEnd type="none" w="med" len="med"/>
+          </a:ln>
+        </p:spPr>
+      </p:cxnSp>
+      <p:cxnSp>
+        <p:nvCxnSpPr>
+          <p:cNvPr id="508" name="Google Shape;508;p23"/>
+          <p:cNvCxnSpPr>
+            <a:stCxn id="501" idx="3"/>
+            <a:endCxn id="506" idx="1"/>
+          </p:cNvCxnSpPr>
+          <p:nvPr/>
+        </p:nvCxnSpPr>
+        <p:spPr>
+          <a:xfrm>
+            <a:off x="4956300" y="1681900"/>
+            <a:ext cx="1146900" cy="0"/>
+          </a:xfrm>
+          <a:prstGeom prst="straightConnector1">
+            <a:avLst/>
+          </a:prstGeom>
+          <a:noFill/>
+          <a:ln w="19050" cap="flat" cmpd="sng">
+            <a:solidFill>
+              <a:schemeClr val="lt2"/>
+            </a:solidFill>
+            <a:prstDash val="dash"/>
+            <a:round/>
+            <a:headEnd type="none" w="med" len="med"/>
+            <a:tailEnd type="none" w="med" len="med"/>
+          </a:ln>
+        </p:spPr>
+      </p:cxnSp>
+      <p:cxnSp>
+        <p:nvCxnSpPr>
+          <p:cNvPr id="509" name="Google Shape;509;p23"/>
+          <p:cNvCxnSpPr>
+            <a:stCxn id="496" idx="2"/>
+            <a:endCxn id="468" idx="0"/>
+          </p:cNvCxnSpPr>
+          <p:nvPr/>
+        </p:nvCxnSpPr>
+        <p:spPr>
+          <a:xfrm>
+            <a:off x="2688735" y="1910500"/>
+            <a:ext cx="0" cy="236700"/>
+          </a:xfrm>
+          <a:prstGeom prst="straightConnector1">
+            <a:avLst/>
+          </a:prstGeom>
+          <a:noFill/>
+          <a:ln w="19050" cap="flat" cmpd="sng">
+            <a:solidFill>
+              <a:schemeClr val="lt2"/>
+            </a:solidFill>
+            <a:prstDash val="solid"/>
+            <a:round/>
+            <a:headEnd type="none" w="med" len="med"/>
+            <a:tailEnd type="oval" w="med" len="med"/>
+          </a:ln>
+        </p:spPr>
+      </p:cxnSp>
+      <p:cxnSp>
+        <p:nvCxnSpPr>
+          <p:cNvPr id="510" name="Google Shape;510;p23"/>
+          <p:cNvCxnSpPr>
+            <a:cxnSpLocks/>
+            <a:stCxn id="501" idx="2"/>
+            <a:endCxn id="470" idx="0"/>
+          </p:cNvCxnSpPr>
+          <p:nvPr/>
+        </p:nvCxnSpPr>
+        <p:spPr>
+          <a:xfrm flipH="1">
+            <a:off x="4569626" y="1910500"/>
+            <a:ext cx="2374" cy="271659"/>
+          </a:xfrm>
+          <a:prstGeom prst="straightConnector1">
+            <a:avLst/>
+          </a:prstGeom>
+          <a:noFill/>
+          <a:ln w="19050" cap="flat" cmpd="sng">
+            <a:solidFill>
+              <a:schemeClr val="lt2"/>
+            </a:solidFill>
+            <a:prstDash val="solid"/>
+            <a:round/>
+            <a:headEnd type="none" w="med" len="med"/>
+            <a:tailEnd type="oval" w="med" len="med"/>
+          </a:ln>
+        </p:spPr>
+      </p:cxnSp>
+      <p:cxnSp>
+        <p:nvCxnSpPr>
+          <p:cNvPr id="511" name="Google Shape;511;p23"/>
+          <p:cNvCxnSpPr>
+            <a:stCxn id="506" idx="2"/>
+            <a:endCxn id="472" idx="0"/>
+          </p:cNvCxnSpPr>
+          <p:nvPr/>
+        </p:nvCxnSpPr>
+        <p:spPr>
+          <a:xfrm flipH="1">
+            <a:off x="6486775" y="1910500"/>
+            <a:ext cx="725" cy="236750"/>
+          </a:xfrm>
+          <a:prstGeom prst="straightConnector1">
+            <a:avLst/>
+          </a:prstGeom>
+          <a:noFill/>
+          <a:ln w="19050" cap="flat" cmpd="sng">
+            <a:solidFill>
+              <a:schemeClr val="lt2"/>
+            </a:solidFill>
+            <a:prstDash val="solid"/>
+            <a:round/>
+            <a:headEnd type="none" w="med" len="med"/>
+            <a:tailEnd type="oval" w="med" len="med"/>
+          </a:ln>
+        </p:spPr>
+      </p:cxnSp>
+      <p:pic>
+        <p:nvPicPr>
+          <p:cNvPr id="3" name="Graphique 2" descr="Clé contour">
+            <a:extLst>
+              <a:ext uri="{FF2B5EF4-FFF2-40B4-BE49-F238E27FC236}">
+                <a16:creationId xmlns:a16="http://schemas.microsoft.com/office/drawing/2014/main" id="{F9A32684-8551-61D4-B2D9-F8B7519B9865}"/>
+              </a:ext>
+            </a:extLst>
+          </p:cNvPr>
+          <p:cNvPicPr>
+            <a:picLocks noChangeAspect="1"/>
+          </p:cNvPicPr>
+          <p:nvPr/>
+        </p:nvPicPr>
+        <p:blipFill>
+          <a:blip r:embed="rId3">
+            <a:extLst>
+              <a:ext uri="{96DAC541-7B7A-43D3-8B79-37D633B846F1}">
+                <asvg:svgBlip xmlns:asvg="http://schemas.microsoft.com/office/drawing/2016/SVG/main" r:embed="rId4"/>
+              </a:ext>
+            </a:extLst>
+          </a:blip>
+          <a:stretch>
+            <a:fillRect/>
+          </a:stretch>
+        </p:blipFill>
+        <p:spPr>
+          <a:xfrm>
+            <a:off x="2327370" y="2202435"/>
+            <a:ext cx="722730" cy="722730"/>
+          </a:xfrm>
+          <a:prstGeom prst="rect">
+            <a:avLst/>
+          </a:prstGeom>
+        </p:spPr>
+      </p:pic>
+      <p:sp>
+        <p:nvSpPr>
+          <p:cNvPr id="2" name="ZoneTexte 1">
+            <a:extLst>
+              <a:ext uri="{FF2B5EF4-FFF2-40B4-BE49-F238E27FC236}">
+                <a16:creationId xmlns:a16="http://schemas.microsoft.com/office/drawing/2014/main" id="{A8EA55CD-2847-E81C-7BED-E27AF3C38BD7}"/>
+              </a:ext>
+            </a:extLst>
+          </p:cNvPr>
+          <p:cNvSpPr txBox="1"/>
+          <p:nvPr/>
+        </p:nvSpPr>
+        <p:spPr>
+          <a:xfrm>
+            <a:off x="8781856" y="4806393"/>
+            <a:ext cx="362144" cy="261610"/>
+          </a:xfrm>
+          <a:prstGeom prst="rect">
+            <a:avLst/>
+          </a:prstGeom>
+          <a:noFill/>
+        </p:spPr>
+        <p:txBody>
+          <a:bodyPr wrap="square" rtlCol="0">
+            <a:spAutoFit/>
+          </a:bodyPr>
+          <a:lstStyle/>
+          <a:p>
+            <a:r>
+              <a:rPr lang="fr-FR" sz="1100">
+                <a:solidFill>
+                  <a:schemeClr val="tx1"/>
+                </a:solidFill>
+                <a:latin typeface="Maven Pro" panose="020B0604020202020204" charset="0"/>
+              </a:rPr>
+              <a:t>16</a:t>
+            </a:r>
+          </a:p>
+        </p:txBody>
+      </p:sp>
+      <p:pic>
+        <p:nvPicPr>
+          <p:cNvPr id="17" name="Graphique 16" descr="Carte topographique contour">
+            <a:extLst>
+              <a:ext uri="{FF2B5EF4-FFF2-40B4-BE49-F238E27FC236}">
+                <a16:creationId xmlns:a16="http://schemas.microsoft.com/office/drawing/2014/main" id="{3908EBA0-2CBD-FA32-A930-76DD5E6BBBAF}"/>
+              </a:ext>
+            </a:extLst>
+          </p:cNvPr>
+          <p:cNvPicPr>
+            <a:picLocks noChangeAspect="1"/>
+          </p:cNvPicPr>
+          <p:nvPr/>
+        </p:nvPicPr>
+        <p:blipFill>
+          <a:blip r:embed="rId5">
+            <a:extLst>
+              <a:ext uri="{96DAC541-7B7A-43D3-8B79-37D633B846F1}">
+                <asvg:svgBlip xmlns:asvg="http://schemas.microsoft.com/office/drawing/2016/SVG/main" r:embed="rId6"/>
+              </a:ext>
+            </a:extLst>
+          </a:blip>
+          <a:stretch>
+            <a:fillRect/>
+          </a:stretch>
+        </p:blipFill>
+        <p:spPr>
+          <a:xfrm>
+            <a:off x="4237806" y="2239237"/>
+            <a:ext cx="663640" cy="663640"/>
+          </a:xfrm>
+          <a:prstGeom prst="rect">
+            <a:avLst/>
+          </a:prstGeom>
+        </p:spPr>
+      </p:pic>
+      <p:pic>
+        <p:nvPicPr>
+          <p:cNvPr id="22" name="Graphique 21" descr="Plan contour">
+            <a:extLst>
+              <a:ext uri="{FF2B5EF4-FFF2-40B4-BE49-F238E27FC236}">
+                <a16:creationId xmlns:a16="http://schemas.microsoft.com/office/drawing/2014/main" id="{442C319D-5CA1-DDE6-CABA-6B42ECE25E52}"/>
+              </a:ext>
+            </a:extLst>
+          </p:cNvPr>
+          <p:cNvPicPr>
+            <a:picLocks noChangeAspect="1"/>
+          </p:cNvPicPr>
+          <p:nvPr/>
+        </p:nvPicPr>
+        <p:blipFill>
+          <a:blip r:embed="rId7">
+            <a:extLst>
+              <a:ext uri="{96DAC541-7B7A-43D3-8B79-37D633B846F1}">
+                <asvg:svgBlip xmlns:asvg="http://schemas.microsoft.com/office/drawing/2016/SVG/main" r:embed="rId8"/>
+              </a:ext>
+            </a:extLst>
+          </a:blip>
+          <a:stretch>
+            <a:fillRect/>
+          </a:stretch>
+        </p:blipFill>
+        <p:spPr>
+          <a:xfrm>
+            <a:off x="6103200" y="2199254"/>
+            <a:ext cx="742201" cy="742201"/>
+          </a:xfrm>
+          <a:prstGeom prst="rect">
+            <a:avLst/>
+          </a:prstGeom>
+        </p:spPr>
+      </p:pic>
+    </p:spTree>
+    <p:extLst>
+      <p:ext uri="{BB962C8B-B14F-4D97-AF65-F5344CB8AC3E}">
+        <p14:creationId xmlns:p14="http://schemas.microsoft.com/office/powerpoint/2010/main" val="1927940920"/>
+      </p:ext>
+    </p:extLst>
+  </p:cSld>
+  <p:clrMapOvr>
+    <a:masterClrMapping/>
+  </p:clrMapOvr>
+</p:sld>
+</file>
+
+<file path=ppt/slides/slide15.xml><?xml version="1.0" encoding="utf-8"?>
+<p:sld xmlns:a="http://schemas.openxmlformats.org/drawingml/2006/main" xmlns:r="http://schemas.openxmlformats.org/officeDocument/2006/relationships" xmlns:p="http://schemas.openxmlformats.org/presentationml/2006/main">
+  <p:cSld>
+    <p:spTree>
+      <p:nvGrpSpPr>
+        <p:cNvPr id="1" name="Shape 156"/>
+        <p:cNvGrpSpPr/>
+        <p:nvPr/>
+      </p:nvGrpSpPr>
+      <p:grpSpPr>
+        <a:xfrm>
+          <a:off x="0" y="0"/>
+          <a:ext cx="0" cy="0"/>
+          <a:chOff x="0" y="0"/>
+          <a:chExt cx="0" cy="0"/>
+        </a:xfrm>
+      </p:grpSpPr>
+      <p:sp>
+        <p:nvSpPr>
+          <p:cNvPr id="157" name="Google Shape;157;p14"/>
+          <p:cNvSpPr txBox="1">
+            <a:spLocks noGrp="1"/>
+          </p:cNvSpPr>
+          <p:nvPr>
+            <p:ph type="ctrTitle"/>
+          </p:nvPr>
+        </p:nvSpPr>
+        <p:spPr>
+          <a:xfrm>
+            <a:off x="713225" y="1145100"/>
+            <a:ext cx="4242900" cy="2377500"/>
+          </a:xfrm>
+          <a:prstGeom prst="rect">
+            <a:avLst/>
+          </a:prstGeom>
+        </p:spPr>
+        <p:txBody>
+          <a:bodyPr spcFirstLastPara="1" wrap="square" lIns="91425" tIns="91425" rIns="91425" bIns="91425" anchor="b" anchorCtr="0">
+            <a:noAutofit/>
+          </a:bodyPr>
+          <a:lstStyle/>
+          <a:p>
+            <a:pPr marL="0" lvl="0" indent="0" algn="l" rtl="0">
+              <a:spcBef>
+                <a:spcPts val="0"/>
+              </a:spcBef>
+              <a:spcAft>
+                <a:spcPts val="0"/>
+              </a:spcAft>
+              <a:buNone/>
+            </a:pPr>
+            <a:r>
+              <a:rPr lang="en">
+                <a:solidFill>
+                  <a:schemeClr val="tx1"/>
+                </a:solidFill>
+              </a:rPr>
+              <a:t>MERCI D’AVOIR </a:t>
+            </a:r>
+            <a:r>
+              <a:rPr lang="en">
+                <a:solidFill>
+                  <a:schemeClr val="accent2"/>
+                </a:solidFill>
+              </a:rPr>
+              <a:t>ÉCOUTER</a:t>
+            </a:r>
+            <a:endParaRPr/>
+          </a:p>
+        </p:txBody>
+      </p:sp>
+      <p:sp>
+        <p:nvSpPr>
+          <p:cNvPr id="159" name="Google Shape;159;p14"/>
+          <p:cNvSpPr/>
+          <p:nvPr/>
+        </p:nvSpPr>
+        <p:spPr>
+          <a:xfrm>
+            <a:off x="3688231" y="676545"/>
+            <a:ext cx="121434" cy="121434"/>
+          </a:xfrm>
+          <a:custGeom>
+            <a:avLst/>
+            <a:gdLst/>
+            <a:ahLst/>
+            <a:cxnLst/>
+            <a:rect l="l" t="t" r="r" b="b"/>
+            <a:pathLst>
+              <a:path w="4634" h="4634" extrusionOk="0">
+                <a:moveTo>
+                  <a:pt x="1" y="0"/>
+                </a:moveTo>
+                <a:lnTo>
+                  <a:pt x="1" y="4633"/>
+                </a:lnTo>
+                <a:lnTo>
+                  <a:pt x="4634" y="4633"/>
+                </a:lnTo>
+                <a:lnTo>
+                  <a:pt x="4634" y="0"/>
+                </a:lnTo>
+                <a:close/>
+              </a:path>
+            </a:pathLst>
+          </a:custGeom>
+          <a:solidFill>
+            <a:schemeClr val="accent1"/>
+          </a:solidFill>
+          <a:ln>
+            <a:noFill/>
+          </a:ln>
+        </p:spPr>
+        <p:txBody>
+          <a:bodyPr spcFirstLastPara="1" wrap="square" lIns="91425" tIns="91425" rIns="91425" bIns="91425" anchor="ctr" anchorCtr="0">
+            <a:noAutofit/>
+          </a:bodyPr>
+          <a:lstStyle/>
+          <a:p>
+            <a:pPr marL="0" lvl="0" indent="0" algn="l" rtl="0">
+              <a:spcBef>
+                <a:spcPts val="0"/>
+              </a:spcBef>
+              <a:spcAft>
+                <a:spcPts val="0"/>
+              </a:spcAft>
+              <a:buNone/>
+            </a:pPr>
+            <a:endParaRPr/>
+          </a:p>
+        </p:txBody>
+      </p:sp>
+      <p:sp>
+        <p:nvSpPr>
+          <p:cNvPr id="160" name="Google Shape;160;p14"/>
+          <p:cNvSpPr/>
+          <p:nvPr/>
+        </p:nvSpPr>
+        <p:spPr>
+          <a:xfrm>
+            <a:off x="6829234" y="3495813"/>
+            <a:ext cx="133275" cy="133275"/>
+          </a:xfrm>
+          <a:custGeom>
+            <a:avLst/>
+            <a:gdLst/>
+            <a:ahLst/>
+            <a:cxnLst/>
+            <a:rect l="l" t="t" r="r" b="b"/>
+            <a:pathLst>
+              <a:path w="2207" h="2207" fill="none" extrusionOk="0">
+                <a:moveTo>
+                  <a:pt x="0" y="1"/>
+                </a:moveTo>
+                <a:lnTo>
+                  <a:pt x="2206" y="1"/>
+                </a:lnTo>
+                <a:lnTo>
+                  <a:pt x="2206" y="2207"/>
+                </a:lnTo>
+                <a:lnTo>
+                  <a:pt x="0" y="2207"/>
+                </a:lnTo>
+                <a:close/>
+              </a:path>
+            </a:pathLst>
+          </a:custGeom>
+          <a:noFill/>
+          <a:ln w="1375" cap="flat" cmpd="sng">
+            <a:solidFill>
+              <a:schemeClr val="accent1"/>
+            </a:solidFill>
+            <a:prstDash val="solid"/>
+            <a:miter lim="9192"/>
+            <a:headEnd type="none" w="sm" len="sm"/>
+            <a:tailEnd type="none" w="sm" len="sm"/>
+          </a:ln>
+        </p:spPr>
+        <p:txBody>
+          <a:bodyPr spcFirstLastPara="1" wrap="square" lIns="91425" tIns="91425" rIns="91425" bIns="91425" anchor="ctr" anchorCtr="0">
+            <a:noAutofit/>
+          </a:bodyPr>
+          <a:lstStyle/>
+          <a:p>
+            <a:pPr marL="0" lvl="0" indent="0" algn="l" rtl="0">
+              <a:spcBef>
+                <a:spcPts val="0"/>
+              </a:spcBef>
+              <a:spcAft>
+                <a:spcPts val="0"/>
+              </a:spcAft>
+              <a:buNone/>
+            </a:pPr>
+            <a:endParaRPr/>
+          </a:p>
+        </p:txBody>
+      </p:sp>
+      <p:sp>
+        <p:nvSpPr>
+          <p:cNvPr id="161" name="Google Shape;161;p14"/>
+          <p:cNvSpPr/>
+          <p:nvPr/>
+        </p:nvSpPr>
+        <p:spPr>
+          <a:xfrm>
+            <a:off x="8055557" y="1344311"/>
+            <a:ext cx="104086" cy="104322"/>
+          </a:xfrm>
+          <a:custGeom>
+            <a:avLst/>
+            <a:gdLst/>
+            <a:ahLst/>
+            <a:cxnLst/>
+            <a:rect l="l" t="t" r="r" b="b"/>
+            <a:pathLst>
+              <a:path w="3972" h="3981" fill="none" extrusionOk="0">
+                <a:moveTo>
+                  <a:pt x="1" y="1"/>
+                </a:moveTo>
+                <a:lnTo>
+                  <a:pt x="3972" y="1"/>
+                </a:lnTo>
+                <a:lnTo>
+                  <a:pt x="3972" y="3981"/>
+                </a:lnTo>
+                <a:lnTo>
+                  <a:pt x="1" y="3981"/>
+                </a:lnTo>
+                <a:close/>
+              </a:path>
+            </a:pathLst>
+          </a:custGeom>
+          <a:noFill/>
+          <a:ln w="2975" cap="flat" cmpd="sng">
+            <a:solidFill>
+              <a:schemeClr val="accent2"/>
+            </a:solidFill>
+            <a:prstDash val="solid"/>
+            <a:miter lim="9192"/>
+            <a:headEnd type="none" w="sm" len="sm"/>
+            <a:tailEnd type="none" w="sm" len="sm"/>
+          </a:ln>
+        </p:spPr>
+        <p:txBody>
+          <a:bodyPr spcFirstLastPara="1" wrap="square" lIns="91425" tIns="91425" rIns="91425" bIns="91425" anchor="ctr" anchorCtr="0">
+            <a:noAutofit/>
+          </a:bodyPr>
+          <a:lstStyle/>
+          <a:p>
+            <a:pPr marL="0" lvl="0" indent="0" algn="l" rtl="0">
+              <a:spcBef>
+                <a:spcPts val="0"/>
+              </a:spcBef>
+              <a:spcAft>
+                <a:spcPts val="0"/>
+              </a:spcAft>
+              <a:buNone/>
+            </a:pPr>
+            <a:endParaRPr/>
+          </a:p>
+        </p:txBody>
+      </p:sp>
+      <p:sp>
+        <p:nvSpPr>
+          <p:cNvPr id="162" name="Google Shape;162;p14"/>
+          <p:cNvSpPr/>
+          <p:nvPr/>
+        </p:nvSpPr>
+        <p:spPr>
+          <a:xfrm>
+            <a:off x="5969504" y="3118803"/>
+            <a:ext cx="119993" cy="119966"/>
+          </a:xfrm>
+          <a:custGeom>
+            <a:avLst/>
+            <a:gdLst/>
+            <a:ahLst/>
+            <a:cxnLst/>
+            <a:rect l="l" t="t" r="r" b="b"/>
+            <a:pathLst>
+              <a:path w="4579" h="4578" extrusionOk="0">
+                <a:moveTo>
+                  <a:pt x="1" y="0"/>
+                </a:moveTo>
+                <a:lnTo>
+                  <a:pt x="1" y="4578"/>
+                </a:lnTo>
+                <a:lnTo>
+                  <a:pt x="4578" y="4578"/>
+                </a:lnTo>
+                <a:lnTo>
+                  <a:pt x="4578" y="0"/>
+                </a:lnTo>
+                <a:close/>
+              </a:path>
+            </a:pathLst>
+          </a:custGeom>
+          <a:solidFill>
+            <a:schemeClr val="accent3"/>
+          </a:solidFill>
+          <a:ln>
+            <a:noFill/>
+          </a:ln>
+        </p:spPr>
+        <p:txBody>
+          <a:bodyPr spcFirstLastPara="1" wrap="square" lIns="91425" tIns="91425" rIns="91425" bIns="91425" anchor="ctr" anchorCtr="0">
+            <a:noAutofit/>
+          </a:bodyPr>
+          <a:lstStyle/>
+          <a:p>
+            <a:pPr marL="0" lvl="0" indent="0" algn="l" rtl="0">
+              <a:spcBef>
+                <a:spcPts val="0"/>
+              </a:spcBef>
+              <a:spcAft>
+                <a:spcPts val="0"/>
+              </a:spcAft>
+              <a:buNone/>
+            </a:pPr>
+            <a:endParaRPr/>
+          </a:p>
+        </p:txBody>
+      </p:sp>
+      <p:sp>
+        <p:nvSpPr>
+          <p:cNvPr id="163" name="Google Shape;163;p14"/>
+          <p:cNvSpPr/>
+          <p:nvPr/>
+        </p:nvSpPr>
+        <p:spPr>
+          <a:xfrm>
+            <a:off x="4229517" y="4248683"/>
+            <a:ext cx="119993" cy="119993"/>
+          </a:xfrm>
+          <a:custGeom>
+            <a:avLst/>
+            <a:gdLst/>
+            <a:ahLst/>
+            <a:cxnLst/>
+            <a:rect l="l" t="t" r="r" b="b"/>
+            <a:pathLst>
+              <a:path w="4579" h="4579" extrusionOk="0">
+                <a:moveTo>
+                  <a:pt x="0" y="1"/>
+                </a:moveTo>
+                <a:lnTo>
+                  <a:pt x="0" y="4578"/>
+                </a:lnTo>
+                <a:lnTo>
+                  <a:pt x="4578" y="4578"/>
+                </a:lnTo>
+                <a:lnTo>
+                  <a:pt x="4578" y="1"/>
+                </a:lnTo>
+                <a:close/>
+              </a:path>
+            </a:pathLst>
+          </a:custGeom>
+          <a:solidFill>
+            <a:schemeClr val="accent3"/>
+          </a:solidFill>
+          <a:ln>
+            <a:noFill/>
+          </a:ln>
+        </p:spPr>
+        <p:txBody>
+          <a:bodyPr spcFirstLastPara="1" wrap="square" lIns="91425" tIns="91425" rIns="91425" bIns="91425" anchor="ctr" anchorCtr="0">
+            <a:noAutofit/>
+          </a:bodyPr>
+          <a:lstStyle/>
+          <a:p>
+            <a:pPr marL="0" lvl="0" indent="0" algn="l" rtl="0">
+              <a:spcBef>
+                <a:spcPts val="0"/>
+              </a:spcBef>
+              <a:spcAft>
+                <a:spcPts val="0"/>
+              </a:spcAft>
+              <a:buNone/>
+            </a:pPr>
+            <a:endParaRPr/>
+          </a:p>
+        </p:txBody>
+      </p:sp>
+      <p:grpSp>
+        <p:nvGrpSpPr>
+          <p:cNvPr id="164" name="Google Shape;164;p14"/>
+          <p:cNvGrpSpPr/>
+          <p:nvPr/>
+        </p:nvGrpSpPr>
+        <p:grpSpPr>
+          <a:xfrm>
+            <a:off x="6232314" y="3696331"/>
+            <a:ext cx="121434" cy="1073147"/>
+            <a:chOff x="6232314" y="3696331"/>
+            <a:chExt cx="121434" cy="1073147"/>
+          </a:xfrm>
+        </p:grpSpPr>
+        <p:sp>
+          <p:nvSpPr>
+            <p:cNvPr id="165" name="Google Shape;165;p14"/>
+            <p:cNvSpPr/>
+            <p:nvPr/>
+          </p:nvSpPr>
+          <p:spPr>
+            <a:xfrm>
+              <a:off x="6232314" y="4648280"/>
+              <a:ext cx="121434" cy="121198"/>
+            </a:xfrm>
+            <a:custGeom>
+              <a:avLst/>
+              <a:gdLst/>
+              <a:ahLst/>
+              <a:cxnLst/>
+              <a:rect l="l" t="t" r="r" b="b"/>
+              <a:pathLst>
+                <a:path w="4634" h="4625" extrusionOk="0">
+                  <a:moveTo>
+                    <a:pt x="0" y="1"/>
+                  </a:moveTo>
+                  <a:lnTo>
+                    <a:pt x="0" y="4624"/>
+                  </a:lnTo>
+                  <a:lnTo>
+                    <a:pt x="4633" y="4624"/>
+                  </a:lnTo>
+                  <a:lnTo>
+                    <a:pt x="4633" y="1"/>
+                  </a:lnTo>
+                  <a:close/>
+                </a:path>
+              </a:pathLst>
+            </a:custGeom>
+            <a:solidFill>
+              <a:schemeClr val="lt2"/>
+            </a:solidFill>
+            <a:ln>
+              <a:noFill/>
+            </a:ln>
+          </p:spPr>
+          <p:txBody>
+            <a:bodyPr spcFirstLastPara="1" wrap="square" lIns="91425" tIns="91425" rIns="91425" bIns="91425" anchor="ctr" anchorCtr="0">
+              <a:noAutofit/>
+            </a:bodyPr>
+            <a:lstStyle/>
+            <a:p>
+              <a:pPr marL="0" lvl="0" indent="0" algn="l" rtl="0">
+                <a:spcBef>
+                  <a:spcPts val="0"/>
+                </a:spcBef>
+                <a:spcAft>
+                  <a:spcPts val="0"/>
+                </a:spcAft>
+                <a:buNone/>
+              </a:pPr>
+              <a:endParaRPr/>
+            </a:p>
+          </p:txBody>
+        </p:sp>
+        <p:sp>
+          <p:nvSpPr>
+            <p:cNvPr id="166" name="Google Shape;166;p14"/>
+            <p:cNvSpPr/>
+            <p:nvPr/>
+          </p:nvSpPr>
+          <p:spPr>
+            <a:xfrm>
+              <a:off x="6288681" y="3696331"/>
+              <a:ext cx="8700" cy="872731"/>
+            </a:xfrm>
+            <a:custGeom>
+              <a:avLst/>
+              <a:gdLst/>
+              <a:ahLst/>
+              <a:cxnLst/>
+              <a:rect l="l" t="t" r="r" b="b"/>
+              <a:pathLst>
+                <a:path w="332" h="33304" extrusionOk="0">
+                  <a:moveTo>
+                    <a:pt x="166" y="0"/>
+                  </a:moveTo>
+                  <a:lnTo>
+                    <a:pt x="0" y="33304"/>
+                  </a:lnTo>
+                  <a:lnTo>
+                    <a:pt x="331" y="33304"/>
+                  </a:lnTo>
+                  <a:lnTo>
+                    <a:pt x="166" y="0"/>
+                  </a:lnTo>
+                  <a:close/>
+                </a:path>
+              </a:pathLst>
+            </a:custGeom>
+            <a:solidFill>
+              <a:schemeClr val="lt2"/>
+            </a:solidFill>
+            <a:ln>
+              <a:noFill/>
+            </a:ln>
+          </p:spPr>
+          <p:txBody>
+            <a:bodyPr spcFirstLastPara="1" wrap="square" lIns="91425" tIns="91425" rIns="91425" bIns="91425" anchor="ctr" anchorCtr="0">
+              <a:noAutofit/>
+            </a:bodyPr>
+            <a:lstStyle/>
+            <a:p>
+              <a:pPr marL="0" lvl="0" indent="0" algn="l" rtl="0">
+                <a:spcBef>
+                  <a:spcPts val="0"/>
+                </a:spcBef>
+                <a:spcAft>
+                  <a:spcPts val="0"/>
+                </a:spcAft>
+                <a:buNone/>
+              </a:pPr>
+              <a:endParaRPr/>
+            </a:p>
+          </p:txBody>
+        </p:sp>
+      </p:grpSp>
+      <p:grpSp>
+        <p:nvGrpSpPr>
+          <p:cNvPr id="167" name="Google Shape;167;p14"/>
+          <p:cNvGrpSpPr/>
+          <p:nvPr/>
+        </p:nvGrpSpPr>
+        <p:grpSpPr>
+          <a:xfrm>
+            <a:off x="6608011" y="1054827"/>
+            <a:ext cx="133252" cy="1952377"/>
+            <a:chOff x="6780548" y="337714"/>
+            <a:chExt cx="133252" cy="1952377"/>
+          </a:xfrm>
+        </p:grpSpPr>
+        <p:sp>
+          <p:nvSpPr>
+            <p:cNvPr id="168" name="Google Shape;168;p14"/>
+            <p:cNvSpPr/>
+            <p:nvPr/>
+          </p:nvSpPr>
+          <p:spPr>
+            <a:xfrm>
+              <a:off x="6780548" y="2156839"/>
+              <a:ext cx="133252" cy="133252"/>
+            </a:xfrm>
+            <a:custGeom>
+              <a:avLst/>
+              <a:gdLst/>
+              <a:ahLst/>
+              <a:cxnLst/>
+              <a:rect l="l" t="t" r="r" b="b"/>
+              <a:pathLst>
+                <a:path w="5085" h="5085" fill="none" extrusionOk="0">
+                  <a:moveTo>
+                    <a:pt x="1" y="1"/>
+                  </a:moveTo>
+                  <a:lnTo>
+                    <a:pt x="5084" y="1"/>
+                  </a:lnTo>
+                  <a:lnTo>
+                    <a:pt x="5084" y="5084"/>
+                  </a:lnTo>
+                  <a:lnTo>
+                    <a:pt x="1" y="5084"/>
+                  </a:lnTo>
+                  <a:close/>
+                </a:path>
+              </a:pathLst>
+            </a:custGeom>
+            <a:noFill/>
+            <a:ln w="4125" cap="flat" cmpd="sng">
+              <a:solidFill>
+                <a:schemeClr val="accent3"/>
+              </a:solidFill>
+              <a:prstDash val="solid"/>
+              <a:miter lim="9192"/>
+              <a:headEnd type="none" w="sm" len="sm"/>
+              <a:tailEnd type="none" w="sm" len="sm"/>
+            </a:ln>
+          </p:spPr>
+          <p:txBody>
+            <a:bodyPr spcFirstLastPara="1" wrap="square" lIns="91425" tIns="91425" rIns="91425" bIns="91425" anchor="ctr" anchorCtr="0">
+              <a:noAutofit/>
+            </a:bodyPr>
+            <a:lstStyle/>
+            <a:p>
+              <a:pPr marL="0" lvl="0" indent="0" algn="l" rtl="0">
+                <a:spcBef>
+                  <a:spcPts val="0"/>
+                </a:spcBef>
+                <a:spcAft>
+                  <a:spcPts val="0"/>
+                </a:spcAft>
+                <a:buNone/>
+              </a:pPr>
+              <a:endParaRPr/>
+            </a:p>
+          </p:txBody>
+        </p:sp>
+        <p:sp>
+          <p:nvSpPr>
+            <p:cNvPr id="169" name="Google Shape;169;p14"/>
+            <p:cNvSpPr/>
+            <p:nvPr/>
+          </p:nvSpPr>
+          <p:spPr>
+            <a:xfrm>
+              <a:off x="6842943" y="337714"/>
+              <a:ext cx="8464" cy="1695359"/>
+            </a:xfrm>
+            <a:custGeom>
+              <a:avLst/>
+              <a:gdLst/>
+              <a:ahLst/>
+              <a:cxnLst/>
+              <a:rect l="l" t="t" r="r" b="b"/>
+              <a:pathLst>
+                <a:path w="323" h="64696" extrusionOk="0">
+                  <a:moveTo>
+                    <a:pt x="157" y="0"/>
+                  </a:moveTo>
+                  <a:lnTo>
+                    <a:pt x="1" y="64695"/>
+                  </a:lnTo>
+                  <a:lnTo>
+                    <a:pt x="322" y="64695"/>
+                  </a:lnTo>
+                  <a:lnTo>
+                    <a:pt x="157" y="0"/>
+                  </a:lnTo>
+                  <a:close/>
+                </a:path>
+              </a:pathLst>
+            </a:custGeom>
+            <a:solidFill>
+              <a:schemeClr val="lt2"/>
+            </a:solidFill>
+            <a:ln>
+              <a:noFill/>
+            </a:ln>
+          </p:spPr>
+          <p:txBody>
+            <a:bodyPr spcFirstLastPara="1" wrap="square" lIns="91425" tIns="91425" rIns="91425" bIns="91425" anchor="ctr" anchorCtr="0">
+              <a:noAutofit/>
+            </a:bodyPr>
+            <a:lstStyle/>
+            <a:p>
+              <a:pPr marL="0" lvl="0" indent="0" algn="l" rtl="0">
+                <a:spcBef>
+                  <a:spcPts val="0"/>
+                </a:spcBef>
+                <a:spcAft>
+                  <a:spcPts val="0"/>
+                </a:spcAft>
+                <a:buNone/>
+              </a:pPr>
+              <a:endParaRPr/>
+            </a:p>
+          </p:txBody>
+        </p:sp>
+      </p:grpSp>
+      <p:grpSp>
+        <p:nvGrpSpPr>
+          <p:cNvPr id="170" name="Google Shape;170;p14"/>
+          <p:cNvGrpSpPr/>
+          <p:nvPr/>
+        </p:nvGrpSpPr>
+        <p:grpSpPr>
+          <a:xfrm>
+            <a:off x="7142605" y="260834"/>
+            <a:ext cx="199237" cy="2828935"/>
+            <a:chOff x="1608717" y="1280046"/>
+            <a:chExt cx="199237" cy="2828935"/>
+          </a:xfrm>
+        </p:grpSpPr>
+        <p:sp>
+          <p:nvSpPr>
+            <p:cNvPr id="171" name="Google Shape;171;p14"/>
+            <p:cNvSpPr/>
+            <p:nvPr/>
+          </p:nvSpPr>
+          <p:spPr>
+            <a:xfrm>
+              <a:off x="1608717" y="3909744"/>
+              <a:ext cx="199237" cy="199237"/>
+            </a:xfrm>
+            <a:custGeom>
+              <a:avLst/>
+              <a:gdLst/>
+              <a:ahLst/>
+              <a:cxnLst/>
+              <a:rect l="l" t="t" r="r" b="b"/>
+              <a:pathLst>
+                <a:path w="7603" h="7603" extrusionOk="0">
+                  <a:moveTo>
+                    <a:pt x="0" y="1"/>
+                  </a:moveTo>
+                  <a:lnTo>
+                    <a:pt x="0" y="7602"/>
+                  </a:lnTo>
+                  <a:lnTo>
+                    <a:pt x="7602" y="7602"/>
+                  </a:lnTo>
+                  <a:lnTo>
+                    <a:pt x="7602" y="1"/>
+                  </a:lnTo>
+                  <a:close/>
+                </a:path>
+              </a:pathLst>
+            </a:custGeom>
+            <a:solidFill>
+              <a:schemeClr val="accent2"/>
+            </a:solidFill>
+            <a:ln>
+              <a:noFill/>
+            </a:ln>
+          </p:spPr>
+          <p:txBody>
+            <a:bodyPr spcFirstLastPara="1" wrap="square" lIns="91425" tIns="91425" rIns="91425" bIns="91425" anchor="ctr" anchorCtr="0">
+              <a:noAutofit/>
+            </a:bodyPr>
+            <a:lstStyle/>
+            <a:p>
+              <a:pPr marL="0" lvl="0" indent="0" algn="l" rtl="0">
+                <a:spcBef>
+                  <a:spcPts val="0"/>
+                </a:spcBef>
+                <a:spcAft>
+                  <a:spcPts val="0"/>
+                </a:spcAft>
+                <a:buNone/>
+              </a:pPr>
+              <a:endParaRPr/>
+            </a:p>
+          </p:txBody>
+        </p:sp>
+        <p:sp>
+          <p:nvSpPr>
+            <p:cNvPr id="172" name="Google Shape;172;p14"/>
+            <p:cNvSpPr/>
+            <p:nvPr/>
+          </p:nvSpPr>
+          <p:spPr>
+            <a:xfrm>
+              <a:off x="1656175" y="3269477"/>
+              <a:ext cx="104086" cy="104086"/>
+            </a:xfrm>
+            <a:custGeom>
+              <a:avLst/>
+              <a:gdLst/>
+              <a:ahLst/>
+              <a:cxnLst/>
+              <a:rect l="l" t="t" r="r" b="b"/>
+              <a:pathLst>
+                <a:path w="3972" h="3972" extrusionOk="0">
+                  <a:moveTo>
+                    <a:pt x="0" y="1"/>
+                  </a:moveTo>
+                  <a:lnTo>
+                    <a:pt x="0" y="3972"/>
+                  </a:lnTo>
+                  <a:lnTo>
+                    <a:pt x="3971" y="3972"/>
+                  </a:lnTo>
+                  <a:lnTo>
+                    <a:pt x="3971" y="1"/>
+                  </a:lnTo>
+                  <a:close/>
+                </a:path>
+              </a:pathLst>
+            </a:custGeom>
+            <a:solidFill>
+              <a:schemeClr val="accent2"/>
+            </a:solidFill>
+            <a:ln>
+              <a:noFill/>
+            </a:ln>
+          </p:spPr>
+          <p:txBody>
+            <a:bodyPr spcFirstLastPara="1" wrap="square" lIns="91425" tIns="91425" rIns="91425" bIns="91425" anchor="ctr" anchorCtr="0">
+              <a:noAutofit/>
+            </a:bodyPr>
+            <a:lstStyle/>
+            <a:p>
+              <a:pPr marL="0" lvl="0" indent="0" algn="l" rtl="0">
+                <a:spcBef>
+                  <a:spcPts val="0"/>
+                </a:spcBef>
+                <a:spcAft>
+                  <a:spcPts val="0"/>
+                </a:spcAft>
+                <a:buNone/>
+              </a:pPr>
+              <a:endParaRPr/>
+            </a:p>
+          </p:txBody>
+        </p:sp>
+        <p:sp>
+          <p:nvSpPr>
+            <p:cNvPr id="173" name="Google Shape;173;p14"/>
+            <p:cNvSpPr/>
+            <p:nvPr/>
+          </p:nvSpPr>
+          <p:spPr>
+            <a:xfrm>
+              <a:off x="1704104" y="1280046"/>
+              <a:ext cx="8464" cy="1794099"/>
+            </a:xfrm>
+            <a:custGeom>
+              <a:avLst/>
+              <a:gdLst/>
+              <a:ahLst/>
+              <a:cxnLst/>
+              <a:rect l="l" t="t" r="r" b="b"/>
+              <a:pathLst>
+                <a:path w="323" h="68464" extrusionOk="0">
+                  <a:moveTo>
+                    <a:pt x="157" y="0"/>
+                  </a:moveTo>
+                  <a:lnTo>
+                    <a:pt x="0" y="68464"/>
+                  </a:lnTo>
+                  <a:lnTo>
+                    <a:pt x="322" y="68464"/>
+                  </a:lnTo>
+                  <a:lnTo>
+                    <a:pt x="157" y="0"/>
+                  </a:lnTo>
+                  <a:close/>
+                </a:path>
+              </a:pathLst>
+            </a:custGeom>
+            <a:solidFill>
+              <a:schemeClr val="lt2"/>
+            </a:solidFill>
+            <a:ln>
+              <a:noFill/>
+            </a:ln>
+          </p:spPr>
+          <p:txBody>
+            <a:bodyPr spcFirstLastPara="1" wrap="square" lIns="91425" tIns="91425" rIns="91425" bIns="91425" anchor="ctr" anchorCtr="0">
+              <a:noAutofit/>
+            </a:bodyPr>
+            <a:lstStyle/>
+            <a:p>
+              <a:pPr marL="0" lvl="0" indent="0" algn="l" rtl="0">
+                <a:spcBef>
+                  <a:spcPts val="0"/>
+                </a:spcBef>
+                <a:spcAft>
+                  <a:spcPts val="0"/>
+                </a:spcAft>
+                <a:buNone/>
+              </a:pPr>
+              <a:endParaRPr/>
+            </a:p>
+          </p:txBody>
+        </p:sp>
+      </p:grpSp>
+      <p:grpSp>
+        <p:nvGrpSpPr>
+          <p:cNvPr id="174" name="Google Shape;174;p14"/>
+          <p:cNvGrpSpPr/>
+          <p:nvPr/>
+        </p:nvGrpSpPr>
+        <p:grpSpPr>
+          <a:xfrm>
+            <a:off x="5260692" y="676553"/>
+            <a:ext cx="80476" cy="2708957"/>
+            <a:chOff x="5260692" y="676553"/>
+            <a:chExt cx="80476" cy="2708957"/>
+          </a:xfrm>
+        </p:grpSpPr>
+        <p:sp>
+          <p:nvSpPr>
+            <p:cNvPr id="175" name="Google Shape;175;p14"/>
+            <p:cNvSpPr/>
+            <p:nvPr/>
+          </p:nvSpPr>
+          <p:spPr>
+            <a:xfrm>
+              <a:off x="5260692" y="3305034"/>
+              <a:ext cx="80476" cy="80476"/>
+            </a:xfrm>
+            <a:custGeom>
+              <a:avLst/>
+              <a:gdLst/>
+              <a:ahLst/>
+              <a:cxnLst/>
+              <a:rect l="l" t="t" r="r" b="b"/>
+              <a:pathLst>
+                <a:path w="3071" h="3071" extrusionOk="0">
+                  <a:moveTo>
+                    <a:pt x="1" y="1"/>
+                  </a:moveTo>
+                  <a:lnTo>
+                    <a:pt x="1" y="3071"/>
+                  </a:lnTo>
+                  <a:lnTo>
+                    <a:pt x="3071" y="3071"/>
+                  </a:lnTo>
+                  <a:lnTo>
+                    <a:pt x="3071" y="1"/>
+                  </a:lnTo>
+                  <a:close/>
+                </a:path>
+              </a:pathLst>
+            </a:custGeom>
+            <a:solidFill>
+              <a:schemeClr val="accent3"/>
+            </a:solidFill>
+            <a:ln>
+              <a:noFill/>
+            </a:ln>
+          </p:spPr>
+          <p:txBody>
+            <a:bodyPr spcFirstLastPara="1" wrap="square" lIns="91425" tIns="91425" rIns="91425" bIns="91425" anchor="ctr" anchorCtr="0">
+              <a:noAutofit/>
+            </a:bodyPr>
+            <a:lstStyle/>
+            <a:p>
+              <a:pPr marL="0" lvl="0" indent="0" algn="l" rtl="0">
+                <a:spcBef>
+                  <a:spcPts val="0"/>
+                </a:spcBef>
+                <a:spcAft>
+                  <a:spcPts val="0"/>
+                </a:spcAft>
+                <a:buNone/>
+              </a:pPr>
+              <a:endParaRPr/>
+            </a:p>
+          </p:txBody>
+        </p:sp>
+        <p:sp>
+          <p:nvSpPr>
+            <p:cNvPr id="176" name="Google Shape;176;p14"/>
+            <p:cNvSpPr/>
+            <p:nvPr/>
+          </p:nvSpPr>
+          <p:spPr>
+            <a:xfrm>
+              <a:off x="5296692" y="676553"/>
+              <a:ext cx="8464" cy="2519663"/>
+            </a:xfrm>
+            <a:custGeom>
+              <a:avLst/>
+              <a:gdLst/>
+              <a:ahLst/>
+              <a:cxnLst/>
+              <a:rect l="l" t="t" r="r" b="b"/>
+              <a:pathLst>
+                <a:path w="323" h="96152" extrusionOk="0">
+                  <a:moveTo>
+                    <a:pt x="166" y="1"/>
+                  </a:moveTo>
+                  <a:lnTo>
+                    <a:pt x="1" y="96151"/>
+                  </a:lnTo>
+                  <a:lnTo>
+                    <a:pt x="322" y="96151"/>
+                  </a:lnTo>
+                  <a:lnTo>
+                    <a:pt x="166" y="1"/>
+                  </a:lnTo>
+                  <a:close/>
+                </a:path>
+              </a:pathLst>
+            </a:custGeom>
+            <a:solidFill>
+              <a:schemeClr val="lt2"/>
+            </a:solidFill>
+            <a:ln>
+              <a:noFill/>
+            </a:ln>
+          </p:spPr>
+          <p:txBody>
+            <a:bodyPr spcFirstLastPara="1" wrap="square" lIns="91425" tIns="91425" rIns="91425" bIns="91425" anchor="ctr" anchorCtr="0">
+              <a:noAutofit/>
+            </a:bodyPr>
+            <a:lstStyle/>
+            <a:p>
+              <a:pPr marL="0" lvl="0" indent="0" algn="l" rtl="0">
+                <a:spcBef>
+                  <a:spcPts val="0"/>
+                </a:spcBef>
+                <a:spcAft>
+                  <a:spcPts val="0"/>
+                </a:spcAft>
+                <a:buNone/>
+              </a:pPr>
+              <a:endParaRPr/>
+            </a:p>
+          </p:txBody>
+        </p:sp>
+      </p:grpSp>
+      <p:sp>
+        <p:nvSpPr>
+          <p:cNvPr id="177" name="Google Shape;177;p14"/>
+          <p:cNvSpPr/>
+          <p:nvPr/>
+        </p:nvSpPr>
+        <p:spPr>
+          <a:xfrm>
+            <a:off x="7670738" y="2784681"/>
+            <a:ext cx="8464" cy="1689096"/>
+          </a:xfrm>
+          <a:custGeom>
+            <a:avLst/>
+            <a:gdLst/>
+            <a:ahLst/>
+            <a:cxnLst/>
+            <a:rect l="l" t="t" r="r" b="b"/>
+            <a:pathLst>
+              <a:path w="323" h="64457" extrusionOk="0">
+                <a:moveTo>
+                  <a:pt x="157" y="1"/>
+                </a:moveTo>
+                <a:lnTo>
+                  <a:pt x="0" y="64456"/>
+                </a:lnTo>
+                <a:lnTo>
+                  <a:pt x="322" y="64456"/>
+                </a:lnTo>
+                <a:lnTo>
+                  <a:pt x="157" y="1"/>
+                </a:lnTo>
+                <a:close/>
+              </a:path>
+            </a:pathLst>
+          </a:custGeom>
+          <a:solidFill>
+            <a:schemeClr val="lt2"/>
+          </a:solidFill>
+          <a:ln>
+            <a:noFill/>
+          </a:ln>
+        </p:spPr>
+        <p:txBody>
+          <a:bodyPr spcFirstLastPara="1" wrap="square" lIns="91425" tIns="91425" rIns="91425" bIns="91425" anchor="ctr" anchorCtr="0">
+            <a:noAutofit/>
+          </a:bodyPr>
+          <a:lstStyle/>
+          <a:p>
+            <a:pPr marL="0" lvl="0" indent="0" algn="l" rtl="0">
+              <a:spcBef>
+                <a:spcPts val="0"/>
+              </a:spcBef>
+              <a:spcAft>
+                <a:spcPts val="0"/>
+              </a:spcAft>
+              <a:buNone/>
+            </a:pPr>
+            <a:endParaRPr/>
+          </a:p>
+        </p:txBody>
+      </p:sp>
+      <p:grpSp>
+        <p:nvGrpSpPr>
+          <p:cNvPr id="178" name="Google Shape;178;p14"/>
+          <p:cNvGrpSpPr/>
+          <p:nvPr/>
+        </p:nvGrpSpPr>
+        <p:grpSpPr>
+          <a:xfrm>
+            <a:off x="8008096" y="2108910"/>
+            <a:ext cx="199001" cy="2139769"/>
+            <a:chOff x="8008096" y="2108910"/>
+            <a:chExt cx="199001" cy="2139769"/>
+          </a:xfrm>
+        </p:grpSpPr>
+        <p:sp>
+          <p:nvSpPr>
+            <p:cNvPr id="179" name="Google Shape;179;p14"/>
+            <p:cNvSpPr/>
+            <p:nvPr/>
+          </p:nvSpPr>
+          <p:spPr>
+            <a:xfrm>
+              <a:off x="8008096" y="4049705"/>
+              <a:ext cx="199001" cy="198975"/>
+            </a:xfrm>
+            <a:custGeom>
+              <a:avLst/>
+              <a:gdLst/>
+              <a:ahLst/>
+              <a:cxnLst/>
+              <a:rect l="l" t="t" r="r" b="b"/>
+              <a:pathLst>
+                <a:path w="7594" h="7593" extrusionOk="0">
+                  <a:moveTo>
+                    <a:pt x="1" y="0"/>
+                  </a:moveTo>
+                  <a:lnTo>
+                    <a:pt x="1" y="7593"/>
+                  </a:lnTo>
+                  <a:lnTo>
+                    <a:pt x="7593" y="7593"/>
+                  </a:lnTo>
+                  <a:lnTo>
+                    <a:pt x="7593" y="0"/>
+                  </a:lnTo>
+                  <a:close/>
+                </a:path>
+              </a:pathLst>
+            </a:custGeom>
+            <a:solidFill>
+              <a:schemeClr val="accent2"/>
+            </a:solidFill>
+            <a:ln>
+              <a:noFill/>
+            </a:ln>
+          </p:spPr>
+          <p:txBody>
+            <a:bodyPr spcFirstLastPara="1" wrap="square" lIns="91425" tIns="91425" rIns="91425" bIns="91425" anchor="ctr" anchorCtr="0">
+              <a:noAutofit/>
+            </a:bodyPr>
+            <a:lstStyle/>
+            <a:p>
+              <a:pPr marL="0" lvl="0" indent="0" algn="l" rtl="0">
+                <a:spcBef>
+                  <a:spcPts val="0"/>
+                </a:spcBef>
+                <a:spcAft>
+                  <a:spcPts val="0"/>
+                </a:spcAft>
+                <a:buNone/>
+              </a:pPr>
+              <a:endParaRPr/>
+            </a:p>
+          </p:txBody>
+        </p:sp>
+        <p:sp>
+          <p:nvSpPr>
+            <p:cNvPr id="180" name="Google Shape;180;p14"/>
+            <p:cNvSpPr/>
+            <p:nvPr/>
+          </p:nvSpPr>
+          <p:spPr>
+            <a:xfrm>
+              <a:off x="8103246" y="2108910"/>
+              <a:ext cx="8464" cy="1793863"/>
+            </a:xfrm>
+            <a:custGeom>
+              <a:avLst/>
+              <a:gdLst/>
+              <a:ahLst/>
+              <a:cxnLst/>
+              <a:rect l="l" t="t" r="r" b="b"/>
+              <a:pathLst>
+                <a:path w="323" h="68455" extrusionOk="0">
+                  <a:moveTo>
+                    <a:pt x="166" y="1"/>
+                  </a:moveTo>
+                  <a:lnTo>
+                    <a:pt x="0" y="68455"/>
+                  </a:lnTo>
+                  <a:lnTo>
+                    <a:pt x="322" y="68455"/>
+                  </a:lnTo>
+                  <a:lnTo>
+                    <a:pt x="166" y="1"/>
+                  </a:lnTo>
+                  <a:close/>
+                </a:path>
+              </a:pathLst>
+            </a:custGeom>
+            <a:solidFill>
+              <a:schemeClr val="lt2"/>
+            </a:solidFill>
+            <a:ln>
+              <a:noFill/>
+            </a:ln>
+          </p:spPr>
+          <p:txBody>
+            <a:bodyPr spcFirstLastPara="1" wrap="square" lIns="91425" tIns="91425" rIns="91425" bIns="91425" anchor="ctr" anchorCtr="0">
+              <a:noAutofit/>
+            </a:bodyPr>
+            <a:lstStyle/>
+            <a:p>
+              <a:pPr marL="0" lvl="0" indent="0" algn="l" rtl="0">
+                <a:spcBef>
+                  <a:spcPts val="0"/>
+                </a:spcBef>
+                <a:spcAft>
+                  <a:spcPts val="0"/>
+                </a:spcAft>
+                <a:buNone/>
+              </a:pPr>
+              <a:endParaRPr/>
+            </a:p>
+          </p:txBody>
+        </p:sp>
+      </p:grpSp>
+      <p:grpSp>
+        <p:nvGrpSpPr>
+          <p:cNvPr id="181" name="Google Shape;181;p14"/>
+          <p:cNvGrpSpPr/>
+          <p:nvPr/>
+        </p:nvGrpSpPr>
+        <p:grpSpPr>
+          <a:xfrm>
+            <a:off x="5930000" y="1241705"/>
+            <a:ext cx="199001" cy="867198"/>
+            <a:chOff x="4475150" y="4052605"/>
+            <a:chExt cx="199001" cy="867198"/>
+          </a:xfrm>
+        </p:grpSpPr>
+        <p:sp>
+          <p:nvSpPr>
+            <p:cNvPr id="182" name="Google Shape;182;p14"/>
+            <p:cNvSpPr/>
+            <p:nvPr/>
+          </p:nvSpPr>
+          <p:spPr>
+            <a:xfrm>
+              <a:off x="4475150" y="4052605"/>
+              <a:ext cx="199001" cy="220121"/>
+            </a:xfrm>
+            <a:custGeom>
+              <a:avLst/>
+              <a:gdLst/>
+              <a:ahLst/>
+              <a:cxnLst/>
+              <a:rect l="l" t="t" r="r" b="b"/>
+              <a:pathLst>
+                <a:path w="7594" h="7593" extrusionOk="0">
+                  <a:moveTo>
+                    <a:pt x="1" y="0"/>
+                  </a:moveTo>
+                  <a:lnTo>
+                    <a:pt x="1" y="7593"/>
+                  </a:lnTo>
+                  <a:lnTo>
+                    <a:pt x="7593" y="7593"/>
+                  </a:lnTo>
+                  <a:lnTo>
+                    <a:pt x="7593" y="0"/>
+                  </a:lnTo>
+                  <a:close/>
+                </a:path>
+              </a:pathLst>
+            </a:custGeom>
+            <a:solidFill>
+              <a:schemeClr val="accent2"/>
+            </a:solidFill>
+            <a:ln>
+              <a:noFill/>
+            </a:ln>
+          </p:spPr>
+          <p:txBody>
+            <a:bodyPr spcFirstLastPara="1" wrap="square" lIns="91425" tIns="91425" rIns="91425" bIns="91425" anchor="ctr" anchorCtr="0">
+              <a:noAutofit/>
+            </a:bodyPr>
+            <a:lstStyle/>
+            <a:p>
+              <a:pPr marL="0" lvl="0" indent="0" algn="l" rtl="0">
+                <a:spcBef>
+                  <a:spcPts val="0"/>
+                </a:spcBef>
+                <a:spcAft>
+                  <a:spcPts val="0"/>
+                </a:spcAft>
+                <a:buNone/>
+              </a:pPr>
+              <a:endParaRPr/>
+            </a:p>
+          </p:txBody>
+        </p:sp>
+        <p:sp>
+          <p:nvSpPr>
+            <p:cNvPr id="183" name="Google Shape;183;p14"/>
+            <p:cNvSpPr/>
+            <p:nvPr/>
+          </p:nvSpPr>
+          <p:spPr>
+            <a:xfrm>
+              <a:off x="4522600" y="4494201"/>
+              <a:ext cx="104095" cy="115148"/>
+            </a:xfrm>
+            <a:custGeom>
+              <a:avLst/>
+              <a:gdLst/>
+              <a:ahLst/>
+              <a:cxnLst/>
+              <a:rect l="l" t="t" r="r" b="b"/>
+              <a:pathLst>
+                <a:path w="7594" h="7593" extrusionOk="0">
+                  <a:moveTo>
+                    <a:pt x="1" y="0"/>
+                  </a:moveTo>
+                  <a:lnTo>
+                    <a:pt x="1" y="7593"/>
+                  </a:lnTo>
+                  <a:lnTo>
+                    <a:pt x="7593" y="7593"/>
+                  </a:lnTo>
+                  <a:lnTo>
+                    <a:pt x="7593" y="0"/>
+                  </a:lnTo>
+                  <a:close/>
+                </a:path>
+              </a:pathLst>
+            </a:custGeom>
+            <a:solidFill>
+              <a:schemeClr val="accent2"/>
+            </a:solidFill>
+            <a:ln>
+              <a:noFill/>
+            </a:ln>
+          </p:spPr>
+          <p:txBody>
+            <a:bodyPr spcFirstLastPara="1" wrap="square" lIns="91425" tIns="91425" rIns="91425" bIns="91425" anchor="ctr" anchorCtr="0">
+              <a:noAutofit/>
+            </a:bodyPr>
+            <a:lstStyle/>
+            <a:p>
+              <a:pPr marL="0" lvl="0" indent="0" algn="l" rtl="0">
+                <a:spcBef>
+                  <a:spcPts val="0"/>
+                </a:spcBef>
+                <a:spcAft>
+                  <a:spcPts val="0"/>
+                </a:spcAft>
+                <a:buNone/>
+              </a:pPr>
+              <a:endParaRPr/>
+            </a:p>
+          </p:txBody>
+        </p:sp>
+        <p:sp>
+          <p:nvSpPr>
+            <p:cNvPr id="184" name="Google Shape;184;p14"/>
+            <p:cNvSpPr/>
+            <p:nvPr/>
+          </p:nvSpPr>
+          <p:spPr>
+            <a:xfrm>
+              <a:off x="4534403" y="4830814"/>
+              <a:ext cx="80477" cy="88990"/>
+            </a:xfrm>
+            <a:custGeom>
+              <a:avLst/>
+              <a:gdLst/>
+              <a:ahLst/>
+              <a:cxnLst/>
+              <a:rect l="l" t="t" r="r" b="b"/>
+              <a:pathLst>
+                <a:path w="7594" h="7593" extrusionOk="0">
+                  <a:moveTo>
+                    <a:pt x="1" y="0"/>
+                  </a:moveTo>
+                  <a:lnTo>
+                    <a:pt x="1" y="7593"/>
+                  </a:lnTo>
+                  <a:lnTo>
+                    <a:pt x="7593" y="7593"/>
+                  </a:lnTo>
+                  <a:lnTo>
+                    <a:pt x="7593" y="0"/>
+                  </a:lnTo>
+                  <a:close/>
+                </a:path>
+              </a:pathLst>
+            </a:custGeom>
+            <a:solidFill>
+              <a:schemeClr val="accent2"/>
+            </a:solidFill>
+            <a:ln>
+              <a:noFill/>
+            </a:ln>
+          </p:spPr>
+          <p:txBody>
+            <a:bodyPr spcFirstLastPara="1" wrap="square" lIns="91425" tIns="91425" rIns="91425" bIns="91425" anchor="ctr" anchorCtr="0">
+              <a:noAutofit/>
+            </a:bodyPr>
+            <a:lstStyle/>
+            <a:p>
+              <a:pPr marL="0" lvl="0" indent="0" algn="l" rtl="0">
+                <a:spcBef>
+                  <a:spcPts val="0"/>
+                </a:spcBef>
+                <a:spcAft>
+                  <a:spcPts val="0"/>
+                </a:spcAft>
+                <a:buNone/>
+              </a:pPr>
+              <a:endParaRPr/>
+            </a:p>
+          </p:txBody>
+        </p:sp>
+      </p:grpSp>
+      <p:sp>
+        <p:nvSpPr>
+          <p:cNvPr id="185" name="Google Shape;185;p14"/>
+          <p:cNvSpPr/>
+          <p:nvPr/>
+        </p:nvSpPr>
+        <p:spPr>
+          <a:xfrm>
+            <a:off x="5545159" y="4115388"/>
+            <a:ext cx="133275" cy="133275"/>
+          </a:xfrm>
+          <a:custGeom>
+            <a:avLst/>
+            <a:gdLst/>
+            <a:ahLst/>
+            <a:cxnLst/>
+            <a:rect l="l" t="t" r="r" b="b"/>
+            <a:pathLst>
+              <a:path w="2207" h="2207" fill="none" extrusionOk="0">
+                <a:moveTo>
+                  <a:pt x="0" y="1"/>
+                </a:moveTo>
+                <a:lnTo>
+                  <a:pt x="2206" y="1"/>
+                </a:lnTo>
+                <a:lnTo>
+                  <a:pt x="2206" y="2207"/>
+                </a:lnTo>
+                <a:lnTo>
+                  <a:pt x="0" y="2207"/>
+                </a:lnTo>
+                <a:close/>
+              </a:path>
+            </a:pathLst>
+          </a:custGeom>
+          <a:noFill/>
+          <a:ln w="1375" cap="flat" cmpd="sng">
+            <a:solidFill>
+              <a:schemeClr val="accent1"/>
+            </a:solidFill>
+            <a:prstDash val="solid"/>
+            <a:miter lim="9192"/>
+            <a:headEnd type="none" w="sm" len="sm"/>
+            <a:tailEnd type="none" w="sm" len="sm"/>
+          </a:ln>
+        </p:spPr>
+        <p:txBody>
+          <a:bodyPr spcFirstLastPara="1" wrap="square" lIns="91425" tIns="91425" rIns="91425" bIns="91425" anchor="ctr" anchorCtr="0">
+            <a:noAutofit/>
+          </a:bodyPr>
+          <a:lstStyle/>
+          <a:p>
+            <a:pPr marL="0" lvl="0" indent="0" algn="l" rtl="0">
+              <a:spcBef>
+                <a:spcPts val="0"/>
+              </a:spcBef>
+              <a:spcAft>
+                <a:spcPts val="0"/>
+              </a:spcAft>
+              <a:buNone/>
+            </a:pPr>
+            <a:endParaRPr/>
+          </a:p>
+        </p:txBody>
+      </p:sp>
+    </p:spTree>
+    <p:extLst>
+      <p:ext uri="{BB962C8B-B14F-4D97-AF65-F5344CB8AC3E}">
+        <p14:creationId xmlns:p14="http://schemas.microsoft.com/office/powerpoint/2010/main" val="284576024"/>
+      </p:ext>
+    </p:extLst>
+  </p:cSld>
+  <p:clrMapOvr>
+    <a:masterClrMapping/>
+  </p:clrMapOvr>
+</p:sld>
+</file>
+
 <file path=ppt/slides/slide2.xml><?xml version="1.0" encoding="utf-8"?>
 <p:sld xmlns:a="http://schemas.openxmlformats.org/drawingml/2006/main" xmlns:r="http://schemas.openxmlformats.org/officeDocument/2006/relationships" xmlns:p="http://schemas.openxmlformats.org/presentationml/2006/main">
   <p:cSld>
@@ -12951,10 +17114,10 @@
               <a:buNone/>
             </a:pPr>
             <a:r>
-              <a:rPr lang="en"/>
+              <a:rPr lang="en" dirty="0"/>
               <a:t>Sommaire</a:t>
             </a:r>
-            <a:endParaRPr/>
+            <a:endParaRPr dirty="0"/>
           </a:p>
         </p:txBody>
       </p:sp>
@@ -12970,7 +17133,7 @@
         </p:nvSpPr>
         <p:spPr>
           <a:xfrm>
-            <a:off x="720000" y="1215750"/>
+            <a:off x="720000" y="1171029"/>
             <a:ext cx="3669120" cy="2415454"/>
           </a:xfrm>
           <a:prstGeom prst="rect">
@@ -12991,8 +17154,125 @@
             </a:pPr>
             <a:r>
               <a:rPr lang="fr-FR" dirty="0"/>
-              <a:t>test</a:t>
+              <a:t>Présentation du projet</a:t>
             </a:r>
+          </a:p>
+          <a:p>
+            <a:pPr marL="323850" indent="-171450">
+              <a:spcAft>
+                <a:spcPts val="600"/>
+              </a:spcAft>
+              <a:buSzPts val="1200"/>
+            </a:pPr>
+            <a:r>
+              <a:rPr lang="fr-FR" dirty="0"/>
+              <a:t>Gestion de projet et organisation</a:t>
+            </a:r>
+          </a:p>
+          <a:p>
+            <a:pPr marL="323850" indent="-171450">
+              <a:spcAft>
+                <a:spcPts val="600"/>
+              </a:spcAft>
+              <a:buSzPts val="1200"/>
+            </a:pPr>
+            <a:r>
+              <a:rPr lang="fr-FR" dirty="0"/>
+              <a:t>Architecture des services</a:t>
+            </a:r>
+          </a:p>
+          <a:p>
+            <a:pPr marL="781050" lvl="1" indent="-171450">
+              <a:spcBef>
+                <a:spcPts val="0"/>
+              </a:spcBef>
+              <a:buSzPts val="1200"/>
+            </a:pPr>
+            <a:r>
+              <a:rPr lang="fr-FR" dirty="0"/>
+              <a:t>Architecture globale</a:t>
+            </a:r>
+          </a:p>
+          <a:p>
+            <a:pPr marL="781050" lvl="1" indent="-171450">
+              <a:spcBef>
+                <a:spcPts val="0"/>
+              </a:spcBef>
+              <a:buSzPts val="1200"/>
+            </a:pPr>
+            <a:r>
+              <a:rPr lang="fr-FR" dirty="0"/>
+              <a:t>Architecture de l’API</a:t>
+            </a:r>
+          </a:p>
+          <a:p>
+            <a:pPr marL="781050" lvl="1" indent="-171450">
+              <a:spcBef>
+                <a:spcPts val="0"/>
+              </a:spcBef>
+              <a:buSzPts val="1200"/>
+            </a:pPr>
+            <a:r>
+              <a:rPr lang="fr-FR" dirty="0"/>
+              <a:t>Architecture de l’application web</a:t>
+            </a:r>
+          </a:p>
+          <a:p>
+            <a:pPr marL="323850" indent="-171450">
+              <a:spcAft>
+                <a:spcPts val="600"/>
+              </a:spcAft>
+              <a:buSzPts val="1200"/>
+            </a:pPr>
+            <a:r>
+              <a:rPr lang="fr-FR" dirty="0"/>
+              <a:t>Mise en œuvre techniques</a:t>
+            </a:r>
+          </a:p>
+          <a:p>
+            <a:pPr marL="323850" indent="-171450">
+              <a:spcAft>
+                <a:spcPts val="600"/>
+              </a:spcAft>
+              <a:buSzPts val="1200"/>
+            </a:pPr>
+            <a:r>
+              <a:rPr lang="fr-FR" dirty="0"/>
+              <a:t>Compétences mises en œuvre</a:t>
+            </a:r>
+          </a:p>
+          <a:p>
+            <a:pPr marL="323850" indent="-171450">
+              <a:spcAft>
+                <a:spcPts val="600"/>
+              </a:spcAft>
+              <a:buSzPts val="1200"/>
+            </a:pPr>
+            <a:r>
+              <a:rPr lang="fr-FR" dirty="0"/>
+              <a:t>Temps passé sur le projet</a:t>
+            </a:r>
+          </a:p>
+          <a:p>
+            <a:pPr marL="323850" indent="-171450">
+              <a:spcAft>
+                <a:spcPts val="600"/>
+              </a:spcAft>
+              <a:buSzPts val="1200"/>
+            </a:pPr>
+            <a:r>
+              <a:rPr lang="fr-FR" dirty="0"/>
+              <a:t>Conclusion</a:t>
+            </a:r>
+          </a:p>
+          <a:p>
+            <a:pPr marL="323850" indent="-171450">
+              <a:spcAft>
+                <a:spcPts val="600"/>
+              </a:spcAft>
+              <a:buSzPts val="1200"/>
+            </a:pPr>
+            <a:endParaRPr lang="fr-FR" dirty="0"/>
           </a:p>
         </p:txBody>
       </p:sp>
@@ -13872,19 +18152,16 @@
               </a:spcAft>
               <a:buSzPts val="1200"/>
             </a:pPr>
-            <a:r>
-              <a:rPr lang="fr-FR" dirty="0"/>
-              <a:t>test</a:t>
-            </a:r>
+            <a:endParaRPr lang="fr-FR" dirty="0"/>
           </a:p>
         </p:txBody>
       </p:sp>
       <p:sp>
         <p:nvSpPr>
-          <p:cNvPr id="3" name="Google Shape;176;p14">
+          <p:cNvPr id="8" name="Google Shape;176;p14">
             <a:extLst>
               <a:ext uri="{FF2B5EF4-FFF2-40B4-BE49-F238E27FC236}">
-                <a16:creationId xmlns:a16="http://schemas.microsoft.com/office/drawing/2014/main" id="{00257E1D-52EC-68A2-4AFD-BD4C373B1D69}"/>
+                <a16:creationId xmlns:a16="http://schemas.microsoft.com/office/drawing/2014/main" id="{3823A634-C211-2CB4-AF6A-A198E9421977}"/>
               </a:ext>
             </a:extLst>
           </p:cNvPr>
@@ -13948,10 +18225,10 @@
       </p:sp>
       <p:sp>
         <p:nvSpPr>
-          <p:cNvPr id="5" name="Google Shape;200;p15">
+          <p:cNvPr id="9" name="Google Shape;200;p15">
             <a:extLst>
               <a:ext uri="{FF2B5EF4-FFF2-40B4-BE49-F238E27FC236}">
-                <a16:creationId xmlns:a16="http://schemas.microsoft.com/office/drawing/2014/main" id="{9F1B1F85-9139-B20D-22FA-F009E546C809}"/>
+                <a16:creationId xmlns:a16="http://schemas.microsoft.com/office/drawing/2014/main" id="{3C7420DA-6495-7959-F407-33411EFBE128}"/>
               </a:ext>
             </a:extLst>
           </p:cNvPr>
@@ -14010,46 +18287,6 @@
               <a:buNone/>
             </a:pPr>
             <a:endParaRPr/>
-          </a:p>
-        </p:txBody>
-      </p:sp>
-      <p:sp>
-        <p:nvSpPr>
-          <p:cNvPr id="6" name="ZoneTexte 5">
-            <a:extLst>
-              <a:ext uri="{FF2B5EF4-FFF2-40B4-BE49-F238E27FC236}">
-                <a16:creationId xmlns:a16="http://schemas.microsoft.com/office/drawing/2014/main" id="{7BD65EE8-9EE9-84E7-D781-FAC11DAFEACC}"/>
-              </a:ext>
-            </a:extLst>
-          </p:cNvPr>
-          <p:cNvSpPr txBox="1"/>
-          <p:nvPr/>
-        </p:nvSpPr>
-        <p:spPr>
-          <a:xfrm>
-            <a:off x="8781856" y="4806393"/>
-            <a:ext cx="362144" cy="261610"/>
-          </a:xfrm>
-          <a:prstGeom prst="rect">
-            <a:avLst/>
-          </a:prstGeom>
-          <a:noFill/>
-        </p:spPr>
-        <p:txBody>
-          <a:bodyPr wrap="square" rtlCol="0">
-            <a:spAutoFit/>
-          </a:bodyPr>
-          <a:lstStyle/>
-          <a:p>
-            <a:r>
-              <a:rPr lang="fr-FR" sz="1100">
-                <a:solidFill>
-                  <a:schemeClr val="tx1"/>
-                </a:solidFill>
-                <a:latin typeface="Maven Pro" panose="020B0604020202020204" charset="0"/>
-              </a:rPr>
-              <a:t>2</a:t>
-            </a:r>
           </a:p>
         </p:txBody>
       </p:sp>
@@ -14122,14 +18359,107 @@
             <p:ph type="subTitle" idx="1"/>
           </p:nvPr>
         </p:nvSpPr>
-        <p:spPr/>
+        <p:spPr>
+          <a:xfrm>
+            <a:off x="720000" y="1653350"/>
+            <a:ext cx="3601924" cy="2298300"/>
+          </a:xfrm>
+        </p:spPr>
         <p:txBody>
           <a:bodyPr/>
           <a:lstStyle/>
           <a:p>
+            <a:r>
+              <a:rPr lang="fr-FR" dirty="0">
+                <a:solidFill>
+                  <a:srgbClr val="F8F8F8"/>
+                </a:solidFill>
+              </a:rPr>
+              <a:t>Création d’une </a:t>
+            </a:r>
+            <a:r>
+              <a:rPr lang="en" dirty="0">
+                <a:solidFill>
+                  <a:srgbClr val="00CFCC"/>
+                </a:solidFill>
+              </a:rPr>
+              <a:t>application </a:t>
+            </a:r>
+            <a:r>
+              <a:rPr lang="en" dirty="0">
+                <a:solidFill>
+                  <a:srgbClr val="F8F8F8"/>
+                </a:solidFill>
+              </a:rPr>
+              <a:t>de </a:t>
+            </a:r>
+            <a:r>
+              <a:rPr lang="en" dirty="0">
+                <a:solidFill>
+                  <a:srgbClr val="00CFCC"/>
+                </a:solidFill>
+              </a:rPr>
+              <a:t>gestion </a:t>
+            </a:r>
+            <a:r>
+              <a:rPr lang="en" dirty="0">
+                <a:solidFill>
+                  <a:srgbClr val="F8F8F8"/>
+                </a:solidFill>
+              </a:rPr>
+              <a:t>de cartographie</a:t>
+            </a:r>
+          </a:p>
+          <a:p>
+            <a:endParaRPr lang="en" dirty="0">
+              <a:solidFill>
+                <a:srgbClr val="F8F8F8"/>
+              </a:solidFill>
+            </a:endParaRPr>
+          </a:p>
+          <a:p>
+            <a:r>
+              <a:rPr lang="en" dirty="0">
+                <a:solidFill>
+                  <a:srgbClr val="F8F8F8"/>
+                </a:solidFill>
+              </a:rPr>
+              <a:t>Elle doit permettre </a:t>
+            </a:r>
+            <a:r>
+              <a:rPr lang="en" dirty="0">
+                <a:solidFill>
+                  <a:srgbClr val="00CFCC"/>
+                </a:solidFill>
+              </a:rPr>
+              <a:t>facilement</a:t>
+            </a:r>
+            <a:r>
+              <a:rPr lang="en" dirty="0">
+                <a:solidFill>
+                  <a:srgbClr val="F8F8F8"/>
+                </a:solidFill>
+              </a:rPr>
+              <a:t> d’éditer une cartographie de </a:t>
+            </a:r>
+            <a:r>
+              <a:rPr lang="en" dirty="0">
+                <a:solidFill>
+                  <a:srgbClr val="00CFCC"/>
+                </a:solidFill>
+              </a:rPr>
+              <a:t>terminal commercial</a:t>
+            </a:r>
             <a:endParaRPr lang="fr-FR" dirty="0">
               <a:solidFill>
-                <a:schemeClr val="accent2"/>
+                <a:srgbClr val="F8F8F8"/>
+              </a:solidFill>
+            </a:endParaRPr>
+          </a:p>
+          <a:p>
+            <a:endParaRPr lang="fr-FR" dirty="0">
+              <a:solidFill>
+                <a:srgbClr val="F8F8F8"/>
               </a:solidFill>
             </a:endParaRPr>
           </a:p>
@@ -14137,10 +18467,10 @@
       </p:sp>
       <p:pic>
         <p:nvPicPr>
-          <p:cNvPr id="1026" name="Picture 2" descr="La Solution de Gestion de Planning la + Complète pour les Pros des Loisirs  | Addock">
+          <p:cNvPr id="5" name="Picture 2">
             <a:extLst>
               <a:ext uri="{FF2B5EF4-FFF2-40B4-BE49-F238E27FC236}">
-                <a16:creationId xmlns:a16="http://schemas.microsoft.com/office/drawing/2014/main" id="{B18508B1-B759-2B98-579C-23F7D3149CCD}"/>
+                <a16:creationId xmlns:a16="http://schemas.microsoft.com/office/drawing/2014/main" id="{4D1E57E2-16AD-B75F-B59D-898616F6758E}"/>
               </a:ext>
             </a:extLst>
           </p:cNvPr>
@@ -14164,8 +18494,8 @@
         </p:blipFill>
         <p:spPr bwMode="auto">
           <a:xfrm>
-            <a:off x="4799218" y="1094314"/>
-            <a:ext cx="3962848" cy="3388659"/>
+            <a:off x="4321924" y="1655725"/>
+            <a:ext cx="4641004" cy="2610564"/>
           </a:xfrm>
           <a:prstGeom prst="rect">
             <a:avLst/>
@@ -14182,46 +18512,6 @@
           </a:extLst>
         </p:spPr>
       </p:pic>
-      <p:sp>
-        <p:nvSpPr>
-          <p:cNvPr id="4" name="ZoneTexte 3">
-            <a:extLst>
-              <a:ext uri="{FF2B5EF4-FFF2-40B4-BE49-F238E27FC236}">
-                <a16:creationId xmlns:a16="http://schemas.microsoft.com/office/drawing/2014/main" id="{C3AAEF67-33BC-0910-47EE-DD38123E814A}"/>
-              </a:ext>
-            </a:extLst>
-          </p:cNvPr>
-          <p:cNvSpPr txBox="1"/>
-          <p:nvPr/>
-        </p:nvSpPr>
-        <p:spPr>
-          <a:xfrm>
-            <a:off x="8781856" y="4806393"/>
-            <a:ext cx="362144" cy="261610"/>
-          </a:xfrm>
-          <a:prstGeom prst="rect">
-            <a:avLst/>
-          </a:prstGeom>
-          <a:noFill/>
-        </p:spPr>
-        <p:txBody>
-          <a:bodyPr wrap="square" rtlCol="0">
-            <a:spAutoFit/>
-          </a:bodyPr>
-          <a:lstStyle/>
-          <a:p>
-            <a:r>
-              <a:rPr lang="fr-FR" sz="1100">
-                <a:solidFill>
-                  <a:schemeClr val="tx1"/>
-                </a:solidFill>
-                <a:latin typeface="Maven Pro" panose="020B0604020202020204" charset="0"/>
-              </a:rPr>
-              <a:t>4</a:t>
-            </a:r>
-          </a:p>
-        </p:txBody>
-      </p:sp>
     </p:spTree>
     <p:extLst>
       <p:ext uri="{BB962C8B-B14F-4D97-AF65-F5344CB8AC3E}">
@@ -14240,7 +18530,7 @@
   <p:cSld>
     <p:spTree>
       <p:nvGrpSpPr>
-        <p:cNvPr id="1" name="Shape 156"/>
+        <p:cNvPr id="1" name="Shape 439"/>
         <p:cNvGrpSpPr/>
         <p:nvPr/>
       </p:nvGrpSpPr>
@@ -14254,25 +18544,25 @@
       </p:grpSpPr>
       <p:sp>
         <p:nvSpPr>
-          <p:cNvPr id="157" name="Google Shape;157;p14"/>
+          <p:cNvPr id="440" name="Google Shape;440;p22"/>
           <p:cNvSpPr txBox="1">
             <a:spLocks noGrp="1"/>
           </p:cNvSpPr>
           <p:nvPr>
-            <p:ph type="ctrTitle"/>
+            <p:ph type="title"/>
           </p:nvPr>
         </p:nvSpPr>
         <p:spPr>
           <a:xfrm>
-            <a:off x="713225" y="1145100"/>
-            <a:ext cx="4242900" cy="2377500"/>
+            <a:off x="720000" y="434142"/>
+            <a:ext cx="7704000" cy="572700"/>
           </a:xfrm>
           <a:prstGeom prst="rect">
             <a:avLst/>
           </a:prstGeom>
         </p:spPr>
         <p:txBody>
-          <a:bodyPr spcFirstLastPara="1" wrap="square" lIns="91425" tIns="91425" rIns="91425" bIns="91425" anchor="b" anchorCtr="0">
+          <a:bodyPr spcFirstLastPara="1" wrap="square" lIns="91425" tIns="91425" rIns="91425" bIns="91425" anchor="t" anchorCtr="0">
             <a:noAutofit/>
           </a:bodyPr>
           <a:lstStyle/>
@@ -14287,60 +18577,81 @@
               <a:buNone/>
             </a:pPr>
             <a:r>
-              <a:rPr lang="en">
-                <a:solidFill>
-                  <a:schemeClr val="tx1"/>
-                </a:solidFill>
-              </a:rPr>
-              <a:t>MERCI D’AVOIR </a:t>
+              <a:rPr lang="fr-FR" dirty="0"/>
+              <a:t>Gestion de projet et organisation</a:t>
             </a:r>
-            <a:r>
-              <a:rPr lang="en">
-                <a:solidFill>
-                  <a:schemeClr val="accent2"/>
-                </a:solidFill>
-              </a:rPr>
-              <a:t>ÉCOUTER</a:t>
-            </a:r>
-            <a:endParaRPr/>
+            <a:endParaRPr dirty="0"/>
           </a:p>
         </p:txBody>
       </p:sp>
       <p:sp>
         <p:nvSpPr>
-          <p:cNvPr id="159" name="Google Shape;159;p14"/>
+          <p:cNvPr id="442" name="Google Shape;442;p22"/>
           <p:cNvSpPr/>
           <p:nvPr/>
         </p:nvSpPr>
         <p:spPr>
           <a:xfrm>
-            <a:off x="3688231" y="676545"/>
-            <a:ext cx="121434" cy="121434"/>
+            <a:off x="4485753" y="1216841"/>
+            <a:ext cx="1218000" cy="1054500"/>
           </a:xfrm>
-          <a:custGeom>
-            <a:avLst/>
-            <a:gdLst/>
-            <a:ahLst/>
-            <a:cxnLst/>
-            <a:rect l="l" t="t" r="r" b="b"/>
-            <a:pathLst>
-              <a:path w="4634" h="4634" extrusionOk="0">
-                <a:moveTo>
-                  <a:pt x="1" y="0"/>
-                </a:moveTo>
-                <a:lnTo>
-                  <a:pt x="1" y="4633"/>
-                </a:lnTo>
-                <a:lnTo>
-                  <a:pt x="4634" y="4633"/>
-                </a:lnTo>
-                <a:lnTo>
-                  <a:pt x="4634" y="0"/>
-                </a:lnTo>
-                <a:close/>
-              </a:path>
-            </a:pathLst>
-          </a:custGeom>
+          <a:prstGeom prst="hexagon">
+            <a:avLst>
+              <a:gd name="adj" fmla="val 25000"/>
+              <a:gd name="vf" fmla="val 115470"/>
+            </a:avLst>
+          </a:prstGeom>
+          <a:solidFill>
+            <a:schemeClr val="lt2"/>
+          </a:solidFill>
+          <a:ln>
+            <a:noFill/>
+          </a:ln>
+        </p:spPr>
+        <p:txBody>
+          <a:bodyPr spcFirstLastPara="1" wrap="square" lIns="91425" tIns="91425" rIns="91425" bIns="91425" anchor="ctr" anchorCtr="0">
+            <a:noAutofit/>
+          </a:bodyPr>
+          <a:lstStyle/>
+          <a:p>
+            <a:pPr marL="0" lvl="0" indent="0" algn="ctr" rtl="0">
+              <a:spcBef>
+                <a:spcPts val="0"/>
+              </a:spcBef>
+              <a:spcAft>
+                <a:spcPts val="0"/>
+              </a:spcAft>
+              <a:buNone/>
+            </a:pPr>
+            <a:endParaRPr sz="2400" dirty="0">
+              <a:solidFill>
+                <a:schemeClr val="lt1"/>
+              </a:solidFill>
+              <a:latin typeface="Share Tech"/>
+              <a:ea typeface="Share Tech"/>
+              <a:cs typeface="Share Tech"/>
+              <a:sym typeface="Share Tech"/>
+            </a:endParaRPr>
+          </a:p>
+        </p:txBody>
+      </p:sp>
+      <p:sp>
+        <p:nvSpPr>
+          <p:cNvPr id="443" name="Google Shape;443;p22"/>
+          <p:cNvSpPr/>
+          <p:nvPr/>
+        </p:nvSpPr>
+        <p:spPr>
+          <a:xfrm>
+            <a:off x="3440200" y="1785008"/>
+            <a:ext cx="1218000" cy="1054500"/>
+          </a:xfrm>
+          <a:prstGeom prst="hexagon">
+            <a:avLst>
+              <a:gd name="adj" fmla="val 25000"/>
+              <a:gd name="vf" fmla="val 115470"/>
+            </a:avLst>
+          </a:prstGeom>
           <a:solidFill>
             <a:schemeClr val="accent1"/>
           </a:solidFill>
@@ -14354,7 +18665,7 @@
           </a:bodyPr>
           <a:lstStyle/>
           <a:p>
-            <a:pPr marL="0" lvl="0" indent="0" algn="l" rtl="0">
+            <a:pPr marL="0" lvl="0" indent="0" algn="ctr" rtl="0">
               <a:spcBef>
                 <a:spcPts val="0"/>
               </a:spcBef>
@@ -14363,54 +18674,40 @@
               </a:spcAft>
               <a:buNone/>
             </a:pPr>
-            <a:endParaRPr/>
+            <a:endParaRPr sz="2400" dirty="0">
+              <a:solidFill>
+                <a:schemeClr val="lt1"/>
+              </a:solidFill>
+              <a:latin typeface="Share Tech"/>
+              <a:ea typeface="Share Tech"/>
+              <a:cs typeface="Share Tech"/>
+              <a:sym typeface="Share Tech"/>
+            </a:endParaRPr>
           </a:p>
         </p:txBody>
       </p:sp>
       <p:sp>
         <p:nvSpPr>
-          <p:cNvPr id="160" name="Google Shape;160;p14"/>
+          <p:cNvPr id="444" name="Google Shape;444;p22"/>
           <p:cNvSpPr/>
           <p:nvPr/>
         </p:nvSpPr>
         <p:spPr>
           <a:xfrm>
-            <a:off x="6829234" y="3495813"/>
-            <a:ext cx="133275" cy="133275"/>
+            <a:off x="4485753" y="2369578"/>
+            <a:ext cx="1218000" cy="1054500"/>
           </a:xfrm>
-          <a:custGeom>
-            <a:avLst/>
-            <a:gdLst/>
-            <a:ahLst/>
-            <a:cxnLst/>
-            <a:rect l="l" t="t" r="r" b="b"/>
-            <a:pathLst>
-              <a:path w="2207" h="2207" fill="none" extrusionOk="0">
-                <a:moveTo>
-                  <a:pt x="0" y="1"/>
-                </a:moveTo>
-                <a:lnTo>
-                  <a:pt x="2206" y="1"/>
-                </a:lnTo>
-                <a:lnTo>
-                  <a:pt x="2206" y="2207"/>
-                </a:lnTo>
-                <a:lnTo>
-                  <a:pt x="0" y="2207"/>
-                </a:lnTo>
-                <a:close/>
-              </a:path>
-            </a:pathLst>
-          </a:custGeom>
-          <a:noFill/>
-          <a:ln w="1375" cap="flat" cmpd="sng">
-            <a:solidFill>
-              <a:schemeClr val="accent1"/>
-            </a:solidFill>
-            <a:prstDash val="solid"/>
-            <a:miter lim="9192"/>
-            <a:headEnd type="none" w="sm" len="sm"/>
-            <a:tailEnd type="none" w="sm" len="sm"/>
+          <a:prstGeom prst="hexagon">
+            <a:avLst>
+              <a:gd name="adj" fmla="val 25000"/>
+              <a:gd name="vf" fmla="val 115470"/>
+            </a:avLst>
+          </a:prstGeom>
+          <a:solidFill>
+            <a:schemeClr val="accent2"/>
+          </a:solidFill>
+          <a:ln>
+            <a:noFill/>
           </a:ln>
         </p:spPr>
         <p:txBody>
@@ -14419,7 +18716,7 @@
           </a:bodyPr>
           <a:lstStyle/>
           <a:p>
-            <a:pPr marL="0" lvl="0" indent="0" algn="l" rtl="0">
+            <a:pPr marL="0" lvl="0" indent="0" algn="ctr" rtl="0">
               <a:spcBef>
                 <a:spcPts val="0"/>
               </a:spcBef>
@@ -14428,110 +18725,35 @@
               </a:spcAft>
               <a:buNone/>
             </a:pPr>
-            <a:endParaRPr/>
+            <a:endParaRPr sz="2400" dirty="0">
+              <a:solidFill>
+                <a:schemeClr val="lt1"/>
+              </a:solidFill>
+              <a:latin typeface="Share Tech"/>
+              <a:ea typeface="Share Tech"/>
+              <a:cs typeface="Share Tech"/>
+              <a:sym typeface="Share Tech"/>
+            </a:endParaRPr>
           </a:p>
         </p:txBody>
       </p:sp>
       <p:sp>
         <p:nvSpPr>
-          <p:cNvPr id="161" name="Google Shape;161;p14"/>
+          <p:cNvPr id="445" name="Google Shape;445;p22"/>
           <p:cNvSpPr/>
           <p:nvPr/>
         </p:nvSpPr>
         <p:spPr>
           <a:xfrm>
-            <a:off x="8055557" y="1344311"/>
-            <a:ext cx="104086" cy="104322"/>
+            <a:off x="3440200" y="2951193"/>
+            <a:ext cx="1218000" cy="1054500"/>
           </a:xfrm>
-          <a:custGeom>
-            <a:avLst/>
-            <a:gdLst/>
-            <a:ahLst/>
-            <a:cxnLst/>
-            <a:rect l="l" t="t" r="r" b="b"/>
-            <a:pathLst>
-              <a:path w="3972" h="3981" fill="none" extrusionOk="0">
-                <a:moveTo>
-                  <a:pt x="1" y="1"/>
-                </a:moveTo>
-                <a:lnTo>
-                  <a:pt x="3972" y="1"/>
-                </a:lnTo>
-                <a:lnTo>
-                  <a:pt x="3972" y="3981"/>
-                </a:lnTo>
-                <a:lnTo>
-                  <a:pt x="1" y="3981"/>
-                </a:lnTo>
-                <a:close/>
-              </a:path>
-            </a:pathLst>
-          </a:custGeom>
-          <a:noFill/>
-          <a:ln w="2975" cap="flat" cmpd="sng">
-            <a:solidFill>
-              <a:schemeClr val="accent2"/>
-            </a:solidFill>
-            <a:prstDash val="solid"/>
-            <a:miter lim="9192"/>
-            <a:headEnd type="none" w="sm" len="sm"/>
-            <a:tailEnd type="none" w="sm" len="sm"/>
-          </a:ln>
-        </p:spPr>
-        <p:txBody>
-          <a:bodyPr spcFirstLastPara="1" wrap="square" lIns="91425" tIns="91425" rIns="91425" bIns="91425" anchor="ctr" anchorCtr="0">
-            <a:noAutofit/>
-          </a:bodyPr>
-          <a:lstStyle/>
-          <a:p>
-            <a:pPr marL="0" lvl="0" indent="0" algn="l" rtl="0">
-              <a:spcBef>
-                <a:spcPts val="0"/>
-              </a:spcBef>
-              <a:spcAft>
-                <a:spcPts val="0"/>
-              </a:spcAft>
-              <a:buNone/>
-            </a:pPr>
-            <a:endParaRPr/>
-          </a:p>
-        </p:txBody>
-      </p:sp>
-      <p:sp>
-        <p:nvSpPr>
-          <p:cNvPr id="162" name="Google Shape;162;p14"/>
-          <p:cNvSpPr/>
-          <p:nvPr/>
-        </p:nvSpPr>
-        <p:spPr>
-          <a:xfrm>
-            <a:off x="5969504" y="3118803"/>
-            <a:ext cx="119993" cy="119966"/>
-          </a:xfrm>
-          <a:custGeom>
-            <a:avLst/>
-            <a:gdLst/>
-            <a:ahLst/>
-            <a:cxnLst/>
-            <a:rect l="l" t="t" r="r" b="b"/>
-            <a:pathLst>
-              <a:path w="4579" h="4578" extrusionOk="0">
-                <a:moveTo>
-                  <a:pt x="1" y="0"/>
-                </a:moveTo>
-                <a:lnTo>
-                  <a:pt x="1" y="4578"/>
-                </a:lnTo>
-                <a:lnTo>
-                  <a:pt x="4578" y="4578"/>
-                </a:lnTo>
-                <a:lnTo>
-                  <a:pt x="4578" y="0"/>
-                </a:lnTo>
-                <a:close/>
-              </a:path>
-            </a:pathLst>
-          </a:custGeom>
+          <a:prstGeom prst="hexagon">
+            <a:avLst>
+              <a:gd name="adj" fmla="val 25000"/>
+              <a:gd name="vf" fmla="val 115470"/>
+            </a:avLst>
+          </a:prstGeom>
           <a:solidFill>
             <a:schemeClr val="accent3"/>
           </a:solidFill>
@@ -14545,7 +18767,7 @@
           </a:bodyPr>
           <a:lstStyle/>
           <a:p>
-            <a:pPr marL="0" lvl="0" indent="0" algn="l" rtl="0">
+            <a:pPr marL="0" lvl="0" indent="0" algn="ctr" rtl="0">
               <a:spcBef>
                 <a:spcPts val="0"/>
               </a:spcBef>
@@ -14554,47 +18776,803 @@
               </a:spcAft>
               <a:buNone/>
             </a:pPr>
-            <a:endParaRPr/>
+            <a:endParaRPr sz="2400" dirty="0">
+              <a:solidFill>
+                <a:schemeClr val="lt1"/>
+              </a:solidFill>
+              <a:latin typeface="Share Tech"/>
+              <a:ea typeface="Share Tech"/>
+              <a:cs typeface="Share Tech"/>
+              <a:sym typeface="Share Tech"/>
+            </a:endParaRPr>
           </a:p>
         </p:txBody>
       </p:sp>
+      <p:grpSp>
+        <p:nvGrpSpPr>
+          <p:cNvPr id="446" name="Google Shape;446;p22"/>
+          <p:cNvGrpSpPr/>
+          <p:nvPr/>
+        </p:nvGrpSpPr>
+        <p:grpSpPr>
+          <a:xfrm>
+            <a:off x="6308696" y="938848"/>
+            <a:ext cx="2824177" cy="940357"/>
+            <a:chOff x="686291" y="2473962"/>
+            <a:chExt cx="2851073" cy="716435"/>
+          </a:xfrm>
+        </p:grpSpPr>
+        <p:sp>
+          <p:nvSpPr>
+            <p:cNvPr id="447" name="Google Shape;447;p22"/>
+            <p:cNvSpPr txBox="1"/>
+            <p:nvPr/>
+          </p:nvSpPr>
+          <p:spPr>
+            <a:xfrm>
+              <a:off x="686291" y="2473962"/>
+              <a:ext cx="2851073" cy="386687"/>
+            </a:xfrm>
+            <a:prstGeom prst="rect">
+              <a:avLst/>
+            </a:prstGeom>
+            <a:noFill/>
+            <a:ln>
+              <a:noFill/>
+            </a:ln>
+          </p:spPr>
+          <p:txBody>
+            <a:bodyPr spcFirstLastPara="1" wrap="square" lIns="91425" tIns="91425" rIns="91425" bIns="91425" anchor="b" anchorCtr="0">
+              <a:noAutofit/>
+            </a:bodyPr>
+            <a:lstStyle/>
+            <a:p>
+              <a:pPr marL="0" lvl="0" indent="0" algn="ctr" rtl="0">
+                <a:spcBef>
+                  <a:spcPts val="0"/>
+                </a:spcBef>
+                <a:spcAft>
+                  <a:spcPts val="0"/>
+                </a:spcAft>
+                <a:buNone/>
+              </a:pPr>
+              <a:r>
+                <a:rPr lang="en" sz="2000" dirty="0">
+                  <a:solidFill>
+                    <a:schemeClr val="accent2"/>
+                  </a:solidFill>
+                  <a:latin typeface="Share Tech" panose="020B0604020202020204" charset="0"/>
+                </a:rPr>
+                <a:t>Vision</a:t>
+              </a:r>
+              <a:r>
+                <a:rPr lang="en" sz="2000" dirty="0">
+                  <a:solidFill>
+                    <a:schemeClr val="dk1"/>
+                  </a:solidFill>
+                  <a:latin typeface="Share Tech"/>
+                  <a:sym typeface="Share Tech"/>
+                </a:rPr>
+                <a:t> globale du projet</a:t>
+              </a:r>
+              <a:endParaRPr sz="2000" dirty="0">
+                <a:solidFill>
+                  <a:schemeClr val="dk1"/>
+                </a:solidFill>
+                <a:latin typeface="Share Tech"/>
+                <a:ea typeface="Share Tech"/>
+                <a:cs typeface="Share Tech"/>
+                <a:sym typeface="Share Tech"/>
+              </a:endParaRPr>
+            </a:p>
+          </p:txBody>
+        </p:sp>
+        <p:sp>
+          <p:nvSpPr>
+            <p:cNvPr id="448" name="Google Shape;448;p22"/>
+            <p:cNvSpPr txBox="1"/>
+            <p:nvPr/>
+          </p:nvSpPr>
+          <p:spPr>
+            <a:xfrm>
+              <a:off x="713187" y="2705897"/>
+              <a:ext cx="2656001" cy="484500"/>
+            </a:xfrm>
+            <a:prstGeom prst="rect">
+              <a:avLst/>
+            </a:prstGeom>
+            <a:noFill/>
+            <a:ln>
+              <a:noFill/>
+            </a:ln>
+          </p:spPr>
+          <p:txBody>
+            <a:bodyPr spcFirstLastPara="1" wrap="square" lIns="91425" tIns="91425" rIns="91425" bIns="91425" anchor="t" anchorCtr="0">
+              <a:noAutofit/>
+            </a:bodyPr>
+            <a:lstStyle/>
+            <a:p>
+              <a:pPr marL="0" lvl="0" indent="0" rtl="0">
+                <a:spcBef>
+                  <a:spcPts val="0"/>
+                </a:spcBef>
+                <a:spcAft>
+                  <a:spcPts val="0"/>
+                </a:spcAft>
+                <a:buNone/>
+              </a:pPr>
+              <a:r>
+                <a:rPr lang="fr-FR" dirty="0">
+                  <a:solidFill>
+                    <a:schemeClr val="dk1"/>
+                  </a:solidFill>
+                  <a:latin typeface="Maven Pro"/>
+                  <a:ea typeface="Maven Pro"/>
+                  <a:cs typeface="Maven Pro"/>
+                  <a:sym typeface="Maven Pro"/>
+                </a:rPr>
+                <a:t>afin de savoir vers quoi se diriger et par quel moyen</a:t>
+              </a:r>
+              <a:endParaRPr dirty="0">
+                <a:solidFill>
+                  <a:schemeClr val="dk1"/>
+                </a:solidFill>
+                <a:latin typeface="Maven Pro"/>
+                <a:ea typeface="Maven Pro"/>
+                <a:cs typeface="Maven Pro"/>
+                <a:sym typeface="Maven Pro"/>
+              </a:endParaRPr>
+            </a:p>
+          </p:txBody>
+        </p:sp>
+      </p:grpSp>
+      <p:grpSp>
+        <p:nvGrpSpPr>
+          <p:cNvPr id="449" name="Google Shape;449;p22"/>
+          <p:cNvGrpSpPr/>
+          <p:nvPr/>
+        </p:nvGrpSpPr>
+        <p:grpSpPr>
+          <a:xfrm>
+            <a:off x="6335338" y="2206647"/>
+            <a:ext cx="3079674" cy="899398"/>
+            <a:chOff x="713187" y="2460193"/>
+            <a:chExt cx="3079674" cy="730205"/>
+          </a:xfrm>
+        </p:grpSpPr>
+        <p:sp>
+          <p:nvSpPr>
+            <p:cNvPr id="450" name="Google Shape;450;p22"/>
+            <p:cNvSpPr txBox="1"/>
+            <p:nvPr/>
+          </p:nvSpPr>
+          <p:spPr>
+            <a:xfrm>
+              <a:off x="713199" y="2460193"/>
+              <a:ext cx="3079662" cy="248230"/>
+            </a:xfrm>
+            <a:prstGeom prst="rect">
+              <a:avLst/>
+            </a:prstGeom>
+            <a:noFill/>
+            <a:ln>
+              <a:noFill/>
+            </a:ln>
+          </p:spPr>
+          <p:txBody>
+            <a:bodyPr spcFirstLastPara="1" wrap="square" lIns="91425" tIns="91425" rIns="91425" bIns="91425" anchor="ctr" anchorCtr="0">
+              <a:noAutofit/>
+            </a:bodyPr>
+            <a:lstStyle/>
+            <a:p>
+              <a:pPr marL="0" lvl="0" indent="0" rtl="0">
+                <a:spcBef>
+                  <a:spcPts val="0"/>
+                </a:spcBef>
+                <a:spcAft>
+                  <a:spcPts val="0"/>
+                </a:spcAft>
+                <a:buNone/>
+              </a:pPr>
+              <a:r>
+                <a:rPr lang="fr-FR" sz="2000" dirty="0">
+                  <a:solidFill>
+                    <a:schemeClr val="accent2"/>
+                  </a:solidFill>
+                  <a:latin typeface="Share Tech" panose="020B0604020202020204" charset="0"/>
+                </a:rPr>
+                <a:t>Liste </a:t>
+              </a:r>
+              <a:r>
+                <a:rPr lang="fr-FR" sz="2000" dirty="0">
+                  <a:solidFill>
+                    <a:srgbClr val="F8F8F8"/>
+                  </a:solidFill>
+                  <a:latin typeface="Share Tech" panose="020B0604020202020204" charset="0"/>
+                </a:rPr>
+                <a:t>des tâches</a:t>
+              </a:r>
+              <a:endParaRPr lang="fr-FR" sz="2000" dirty="0">
+                <a:solidFill>
+                  <a:schemeClr val="dk1"/>
+                </a:solidFill>
+                <a:latin typeface="Share Tech"/>
+                <a:ea typeface="Share Tech"/>
+                <a:cs typeface="Share Tech"/>
+                <a:sym typeface="Share Tech"/>
+              </a:endParaRPr>
+            </a:p>
+          </p:txBody>
+        </p:sp>
+        <p:sp>
+          <p:nvSpPr>
+            <p:cNvPr id="451" name="Google Shape;451;p22"/>
+            <p:cNvSpPr txBox="1"/>
+            <p:nvPr/>
+          </p:nvSpPr>
+          <p:spPr>
+            <a:xfrm>
+              <a:off x="713187" y="2639906"/>
+              <a:ext cx="2656001" cy="550492"/>
+            </a:xfrm>
+            <a:prstGeom prst="rect">
+              <a:avLst/>
+            </a:prstGeom>
+            <a:noFill/>
+            <a:ln>
+              <a:noFill/>
+            </a:ln>
+          </p:spPr>
+          <p:txBody>
+            <a:bodyPr spcFirstLastPara="1" wrap="square" lIns="91425" tIns="91425" rIns="91425" bIns="91425" anchor="t" anchorCtr="0">
+              <a:noAutofit/>
+            </a:bodyPr>
+            <a:lstStyle/>
+            <a:p>
+              <a:pPr marL="0" lvl="0" indent="0" rtl="0">
+                <a:spcBef>
+                  <a:spcPts val="0"/>
+                </a:spcBef>
+                <a:spcAft>
+                  <a:spcPts val="0"/>
+                </a:spcAft>
+                <a:buNone/>
+              </a:pPr>
+              <a:r>
+                <a:rPr lang="fr-FR" dirty="0">
+                  <a:solidFill>
+                    <a:schemeClr val="dk1"/>
+                  </a:solidFill>
+                  <a:latin typeface="Maven Pro"/>
+                  <a:ea typeface="Maven Pro"/>
+                  <a:cs typeface="Maven Pro"/>
+                  <a:sym typeface="Maven Pro"/>
+                </a:rPr>
+                <a:t>qui permet de situer son avancement</a:t>
+              </a:r>
+            </a:p>
+          </p:txBody>
+        </p:sp>
+      </p:grpSp>
+      <p:grpSp>
+        <p:nvGrpSpPr>
+          <p:cNvPr id="452" name="Google Shape;452;p22"/>
+          <p:cNvGrpSpPr/>
+          <p:nvPr/>
+        </p:nvGrpSpPr>
+        <p:grpSpPr>
+          <a:xfrm>
+            <a:off x="-55107" y="3131958"/>
+            <a:ext cx="2808617" cy="674592"/>
+            <a:chOff x="-34017" y="2643102"/>
+            <a:chExt cx="2808617" cy="674592"/>
+          </a:xfrm>
+        </p:grpSpPr>
+        <p:sp>
+          <p:nvSpPr>
+            <p:cNvPr id="453" name="Google Shape;453;p22"/>
+            <p:cNvSpPr txBox="1"/>
+            <p:nvPr/>
+          </p:nvSpPr>
+          <p:spPr>
+            <a:xfrm>
+              <a:off x="-34017" y="2643102"/>
+              <a:ext cx="2695409" cy="418691"/>
+            </a:xfrm>
+            <a:prstGeom prst="rect">
+              <a:avLst/>
+            </a:prstGeom>
+            <a:noFill/>
+            <a:ln>
+              <a:noFill/>
+            </a:ln>
+          </p:spPr>
+          <p:txBody>
+            <a:bodyPr spcFirstLastPara="1" wrap="square" lIns="91425" tIns="91425" rIns="91425" bIns="91425" anchor="b" anchorCtr="0">
+              <a:noAutofit/>
+            </a:bodyPr>
+            <a:lstStyle/>
+            <a:p>
+              <a:pPr marL="0" lvl="0" indent="0" algn="r" rtl="0">
+                <a:spcBef>
+                  <a:spcPts val="0"/>
+                </a:spcBef>
+                <a:spcAft>
+                  <a:spcPts val="0"/>
+                </a:spcAft>
+                <a:buNone/>
+              </a:pPr>
+              <a:r>
+                <a:rPr lang="en" sz="2000" dirty="0">
+                  <a:solidFill>
+                    <a:schemeClr val="accent2"/>
+                  </a:solidFill>
+                  <a:latin typeface="Share Tech" panose="020B0604020202020204" charset="0"/>
+                </a:rPr>
+                <a:t>Développement</a:t>
+              </a:r>
+              <a:endParaRPr sz="2000" dirty="0">
+                <a:solidFill>
+                  <a:schemeClr val="dk1"/>
+                </a:solidFill>
+                <a:latin typeface="Share Tech"/>
+                <a:ea typeface="Share Tech"/>
+                <a:cs typeface="Share Tech"/>
+                <a:sym typeface="Share Tech"/>
+              </a:endParaRPr>
+            </a:p>
+          </p:txBody>
+        </p:sp>
+        <p:sp>
+          <p:nvSpPr>
+            <p:cNvPr id="454" name="Google Shape;454;p22"/>
+            <p:cNvSpPr txBox="1"/>
+            <p:nvPr/>
+          </p:nvSpPr>
+          <p:spPr>
+            <a:xfrm>
+              <a:off x="220858" y="2833194"/>
+              <a:ext cx="2553742" cy="484500"/>
+            </a:xfrm>
+            <a:prstGeom prst="rect">
+              <a:avLst/>
+            </a:prstGeom>
+            <a:noFill/>
+            <a:ln>
+              <a:noFill/>
+            </a:ln>
+          </p:spPr>
+          <p:txBody>
+            <a:bodyPr spcFirstLastPara="1" wrap="square" lIns="91425" tIns="91425" rIns="91425" bIns="91425" anchor="t" anchorCtr="0">
+              <a:noAutofit/>
+            </a:bodyPr>
+            <a:lstStyle/>
+            <a:p>
+              <a:pPr marL="0" lvl="0" indent="0" algn="r" rtl="0">
+                <a:spcBef>
+                  <a:spcPts val="0"/>
+                </a:spcBef>
+                <a:spcAft>
+                  <a:spcPts val="0"/>
+                </a:spcAft>
+                <a:buNone/>
+              </a:pPr>
+              <a:r>
+                <a:rPr lang="fr-FR" dirty="0">
+                  <a:solidFill>
+                    <a:schemeClr val="dk1"/>
+                  </a:solidFill>
+                  <a:latin typeface="Maven Pro"/>
+                  <a:ea typeface="Maven Pro"/>
+                  <a:cs typeface="Maven Pro"/>
+                  <a:sym typeface="Maven Pro"/>
+                </a:rPr>
+                <a:t>des fonctionnalités de l’application</a:t>
+              </a:r>
+              <a:endParaRPr dirty="0">
+                <a:solidFill>
+                  <a:schemeClr val="dk1"/>
+                </a:solidFill>
+                <a:latin typeface="Maven Pro"/>
+                <a:ea typeface="Maven Pro"/>
+                <a:cs typeface="Maven Pro"/>
+                <a:sym typeface="Maven Pro"/>
+              </a:endParaRPr>
+            </a:p>
+          </p:txBody>
+        </p:sp>
+      </p:grpSp>
+      <p:grpSp>
+        <p:nvGrpSpPr>
+          <p:cNvPr id="455" name="Google Shape;455;p22"/>
+          <p:cNvGrpSpPr/>
+          <p:nvPr/>
+        </p:nvGrpSpPr>
+        <p:grpSpPr>
+          <a:xfrm>
+            <a:off x="85344" y="1885164"/>
+            <a:ext cx="2668181" cy="786947"/>
+            <a:chOff x="621767" y="2403450"/>
+            <a:chExt cx="2131733" cy="786947"/>
+          </a:xfrm>
+        </p:grpSpPr>
+        <p:sp>
+          <p:nvSpPr>
+            <p:cNvPr id="456" name="Google Shape;456;p22"/>
+            <p:cNvSpPr txBox="1"/>
+            <p:nvPr/>
+          </p:nvSpPr>
+          <p:spPr>
+            <a:xfrm>
+              <a:off x="621767" y="2403450"/>
+              <a:ext cx="2131733" cy="457200"/>
+            </a:xfrm>
+            <a:prstGeom prst="rect">
+              <a:avLst/>
+            </a:prstGeom>
+            <a:noFill/>
+            <a:ln>
+              <a:noFill/>
+            </a:ln>
+          </p:spPr>
+          <p:txBody>
+            <a:bodyPr spcFirstLastPara="1" wrap="square" lIns="91425" tIns="91425" rIns="91425" bIns="91425" anchor="b" anchorCtr="0">
+              <a:noAutofit/>
+            </a:bodyPr>
+            <a:lstStyle/>
+            <a:p>
+              <a:pPr marL="0" lvl="0" indent="0" algn="r" rtl="0">
+                <a:spcBef>
+                  <a:spcPts val="0"/>
+                </a:spcBef>
+                <a:spcAft>
+                  <a:spcPts val="0"/>
+                </a:spcAft>
+                <a:buNone/>
+              </a:pPr>
+              <a:r>
+                <a:rPr lang="fr-FR" sz="2000" dirty="0">
+                  <a:solidFill>
+                    <a:schemeClr val="accent2"/>
+                  </a:solidFill>
+                  <a:latin typeface="Share Tech" panose="020B0604020202020204" charset="0"/>
+                </a:rPr>
+                <a:t>Analyse </a:t>
+              </a:r>
+              <a:r>
+                <a:rPr lang="fr-FR" sz="2000" dirty="0">
+                  <a:solidFill>
+                    <a:schemeClr val="dk1"/>
+                  </a:solidFill>
+                  <a:latin typeface="Share Tech"/>
+                  <a:sym typeface="Share Tech"/>
+                </a:rPr>
+                <a:t>et conception</a:t>
+              </a:r>
+              <a:endParaRPr lang="fr-FR" sz="2000" dirty="0">
+                <a:solidFill>
+                  <a:schemeClr val="dk1"/>
+                </a:solidFill>
+                <a:latin typeface="Share Tech"/>
+                <a:ea typeface="Share Tech"/>
+                <a:cs typeface="Share Tech"/>
+                <a:sym typeface="Share Tech"/>
+              </a:endParaRPr>
+            </a:p>
+          </p:txBody>
+        </p:sp>
+        <p:sp>
+          <p:nvSpPr>
+            <p:cNvPr id="457" name="Google Shape;457;p22"/>
+            <p:cNvSpPr txBox="1"/>
+            <p:nvPr/>
+          </p:nvSpPr>
+          <p:spPr>
+            <a:xfrm>
+              <a:off x="713188" y="2705897"/>
+              <a:ext cx="2040300" cy="484500"/>
+            </a:xfrm>
+            <a:prstGeom prst="rect">
+              <a:avLst/>
+            </a:prstGeom>
+            <a:noFill/>
+            <a:ln>
+              <a:noFill/>
+            </a:ln>
+          </p:spPr>
+          <p:txBody>
+            <a:bodyPr spcFirstLastPara="1" wrap="square" lIns="91425" tIns="91425" rIns="91425" bIns="91425" anchor="t" anchorCtr="0">
+              <a:noAutofit/>
+            </a:bodyPr>
+            <a:lstStyle/>
+            <a:p>
+              <a:pPr marL="0" lvl="0" indent="0" algn="r" rtl="0">
+                <a:spcBef>
+                  <a:spcPts val="0"/>
+                </a:spcBef>
+                <a:spcAft>
+                  <a:spcPts val="0"/>
+                </a:spcAft>
+                <a:buNone/>
+              </a:pPr>
+              <a:r>
+                <a:rPr lang="fr-FR" dirty="0">
+                  <a:solidFill>
+                    <a:schemeClr val="dk1"/>
+                  </a:solidFill>
+                  <a:latin typeface="Maven Pro"/>
+                  <a:ea typeface="Maven Pro"/>
+                  <a:cs typeface="Maven Pro"/>
+                  <a:sym typeface="Maven Pro"/>
+                </a:rPr>
+                <a:t>pour obtenir une architecture et donc une solution durable et efficace</a:t>
+              </a:r>
+            </a:p>
+          </p:txBody>
+        </p:sp>
+      </p:grpSp>
+      <p:cxnSp>
+        <p:nvCxnSpPr>
+          <p:cNvPr id="458" name="Google Shape;458;p22"/>
+          <p:cNvCxnSpPr>
+            <a:cxnSpLocks/>
+            <a:stCxn id="443" idx="3"/>
+            <a:endCxn id="456" idx="3"/>
+          </p:cNvCxnSpPr>
+          <p:nvPr/>
+        </p:nvCxnSpPr>
+        <p:spPr>
+          <a:xfrm rot="10800000">
+            <a:off x="2753526" y="2113764"/>
+            <a:ext cx="686675" cy="198494"/>
+          </a:xfrm>
+          <a:prstGeom prst="bentConnector3">
+            <a:avLst>
+              <a:gd name="adj1" fmla="val 50000"/>
+            </a:avLst>
+          </a:prstGeom>
+          <a:noFill/>
+          <a:ln w="19050" cap="flat" cmpd="sng">
+            <a:solidFill>
+              <a:schemeClr val="lt2"/>
+            </a:solidFill>
+            <a:prstDash val="solid"/>
+            <a:round/>
+            <a:headEnd type="none" w="med" len="med"/>
+            <a:tailEnd type="oval" w="med" len="med"/>
+          </a:ln>
+        </p:spPr>
+      </p:cxnSp>
+      <p:cxnSp>
+        <p:nvCxnSpPr>
+          <p:cNvPr id="459" name="Google Shape;459;p22"/>
+          <p:cNvCxnSpPr>
+            <a:cxnSpLocks/>
+            <a:stCxn id="442" idx="0"/>
+          </p:cNvCxnSpPr>
+          <p:nvPr/>
+        </p:nvCxnSpPr>
+        <p:spPr>
+          <a:xfrm flipV="1">
+            <a:off x="5703753" y="1386968"/>
+            <a:ext cx="613556" cy="357123"/>
+          </a:xfrm>
+          <a:prstGeom prst="bentConnector3">
+            <a:avLst>
+              <a:gd name="adj1" fmla="val 50000"/>
+            </a:avLst>
+          </a:prstGeom>
+          <a:noFill/>
+          <a:ln w="19050" cap="flat" cmpd="sng">
+            <a:solidFill>
+              <a:schemeClr val="lt2"/>
+            </a:solidFill>
+            <a:prstDash val="solid"/>
+            <a:round/>
+            <a:headEnd type="none" w="med" len="med"/>
+            <a:tailEnd type="oval" w="med" len="med"/>
+          </a:ln>
+        </p:spPr>
+      </p:cxnSp>
+      <p:cxnSp>
+        <p:nvCxnSpPr>
+          <p:cNvPr id="460" name="Google Shape;460;p22"/>
+          <p:cNvCxnSpPr>
+            <a:cxnSpLocks/>
+            <a:stCxn id="445" idx="3"/>
+            <a:endCxn id="454" idx="3"/>
+          </p:cNvCxnSpPr>
+          <p:nvPr/>
+        </p:nvCxnSpPr>
+        <p:spPr>
+          <a:xfrm rot="10800000" flipV="1">
+            <a:off x="2753510" y="3478442"/>
+            <a:ext cx="686690" cy="85857"/>
+          </a:xfrm>
+          <a:prstGeom prst="bentConnector3">
+            <a:avLst>
+              <a:gd name="adj1" fmla="val 50000"/>
+            </a:avLst>
+          </a:prstGeom>
+          <a:noFill/>
+          <a:ln w="19050" cap="flat" cmpd="sng">
+            <a:solidFill>
+              <a:schemeClr val="lt2"/>
+            </a:solidFill>
+            <a:prstDash val="solid"/>
+            <a:round/>
+            <a:headEnd type="none" w="med" len="med"/>
+            <a:tailEnd type="oval" w="med" len="med"/>
+          </a:ln>
+        </p:spPr>
+      </p:cxnSp>
+      <p:cxnSp>
+        <p:nvCxnSpPr>
+          <p:cNvPr id="461" name="Google Shape;461;p22"/>
+          <p:cNvCxnSpPr>
+            <a:cxnSpLocks/>
+            <a:stCxn id="444" idx="0"/>
+          </p:cNvCxnSpPr>
+          <p:nvPr/>
+        </p:nvCxnSpPr>
+        <p:spPr>
+          <a:xfrm flipV="1">
+            <a:off x="5703753" y="2603632"/>
+            <a:ext cx="613568" cy="293196"/>
+          </a:xfrm>
+          <a:prstGeom prst="bentConnector3">
+            <a:avLst>
+              <a:gd name="adj1" fmla="val 50000"/>
+            </a:avLst>
+          </a:prstGeom>
+          <a:noFill/>
+          <a:ln w="19050" cap="flat" cmpd="sng">
+            <a:solidFill>
+              <a:schemeClr val="lt2"/>
+            </a:solidFill>
+            <a:prstDash val="solid"/>
+            <a:round/>
+            <a:headEnd type="none" w="med" len="med"/>
+            <a:tailEnd type="oval" w="med" len="med"/>
+          </a:ln>
+        </p:spPr>
+      </p:cxnSp>
+      <p:pic>
+        <p:nvPicPr>
+          <p:cNvPr id="4" name="Graphique 3" descr="Presse-papiers vérifié avec un remplissage uni">
+            <a:extLst>
+              <a:ext uri="{FF2B5EF4-FFF2-40B4-BE49-F238E27FC236}">
+                <a16:creationId xmlns:a16="http://schemas.microsoft.com/office/drawing/2014/main" id="{23D6FDFE-360A-8B09-B90F-B5067AFE1F8E}"/>
+              </a:ext>
+            </a:extLst>
+          </p:cNvPr>
+          <p:cNvPicPr>
+            <a:picLocks noChangeAspect="1"/>
+          </p:cNvPicPr>
+          <p:nvPr/>
+        </p:nvPicPr>
+        <p:blipFill>
+          <a:blip r:embed="rId3">
+            <a:extLst>
+              <a:ext uri="{96DAC541-7B7A-43D3-8B79-37D633B846F1}">
+                <asvg:svgBlip xmlns:asvg="http://schemas.microsoft.com/office/drawing/2016/SVG/main" r:embed="rId4"/>
+              </a:ext>
+            </a:extLst>
+          </a:blip>
+          <a:stretch>
+            <a:fillRect/>
+          </a:stretch>
+        </p:blipFill>
+        <p:spPr>
+          <a:xfrm>
+            <a:off x="4637553" y="2439806"/>
+            <a:ext cx="914400" cy="914400"/>
+          </a:xfrm>
+          <a:prstGeom prst="rect">
+            <a:avLst/>
+          </a:prstGeom>
+        </p:spPr>
+      </p:pic>
+      <p:pic>
+        <p:nvPicPr>
+          <p:cNvPr id="9" name="Graphique 8" descr="Intelligence artificielle avec un remplissage uni">
+            <a:extLst>
+              <a:ext uri="{FF2B5EF4-FFF2-40B4-BE49-F238E27FC236}">
+                <a16:creationId xmlns:a16="http://schemas.microsoft.com/office/drawing/2014/main" id="{264AA7B0-17AD-4894-BE68-A82F408B10BF}"/>
+              </a:ext>
+            </a:extLst>
+          </p:cNvPr>
+          <p:cNvPicPr>
+            <a:picLocks noChangeAspect="1"/>
+          </p:cNvPicPr>
+          <p:nvPr/>
+        </p:nvPicPr>
+        <p:blipFill>
+          <a:blip r:embed="rId5">
+            <a:extLst>
+              <a:ext uri="{96DAC541-7B7A-43D3-8B79-37D633B846F1}">
+                <asvg:svgBlip xmlns:asvg="http://schemas.microsoft.com/office/drawing/2016/SVG/main" r:embed="rId6"/>
+              </a:ext>
+            </a:extLst>
+          </a:blip>
+          <a:stretch>
+            <a:fillRect/>
+          </a:stretch>
+        </p:blipFill>
+        <p:spPr>
+          <a:xfrm>
+            <a:off x="4637553" y="1314667"/>
+            <a:ext cx="914400" cy="914400"/>
+          </a:xfrm>
+          <a:prstGeom prst="rect">
+            <a:avLst/>
+          </a:prstGeom>
+        </p:spPr>
+      </p:pic>
+      <p:pic>
+        <p:nvPicPr>
+          <p:cNvPr id="28" name="Graphique 27" descr="Diagramme de flux avec un remplissage uni">
+            <a:extLst>
+              <a:ext uri="{FF2B5EF4-FFF2-40B4-BE49-F238E27FC236}">
+                <a16:creationId xmlns:a16="http://schemas.microsoft.com/office/drawing/2014/main" id="{B7850F0D-172F-1B92-3D79-03DB77254A92}"/>
+              </a:ext>
+            </a:extLst>
+          </p:cNvPr>
+          <p:cNvPicPr>
+            <a:picLocks noChangeAspect="1"/>
+          </p:cNvPicPr>
+          <p:nvPr/>
+        </p:nvPicPr>
+        <p:blipFill>
+          <a:blip r:embed="rId7">
+            <a:extLst>
+              <a:ext uri="{96DAC541-7B7A-43D3-8B79-37D633B846F1}">
+                <asvg:svgBlip xmlns:asvg="http://schemas.microsoft.com/office/drawing/2016/SVG/main" r:embed="rId8"/>
+              </a:ext>
+            </a:extLst>
+          </a:blip>
+          <a:stretch>
+            <a:fillRect/>
+          </a:stretch>
+        </p:blipFill>
+        <p:spPr>
+          <a:xfrm>
+            <a:off x="3581677" y="1849166"/>
+            <a:ext cx="914400" cy="914400"/>
+          </a:xfrm>
+          <a:prstGeom prst="rect">
+            <a:avLst/>
+          </a:prstGeom>
+        </p:spPr>
+      </p:pic>
       <p:sp>
         <p:nvSpPr>
-          <p:cNvPr id="163" name="Google Shape;163;p14"/>
+          <p:cNvPr id="30" name="Google Shape;444;p22">
+            <a:extLst>
+              <a:ext uri="{FF2B5EF4-FFF2-40B4-BE49-F238E27FC236}">
+                <a16:creationId xmlns:a16="http://schemas.microsoft.com/office/drawing/2014/main" id="{96C18970-0F21-8E31-797F-F267836D34C5}"/>
+              </a:ext>
+            </a:extLst>
+          </p:cNvPr>
           <p:cNvSpPr/>
           <p:nvPr/>
         </p:nvSpPr>
         <p:spPr>
           <a:xfrm>
-            <a:off x="4229517" y="4248683"/>
-            <a:ext cx="119993" cy="119993"/>
+            <a:off x="4496077" y="3526816"/>
+            <a:ext cx="1218000" cy="1054500"/>
           </a:xfrm>
-          <a:custGeom>
-            <a:avLst/>
-            <a:gdLst/>
-            <a:ahLst/>
-            <a:cxnLst/>
-            <a:rect l="l" t="t" r="r" b="b"/>
-            <a:pathLst>
-              <a:path w="4579" h="4579" extrusionOk="0">
-                <a:moveTo>
-                  <a:pt x="0" y="1"/>
-                </a:moveTo>
-                <a:lnTo>
-                  <a:pt x="0" y="4578"/>
-                </a:lnTo>
-                <a:lnTo>
-                  <a:pt x="4578" y="4578"/>
-                </a:lnTo>
-                <a:lnTo>
-                  <a:pt x="4578" y="1"/>
-                </a:lnTo>
-                <a:close/>
-              </a:path>
-            </a:pathLst>
-          </a:custGeom>
+          <a:prstGeom prst="hexagon">
+            <a:avLst>
+              <a:gd name="adj" fmla="val 25000"/>
+              <a:gd name="vf" fmla="val 115470"/>
+            </a:avLst>
+          </a:prstGeom>
           <a:solidFill>
-            <a:schemeClr val="accent3"/>
+            <a:schemeClr val="accent5">
+              <a:lumMod val="40000"/>
+              <a:lumOff val="60000"/>
+            </a:schemeClr>
           </a:solidFill>
           <a:ln>
             <a:noFill/>
@@ -14606,7 +19584,7 @@
           </a:bodyPr>
           <a:lstStyle/>
           <a:p>
-            <a:pPr marL="0" lvl="0" indent="0" algn="l" rtl="0">
+            <a:pPr marL="0" lvl="0" indent="0" algn="ctr" rtl="0">
               <a:spcBef>
                 <a:spcPts val="0"/>
               </a:spcBef>
@@ -14615,73 +19593,70 @@
               </a:spcAft>
               <a:buNone/>
             </a:pPr>
-            <a:endParaRPr/>
+            <a:endParaRPr sz="2400" dirty="0">
+              <a:solidFill>
+                <a:schemeClr val="lt1"/>
+              </a:solidFill>
+              <a:latin typeface="Share Tech"/>
+              <a:ea typeface="Share Tech"/>
+              <a:cs typeface="Share Tech"/>
+              <a:sym typeface="Share Tech"/>
+            </a:endParaRPr>
           </a:p>
         </p:txBody>
       </p:sp>
       <p:grpSp>
         <p:nvGrpSpPr>
-          <p:cNvPr id="164" name="Google Shape;164;p14"/>
+          <p:cNvPr id="31" name="Google Shape;452;p22">
+            <a:extLst>
+              <a:ext uri="{FF2B5EF4-FFF2-40B4-BE49-F238E27FC236}">
+                <a16:creationId xmlns:a16="http://schemas.microsoft.com/office/drawing/2014/main" id="{1162D696-A0C6-8EFC-5EE4-97CE49229768}"/>
+              </a:ext>
+            </a:extLst>
+          </p:cNvPr>
           <p:cNvGrpSpPr/>
           <p:nvPr/>
         </p:nvGrpSpPr>
         <p:grpSpPr>
           <a:xfrm>
-            <a:off x="6232314" y="3696331"/>
-            <a:ext cx="121434" cy="1073147"/>
-            <a:chOff x="6232314" y="3696331"/>
-            <a:chExt cx="121434" cy="1073147"/>
+            <a:off x="6335338" y="3414299"/>
+            <a:ext cx="2753525" cy="786947"/>
+            <a:chOff x="-25" y="2403450"/>
+            <a:chExt cx="2753525" cy="786947"/>
           </a:xfrm>
         </p:grpSpPr>
         <p:sp>
           <p:nvSpPr>
-            <p:cNvPr id="165" name="Google Shape;165;p14"/>
-            <p:cNvSpPr/>
+            <p:cNvPr id="32" name="Google Shape;453;p22">
+              <a:extLst>
+                <a:ext uri="{FF2B5EF4-FFF2-40B4-BE49-F238E27FC236}">
+                  <a16:creationId xmlns:a16="http://schemas.microsoft.com/office/drawing/2014/main" id="{5DE0FBC1-1CC7-9102-004D-63226DD22135}"/>
+                </a:ext>
+              </a:extLst>
+            </p:cNvPr>
+            <p:cNvSpPr txBox="1"/>
             <p:nvPr/>
           </p:nvSpPr>
           <p:spPr>
             <a:xfrm>
-              <a:off x="6232314" y="4648280"/>
-              <a:ext cx="121434" cy="121198"/>
+              <a:off x="-25" y="2403450"/>
+              <a:ext cx="2753525" cy="457200"/>
             </a:xfrm>
-            <a:custGeom>
+            <a:prstGeom prst="rect">
               <a:avLst/>
-              <a:gdLst/>
-              <a:ahLst/>
-              <a:cxnLst/>
-              <a:rect l="l" t="t" r="r" b="b"/>
-              <a:pathLst>
-                <a:path w="4634" h="4625" extrusionOk="0">
-                  <a:moveTo>
-                    <a:pt x="0" y="1"/>
-                  </a:moveTo>
-                  <a:lnTo>
-                    <a:pt x="0" y="4624"/>
-                  </a:lnTo>
-                  <a:lnTo>
-                    <a:pt x="4633" y="4624"/>
-                  </a:lnTo>
-                  <a:lnTo>
-                    <a:pt x="4633" y="1"/>
-                  </a:lnTo>
-                  <a:close/>
-                </a:path>
-              </a:pathLst>
-            </a:custGeom>
-            <a:solidFill>
-              <a:schemeClr val="lt2"/>
-            </a:solidFill>
+            </a:prstGeom>
+            <a:noFill/>
             <a:ln>
               <a:noFill/>
             </a:ln>
           </p:spPr>
           <p:txBody>
-            <a:bodyPr spcFirstLastPara="1" wrap="square" lIns="91425" tIns="91425" rIns="91425" bIns="91425" anchor="ctr" anchorCtr="0">
+            <a:bodyPr spcFirstLastPara="1" wrap="square" lIns="91425" tIns="91425" rIns="91425" bIns="91425" anchor="b" anchorCtr="0">
               <a:noAutofit/>
             </a:bodyPr>
             <a:lstStyle/>
             <a:p>
-              <a:pPr marL="0" lvl="0" indent="0" algn="l" rtl="0">
+              <a:pPr marL="0" lvl="0" indent="0" rtl="0">
                 <a:spcBef>
                   <a:spcPts val="0"/>
                 </a:spcBef>
@@ -14690,59 +19665,71 @@
                 </a:spcAft>
                 <a:buNone/>
               </a:pPr>
-              <a:endParaRPr/>
+              <a:r>
+                <a:rPr lang="en" sz="2000" dirty="0">
+                  <a:solidFill>
+                    <a:schemeClr val="accent2"/>
+                  </a:solidFill>
+                  <a:latin typeface="Share Tech" panose="020B0604020202020204" charset="0"/>
+                </a:rPr>
+                <a:t>Notation</a:t>
+              </a:r>
+              <a:r>
+                <a:rPr lang="en" sz="2000" dirty="0">
+                  <a:solidFill>
+                    <a:schemeClr val="dk1"/>
+                  </a:solidFill>
+                  <a:latin typeface="Share Tech"/>
+                  <a:ea typeface="Share Tech"/>
+                  <a:cs typeface="Share Tech"/>
+                  <a:sym typeface="Share Tech"/>
+                </a:rPr>
+                <a:t> des heures</a:t>
+              </a:r>
+              <a:endParaRPr sz="2000" dirty="0">
+                <a:solidFill>
+                  <a:schemeClr val="dk1"/>
+                </a:solidFill>
+                <a:latin typeface="Share Tech"/>
+                <a:ea typeface="Share Tech"/>
+                <a:cs typeface="Share Tech"/>
+                <a:sym typeface="Share Tech"/>
+              </a:endParaRPr>
             </a:p>
           </p:txBody>
         </p:sp>
         <p:sp>
           <p:nvSpPr>
-            <p:cNvPr id="166" name="Google Shape;166;p14"/>
-            <p:cNvSpPr/>
+            <p:cNvPr id="34" name="Google Shape;454;p22">
+              <a:extLst>
+                <a:ext uri="{FF2B5EF4-FFF2-40B4-BE49-F238E27FC236}">
+                  <a16:creationId xmlns:a16="http://schemas.microsoft.com/office/drawing/2014/main" id="{7E823E52-277F-F155-B59D-501A8FFE78B8}"/>
+                </a:ext>
+              </a:extLst>
+            </p:cNvPr>
+            <p:cNvSpPr txBox="1"/>
             <p:nvPr/>
           </p:nvSpPr>
           <p:spPr>
             <a:xfrm>
-              <a:off x="6288681" y="3696331"/>
-              <a:ext cx="8700" cy="872731"/>
+              <a:off x="199746" y="2705897"/>
+              <a:ext cx="2553742" cy="484500"/>
             </a:xfrm>
-            <a:custGeom>
+            <a:prstGeom prst="rect">
               <a:avLst/>
-              <a:gdLst/>
-              <a:ahLst/>
-              <a:cxnLst/>
-              <a:rect l="l" t="t" r="r" b="b"/>
-              <a:pathLst>
-                <a:path w="332" h="33304" extrusionOk="0">
-                  <a:moveTo>
-                    <a:pt x="166" y="0"/>
-                  </a:moveTo>
-                  <a:lnTo>
-                    <a:pt x="0" y="33304"/>
-                  </a:lnTo>
-                  <a:lnTo>
-                    <a:pt x="331" y="33304"/>
-                  </a:lnTo>
-                  <a:lnTo>
-                    <a:pt x="166" y="0"/>
-                  </a:lnTo>
-                  <a:close/>
-                </a:path>
-              </a:pathLst>
-            </a:custGeom>
-            <a:solidFill>
-              <a:schemeClr val="lt2"/>
-            </a:solidFill>
+            </a:prstGeom>
+            <a:noFill/>
             <a:ln>
               <a:noFill/>
             </a:ln>
           </p:spPr>
           <p:txBody>
-            <a:bodyPr spcFirstLastPara="1" wrap="square" lIns="91425" tIns="91425" rIns="91425" bIns="91425" anchor="ctr" anchorCtr="0">
+            <a:bodyPr spcFirstLastPara="1" wrap="square" lIns="91425" tIns="91425" rIns="91425" bIns="91425" anchor="t" anchorCtr="0">
               <a:noAutofit/>
             </a:bodyPr>
             <a:lstStyle/>
             <a:p>
-              <a:pPr marL="0" lvl="0" indent="0" algn="l" rtl="0">
+              <a:pPr marL="0" lvl="0" indent="0" rtl="0">
                 <a:spcBef>
                   <a:spcPts val="0"/>
                 </a:spcBef>
@@ -14751,536 +19738,791 @@
                 </a:spcAft>
                 <a:buNone/>
               </a:pPr>
-              <a:endParaRPr/>
+              <a:r>
+                <a:rPr lang="fr-FR" dirty="0">
+                  <a:solidFill>
+                    <a:schemeClr val="dk1"/>
+                  </a:solidFill>
+                  <a:latin typeface="Maven Pro"/>
+                  <a:ea typeface="Maven Pro"/>
+                  <a:cs typeface="Maven Pro"/>
+                  <a:sym typeface="Maven Pro"/>
+                </a:rPr>
+                <a:t>pour obtenir le nombre d’heure pour chaque partie ou tache de la réalisation</a:t>
+              </a:r>
+              <a:endParaRPr dirty="0">
+                <a:solidFill>
+                  <a:schemeClr val="dk1"/>
+                </a:solidFill>
+                <a:latin typeface="Maven Pro"/>
+                <a:ea typeface="Maven Pro"/>
+                <a:cs typeface="Maven Pro"/>
+                <a:sym typeface="Maven Pro"/>
+              </a:endParaRPr>
             </a:p>
           </p:txBody>
         </p:sp>
       </p:grpSp>
-      <p:grpSp>
-        <p:nvGrpSpPr>
-          <p:cNvPr id="167" name="Google Shape;167;p14"/>
-          <p:cNvGrpSpPr/>
+      <p:cxnSp>
+        <p:nvCxnSpPr>
+          <p:cNvPr id="36" name="Google Shape;460;p22">
+            <a:extLst>
+              <a:ext uri="{FF2B5EF4-FFF2-40B4-BE49-F238E27FC236}">
+                <a16:creationId xmlns:a16="http://schemas.microsoft.com/office/drawing/2014/main" id="{6F5565E2-4A9C-BE9E-D9FF-F9F5BBD28289}"/>
+              </a:ext>
+            </a:extLst>
+          </p:cNvPr>
+          <p:cNvCxnSpPr>
+            <a:cxnSpLocks/>
+            <a:stCxn id="30" idx="0"/>
+          </p:cNvCxnSpPr>
           <p:nvPr/>
-        </p:nvGrpSpPr>
-        <p:grpSpPr>
-          <a:xfrm>
-            <a:off x="6608011" y="1054827"/>
-            <a:ext cx="133252" cy="1952377"/>
-            <a:chOff x="6780548" y="337714"/>
-            <a:chExt cx="133252" cy="1952377"/>
+        </p:nvCxnSpPr>
+        <p:spPr>
+          <a:xfrm flipV="1">
+            <a:off x="5714077" y="3908502"/>
+            <a:ext cx="594619" cy="145564"/>
           </a:xfrm>
-        </p:grpSpPr>
-        <p:sp>
-          <p:nvSpPr>
-            <p:cNvPr id="168" name="Google Shape;168;p14"/>
-            <p:cNvSpPr/>
-            <p:nvPr/>
-          </p:nvSpPr>
-          <p:spPr>
-            <a:xfrm>
-              <a:off x="6780548" y="2156839"/>
-              <a:ext cx="133252" cy="133252"/>
-            </a:xfrm>
-            <a:custGeom>
-              <a:avLst/>
-              <a:gdLst/>
-              <a:ahLst/>
-              <a:cxnLst/>
-              <a:rect l="l" t="t" r="r" b="b"/>
-              <a:pathLst>
-                <a:path w="5085" h="5085" fill="none" extrusionOk="0">
-                  <a:moveTo>
-                    <a:pt x="1" y="1"/>
-                  </a:moveTo>
-                  <a:lnTo>
-                    <a:pt x="5084" y="1"/>
-                  </a:lnTo>
-                  <a:lnTo>
-                    <a:pt x="5084" y="5084"/>
-                  </a:lnTo>
-                  <a:lnTo>
-                    <a:pt x="1" y="5084"/>
-                  </a:lnTo>
-                  <a:close/>
-                </a:path>
-              </a:pathLst>
-            </a:custGeom>
-            <a:noFill/>
-            <a:ln w="4125" cap="flat" cmpd="sng">
-              <a:solidFill>
-                <a:schemeClr val="accent3"/>
-              </a:solidFill>
-              <a:prstDash val="solid"/>
-              <a:miter lim="9192"/>
-              <a:headEnd type="none" w="sm" len="sm"/>
-              <a:tailEnd type="none" w="sm" len="sm"/>
-            </a:ln>
-          </p:spPr>
-          <p:txBody>
-            <a:bodyPr spcFirstLastPara="1" wrap="square" lIns="91425" tIns="91425" rIns="91425" bIns="91425" anchor="ctr" anchorCtr="0">
-              <a:noAutofit/>
-            </a:bodyPr>
-            <a:lstStyle/>
-            <a:p>
-              <a:pPr marL="0" lvl="0" indent="0" algn="l" rtl="0">
-                <a:spcBef>
-                  <a:spcPts val="0"/>
-                </a:spcBef>
-                <a:spcAft>
-                  <a:spcPts val="0"/>
-                </a:spcAft>
-                <a:buNone/>
-              </a:pPr>
-              <a:endParaRPr/>
-            </a:p>
-          </p:txBody>
-        </p:sp>
-        <p:sp>
-          <p:nvSpPr>
-            <p:cNvPr id="169" name="Google Shape;169;p14"/>
-            <p:cNvSpPr/>
-            <p:nvPr/>
-          </p:nvSpPr>
-          <p:spPr>
-            <a:xfrm>
-              <a:off x="6842943" y="337714"/>
-              <a:ext cx="8464" cy="1695359"/>
-            </a:xfrm>
-            <a:custGeom>
-              <a:avLst/>
-              <a:gdLst/>
-              <a:ahLst/>
-              <a:cxnLst/>
-              <a:rect l="l" t="t" r="r" b="b"/>
-              <a:pathLst>
-                <a:path w="323" h="64696" extrusionOk="0">
-                  <a:moveTo>
-                    <a:pt x="157" y="0"/>
-                  </a:moveTo>
-                  <a:lnTo>
-                    <a:pt x="1" y="64695"/>
-                  </a:lnTo>
-                  <a:lnTo>
-                    <a:pt x="322" y="64695"/>
-                  </a:lnTo>
-                  <a:lnTo>
-                    <a:pt x="157" y="0"/>
-                  </a:lnTo>
-                  <a:close/>
-                </a:path>
-              </a:pathLst>
-            </a:custGeom>
+          <a:prstGeom prst="bentConnector3">
+            <a:avLst>
+              <a:gd name="adj1" fmla="val 50000"/>
+            </a:avLst>
+          </a:prstGeom>
+          <a:noFill/>
+          <a:ln w="19050" cap="flat" cmpd="sng">
             <a:solidFill>
               <a:schemeClr val="lt2"/>
             </a:solidFill>
-            <a:ln>
-              <a:noFill/>
-            </a:ln>
-          </p:spPr>
-          <p:txBody>
-            <a:bodyPr spcFirstLastPara="1" wrap="square" lIns="91425" tIns="91425" rIns="91425" bIns="91425" anchor="ctr" anchorCtr="0">
-              <a:noAutofit/>
-            </a:bodyPr>
-            <a:lstStyle/>
-            <a:p>
-              <a:pPr marL="0" lvl="0" indent="0" algn="l" rtl="0">
-                <a:spcBef>
-                  <a:spcPts val="0"/>
-                </a:spcBef>
-                <a:spcAft>
-                  <a:spcPts val="0"/>
-                </a:spcAft>
-                <a:buNone/>
-              </a:pPr>
-              <a:endParaRPr/>
-            </a:p>
-          </p:txBody>
-        </p:sp>
-      </p:grpSp>
-      <p:grpSp>
-        <p:nvGrpSpPr>
-          <p:cNvPr id="170" name="Google Shape;170;p14"/>
-          <p:cNvGrpSpPr/>
+            <a:prstDash val="solid"/>
+            <a:round/>
+            <a:headEnd type="none" w="med" len="med"/>
+            <a:tailEnd type="oval" w="med" len="med"/>
+          </a:ln>
+        </p:spPr>
+      </p:cxnSp>
+      <p:pic>
+        <p:nvPicPr>
+          <p:cNvPr id="49" name="Graphique 48" descr="Horloge avec un remplissage uni">
+            <a:extLst>
+              <a:ext uri="{FF2B5EF4-FFF2-40B4-BE49-F238E27FC236}">
+                <a16:creationId xmlns:a16="http://schemas.microsoft.com/office/drawing/2014/main" id="{992E7972-3C6B-D2DF-9A99-43EBF749850D}"/>
+              </a:ext>
+            </a:extLst>
+          </p:cNvPr>
+          <p:cNvPicPr>
+            <a:picLocks noChangeAspect="1"/>
+          </p:cNvPicPr>
           <p:nvPr/>
-        </p:nvGrpSpPr>
-        <p:grpSpPr>
+        </p:nvPicPr>
+        <p:blipFill>
+          <a:blip r:embed="rId9">
+            <a:extLst>
+              <a:ext uri="{96DAC541-7B7A-43D3-8B79-37D633B846F1}">
+                <asvg:svgBlip xmlns:asvg="http://schemas.microsoft.com/office/drawing/2016/SVG/main" r:embed="rId10"/>
+              </a:ext>
+            </a:extLst>
+          </a:blip>
+          <a:stretch>
+            <a:fillRect/>
+          </a:stretch>
+        </p:blipFill>
+        <p:spPr>
           <a:xfrm>
-            <a:off x="7142605" y="260834"/>
-            <a:ext cx="199237" cy="2828935"/>
-            <a:chOff x="1608717" y="1280046"/>
-            <a:chExt cx="199237" cy="2828935"/>
+            <a:off x="4637553" y="3564629"/>
+            <a:ext cx="914400" cy="914400"/>
           </a:xfrm>
-        </p:grpSpPr>
-        <p:sp>
-          <p:nvSpPr>
-            <p:cNvPr id="171" name="Google Shape;171;p14"/>
-            <p:cNvSpPr/>
-            <p:nvPr/>
-          </p:nvSpPr>
-          <p:spPr>
-            <a:xfrm>
-              <a:off x="1608717" y="3909744"/>
-              <a:ext cx="199237" cy="199237"/>
-            </a:xfrm>
-            <a:custGeom>
-              <a:avLst/>
-              <a:gdLst/>
-              <a:ahLst/>
-              <a:cxnLst/>
-              <a:rect l="l" t="t" r="r" b="b"/>
-              <a:pathLst>
-                <a:path w="7603" h="7603" extrusionOk="0">
-                  <a:moveTo>
-                    <a:pt x="0" y="1"/>
-                  </a:moveTo>
-                  <a:lnTo>
-                    <a:pt x="0" y="7602"/>
-                  </a:lnTo>
-                  <a:lnTo>
-                    <a:pt x="7602" y="7602"/>
-                  </a:lnTo>
-                  <a:lnTo>
-                    <a:pt x="7602" y="1"/>
-                  </a:lnTo>
-                  <a:close/>
-                </a:path>
-              </a:pathLst>
-            </a:custGeom>
-            <a:solidFill>
-              <a:schemeClr val="accent2"/>
-            </a:solidFill>
-            <a:ln>
-              <a:noFill/>
-            </a:ln>
-          </p:spPr>
-          <p:txBody>
-            <a:bodyPr spcFirstLastPara="1" wrap="square" lIns="91425" tIns="91425" rIns="91425" bIns="91425" anchor="ctr" anchorCtr="0">
-              <a:noAutofit/>
-            </a:bodyPr>
-            <a:lstStyle/>
-            <a:p>
-              <a:pPr marL="0" lvl="0" indent="0" algn="l" rtl="0">
-                <a:spcBef>
-                  <a:spcPts val="0"/>
-                </a:spcBef>
-                <a:spcAft>
-                  <a:spcPts val="0"/>
-                </a:spcAft>
-                <a:buNone/>
-              </a:pPr>
-              <a:endParaRPr/>
-            </a:p>
-          </p:txBody>
-        </p:sp>
-        <p:sp>
-          <p:nvSpPr>
-            <p:cNvPr id="172" name="Google Shape;172;p14"/>
-            <p:cNvSpPr/>
-            <p:nvPr/>
-          </p:nvSpPr>
-          <p:spPr>
-            <a:xfrm>
-              <a:off x="1656175" y="3269477"/>
-              <a:ext cx="104086" cy="104086"/>
-            </a:xfrm>
-            <a:custGeom>
-              <a:avLst/>
-              <a:gdLst/>
-              <a:ahLst/>
-              <a:cxnLst/>
-              <a:rect l="l" t="t" r="r" b="b"/>
-              <a:pathLst>
-                <a:path w="3972" h="3972" extrusionOk="0">
-                  <a:moveTo>
-                    <a:pt x="0" y="1"/>
-                  </a:moveTo>
-                  <a:lnTo>
-                    <a:pt x="0" y="3972"/>
-                  </a:lnTo>
-                  <a:lnTo>
-                    <a:pt x="3971" y="3972"/>
-                  </a:lnTo>
-                  <a:lnTo>
-                    <a:pt x="3971" y="1"/>
-                  </a:lnTo>
-                  <a:close/>
-                </a:path>
-              </a:pathLst>
-            </a:custGeom>
-            <a:solidFill>
-              <a:schemeClr val="accent2"/>
-            </a:solidFill>
-            <a:ln>
-              <a:noFill/>
-            </a:ln>
-          </p:spPr>
-          <p:txBody>
-            <a:bodyPr spcFirstLastPara="1" wrap="square" lIns="91425" tIns="91425" rIns="91425" bIns="91425" anchor="ctr" anchorCtr="0">
-              <a:noAutofit/>
-            </a:bodyPr>
-            <a:lstStyle/>
-            <a:p>
-              <a:pPr marL="0" lvl="0" indent="0" algn="l" rtl="0">
-                <a:spcBef>
-                  <a:spcPts val="0"/>
-                </a:spcBef>
-                <a:spcAft>
-                  <a:spcPts val="0"/>
-                </a:spcAft>
-                <a:buNone/>
-              </a:pPr>
-              <a:endParaRPr/>
-            </a:p>
-          </p:txBody>
-        </p:sp>
-        <p:sp>
-          <p:nvSpPr>
-            <p:cNvPr id="173" name="Google Shape;173;p14"/>
-            <p:cNvSpPr/>
-            <p:nvPr/>
-          </p:nvSpPr>
-          <p:spPr>
-            <a:xfrm>
-              <a:off x="1704104" y="1280046"/>
-              <a:ext cx="8464" cy="1794099"/>
-            </a:xfrm>
-            <a:custGeom>
-              <a:avLst/>
-              <a:gdLst/>
-              <a:ahLst/>
-              <a:cxnLst/>
-              <a:rect l="l" t="t" r="r" b="b"/>
-              <a:pathLst>
-                <a:path w="323" h="68464" extrusionOk="0">
-                  <a:moveTo>
-                    <a:pt x="157" y="0"/>
-                  </a:moveTo>
-                  <a:lnTo>
-                    <a:pt x="0" y="68464"/>
-                  </a:lnTo>
-                  <a:lnTo>
-                    <a:pt x="322" y="68464"/>
-                  </a:lnTo>
-                  <a:lnTo>
-                    <a:pt x="157" y="0"/>
-                  </a:lnTo>
-                  <a:close/>
-                </a:path>
-              </a:pathLst>
-            </a:custGeom>
-            <a:solidFill>
-              <a:schemeClr val="lt2"/>
-            </a:solidFill>
-            <a:ln>
-              <a:noFill/>
-            </a:ln>
-          </p:spPr>
-          <p:txBody>
-            <a:bodyPr spcFirstLastPara="1" wrap="square" lIns="91425" tIns="91425" rIns="91425" bIns="91425" anchor="ctr" anchorCtr="0">
-              <a:noAutofit/>
-            </a:bodyPr>
-            <a:lstStyle/>
-            <a:p>
-              <a:pPr marL="0" lvl="0" indent="0" algn="l" rtl="0">
-                <a:spcBef>
-                  <a:spcPts val="0"/>
-                </a:spcBef>
-                <a:spcAft>
-                  <a:spcPts val="0"/>
-                </a:spcAft>
-                <a:buNone/>
-              </a:pPr>
-              <a:endParaRPr/>
-            </a:p>
-          </p:txBody>
-        </p:sp>
-      </p:grpSp>
-      <p:grpSp>
-        <p:nvGrpSpPr>
-          <p:cNvPr id="174" name="Google Shape;174;p14"/>
-          <p:cNvGrpSpPr/>
+          <a:prstGeom prst="rect">
+            <a:avLst/>
+          </a:prstGeom>
+        </p:spPr>
+      </p:pic>
+      <p:pic>
+        <p:nvPicPr>
+          <p:cNvPr id="53" name="Graphique 52" descr="Blogue avec un remplissage uni">
+            <a:extLst>
+              <a:ext uri="{FF2B5EF4-FFF2-40B4-BE49-F238E27FC236}">
+                <a16:creationId xmlns:a16="http://schemas.microsoft.com/office/drawing/2014/main" id="{20F52EF1-4B88-6AA2-AEFA-942F9612C5E8}"/>
+              </a:ext>
+            </a:extLst>
+          </p:cNvPr>
+          <p:cNvPicPr>
+            <a:picLocks noChangeAspect="1"/>
+          </p:cNvPicPr>
           <p:nvPr/>
-        </p:nvGrpSpPr>
-        <p:grpSpPr>
+        </p:nvPicPr>
+        <p:blipFill>
+          <a:blip r:embed="rId11">
+            <a:extLst>
+              <a:ext uri="{96DAC541-7B7A-43D3-8B79-37D633B846F1}">
+                <asvg:svgBlip xmlns:asvg="http://schemas.microsoft.com/office/drawing/2016/SVG/main" r:embed="rId12"/>
+              </a:ext>
+            </a:extLst>
+          </a:blip>
+          <a:stretch>
+            <a:fillRect/>
+          </a:stretch>
+        </p:blipFill>
+        <p:spPr>
           <a:xfrm>
-            <a:off x="5260692" y="676553"/>
-            <a:ext cx="80476" cy="2708957"/>
-            <a:chOff x="5260692" y="676553"/>
-            <a:chExt cx="80476" cy="2708957"/>
+            <a:off x="3639971" y="3032416"/>
+            <a:ext cx="914400" cy="914400"/>
           </a:xfrm>
-        </p:grpSpPr>
-        <p:sp>
-          <p:nvSpPr>
-            <p:cNvPr id="175" name="Google Shape;175;p14"/>
-            <p:cNvSpPr/>
-            <p:nvPr/>
-          </p:nvSpPr>
-          <p:spPr>
-            <a:xfrm>
-              <a:off x="5260692" y="3305034"/>
-              <a:ext cx="80476" cy="80476"/>
-            </a:xfrm>
-            <a:custGeom>
-              <a:avLst/>
-              <a:gdLst/>
-              <a:ahLst/>
-              <a:cxnLst/>
-              <a:rect l="l" t="t" r="r" b="b"/>
-              <a:pathLst>
-                <a:path w="3071" h="3071" extrusionOk="0">
-                  <a:moveTo>
-                    <a:pt x="1" y="1"/>
-                  </a:moveTo>
-                  <a:lnTo>
-                    <a:pt x="1" y="3071"/>
-                  </a:lnTo>
-                  <a:lnTo>
-                    <a:pt x="3071" y="3071"/>
-                  </a:lnTo>
-                  <a:lnTo>
-                    <a:pt x="3071" y="1"/>
-                  </a:lnTo>
-                  <a:close/>
-                </a:path>
-              </a:pathLst>
-            </a:custGeom>
-            <a:solidFill>
-              <a:schemeClr val="accent3"/>
-            </a:solidFill>
-            <a:ln>
-              <a:noFill/>
-            </a:ln>
-          </p:spPr>
-          <p:txBody>
-            <a:bodyPr spcFirstLastPara="1" wrap="square" lIns="91425" tIns="91425" rIns="91425" bIns="91425" anchor="ctr" anchorCtr="0">
-              <a:noAutofit/>
-            </a:bodyPr>
-            <a:lstStyle/>
-            <a:p>
-              <a:pPr marL="0" lvl="0" indent="0" algn="l" rtl="0">
-                <a:spcBef>
-                  <a:spcPts val="0"/>
-                </a:spcBef>
-                <a:spcAft>
-                  <a:spcPts val="0"/>
-                </a:spcAft>
-                <a:buNone/>
-              </a:pPr>
-              <a:endParaRPr/>
-            </a:p>
-          </p:txBody>
-        </p:sp>
-        <p:sp>
-          <p:nvSpPr>
-            <p:cNvPr id="176" name="Google Shape;176;p14"/>
-            <p:cNvSpPr/>
-            <p:nvPr/>
-          </p:nvSpPr>
-          <p:spPr>
-            <a:xfrm>
-              <a:off x="5296692" y="676553"/>
-              <a:ext cx="8464" cy="2519663"/>
-            </a:xfrm>
-            <a:custGeom>
-              <a:avLst/>
-              <a:gdLst/>
-              <a:ahLst/>
-              <a:cxnLst/>
-              <a:rect l="l" t="t" r="r" b="b"/>
-              <a:pathLst>
-                <a:path w="323" h="96152" extrusionOk="0">
-                  <a:moveTo>
-                    <a:pt x="166" y="1"/>
-                  </a:moveTo>
-                  <a:lnTo>
-                    <a:pt x="1" y="96151"/>
-                  </a:lnTo>
-                  <a:lnTo>
-                    <a:pt x="322" y="96151"/>
-                  </a:lnTo>
-                  <a:lnTo>
-                    <a:pt x="166" y="1"/>
-                  </a:lnTo>
-                  <a:close/>
-                </a:path>
-              </a:pathLst>
-            </a:custGeom>
-            <a:solidFill>
-              <a:schemeClr val="lt2"/>
-            </a:solidFill>
-            <a:ln>
-              <a:noFill/>
-            </a:ln>
-          </p:spPr>
-          <p:txBody>
-            <a:bodyPr spcFirstLastPara="1" wrap="square" lIns="91425" tIns="91425" rIns="91425" bIns="91425" anchor="ctr" anchorCtr="0">
-              <a:noAutofit/>
-            </a:bodyPr>
-            <a:lstStyle/>
-            <a:p>
-              <a:pPr marL="0" lvl="0" indent="0" algn="l" rtl="0">
-                <a:spcBef>
-                  <a:spcPts val="0"/>
-                </a:spcBef>
-                <a:spcAft>
-                  <a:spcPts val="0"/>
-                </a:spcAft>
-                <a:buNone/>
-              </a:pPr>
-              <a:endParaRPr/>
-            </a:p>
-          </p:txBody>
-        </p:sp>
-      </p:grpSp>
+          <a:prstGeom prst="rect">
+            <a:avLst/>
+          </a:prstGeom>
+        </p:spPr>
+      </p:pic>
+    </p:spTree>
+    <p:extLst>
+      <p:ext uri="{BB962C8B-B14F-4D97-AF65-F5344CB8AC3E}">
+        <p14:creationId xmlns:p14="http://schemas.microsoft.com/office/powerpoint/2010/main" val="426805846"/>
+      </p:ext>
+    </p:extLst>
+  </p:cSld>
+  <p:clrMapOvr>
+    <a:masterClrMapping/>
+  </p:clrMapOvr>
+</p:sld>
+</file>
+
+<file path=ppt/slides/slide5.xml><?xml version="1.0" encoding="utf-8"?>
+<p:sld xmlns:a="http://schemas.openxmlformats.org/drawingml/2006/main" xmlns:r="http://schemas.openxmlformats.org/officeDocument/2006/relationships" xmlns:p="http://schemas.openxmlformats.org/presentationml/2006/main">
+  <p:cSld>
+    <p:spTree>
+      <p:nvGrpSpPr>
+        <p:cNvPr id="1" name="">
+          <a:extLst>
+            <a:ext uri="{FF2B5EF4-FFF2-40B4-BE49-F238E27FC236}">
+              <a16:creationId xmlns:a16="http://schemas.microsoft.com/office/drawing/2014/main" id="{FF429361-8E88-2FE6-1A07-E9FBC3791C8C}"/>
+            </a:ext>
+          </a:extLst>
+        </p:cNvPr>
+        <p:cNvGrpSpPr/>
+        <p:nvPr/>
+      </p:nvGrpSpPr>
+      <p:grpSpPr>
+        <a:xfrm>
+          <a:off x="0" y="0"/>
+          <a:ext cx="0" cy="0"/>
+          <a:chOff x="0" y="0"/>
+          <a:chExt cx="0" cy="0"/>
+        </a:xfrm>
+      </p:grpSpPr>
       <p:sp>
         <p:nvSpPr>
-          <p:cNvPr id="177" name="Google Shape;177;p14"/>
-          <p:cNvSpPr/>
+          <p:cNvPr id="2" name="Titre 1">
+            <a:extLst>
+              <a:ext uri="{FF2B5EF4-FFF2-40B4-BE49-F238E27FC236}">
+                <a16:creationId xmlns:a16="http://schemas.microsoft.com/office/drawing/2014/main" id="{6B16AA16-249D-932E-9340-92A9A1AB98AA}"/>
+              </a:ext>
+            </a:extLst>
+          </p:cNvPr>
+          <p:cNvSpPr>
+            <a:spLocks noGrp="1"/>
+          </p:cNvSpPr>
+          <p:nvPr>
+            <p:ph type="title"/>
+          </p:nvPr>
+        </p:nvSpPr>
+        <p:spPr/>
+        <p:txBody>
+          <a:bodyPr/>
+          <a:lstStyle/>
+          <a:p>
+            <a:r>
+              <a:rPr lang="fr-FR" dirty="0"/>
+              <a:t>Architecture des services</a:t>
+            </a:r>
+            <a:br>
+              <a:rPr lang="fr-FR" dirty="0"/>
+            </a:br>
+            <a:endParaRPr lang="fr-FR" dirty="0"/>
+          </a:p>
+        </p:txBody>
+      </p:sp>
+      <p:pic>
+        <p:nvPicPr>
+          <p:cNvPr id="4" name="Graphique 3" descr="Blockchain avec un remplissage uni">
+            <a:extLst>
+              <a:ext uri="{FF2B5EF4-FFF2-40B4-BE49-F238E27FC236}">
+                <a16:creationId xmlns:a16="http://schemas.microsoft.com/office/drawing/2014/main" id="{C1AAA56A-8420-72A1-47CF-1C5B69DF4A56}"/>
+              </a:ext>
+            </a:extLst>
+          </p:cNvPr>
+          <p:cNvPicPr>
+            <a:picLocks noChangeAspect="1"/>
+          </p:cNvPicPr>
+          <p:nvPr/>
+        </p:nvPicPr>
+        <p:blipFill>
+          <a:blip r:embed="rId2">
+            <a:extLst>
+              <a:ext uri="{96DAC541-7B7A-43D3-8B79-37D633B846F1}">
+                <asvg:svgBlip xmlns:asvg="http://schemas.microsoft.com/office/drawing/2016/SVG/main" r:embed="rId3"/>
+              </a:ext>
+            </a:extLst>
+          </a:blip>
+          <a:stretch>
+            <a:fillRect/>
+          </a:stretch>
+        </p:blipFill>
+        <p:spPr>
+          <a:xfrm>
+            <a:off x="2686194" y="1112200"/>
+            <a:ext cx="3771611" cy="3771611"/>
+          </a:xfrm>
+          <a:prstGeom prst="rect">
+            <a:avLst/>
+          </a:prstGeom>
+        </p:spPr>
+      </p:pic>
+    </p:spTree>
+    <p:extLst>
+      <p:ext uri="{BB962C8B-B14F-4D97-AF65-F5344CB8AC3E}">
+        <p14:creationId xmlns:p14="http://schemas.microsoft.com/office/powerpoint/2010/main" val="3278000640"/>
+      </p:ext>
+    </p:extLst>
+  </p:cSld>
+  <p:clrMapOvr>
+    <a:masterClrMapping/>
+  </p:clrMapOvr>
+</p:sld>
+</file>
+
+<file path=ppt/slides/slide6.xml><?xml version="1.0" encoding="utf-8"?>
+<p:sld xmlns:a="http://schemas.openxmlformats.org/drawingml/2006/main" xmlns:r="http://schemas.openxmlformats.org/officeDocument/2006/relationships" xmlns:p="http://schemas.openxmlformats.org/presentationml/2006/main">
+  <p:cSld>
+    <p:spTree>
+      <p:nvGrpSpPr>
+        <p:cNvPr id="1" name="">
+          <a:extLst>
+            <a:ext uri="{FF2B5EF4-FFF2-40B4-BE49-F238E27FC236}">
+              <a16:creationId xmlns:a16="http://schemas.microsoft.com/office/drawing/2014/main" id="{FD67EE5D-CFEE-6CE4-3ED6-F300E96C0563}"/>
+            </a:ext>
+          </a:extLst>
+        </p:cNvPr>
+        <p:cNvGrpSpPr/>
+        <p:nvPr/>
+      </p:nvGrpSpPr>
+      <p:grpSpPr>
+        <a:xfrm>
+          <a:off x="0" y="0"/>
+          <a:ext cx="0" cy="0"/>
+          <a:chOff x="0" y="0"/>
+          <a:chExt cx="0" cy="0"/>
+        </a:xfrm>
+      </p:grpSpPr>
+      <p:graphicFrame>
+        <p:nvGraphicFramePr>
+          <p:cNvPr id="42" name="Tableau 41">
+            <a:extLst>
+              <a:ext uri="{FF2B5EF4-FFF2-40B4-BE49-F238E27FC236}">
+                <a16:creationId xmlns:a16="http://schemas.microsoft.com/office/drawing/2014/main" id="{87D8F78E-718C-4656-2886-491F84F79875}"/>
+              </a:ext>
+            </a:extLst>
+          </p:cNvPr>
+          <p:cNvGraphicFramePr>
+            <a:graphicFrameLocks noGrp="1"/>
+          </p:cNvGraphicFramePr>
+          <p:nvPr>
+            <p:extLst>
+              <p:ext uri="{D42A27DB-BD31-4B8C-83A1-F6EECF244321}">
+                <p14:modId xmlns:p14="http://schemas.microsoft.com/office/powerpoint/2010/main" val="3468879361"/>
+              </p:ext>
+            </p:extLst>
+          </p:nvPr>
+        </p:nvGraphicFramePr>
+        <p:xfrm>
+          <a:off x="720000" y="1112200"/>
+          <a:ext cx="7710900" cy="3687240"/>
+        </p:xfrm>
+        <a:graphic>
+          <a:graphicData uri="http://schemas.openxmlformats.org/drawingml/2006/table">
+            <a:tbl>
+              <a:tblPr firstRow="1" bandRow="1">
+                <a:tableStyleId>{5D2AEE79-30FD-4780-A3CD-162A75EF1F1C}</a:tableStyleId>
+              </a:tblPr>
+              <a:tblGrid>
+                <a:gridCol w="4311521">
+                  <a:extLst>
+                    <a:ext uri="{9D8B030D-6E8A-4147-A177-3AD203B41FA5}">
+                      <a16:colId xmlns:a16="http://schemas.microsoft.com/office/drawing/2014/main" val="3026463465"/>
+                    </a:ext>
+                  </a:extLst>
+                </a:gridCol>
+                <a:gridCol w="3399379">
+                  <a:extLst>
+                    <a:ext uri="{9D8B030D-6E8A-4147-A177-3AD203B41FA5}">
+                      <a16:colId xmlns:a16="http://schemas.microsoft.com/office/drawing/2014/main" val="1852850333"/>
+                    </a:ext>
+                  </a:extLst>
+                </a:gridCol>
+              </a:tblGrid>
+              <a:tr h="405150">
+                <a:tc>
+                  <a:txBody>
+                    <a:bodyPr/>
+                    <a:lstStyle/>
+                    <a:p>
+                      <a:pPr algn="ctr"/>
+                      <a:r>
+                        <a:rPr lang="fr-FR" dirty="0">
+                          <a:solidFill>
+                            <a:schemeClr val="tx1"/>
+                          </a:solidFill>
+                        </a:rPr>
+                        <a:t>Application web</a:t>
+                      </a:r>
+                    </a:p>
+                  </a:txBody>
+                  <a:tcPr>
+                    <a:lnL w="12700" cap="flat" cmpd="sng" algn="ctr">
+                      <a:noFill/>
+                      <a:prstDash val="solid"/>
+                      <a:round/>
+                      <a:headEnd type="none" w="med" len="med"/>
+                      <a:tailEnd type="none" w="med" len="med"/>
+                    </a:lnL>
+                    <a:lnR w="12700" cap="flat" cmpd="sng" algn="ctr">
+                      <a:solidFill>
+                        <a:schemeClr val="tx1"/>
+                      </a:solidFill>
+                      <a:prstDash val="solid"/>
+                      <a:round/>
+                      <a:headEnd type="none" w="med" len="med"/>
+                      <a:tailEnd type="none" w="med" len="med"/>
+                    </a:lnR>
+                    <a:lnT w="12700" cap="flat" cmpd="sng" algn="ctr">
+                      <a:noFill/>
+                      <a:prstDash val="solid"/>
+                      <a:round/>
+                      <a:headEnd type="none" w="med" len="med"/>
+                      <a:tailEnd type="none" w="med" len="med"/>
+                    </a:lnT>
+                    <a:lnB w="12700" cap="flat" cmpd="sng" algn="ctr">
+                      <a:solidFill>
+                        <a:schemeClr val="tx1"/>
+                      </a:solidFill>
+                      <a:prstDash val="solid"/>
+                      <a:round/>
+                      <a:headEnd type="none" w="med" len="med"/>
+                      <a:tailEnd type="none" w="med" len="med"/>
+                    </a:lnB>
+                  </a:tcPr>
+                </a:tc>
+                <a:tc>
+                  <a:txBody>
+                    <a:bodyPr/>
+                    <a:lstStyle/>
+                    <a:p>
+                      <a:pPr algn="ctr"/>
+                      <a:r>
+                        <a:rPr lang="fr-FR" dirty="0">
+                          <a:solidFill>
+                            <a:schemeClr val="tx1"/>
+                          </a:solidFill>
+                        </a:rPr>
+                        <a:t>API</a:t>
+                      </a:r>
+                    </a:p>
+                  </a:txBody>
+                  <a:tcPr>
+                    <a:lnL w="12700" cap="flat" cmpd="sng" algn="ctr">
+                      <a:solidFill>
+                        <a:schemeClr val="tx1"/>
+                      </a:solidFill>
+                      <a:prstDash val="solid"/>
+                      <a:round/>
+                      <a:headEnd type="none" w="med" len="med"/>
+                      <a:tailEnd type="none" w="med" len="med"/>
+                    </a:lnL>
+                    <a:lnR w="12700" cap="flat" cmpd="sng" algn="ctr">
+                      <a:noFill/>
+                      <a:prstDash val="solid"/>
+                      <a:round/>
+                      <a:headEnd type="none" w="med" len="med"/>
+                      <a:tailEnd type="none" w="med" len="med"/>
+                    </a:lnR>
+                    <a:lnT w="12700" cap="flat" cmpd="sng" algn="ctr">
+                      <a:noFill/>
+                      <a:prstDash val="solid"/>
+                      <a:round/>
+                      <a:headEnd type="none" w="med" len="med"/>
+                      <a:tailEnd type="none" w="med" len="med"/>
+                    </a:lnT>
+                    <a:lnB w="12700" cap="flat" cmpd="sng" algn="ctr">
+                      <a:solidFill>
+                        <a:schemeClr val="tx1"/>
+                      </a:solidFill>
+                      <a:prstDash val="solid"/>
+                      <a:round/>
+                      <a:headEnd type="none" w="med" len="med"/>
+                      <a:tailEnd type="none" w="med" len="med"/>
+                    </a:lnB>
+                  </a:tcPr>
+                </a:tc>
+                <a:extLst>
+                  <a:ext uri="{0D108BD9-81ED-4DB2-BD59-A6C34878D82A}">
+                    <a16:rowId xmlns:a16="http://schemas.microsoft.com/office/drawing/2014/main" val="3946981149"/>
+                  </a:ext>
+                </a:extLst>
+              </a:tr>
+              <a:tr h="3282090">
+                <a:tc>
+                  <a:txBody>
+                    <a:bodyPr/>
+                    <a:lstStyle/>
+                    <a:p>
+                      <a:endParaRPr lang="fr-FR" dirty="0"/>
+                    </a:p>
+                  </a:txBody>
+                  <a:tcPr>
+                    <a:lnL w="12700" cap="flat" cmpd="sng" algn="ctr">
+                      <a:noFill/>
+                      <a:prstDash val="solid"/>
+                      <a:round/>
+                      <a:headEnd type="none" w="med" len="med"/>
+                      <a:tailEnd type="none" w="med" len="med"/>
+                    </a:lnL>
+                    <a:lnR w="12700" cap="flat" cmpd="sng" algn="ctr">
+                      <a:solidFill>
+                        <a:schemeClr val="tx1"/>
+                      </a:solidFill>
+                      <a:prstDash val="solid"/>
+                      <a:round/>
+                      <a:headEnd type="none" w="med" len="med"/>
+                      <a:tailEnd type="none" w="med" len="med"/>
+                    </a:lnR>
+                    <a:lnT w="12700" cap="flat" cmpd="sng" algn="ctr">
+                      <a:solidFill>
+                        <a:schemeClr val="tx1"/>
+                      </a:solidFill>
+                      <a:prstDash val="solid"/>
+                      <a:round/>
+                      <a:headEnd type="none" w="med" len="med"/>
+                      <a:tailEnd type="none" w="med" len="med"/>
+                    </a:lnT>
+                    <a:lnB w="12700" cap="flat" cmpd="sng" algn="ctr">
+                      <a:noFill/>
+                      <a:prstDash val="solid"/>
+                      <a:round/>
+                      <a:headEnd type="none" w="med" len="med"/>
+                      <a:tailEnd type="none" w="med" len="med"/>
+                    </a:lnB>
+                  </a:tcPr>
+                </a:tc>
+                <a:tc>
+                  <a:txBody>
+                    <a:bodyPr/>
+                    <a:lstStyle/>
+                    <a:p>
+                      <a:endParaRPr lang="fr-FR" dirty="0"/>
+                    </a:p>
+                  </a:txBody>
+                  <a:tcPr>
+                    <a:lnL w="12700" cap="flat" cmpd="sng" algn="ctr">
+                      <a:solidFill>
+                        <a:schemeClr val="tx1"/>
+                      </a:solidFill>
+                      <a:prstDash val="solid"/>
+                      <a:round/>
+                      <a:headEnd type="none" w="med" len="med"/>
+                      <a:tailEnd type="none" w="med" len="med"/>
+                    </a:lnL>
+                    <a:lnR w="12700" cap="flat" cmpd="sng" algn="ctr">
+                      <a:noFill/>
+                      <a:prstDash val="solid"/>
+                      <a:round/>
+                      <a:headEnd type="none" w="med" len="med"/>
+                      <a:tailEnd type="none" w="med" len="med"/>
+                    </a:lnR>
+                    <a:lnT w="12700" cap="flat" cmpd="sng" algn="ctr">
+                      <a:solidFill>
+                        <a:schemeClr val="tx1"/>
+                      </a:solidFill>
+                      <a:prstDash val="solid"/>
+                      <a:round/>
+                      <a:headEnd type="none" w="med" len="med"/>
+                      <a:tailEnd type="none" w="med" len="med"/>
+                    </a:lnT>
+                    <a:lnB w="12700" cap="flat" cmpd="sng" algn="ctr">
+                      <a:noFill/>
+                      <a:prstDash val="solid"/>
+                      <a:round/>
+                      <a:headEnd type="none" w="med" len="med"/>
+                      <a:tailEnd type="none" w="med" len="med"/>
+                    </a:lnB>
+                  </a:tcPr>
+                </a:tc>
+                <a:extLst>
+                  <a:ext uri="{0D108BD9-81ED-4DB2-BD59-A6C34878D82A}">
+                    <a16:rowId xmlns:a16="http://schemas.microsoft.com/office/drawing/2014/main" val="402999232"/>
+                  </a:ext>
+                </a:extLst>
+              </a:tr>
+            </a:tbl>
+          </a:graphicData>
+        </a:graphic>
+      </p:graphicFrame>
+      <p:sp>
+        <p:nvSpPr>
+          <p:cNvPr id="2" name="Titre 1">
+            <a:extLst>
+              <a:ext uri="{FF2B5EF4-FFF2-40B4-BE49-F238E27FC236}">
+                <a16:creationId xmlns:a16="http://schemas.microsoft.com/office/drawing/2014/main" id="{04C024D6-EF5D-C0F0-5305-F5940BCDE6AD}"/>
+              </a:ext>
+            </a:extLst>
+          </p:cNvPr>
+          <p:cNvSpPr>
+            <a:spLocks noGrp="1"/>
+          </p:cNvSpPr>
+          <p:nvPr>
+            <p:ph type="title"/>
+          </p:nvPr>
+        </p:nvSpPr>
+        <p:spPr>
+          <a:xfrm>
+            <a:off x="720000" y="423085"/>
+            <a:ext cx="7710900" cy="572700"/>
+          </a:xfrm>
+        </p:spPr>
+        <p:txBody>
+          <a:bodyPr/>
+          <a:lstStyle/>
+          <a:p>
+            <a:r>
+              <a:rPr lang="fr-FR" dirty="0"/>
+              <a:t>Architecture globale</a:t>
+            </a:r>
+            <a:br>
+              <a:rPr lang="fr-FR" dirty="0"/>
+            </a:br>
+            <a:endParaRPr lang="fr-FR" dirty="0"/>
+          </a:p>
+        </p:txBody>
+      </p:sp>
+      <p:sp>
+        <p:nvSpPr>
+          <p:cNvPr id="25" name="Google Shape;1159;p39">
+            <a:extLst>
+              <a:ext uri="{FF2B5EF4-FFF2-40B4-BE49-F238E27FC236}">
+                <a16:creationId xmlns:a16="http://schemas.microsoft.com/office/drawing/2014/main" id="{2E0549D3-05D7-14BC-437E-CEB183F359FE}"/>
+              </a:ext>
+            </a:extLst>
+          </p:cNvPr>
+          <p:cNvSpPr txBox="1"/>
           <p:nvPr/>
         </p:nvSpPr>
         <p:spPr>
           <a:xfrm>
-            <a:off x="7670738" y="2784681"/>
-            <a:ext cx="8464" cy="1689096"/>
+            <a:off x="932597" y="1719574"/>
+            <a:ext cx="1383573" cy="654459"/>
           </a:xfrm>
-          <a:custGeom>
+          <a:prstGeom prst="rect">
             <a:avLst/>
-            <a:gdLst/>
-            <a:ahLst/>
-            <a:cxnLst/>
-            <a:rect l="l" t="t" r="r" b="b"/>
-            <a:pathLst>
-              <a:path w="323" h="64457" extrusionOk="0">
-                <a:moveTo>
-                  <a:pt x="157" y="1"/>
-                </a:moveTo>
-                <a:lnTo>
-                  <a:pt x="0" y="64456"/>
-                </a:lnTo>
-                <a:lnTo>
-                  <a:pt x="322" y="64456"/>
-                </a:lnTo>
-                <a:lnTo>
-                  <a:pt x="157" y="1"/>
-                </a:lnTo>
-                <a:close/>
-              </a:path>
-            </a:pathLst>
-          </a:custGeom>
+          </a:prstGeom>
           <a:solidFill>
-            <a:schemeClr val="lt2"/>
+            <a:schemeClr val="bg1">
+              <a:lumMod val="75000"/>
+              <a:lumOff val="25000"/>
+            </a:schemeClr>
           </a:solidFill>
+          <a:ln>
+            <a:solidFill>
+              <a:schemeClr val="tx1"/>
+            </a:solidFill>
+          </a:ln>
+        </p:spPr>
+        <p:txBody>
+          <a:bodyPr spcFirstLastPara="1" wrap="square" lIns="91425" tIns="91425" rIns="91425" bIns="91425" anchor="b" anchorCtr="0">
+            <a:noAutofit/>
+          </a:bodyPr>
+          <a:lstStyle/>
+          <a:p>
+            <a:pPr marL="0" lvl="0" indent="0" algn="ctr" rtl="0">
+              <a:spcBef>
+                <a:spcPts val="0"/>
+              </a:spcBef>
+              <a:spcAft>
+                <a:spcPts val="0"/>
+              </a:spcAft>
+              <a:buNone/>
+            </a:pPr>
+            <a:r>
+              <a:rPr lang="fr-FR" sz="1600" dirty="0">
+                <a:solidFill>
+                  <a:schemeClr val="dk1"/>
+                </a:solidFill>
+                <a:latin typeface="Share Tech"/>
+                <a:ea typeface="Share Tech"/>
+                <a:cs typeface="Share Tech"/>
+                <a:sym typeface="Share Tech"/>
+              </a:rPr>
+              <a:t>Formulaire de connexion</a:t>
+            </a:r>
+            <a:endParaRPr sz="1600" dirty="0">
+              <a:solidFill>
+                <a:schemeClr val="dk1"/>
+              </a:solidFill>
+              <a:latin typeface="Share Tech"/>
+              <a:ea typeface="Share Tech"/>
+              <a:cs typeface="Share Tech"/>
+              <a:sym typeface="Share Tech"/>
+            </a:endParaRPr>
+          </a:p>
+        </p:txBody>
+      </p:sp>
+      <p:cxnSp>
+        <p:nvCxnSpPr>
+          <p:cNvPr id="26" name="Google Shape;1170;p39">
+            <a:extLst>
+              <a:ext uri="{FF2B5EF4-FFF2-40B4-BE49-F238E27FC236}">
+                <a16:creationId xmlns:a16="http://schemas.microsoft.com/office/drawing/2014/main" id="{BEBEB976-6A69-CD44-11AA-FBDAD1D4323B}"/>
+              </a:ext>
+            </a:extLst>
+          </p:cNvPr>
+          <p:cNvCxnSpPr>
+            <a:cxnSpLocks/>
+            <a:stCxn id="25" idx="3"/>
+            <a:endCxn id="33" idx="1"/>
+          </p:cNvCxnSpPr>
+          <p:nvPr/>
+        </p:nvCxnSpPr>
+        <p:spPr>
+          <a:xfrm flipV="1">
+            <a:off x="2316170" y="2044766"/>
+            <a:ext cx="3135062" cy="2038"/>
+          </a:xfrm>
+          <a:prstGeom prst="bentConnector3">
+            <a:avLst>
+              <a:gd name="adj1" fmla="val 50000"/>
+            </a:avLst>
+          </a:prstGeom>
+          <a:ln w="19050" cap="flat" cmpd="sng" algn="ctr">
+            <a:solidFill>
+              <a:schemeClr val="tx2"/>
+            </a:solidFill>
+            <a:prstDash val="dash"/>
+            <a:round/>
+            <a:headEnd type="none" w="lg" len="med"/>
+            <a:tailEnd type="triangle" w="lg" len="lg"/>
+          </a:ln>
+        </p:spPr>
+        <p:style>
+          <a:lnRef idx="0">
+            <a:scrgbClr r="0" g="0" b="0"/>
+          </a:lnRef>
+          <a:fillRef idx="0">
+            <a:scrgbClr r="0" g="0" b="0"/>
+          </a:fillRef>
+          <a:effectRef idx="0">
+            <a:scrgbClr r="0" g="0" b="0"/>
+          </a:effectRef>
+          <a:fontRef idx="minor">
+            <a:schemeClr val="tx1"/>
+          </a:fontRef>
+        </p:style>
+      </p:cxnSp>
+      <p:sp>
+        <p:nvSpPr>
+          <p:cNvPr id="33" name="Google Shape;1159;p39">
+            <a:extLst>
+              <a:ext uri="{FF2B5EF4-FFF2-40B4-BE49-F238E27FC236}">
+                <a16:creationId xmlns:a16="http://schemas.microsoft.com/office/drawing/2014/main" id="{F04DD6E3-ED4D-FE6F-DF37-AA0D8338504A}"/>
+              </a:ext>
+            </a:extLst>
+          </p:cNvPr>
+          <p:cNvSpPr txBox="1"/>
+          <p:nvPr/>
+        </p:nvSpPr>
+        <p:spPr>
+          <a:xfrm>
+            <a:off x="5451232" y="1824418"/>
+            <a:ext cx="2535274" cy="440695"/>
+          </a:xfrm>
+          <a:prstGeom prst="rect">
+            <a:avLst/>
+          </a:prstGeom>
+          <a:solidFill>
+            <a:srgbClr val="00B050"/>
+          </a:solidFill>
+          <a:ln>
+            <a:solidFill>
+              <a:schemeClr val="tx1"/>
+            </a:solidFill>
+          </a:ln>
+        </p:spPr>
+        <p:txBody>
+          <a:bodyPr spcFirstLastPara="1" wrap="square" lIns="91425" tIns="91425" rIns="91425" bIns="91425" anchor="b" anchorCtr="0">
+            <a:noAutofit/>
+          </a:bodyPr>
+          <a:lstStyle/>
+          <a:p>
+            <a:pPr marL="0" lvl="0" indent="0" algn="ctr" rtl="0">
+              <a:spcBef>
+                <a:spcPts val="0"/>
+              </a:spcBef>
+              <a:spcAft>
+                <a:spcPts val="0"/>
+              </a:spcAft>
+              <a:buNone/>
+            </a:pPr>
+            <a:r>
+              <a:rPr lang="fr-FR" sz="1600" dirty="0">
+                <a:solidFill>
+                  <a:schemeClr val="dk1"/>
+                </a:solidFill>
+                <a:latin typeface="Share Tech"/>
+                <a:ea typeface="Share Tech"/>
+                <a:cs typeface="Share Tech"/>
+                <a:sym typeface="Share Tech"/>
+              </a:rPr>
+              <a:t>Vérification de la connexion </a:t>
+            </a:r>
+            <a:endParaRPr sz="1600" dirty="0">
+              <a:solidFill>
+                <a:schemeClr val="dk1"/>
+              </a:solidFill>
+              <a:latin typeface="Share Tech"/>
+              <a:ea typeface="Share Tech"/>
+              <a:cs typeface="Share Tech"/>
+              <a:sym typeface="Share Tech"/>
+            </a:endParaRPr>
+          </a:p>
+        </p:txBody>
+      </p:sp>
+      <p:sp>
+        <p:nvSpPr>
+          <p:cNvPr id="37" name="Google Shape;1159;p39">
+            <a:extLst>
+              <a:ext uri="{FF2B5EF4-FFF2-40B4-BE49-F238E27FC236}">
+                <a16:creationId xmlns:a16="http://schemas.microsoft.com/office/drawing/2014/main" id="{99532E99-4D70-854C-D34D-487F633622CE}"/>
+              </a:ext>
+            </a:extLst>
+          </p:cNvPr>
+          <p:cNvSpPr txBox="1"/>
+          <p:nvPr/>
+        </p:nvSpPr>
+        <p:spPr>
+          <a:xfrm>
+            <a:off x="3296793" y="1606776"/>
+            <a:ext cx="1173813" cy="488039"/>
+          </a:xfrm>
+          <a:prstGeom prst="rect">
+            <a:avLst/>
+          </a:prstGeom>
+          <a:noFill/>
           <a:ln>
             <a:noFill/>
           </a:ln>
         </p:spPr>
         <p:txBody>
-          <a:bodyPr spcFirstLastPara="1" wrap="square" lIns="91425" tIns="91425" rIns="91425" bIns="91425" anchor="ctr" anchorCtr="0">
+          <a:bodyPr spcFirstLastPara="1" wrap="square" lIns="91425" tIns="91425" rIns="91425" bIns="91425" anchor="b" anchorCtr="0">
             <a:noAutofit/>
           </a:bodyPr>
           <a:lstStyle/>
           <a:p>
-            <a:pPr marL="0" lvl="0" indent="0" algn="l" rtl="0">
+            <a:pPr marL="0" lvl="0" indent="0" algn="ctr" rtl="0">
               <a:spcBef>
                 <a:spcPts val="0"/>
               </a:spcBef>
@@ -15289,398 +20531,141 @@
               </a:spcAft>
               <a:buNone/>
             </a:pPr>
-            <a:endParaRPr/>
+            <a:r>
+              <a:rPr lang="fr-FR" sz="1200" dirty="0">
+                <a:solidFill>
+                  <a:schemeClr val="dk1"/>
+                </a:solidFill>
+                <a:latin typeface="Share Tech"/>
+                <a:ea typeface="Share Tech"/>
+                <a:cs typeface="Share Tech"/>
+                <a:sym typeface="Share Tech"/>
+              </a:rPr>
+              <a:t>HTTP </a:t>
+            </a:r>
+            <a:r>
+              <a:rPr lang="fr-FR" sz="1200" dirty="0" err="1">
+                <a:solidFill>
+                  <a:schemeClr val="dk1"/>
+                </a:solidFill>
+                <a:latin typeface="Share Tech"/>
+                <a:ea typeface="Share Tech"/>
+                <a:cs typeface="Share Tech"/>
+                <a:sym typeface="Share Tech"/>
+              </a:rPr>
+              <a:t>Request</a:t>
+            </a:r>
+            <a:r>
+              <a:rPr lang="fr-FR" sz="1200" dirty="0">
+                <a:solidFill>
+                  <a:schemeClr val="dk1"/>
+                </a:solidFill>
+                <a:latin typeface="Share Tech"/>
+                <a:ea typeface="Share Tech"/>
+                <a:cs typeface="Share Tech"/>
+                <a:sym typeface="Share Tech"/>
+              </a:rPr>
+              <a:t> + ID/Password</a:t>
+            </a:r>
+            <a:endParaRPr sz="1200" dirty="0">
+              <a:solidFill>
+                <a:schemeClr val="dk1"/>
+              </a:solidFill>
+              <a:latin typeface="Share Tech"/>
+              <a:ea typeface="Share Tech"/>
+              <a:cs typeface="Share Tech"/>
+              <a:sym typeface="Share Tech"/>
+            </a:endParaRPr>
           </a:p>
         </p:txBody>
       </p:sp>
-      <p:grpSp>
-        <p:nvGrpSpPr>
-          <p:cNvPr id="178" name="Google Shape;178;p14"/>
-          <p:cNvGrpSpPr/>
+      <p:cxnSp>
+        <p:nvCxnSpPr>
+          <p:cNvPr id="38" name="Google Shape;1170;p39">
+            <a:extLst>
+              <a:ext uri="{FF2B5EF4-FFF2-40B4-BE49-F238E27FC236}">
+                <a16:creationId xmlns:a16="http://schemas.microsoft.com/office/drawing/2014/main" id="{97D144FA-F91C-59F9-0512-27A6ECDC95A6}"/>
+              </a:ext>
+            </a:extLst>
+          </p:cNvPr>
+          <p:cNvCxnSpPr>
+            <a:cxnSpLocks/>
+            <a:stCxn id="33" idx="2"/>
+            <a:endCxn id="51" idx="3"/>
+          </p:cNvCxnSpPr>
           <p:nvPr/>
-        </p:nvGrpSpPr>
-        <p:grpSpPr>
-          <a:xfrm>
-            <a:off x="8008096" y="2108910"/>
-            <a:ext cx="199001" cy="2139769"/>
-            <a:chOff x="8008096" y="2108910"/>
-            <a:chExt cx="199001" cy="2139769"/>
+        </p:nvCxnSpPr>
+        <p:spPr>
+          <a:xfrm rot="5400000">
+            <a:off x="5176356" y="1467870"/>
+            <a:ext cx="745271" cy="2339756"/>
           </a:xfrm>
-        </p:grpSpPr>
-        <p:sp>
-          <p:nvSpPr>
-            <p:cNvPr id="179" name="Google Shape;179;p14"/>
-            <p:cNvSpPr/>
-            <p:nvPr/>
-          </p:nvSpPr>
-          <p:spPr>
-            <a:xfrm>
-              <a:off x="8008096" y="4049705"/>
-              <a:ext cx="199001" cy="198975"/>
-            </a:xfrm>
-            <a:custGeom>
-              <a:avLst/>
-              <a:gdLst/>
-              <a:ahLst/>
-              <a:cxnLst/>
-              <a:rect l="l" t="t" r="r" b="b"/>
-              <a:pathLst>
-                <a:path w="7594" h="7593" extrusionOk="0">
-                  <a:moveTo>
-                    <a:pt x="1" y="0"/>
-                  </a:moveTo>
-                  <a:lnTo>
-                    <a:pt x="1" y="7593"/>
-                  </a:lnTo>
-                  <a:lnTo>
-                    <a:pt x="7593" y="7593"/>
-                  </a:lnTo>
-                  <a:lnTo>
-                    <a:pt x="7593" y="0"/>
-                  </a:lnTo>
-                  <a:close/>
-                </a:path>
-              </a:pathLst>
-            </a:custGeom>
+          <a:prstGeom prst="bentConnector2">
+            <a:avLst/>
+          </a:prstGeom>
+          <a:ln w="19050" cap="flat" cmpd="sng" algn="ctr">
             <a:solidFill>
-              <a:schemeClr val="accent2"/>
+              <a:schemeClr val="tx2"/>
             </a:solidFill>
-            <a:ln>
-              <a:noFill/>
-            </a:ln>
-          </p:spPr>
-          <p:txBody>
-            <a:bodyPr spcFirstLastPara="1" wrap="square" lIns="91425" tIns="91425" rIns="91425" bIns="91425" anchor="ctr" anchorCtr="0">
-              <a:noAutofit/>
-            </a:bodyPr>
-            <a:lstStyle/>
-            <a:p>
-              <a:pPr marL="0" lvl="0" indent="0" algn="l" rtl="0">
-                <a:spcBef>
-                  <a:spcPts val="0"/>
-                </a:spcBef>
-                <a:spcAft>
-                  <a:spcPts val="0"/>
-                </a:spcAft>
-                <a:buNone/>
-              </a:pPr>
-              <a:endParaRPr/>
-            </a:p>
-          </p:txBody>
-        </p:sp>
-        <p:sp>
-          <p:nvSpPr>
-            <p:cNvPr id="180" name="Google Shape;180;p14"/>
-            <p:cNvSpPr/>
-            <p:nvPr/>
-          </p:nvSpPr>
-          <p:spPr>
-            <a:xfrm>
-              <a:off x="8103246" y="2108910"/>
-              <a:ext cx="8464" cy="1793863"/>
-            </a:xfrm>
-            <a:custGeom>
-              <a:avLst/>
-              <a:gdLst/>
-              <a:ahLst/>
-              <a:cxnLst/>
-              <a:rect l="l" t="t" r="r" b="b"/>
-              <a:pathLst>
-                <a:path w="323" h="68455" extrusionOk="0">
-                  <a:moveTo>
-                    <a:pt x="166" y="1"/>
-                  </a:moveTo>
-                  <a:lnTo>
-                    <a:pt x="0" y="68455"/>
-                  </a:lnTo>
-                  <a:lnTo>
-                    <a:pt x="322" y="68455"/>
-                  </a:lnTo>
-                  <a:lnTo>
-                    <a:pt x="166" y="1"/>
-                  </a:lnTo>
-                  <a:close/>
-                </a:path>
-              </a:pathLst>
-            </a:custGeom>
-            <a:solidFill>
-              <a:schemeClr val="lt2"/>
-            </a:solidFill>
-            <a:ln>
-              <a:noFill/>
-            </a:ln>
-          </p:spPr>
-          <p:txBody>
-            <a:bodyPr spcFirstLastPara="1" wrap="square" lIns="91425" tIns="91425" rIns="91425" bIns="91425" anchor="ctr" anchorCtr="0">
-              <a:noAutofit/>
-            </a:bodyPr>
-            <a:lstStyle/>
-            <a:p>
-              <a:pPr marL="0" lvl="0" indent="0" algn="l" rtl="0">
-                <a:spcBef>
-                  <a:spcPts val="0"/>
-                </a:spcBef>
-                <a:spcAft>
-                  <a:spcPts val="0"/>
-                </a:spcAft>
-                <a:buNone/>
-              </a:pPr>
-              <a:endParaRPr/>
-            </a:p>
-          </p:txBody>
-        </p:sp>
-      </p:grpSp>
-      <p:grpSp>
-        <p:nvGrpSpPr>
-          <p:cNvPr id="181" name="Google Shape;181;p14"/>
-          <p:cNvGrpSpPr/>
-          <p:nvPr/>
-        </p:nvGrpSpPr>
-        <p:grpSpPr>
-          <a:xfrm>
-            <a:off x="5930000" y="1241705"/>
-            <a:ext cx="199001" cy="867198"/>
-            <a:chOff x="4475150" y="4052605"/>
-            <a:chExt cx="199001" cy="867198"/>
-          </a:xfrm>
-        </p:grpSpPr>
-        <p:sp>
-          <p:nvSpPr>
-            <p:cNvPr id="182" name="Google Shape;182;p14"/>
-            <p:cNvSpPr/>
-            <p:nvPr/>
-          </p:nvSpPr>
-          <p:spPr>
-            <a:xfrm>
-              <a:off x="4475150" y="4052605"/>
-              <a:ext cx="199001" cy="220121"/>
-            </a:xfrm>
-            <a:custGeom>
-              <a:avLst/>
-              <a:gdLst/>
-              <a:ahLst/>
-              <a:cxnLst/>
-              <a:rect l="l" t="t" r="r" b="b"/>
-              <a:pathLst>
-                <a:path w="7594" h="7593" extrusionOk="0">
-                  <a:moveTo>
-                    <a:pt x="1" y="0"/>
-                  </a:moveTo>
-                  <a:lnTo>
-                    <a:pt x="1" y="7593"/>
-                  </a:lnTo>
-                  <a:lnTo>
-                    <a:pt x="7593" y="7593"/>
-                  </a:lnTo>
-                  <a:lnTo>
-                    <a:pt x="7593" y="0"/>
-                  </a:lnTo>
-                  <a:close/>
-                </a:path>
-              </a:pathLst>
-            </a:custGeom>
-            <a:solidFill>
-              <a:schemeClr val="accent2"/>
-            </a:solidFill>
-            <a:ln>
-              <a:noFill/>
-            </a:ln>
-          </p:spPr>
-          <p:txBody>
-            <a:bodyPr spcFirstLastPara="1" wrap="square" lIns="91425" tIns="91425" rIns="91425" bIns="91425" anchor="ctr" anchorCtr="0">
-              <a:noAutofit/>
-            </a:bodyPr>
-            <a:lstStyle/>
-            <a:p>
-              <a:pPr marL="0" lvl="0" indent="0" algn="l" rtl="0">
-                <a:spcBef>
-                  <a:spcPts val="0"/>
-                </a:spcBef>
-                <a:spcAft>
-                  <a:spcPts val="0"/>
-                </a:spcAft>
-                <a:buNone/>
-              </a:pPr>
-              <a:endParaRPr/>
-            </a:p>
-          </p:txBody>
-        </p:sp>
-        <p:sp>
-          <p:nvSpPr>
-            <p:cNvPr id="183" name="Google Shape;183;p14"/>
-            <p:cNvSpPr/>
-            <p:nvPr/>
-          </p:nvSpPr>
-          <p:spPr>
-            <a:xfrm>
-              <a:off x="4522600" y="4494201"/>
-              <a:ext cx="104095" cy="115148"/>
-            </a:xfrm>
-            <a:custGeom>
-              <a:avLst/>
-              <a:gdLst/>
-              <a:ahLst/>
-              <a:cxnLst/>
-              <a:rect l="l" t="t" r="r" b="b"/>
-              <a:pathLst>
-                <a:path w="7594" h="7593" extrusionOk="0">
-                  <a:moveTo>
-                    <a:pt x="1" y="0"/>
-                  </a:moveTo>
-                  <a:lnTo>
-                    <a:pt x="1" y="7593"/>
-                  </a:lnTo>
-                  <a:lnTo>
-                    <a:pt x="7593" y="7593"/>
-                  </a:lnTo>
-                  <a:lnTo>
-                    <a:pt x="7593" y="0"/>
-                  </a:lnTo>
-                  <a:close/>
-                </a:path>
-              </a:pathLst>
-            </a:custGeom>
-            <a:solidFill>
-              <a:schemeClr val="accent2"/>
-            </a:solidFill>
-            <a:ln>
-              <a:noFill/>
-            </a:ln>
-          </p:spPr>
-          <p:txBody>
-            <a:bodyPr spcFirstLastPara="1" wrap="square" lIns="91425" tIns="91425" rIns="91425" bIns="91425" anchor="ctr" anchorCtr="0">
-              <a:noAutofit/>
-            </a:bodyPr>
-            <a:lstStyle/>
-            <a:p>
-              <a:pPr marL="0" lvl="0" indent="0" algn="l" rtl="0">
-                <a:spcBef>
-                  <a:spcPts val="0"/>
-                </a:spcBef>
-                <a:spcAft>
-                  <a:spcPts val="0"/>
-                </a:spcAft>
-                <a:buNone/>
-              </a:pPr>
-              <a:endParaRPr/>
-            </a:p>
-          </p:txBody>
-        </p:sp>
-        <p:sp>
-          <p:nvSpPr>
-            <p:cNvPr id="184" name="Google Shape;184;p14"/>
-            <p:cNvSpPr/>
-            <p:nvPr/>
-          </p:nvSpPr>
-          <p:spPr>
-            <a:xfrm>
-              <a:off x="4534403" y="4830814"/>
-              <a:ext cx="80477" cy="88990"/>
-            </a:xfrm>
-            <a:custGeom>
-              <a:avLst/>
-              <a:gdLst/>
-              <a:ahLst/>
-              <a:cxnLst/>
-              <a:rect l="l" t="t" r="r" b="b"/>
-              <a:pathLst>
-                <a:path w="7594" h="7593" extrusionOk="0">
-                  <a:moveTo>
-                    <a:pt x="1" y="0"/>
-                  </a:moveTo>
-                  <a:lnTo>
-                    <a:pt x="1" y="7593"/>
-                  </a:lnTo>
-                  <a:lnTo>
-                    <a:pt x="7593" y="7593"/>
-                  </a:lnTo>
-                  <a:lnTo>
-                    <a:pt x="7593" y="0"/>
-                  </a:lnTo>
-                  <a:close/>
-                </a:path>
-              </a:pathLst>
-            </a:custGeom>
-            <a:solidFill>
-              <a:schemeClr val="accent2"/>
-            </a:solidFill>
-            <a:ln>
-              <a:noFill/>
-            </a:ln>
-          </p:spPr>
-          <p:txBody>
-            <a:bodyPr spcFirstLastPara="1" wrap="square" lIns="91425" tIns="91425" rIns="91425" bIns="91425" anchor="ctr" anchorCtr="0">
-              <a:noAutofit/>
-            </a:bodyPr>
-            <a:lstStyle/>
-            <a:p>
-              <a:pPr marL="0" lvl="0" indent="0" algn="l" rtl="0">
-                <a:spcBef>
-                  <a:spcPts val="0"/>
-                </a:spcBef>
-                <a:spcAft>
-                  <a:spcPts val="0"/>
-                </a:spcAft>
-                <a:buNone/>
-              </a:pPr>
-              <a:endParaRPr/>
-            </a:p>
-          </p:txBody>
-        </p:sp>
-      </p:grpSp>
+            <a:prstDash val="dash"/>
+            <a:round/>
+            <a:headEnd type="none" w="lg" len="med"/>
+            <a:tailEnd type="triangle" w="lg" len="lg"/>
+          </a:ln>
+        </p:spPr>
+        <p:style>
+          <a:lnRef idx="0">
+            <a:scrgbClr r="0" g="0" b="0"/>
+          </a:lnRef>
+          <a:fillRef idx="0">
+            <a:scrgbClr r="0" g="0" b="0"/>
+          </a:fillRef>
+          <a:effectRef idx="0">
+            <a:scrgbClr r="0" g="0" b="0"/>
+          </a:effectRef>
+          <a:fontRef idx="minor">
+            <a:schemeClr val="tx1"/>
+          </a:fontRef>
+        </p:style>
+      </p:cxnSp>
       <p:sp>
         <p:nvSpPr>
-          <p:cNvPr id="185" name="Google Shape;185;p14"/>
-          <p:cNvSpPr/>
+          <p:cNvPr id="51" name="Google Shape;1159;p39">
+            <a:extLst>
+              <a:ext uri="{FF2B5EF4-FFF2-40B4-BE49-F238E27FC236}">
+                <a16:creationId xmlns:a16="http://schemas.microsoft.com/office/drawing/2014/main" id="{68D71F67-9DB8-6B4C-1B18-6CD585099630}"/>
+              </a:ext>
+            </a:extLst>
+          </p:cNvPr>
+          <p:cNvSpPr txBox="1"/>
           <p:nvPr/>
         </p:nvSpPr>
         <p:spPr>
           <a:xfrm>
-            <a:off x="5545159" y="4115388"/>
-            <a:ext cx="133275" cy="133275"/>
+            <a:off x="3023759" y="2818101"/>
+            <a:ext cx="1355354" cy="384566"/>
           </a:xfrm>
-          <a:custGeom>
+          <a:prstGeom prst="rect">
             <a:avLst/>
-            <a:gdLst/>
-            <a:ahLst/>
-            <a:cxnLst/>
-            <a:rect l="l" t="t" r="r" b="b"/>
-            <a:pathLst>
-              <a:path w="2207" h="2207" fill="none" extrusionOk="0">
-                <a:moveTo>
-                  <a:pt x="0" y="1"/>
-                </a:moveTo>
-                <a:lnTo>
-                  <a:pt x="2206" y="1"/>
-                </a:lnTo>
-                <a:lnTo>
-                  <a:pt x="2206" y="2207"/>
-                </a:lnTo>
-                <a:lnTo>
-                  <a:pt x="0" y="2207"/>
-                </a:lnTo>
-                <a:close/>
-              </a:path>
-            </a:pathLst>
-          </a:custGeom>
-          <a:noFill/>
-          <a:ln w="1375" cap="flat" cmpd="sng">
+          </a:prstGeom>
+          <a:solidFill>
+            <a:schemeClr val="accent3">
+              <a:lumMod val="75000"/>
+            </a:schemeClr>
+          </a:solidFill>
+          <a:ln>
             <a:solidFill>
-              <a:schemeClr val="accent1"/>
+              <a:schemeClr val="tx1"/>
             </a:solidFill>
-            <a:prstDash val="solid"/>
-            <a:miter lim="9192"/>
-            <a:headEnd type="none" w="sm" len="sm"/>
-            <a:tailEnd type="none" w="sm" len="sm"/>
           </a:ln>
         </p:spPr>
         <p:txBody>
-          <a:bodyPr spcFirstLastPara="1" wrap="square" lIns="91425" tIns="91425" rIns="91425" bIns="91425" anchor="ctr" anchorCtr="0">
+          <a:bodyPr spcFirstLastPara="1" wrap="square" lIns="91425" tIns="91425" rIns="91425" bIns="91425" anchor="b" anchorCtr="0">
             <a:noAutofit/>
           </a:bodyPr>
           <a:lstStyle/>
           <a:p>
-            <a:pPr marL="0" lvl="0" indent="0" algn="l" rtl="0">
+            <a:pPr marL="0" lvl="0" indent="0" algn="ctr" rtl="0">
               <a:spcBef>
                 <a:spcPts val="0"/>
               </a:spcBef>
@@ -15689,14 +20674,868 @@
               </a:spcAft>
               <a:buNone/>
             </a:pPr>
-            <a:endParaRPr/>
+            <a:r>
+              <a:rPr lang="fr-FR" sz="1600" dirty="0" err="1">
+                <a:solidFill>
+                  <a:schemeClr val="dk1"/>
+                </a:solidFill>
+                <a:latin typeface="Share Tech"/>
+                <a:ea typeface="Share Tech"/>
+                <a:cs typeface="Share Tech"/>
+                <a:sym typeface="Share Tech"/>
+              </a:rPr>
+              <a:t>LocalStorage</a:t>
+            </a:r>
+            <a:endParaRPr sz="1600" dirty="0">
+              <a:solidFill>
+                <a:schemeClr val="dk1"/>
+              </a:solidFill>
+              <a:latin typeface="Share Tech"/>
+              <a:ea typeface="Share Tech"/>
+              <a:cs typeface="Share Tech"/>
+              <a:sym typeface="Share Tech"/>
+            </a:endParaRPr>
+          </a:p>
+        </p:txBody>
+      </p:sp>
+      <p:sp>
+        <p:nvSpPr>
+          <p:cNvPr id="56" name="Google Shape;1159;p39">
+            <a:extLst>
+              <a:ext uri="{FF2B5EF4-FFF2-40B4-BE49-F238E27FC236}">
+                <a16:creationId xmlns:a16="http://schemas.microsoft.com/office/drawing/2014/main" id="{7E3CF773-6E4C-399B-084B-BACE60B993C4}"/>
+              </a:ext>
+            </a:extLst>
+          </p:cNvPr>
+          <p:cNvSpPr txBox="1"/>
+          <p:nvPr/>
+        </p:nvSpPr>
+        <p:spPr>
+          <a:xfrm>
+            <a:off x="932597" y="3598101"/>
+            <a:ext cx="1668397" cy="866398"/>
+          </a:xfrm>
+          <a:prstGeom prst="rect">
+            <a:avLst/>
+          </a:prstGeom>
+          <a:solidFill>
+            <a:schemeClr val="bg1">
+              <a:lumMod val="75000"/>
+              <a:lumOff val="25000"/>
+            </a:schemeClr>
+          </a:solidFill>
+          <a:ln>
+            <a:solidFill>
+              <a:schemeClr val="tx1"/>
+            </a:solidFill>
+          </a:ln>
+        </p:spPr>
+        <p:txBody>
+          <a:bodyPr spcFirstLastPara="1" wrap="square" lIns="91425" tIns="91425" rIns="91425" bIns="91425" anchor="b" anchorCtr="0">
+            <a:noAutofit/>
+          </a:bodyPr>
+          <a:lstStyle/>
+          <a:p>
+            <a:pPr marL="0" lvl="0" indent="0" algn="ctr" rtl="0">
+              <a:spcBef>
+                <a:spcPts val="0"/>
+              </a:spcBef>
+              <a:spcAft>
+                <a:spcPts val="0"/>
+              </a:spcAft>
+              <a:buNone/>
+            </a:pPr>
+            <a:r>
+              <a:rPr lang="fr-FR" sz="1600" dirty="0">
+                <a:solidFill>
+                  <a:schemeClr val="dk1"/>
+                </a:solidFill>
+                <a:latin typeface="Share Tech"/>
+                <a:ea typeface="Share Tech"/>
+                <a:cs typeface="Share Tech"/>
+                <a:sym typeface="Share Tech"/>
+              </a:rPr>
+              <a:t>Utilisation de l’application en étant authentifié</a:t>
+            </a:r>
+            <a:endParaRPr sz="1600" dirty="0">
+              <a:solidFill>
+                <a:schemeClr val="dk1"/>
+              </a:solidFill>
+              <a:latin typeface="Share Tech"/>
+              <a:ea typeface="Share Tech"/>
+              <a:cs typeface="Share Tech"/>
+              <a:sym typeface="Share Tech"/>
+            </a:endParaRPr>
+          </a:p>
+        </p:txBody>
+      </p:sp>
+      <p:sp>
+        <p:nvSpPr>
+          <p:cNvPr id="58" name="Google Shape;1159;p39">
+            <a:extLst>
+              <a:ext uri="{FF2B5EF4-FFF2-40B4-BE49-F238E27FC236}">
+                <a16:creationId xmlns:a16="http://schemas.microsoft.com/office/drawing/2014/main" id="{1D6F9741-0E3A-2335-76D7-2A911F90AD92}"/>
+              </a:ext>
+            </a:extLst>
+          </p:cNvPr>
+          <p:cNvSpPr txBox="1"/>
+          <p:nvPr/>
+        </p:nvSpPr>
+        <p:spPr>
+          <a:xfrm>
+            <a:off x="5086703" y="2648934"/>
+            <a:ext cx="1473720" cy="380756"/>
+          </a:xfrm>
+          <a:prstGeom prst="rect">
+            <a:avLst/>
+          </a:prstGeom>
+          <a:noFill/>
+          <a:ln>
+            <a:noFill/>
+          </a:ln>
+        </p:spPr>
+        <p:txBody>
+          <a:bodyPr spcFirstLastPara="1" wrap="square" lIns="91425" tIns="91425" rIns="91425" bIns="91425" anchor="b" anchorCtr="0">
+            <a:noAutofit/>
+          </a:bodyPr>
+          <a:lstStyle/>
+          <a:p>
+            <a:pPr marL="0" lvl="0" indent="0" algn="ctr" rtl="0">
+              <a:spcBef>
+                <a:spcPts val="0"/>
+              </a:spcBef>
+              <a:spcAft>
+                <a:spcPts val="0"/>
+              </a:spcAft>
+              <a:buNone/>
+            </a:pPr>
+            <a:r>
+              <a:rPr lang="fr-FR" sz="1200" dirty="0">
+                <a:solidFill>
+                  <a:schemeClr val="dk1"/>
+                </a:solidFill>
+                <a:latin typeface="Share Tech"/>
+                <a:ea typeface="Share Tech"/>
+                <a:cs typeface="Share Tech"/>
+                <a:sym typeface="Share Tech"/>
+              </a:rPr>
+              <a:t>Token/</a:t>
+            </a:r>
+            <a:r>
+              <a:rPr lang="fr-FR" sz="1200" dirty="0" err="1">
+                <a:solidFill>
+                  <a:schemeClr val="dk1"/>
+                </a:solidFill>
+                <a:latin typeface="Share Tech"/>
+                <a:ea typeface="Share Tech"/>
+                <a:cs typeface="Share Tech"/>
+                <a:sym typeface="Share Tech"/>
+              </a:rPr>
+              <a:t>Refresh</a:t>
+            </a:r>
+            <a:r>
+              <a:rPr lang="fr-FR" sz="1200" dirty="0">
+                <a:solidFill>
+                  <a:schemeClr val="dk1"/>
+                </a:solidFill>
+                <a:latin typeface="Share Tech"/>
+                <a:ea typeface="Share Tech"/>
+                <a:cs typeface="Share Tech"/>
+                <a:sym typeface="Share Tech"/>
+              </a:rPr>
+              <a:t> Token</a:t>
+            </a:r>
+            <a:endParaRPr sz="1200" dirty="0">
+              <a:solidFill>
+                <a:schemeClr val="dk1"/>
+              </a:solidFill>
+              <a:latin typeface="Share Tech"/>
+              <a:ea typeface="Share Tech"/>
+              <a:cs typeface="Share Tech"/>
+              <a:sym typeface="Share Tech"/>
+            </a:endParaRPr>
+          </a:p>
+        </p:txBody>
+      </p:sp>
+      <p:sp>
+        <p:nvSpPr>
+          <p:cNvPr id="68" name="Google Shape;1159;p39">
+            <a:extLst>
+              <a:ext uri="{FF2B5EF4-FFF2-40B4-BE49-F238E27FC236}">
+                <a16:creationId xmlns:a16="http://schemas.microsoft.com/office/drawing/2014/main" id="{3D711D8A-D0E1-1ECA-E708-F74D52F19C03}"/>
+              </a:ext>
+            </a:extLst>
+          </p:cNvPr>
+          <p:cNvSpPr txBox="1"/>
+          <p:nvPr/>
+        </p:nvSpPr>
+        <p:spPr>
+          <a:xfrm>
+            <a:off x="6209187" y="3602208"/>
+            <a:ext cx="2002216" cy="866398"/>
+          </a:xfrm>
+          <a:prstGeom prst="rect">
+            <a:avLst/>
+          </a:prstGeom>
+          <a:solidFill>
+            <a:schemeClr val="bg1">
+              <a:lumMod val="75000"/>
+              <a:lumOff val="25000"/>
+            </a:schemeClr>
+          </a:solidFill>
+          <a:ln>
+            <a:solidFill>
+              <a:schemeClr val="tx1"/>
+            </a:solidFill>
+          </a:ln>
+        </p:spPr>
+        <p:txBody>
+          <a:bodyPr spcFirstLastPara="1" wrap="square" lIns="91425" tIns="91425" rIns="91425" bIns="91425" anchor="b" anchorCtr="0">
+            <a:noAutofit/>
+          </a:bodyPr>
+          <a:lstStyle/>
+          <a:p>
+            <a:pPr marL="0" lvl="0" indent="0" algn="ctr" rtl="0">
+              <a:spcBef>
+                <a:spcPts val="0"/>
+              </a:spcBef>
+              <a:spcAft>
+                <a:spcPts val="0"/>
+              </a:spcAft>
+              <a:buNone/>
+            </a:pPr>
+            <a:r>
+              <a:rPr lang="fr-FR" sz="1600" dirty="0">
+                <a:solidFill>
+                  <a:schemeClr val="dk1"/>
+                </a:solidFill>
+                <a:latin typeface="Share Tech"/>
+                <a:ea typeface="Share Tech"/>
+                <a:cs typeface="Share Tech"/>
+                <a:sym typeface="Share Tech"/>
+              </a:rPr>
+              <a:t>Endpoint permettant de consommé les données</a:t>
+            </a:r>
+            <a:endParaRPr sz="1600" dirty="0">
+              <a:solidFill>
+                <a:schemeClr val="dk1"/>
+              </a:solidFill>
+              <a:latin typeface="Share Tech"/>
+              <a:ea typeface="Share Tech"/>
+              <a:cs typeface="Share Tech"/>
+              <a:sym typeface="Share Tech"/>
+            </a:endParaRPr>
+          </a:p>
+        </p:txBody>
+      </p:sp>
+      <p:sp>
+        <p:nvSpPr>
+          <p:cNvPr id="76" name="Google Shape;1159;p39">
+            <a:extLst>
+              <a:ext uri="{FF2B5EF4-FFF2-40B4-BE49-F238E27FC236}">
+                <a16:creationId xmlns:a16="http://schemas.microsoft.com/office/drawing/2014/main" id="{65A85409-080D-A7BC-8F63-604E5E92BBDD}"/>
+              </a:ext>
+            </a:extLst>
+          </p:cNvPr>
+          <p:cNvSpPr txBox="1"/>
+          <p:nvPr/>
+        </p:nvSpPr>
+        <p:spPr>
+          <a:xfrm>
+            <a:off x="3305793" y="4059264"/>
+            <a:ext cx="1155811" cy="328638"/>
+          </a:xfrm>
+          <a:prstGeom prst="rect">
+            <a:avLst/>
+          </a:prstGeom>
+          <a:noFill/>
+          <a:ln>
+            <a:noFill/>
+          </a:ln>
+        </p:spPr>
+        <p:txBody>
+          <a:bodyPr spcFirstLastPara="1" wrap="square" lIns="91425" tIns="91425" rIns="91425" bIns="91425" anchor="b" anchorCtr="0">
+            <a:noAutofit/>
+          </a:bodyPr>
+          <a:lstStyle/>
+          <a:p>
+            <a:pPr marL="0" lvl="0" indent="0" algn="ctr" rtl="0">
+              <a:spcBef>
+                <a:spcPts val="0"/>
+              </a:spcBef>
+              <a:spcAft>
+                <a:spcPts val="0"/>
+              </a:spcAft>
+              <a:buNone/>
+            </a:pPr>
+            <a:r>
+              <a:rPr lang="fr-FR" sz="1200" dirty="0">
+                <a:solidFill>
+                  <a:schemeClr val="dk1"/>
+                </a:solidFill>
+                <a:latin typeface="Share Tech"/>
+                <a:ea typeface="Share Tech"/>
+                <a:cs typeface="Share Tech"/>
+                <a:sym typeface="Share Tech"/>
+              </a:rPr>
+              <a:t>HTTP </a:t>
+            </a:r>
+            <a:r>
+              <a:rPr lang="fr-FR" sz="1200" dirty="0" err="1">
+                <a:solidFill>
+                  <a:schemeClr val="dk1"/>
+                </a:solidFill>
+                <a:latin typeface="Share Tech"/>
+                <a:ea typeface="Share Tech"/>
+                <a:cs typeface="Share Tech"/>
+                <a:sym typeface="Share Tech"/>
+              </a:rPr>
+              <a:t>Request</a:t>
+            </a:r>
+            <a:endParaRPr sz="1200" dirty="0">
+              <a:solidFill>
+                <a:schemeClr val="dk1"/>
+              </a:solidFill>
+              <a:latin typeface="Share Tech"/>
+              <a:ea typeface="Share Tech"/>
+              <a:cs typeface="Share Tech"/>
+              <a:sym typeface="Share Tech"/>
+            </a:endParaRPr>
+          </a:p>
+        </p:txBody>
+      </p:sp>
+      <p:cxnSp>
+        <p:nvCxnSpPr>
+          <p:cNvPr id="82" name="Google Shape;1162;p39">
+            <a:extLst>
+              <a:ext uri="{FF2B5EF4-FFF2-40B4-BE49-F238E27FC236}">
+                <a16:creationId xmlns:a16="http://schemas.microsoft.com/office/drawing/2014/main" id="{460E29F4-2663-417D-1208-8769B3617868}"/>
+              </a:ext>
+            </a:extLst>
+          </p:cNvPr>
+          <p:cNvCxnSpPr>
+            <a:cxnSpLocks/>
+            <a:stCxn id="51" idx="2"/>
+          </p:cNvCxnSpPr>
+          <p:nvPr/>
+        </p:nvCxnSpPr>
+        <p:spPr>
+          <a:xfrm rot="5400000">
+            <a:off x="2924043" y="3253906"/>
+            <a:ext cx="828633" cy="726155"/>
+          </a:xfrm>
+          <a:prstGeom prst="bentConnector3">
+            <a:avLst>
+              <a:gd name="adj1" fmla="val 50000"/>
+            </a:avLst>
+          </a:prstGeom>
+          <a:noFill/>
+          <a:ln w="19050" cap="flat" cmpd="sng">
+            <a:solidFill>
+              <a:schemeClr val="lt2"/>
+            </a:solidFill>
+            <a:prstDash val="solid"/>
+            <a:round/>
+            <a:headEnd type="oval" w="med" len="med"/>
+            <a:tailEnd type="oval" w="med" len="med"/>
+          </a:ln>
+        </p:spPr>
+      </p:cxnSp>
+      <p:cxnSp>
+        <p:nvCxnSpPr>
+          <p:cNvPr id="83" name="Connecteur droit avec flèche 82">
+            <a:extLst>
+              <a:ext uri="{FF2B5EF4-FFF2-40B4-BE49-F238E27FC236}">
+                <a16:creationId xmlns:a16="http://schemas.microsoft.com/office/drawing/2014/main" id="{77CC7064-A9C4-6B6E-FC32-E11A7E6417B3}"/>
+              </a:ext>
+            </a:extLst>
+          </p:cNvPr>
+          <p:cNvCxnSpPr>
+            <a:cxnSpLocks/>
+            <a:stCxn id="68" idx="1"/>
+            <a:endCxn id="56" idx="3"/>
+          </p:cNvCxnSpPr>
+          <p:nvPr/>
+        </p:nvCxnSpPr>
+        <p:spPr>
+          <a:xfrm flipH="1" flipV="1">
+            <a:off x="2600994" y="4031300"/>
+            <a:ext cx="3608193" cy="4107"/>
+          </a:xfrm>
+          <a:prstGeom prst="straightConnector1">
+            <a:avLst/>
+          </a:prstGeom>
+          <a:ln w="19050">
+            <a:solidFill>
+              <a:schemeClr val="tx2"/>
+            </a:solidFill>
+            <a:headEnd type="triangle" w="med" len="med"/>
+            <a:tailEnd type="triangle" w="med" len="med"/>
+          </a:ln>
+        </p:spPr>
+        <p:style>
+          <a:lnRef idx="1">
+            <a:schemeClr val="accent1"/>
+          </a:lnRef>
+          <a:fillRef idx="0">
+            <a:schemeClr val="accent1"/>
+          </a:fillRef>
+          <a:effectRef idx="0">
+            <a:schemeClr val="accent1"/>
+          </a:effectRef>
+          <a:fontRef idx="minor">
+            <a:schemeClr val="tx1"/>
+          </a:fontRef>
+        </p:style>
+      </p:cxnSp>
+      <p:sp>
+        <p:nvSpPr>
+          <p:cNvPr id="88" name="Google Shape;1159;p39">
+            <a:extLst>
+              <a:ext uri="{FF2B5EF4-FFF2-40B4-BE49-F238E27FC236}">
+                <a16:creationId xmlns:a16="http://schemas.microsoft.com/office/drawing/2014/main" id="{0E7154A0-28E9-7C14-DD21-D60C0887562A}"/>
+              </a:ext>
+            </a:extLst>
+          </p:cNvPr>
+          <p:cNvSpPr txBox="1"/>
+          <p:nvPr/>
+        </p:nvSpPr>
+        <p:spPr>
+          <a:xfrm>
+            <a:off x="3048592" y="3308975"/>
+            <a:ext cx="579533" cy="330834"/>
+          </a:xfrm>
+          <a:prstGeom prst="rect">
+            <a:avLst/>
+          </a:prstGeom>
+          <a:noFill/>
+          <a:ln>
+            <a:noFill/>
+          </a:ln>
+        </p:spPr>
+        <p:txBody>
+          <a:bodyPr spcFirstLastPara="1" wrap="square" lIns="91425" tIns="91425" rIns="91425" bIns="91425" anchor="b" anchorCtr="0">
+            <a:noAutofit/>
+          </a:bodyPr>
+          <a:lstStyle/>
+          <a:p>
+            <a:pPr marL="0" lvl="0" indent="0" algn="ctr" rtl="0">
+              <a:spcBef>
+                <a:spcPts val="0"/>
+              </a:spcBef>
+              <a:spcAft>
+                <a:spcPts val="0"/>
+              </a:spcAft>
+              <a:buNone/>
+            </a:pPr>
+            <a:r>
+              <a:rPr lang="fr-FR" sz="1200" dirty="0">
+                <a:solidFill>
+                  <a:schemeClr val="dk1"/>
+                </a:solidFill>
+                <a:latin typeface="Share Tech"/>
+                <a:ea typeface="Share Tech"/>
+                <a:cs typeface="Share Tech"/>
+                <a:sym typeface="Share Tech"/>
+              </a:rPr>
+              <a:t>Token</a:t>
+            </a:r>
+            <a:endParaRPr sz="1200" dirty="0">
+              <a:solidFill>
+                <a:schemeClr val="dk1"/>
+              </a:solidFill>
+              <a:latin typeface="Share Tech"/>
+              <a:ea typeface="Share Tech"/>
+              <a:cs typeface="Share Tech"/>
+              <a:sym typeface="Share Tech"/>
+            </a:endParaRPr>
           </a:p>
         </p:txBody>
       </p:sp>
     </p:spTree>
     <p:extLst>
       <p:ext uri="{BB962C8B-B14F-4D97-AF65-F5344CB8AC3E}">
-        <p14:creationId xmlns:p14="http://schemas.microsoft.com/office/powerpoint/2010/main" val="284576024"/>
+        <p14:creationId xmlns:p14="http://schemas.microsoft.com/office/powerpoint/2010/main" val="1358310948"/>
+      </p:ext>
+    </p:extLst>
+  </p:cSld>
+  <p:clrMapOvr>
+    <a:masterClrMapping/>
+  </p:clrMapOvr>
+</p:sld>
+</file>
+
+<file path=ppt/slides/slide7.xml><?xml version="1.0" encoding="utf-8"?>
+<p:sld xmlns:a="http://schemas.openxmlformats.org/drawingml/2006/main" xmlns:r="http://schemas.openxmlformats.org/officeDocument/2006/relationships" xmlns:p="http://schemas.openxmlformats.org/presentationml/2006/main">
+  <p:cSld>
+    <p:spTree>
+      <p:nvGrpSpPr>
+        <p:cNvPr id="1" name="">
+          <a:extLst>
+            <a:ext uri="{FF2B5EF4-FFF2-40B4-BE49-F238E27FC236}">
+              <a16:creationId xmlns:a16="http://schemas.microsoft.com/office/drawing/2014/main" id="{A2A0EFB4-95C8-D417-AD28-149194FB49CB}"/>
+            </a:ext>
+          </a:extLst>
+        </p:cNvPr>
+        <p:cNvGrpSpPr/>
+        <p:nvPr/>
+      </p:nvGrpSpPr>
+      <p:grpSpPr>
+        <a:xfrm>
+          <a:off x="0" y="0"/>
+          <a:ext cx="0" cy="0"/>
+          <a:chOff x="0" y="0"/>
+          <a:chExt cx="0" cy="0"/>
+        </a:xfrm>
+      </p:grpSpPr>
+      <p:sp>
+        <p:nvSpPr>
+          <p:cNvPr id="2" name="Titre 1">
+            <a:extLst>
+              <a:ext uri="{FF2B5EF4-FFF2-40B4-BE49-F238E27FC236}">
+                <a16:creationId xmlns:a16="http://schemas.microsoft.com/office/drawing/2014/main" id="{67AF9C3D-B557-25AC-BDBF-84E8D0A5E5F5}"/>
+              </a:ext>
+            </a:extLst>
+          </p:cNvPr>
+          <p:cNvSpPr>
+            <a:spLocks noGrp="1"/>
+          </p:cNvSpPr>
+          <p:nvPr>
+            <p:ph type="title"/>
+          </p:nvPr>
+        </p:nvSpPr>
+        <p:spPr>
+          <a:xfrm>
+            <a:off x="716550" y="126396"/>
+            <a:ext cx="7710900" cy="572700"/>
+          </a:xfrm>
+        </p:spPr>
+        <p:txBody>
+          <a:bodyPr/>
+          <a:lstStyle/>
+          <a:p>
+            <a:r>
+              <a:rPr lang="fr-FR" dirty="0"/>
+              <a:t>API (Application </a:t>
+            </a:r>
+            <a:r>
+              <a:rPr lang="fr-FR" dirty="0" err="1"/>
+              <a:t>Programming</a:t>
+            </a:r>
+            <a:r>
+              <a:rPr lang="fr-FR" dirty="0"/>
+              <a:t> Interface)</a:t>
+            </a:r>
+            <a:br>
+              <a:rPr lang="fr-FR" dirty="0"/>
+            </a:br>
+            <a:endParaRPr lang="fr-FR" dirty="0"/>
+          </a:p>
+        </p:txBody>
+      </p:sp>
+      <p:pic>
+        <p:nvPicPr>
+          <p:cNvPr id="4" name="Image 3">
+            <a:extLst>
+              <a:ext uri="{FF2B5EF4-FFF2-40B4-BE49-F238E27FC236}">
+                <a16:creationId xmlns:a16="http://schemas.microsoft.com/office/drawing/2014/main" id="{2259C919-823F-D1BC-50FD-5DB6B7229298}"/>
+              </a:ext>
+            </a:extLst>
+          </p:cNvPr>
+          <p:cNvPicPr>
+            <a:picLocks noChangeAspect="1"/>
+          </p:cNvPicPr>
+          <p:nvPr/>
+        </p:nvPicPr>
+        <p:blipFill>
+          <a:blip r:embed="rId2"/>
+          <a:stretch>
+            <a:fillRect/>
+          </a:stretch>
+        </p:blipFill>
+        <p:spPr>
+          <a:xfrm>
+            <a:off x="1044914" y="2019306"/>
+            <a:ext cx="2978855" cy="1768573"/>
+          </a:xfrm>
+          <a:prstGeom prst="rect">
+            <a:avLst/>
+          </a:prstGeom>
+        </p:spPr>
+      </p:pic>
+      <p:pic>
+        <p:nvPicPr>
+          <p:cNvPr id="7" name="Image 6">
+            <a:extLst>
+              <a:ext uri="{FF2B5EF4-FFF2-40B4-BE49-F238E27FC236}">
+                <a16:creationId xmlns:a16="http://schemas.microsoft.com/office/drawing/2014/main" id="{21A29171-C4E3-8275-DCF0-BC4288EEFB0B}"/>
+              </a:ext>
+            </a:extLst>
+          </p:cNvPr>
+          <p:cNvPicPr>
+            <a:picLocks noChangeAspect="1"/>
+          </p:cNvPicPr>
+          <p:nvPr/>
+        </p:nvPicPr>
+        <p:blipFill>
+          <a:blip r:embed="rId3"/>
+          <a:stretch>
+            <a:fillRect/>
+          </a:stretch>
+        </p:blipFill>
+        <p:spPr>
+          <a:xfrm>
+            <a:off x="5839163" y="790082"/>
+            <a:ext cx="1100066" cy="4227022"/>
+          </a:xfrm>
+          <a:prstGeom prst="rect">
+            <a:avLst/>
+          </a:prstGeom>
+        </p:spPr>
+      </p:pic>
+    </p:spTree>
+    <p:extLst>
+      <p:ext uri="{BB962C8B-B14F-4D97-AF65-F5344CB8AC3E}">
+        <p14:creationId xmlns:p14="http://schemas.microsoft.com/office/powerpoint/2010/main" val="4199335423"/>
+      </p:ext>
+    </p:extLst>
+  </p:cSld>
+  <p:clrMapOvr>
+    <a:masterClrMapping/>
+  </p:clrMapOvr>
+</p:sld>
+</file>
+
+<file path=ppt/slides/slide8.xml><?xml version="1.0" encoding="utf-8"?>
+<p:sld xmlns:a="http://schemas.openxmlformats.org/drawingml/2006/main" xmlns:r="http://schemas.openxmlformats.org/officeDocument/2006/relationships" xmlns:p="http://schemas.openxmlformats.org/presentationml/2006/main">
+  <p:cSld>
+    <p:spTree>
+      <p:nvGrpSpPr>
+        <p:cNvPr id="1" name="">
+          <a:extLst>
+            <a:ext uri="{FF2B5EF4-FFF2-40B4-BE49-F238E27FC236}">
+              <a16:creationId xmlns:a16="http://schemas.microsoft.com/office/drawing/2014/main" id="{262CA727-3DF7-C232-7F2E-D44EDEEAE4AB}"/>
+            </a:ext>
+          </a:extLst>
+        </p:cNvPr>
+        <p:cNvGrpSpPr/>
+        <p:nvPr/>
+      </p:nvGrpSpPr>
+      <p:grpSpPr>
+        <a:xfrm>
+          <a:off x="0" y="0"/>
+          <a:ext cx="0" cy="0"/>
+          <a:chOff x="0" y="0"/>
+          <a:chExt cx="0" cy="0"/>
+        </a:xfrm>
+      </p:grpSpPr>
+      <p:sp>
+        <p:nvSpPr>
+          <p:cNvPr id="2" name="Titre 1">
+            <a:extLst>
+              <a:ext uri="{FF2B5EF4-FFF2-40B4-BE49-F238E27FC236}">
+                <a16:creationId xmlns:a16="http://schemas.microsoft.com/office/drawing/2014/main" id="{A93B33C8-8368-11FF-8DD4-72DEC092066B}"/>
+              </a:ext>
+            </a:extLst>
+          </p:cNvPr>
+          <p:cNvSpPr>
+            <a:spLocks noGrp="1"/>
+          </p:cNvSpPr>
+          <p:nvPr>
+            <p:ph type="title"/>
+          </p:nvPr>
+        </p:nvSpPr>
+        <p:spPr>
+          <a:xfrm>
+            <a:off x="716550" y="126396"/>
+            <a:ext cx="7710900" cy="572700"/>
+          </a:xfrm>
+        </p:spPr>
+        <p:txBody>
+          <a:bodyPr/>
+          <a:lstStyle/>
+          <a:p>
+            <a:r>
+              <a:rPr lang="fr-FR" dirty="0"/>
+              <a:t>API (Application </a:t>
+            </a:r>
+            <a:r>
+              <a:rPr lang="fr-FR" dirty="0" err="1"/>
+              <a:t>Programming</a:t>
+            </a:r>
+            <a:r>
+              <a:rPr lang="fr-FR" dirty="0"/>
+              <a:t> Interface)</a:t>
+            </a:r>
+            <a:br>
+              <a:rPr lang="fr-FR" dirty="0"/>
+            </a:br>
+            <a:endParaRPr lang="fr-FR" dirty="0"/>
+          </a:p>
+        </p:txBody>
+      </p:sp>
+      <p:pic>
+        <p:nvPicPr>
+          <p:cNvPr id="4" name="Image 3">
+            <a:extLst>
+              <a:ext uri="{FF2B5EF4-FFF2-40B4-BE49-F238E27FC236}">
+                <a16:creationId xmlns:a16="http://schemas.microsoft.com/office/drawing/2014/main" id="{25A7A6AD-3D20-9C7E-7ADA-D6F22DF97E95}"/>
+              </a:ext>
+            </a:extLst>
+          </p:cNvPr>
+          <p:cNvPicPr>
+            <a:picLocks noChangeAspect="1"/>
+          </p:cNvPicPr>
+          <p:nvPr/>
+        </p:nvPicPr>
+        <p:blipFill>
+          <a:blip r:embed="rId2"/>
+          <a:stretch>
+            <a:fillRect/>
+          </a:stretch>
+        </p:blipFill>
+        <p:spPr>
+          <a:xfrm>
+            <a:off x="1044914" y="2019306"/>
+            <a:ext cx="2978855" cy="1768573"/>
+          </a:xfrm>
+          <a:prstGeom prst="rect">
+            <a:avLst/>
+          </a:prstGeom>
+        </p:spPr>
+      </p:pic>
+      <p:pic>
+        <p:nvPicPr>
+          <p:cNvPr id="7" name="Image 6">
+            <a:extLst>
+              <a:ext uri="{FF2B5EF4-FFF2-40B4-BE49-F238E27FC236}">
+                <a16:creationId xmlns:a16="http://schemas.microsoft.com/office/drawing/2014/main" id="{A04343DA-D5CB-5E96-B105-2F66774274CC}"/>
+              </a:ext>
+            </a:extLst>
+          </p:cNvPr>
+          <p:cNvPicPr>
+            <a:picLocks noChangeAspect="1"/>
+          </p:cNvPicPr>
+          <p:nvPr/>
+        </p:nvPicPr>
+        <p:blipFill>
+          <a:blip r:embed="rId3"/>
+          <a:stretch>
+            <a:fillRect/>
+          </a:stretch>
+        </p:blipFill>
+        <p:spPr>
+          <a:xfrm>
+            <a:off x="5839163" y="790082"/>
+            <a:ext cx="1100066" cy="4227022"/>
+          </a:xfrm>
+          <a:prstGeom prst="rect">
+            <a:avLst/>
+          </a:prstGeom>
+        </p:spPr>
+      </p:pic>
+    </p:spTree>
+    <p:extLst>
+      <p:ext uri="{BB962C8B-B14F-4D97-AF65-F5344CB8AC3E}">
+        <p14:creationId xmlns:p14="http://schemas.microsoft.com/office/powerpoint/2010/main" val="2099190938"/>
+      </p:ext>
+    </p:extLst>
+  </p:cSld>
+  <p:clrMapOvr>
+    <a:masterClrMapping/>
+  </p:clrMapOvr>
+</p:sld>
+</file>
+
+<file path=ppt/slides/slide9.xml><?xml version="1.0" encoding="utf-8"?>
+<p:sld xmlns:a="http://schemas.openxmlformats.org/drawingml/2006/main" xmlns:r="http://schemas.openxmlformats.org/officeDocument/2006/relationships" xmlns:p="http://schemas.openxmlformats.org/presentationml/2006/main">
+  <p:cSld>
+    <p:spTree>
+      <p:nvGrpSpPr>
+        <p:cNvPr id="1" name="">
+          <a:extLst>
+            <a:ext uri="{FF2B5EF4-FFF2-40B4-BE49-F238E27FC236}">
+              <a16:creationId xmlns:a16="http://schemas.microsoft.com/office/drawing/2014/main" id="{08F0F22B-A3A1-19BB-5E8F-5C7C801D5BFF}"/>
+            </a:ext>
+          </a:extLst>
+        </p:cNvPr>
+        <p:cNvGrpSpPr/>
+        <p:nvPr/>
+      </p:nvGrpSpPr>
+      <p:grpSpPr>
+        <a:xfrm>
+          <a:off x="0" y="0"/>
+          <a:ext cx="0" cy="0"/>
+          <a:chOff x="0" y="0"/>
+          <a:chExt cx="0" cy="0"/>
+        </a:xfrm>
+      </p:grpSpPr>
+      <p:sp>
+        <p:nvSpPr>
+          <p:cNvPr id="2" name="Titre 1">
+            <a:extLst>
+              <a:ext uri="{FF2B5EF4-FFF2-40B4-BE49-F238E27FC236}">
+                <a16:creationId xmlns:a16="http://schemas.microsoft.com/office/drawing/2014/main" id="{3019F34C-F1AF-D5E2-90D5-74955419DE4F}"/>
+              </a:ext>
+            </a:extLst>
+          </p:cNvPr>
+          <p:cNvSpPr>
+            <a:spLocks noGrp="1"/>
+          </p:cNvSpPr>
+          <p:nvPr>
+            <p:ph type="title"/>
+          </p:nvPr>
+        </p:nvSpPr>
+        <p:spPr/>
+        <p:txBody>
+          <a:bodyPr/>
+          <a:lstStyle/>
+          <a:p>
+            <a:r>
+              <a:rPr lang="fr-FR" dirty="0"/>
+              <a:t>Application web</a:t>
+            </a:r>
+            <a:br>
+              <a:rPr lang="fr-FR" dirty="0"/>
+            </a:br>
+            <a:endParaRPr lang="fr-FR" dirty="0"/>
+          </a:p>
+        </p:txBody>
+      </p:sp>
+      <p:pic>
+        <p:nvPicPr>
+          <p:cNvPr id="4" name="Image 3">
+            <a:extLst>
+              <a:ext uri="{FF2B5EF4-FFF2-40B4-BE49-F238E27FC236}">
+                <a16:creationId xmlns:a16="http://schemas.microsoft.com/office/drawing/2014/main" id="{291A9DAF-95C3-011B-C877-D72D4C1B9C73}"/>
+              </a:ext>
+            </a:extLst>
+          </p:cNvPr>
+          <p:cNvPicPr>
+            <a:picLocks noChangeAspect="1"/>
+          </p:cNvPicPr>
+          <p:nvPr/>
+        </p:nvPicPr>
+        <p:blipFill>
+          <a:blip r:embed="rId2"/>
+          <a:stretch>
+            <a:fillRect/>
+          </a:stretch>
+        </p:blipFill>
+        <p:spPr>
+          <a:xfrm>
+            <a:off x="3320298" y="1214324"/>
+            <a:ext cx="2503404" cy="3356475"/>
+          </a:xfrm>
+          <a:prstGeom prst="rect">
+            <a:avLst/>
+          </a:prstGeom>
+        </p:spPr>
+      </p:pic>
+    </p:spTree>
+    <p:extLst>
+      <p:ext uri="{BB962C8B-B14F-4D97-AF65-F5344CB8AC3E}">
+        <p14:creationId xmlns:p14="http://schemas.microsoft.com/office/powerpoint/2010/main" val="1265896715"/>
       </p:ext>
     </p:extLst>
   </p:cSld>
@@ -16268,13 +22107,302 @@
 </a:theme>
 </file>
 
-<file path=customXml/item1.xml><?xml version="1.0" encoding="utf-8"?>
-<p:properties xmlns:p="http://schemas.microsoft.com/office/2006/metadata/properties" xmlns:xsi="http://www.w3.org/2001/XMLSchema-instance" xmlns:pc="http://schemas.microsoft.com/office/infopath/2007/PartnerControls">
-  <documentManagement/>
-</p:properties>
+<file path=ppt/theme/theme3.xml><?xml version="1.0" encoding="utf-8"?>
+<a:theme xmlns:a="http://schemas.openxmlformats.org/drawingml/2006/main" name="Thème Office">
+  <a:themeElements>
+    <a:clrScheme name="Office">
+      <a:dk1>
+        <a:sysClr val="windowText" lastClr="000000"/>
+      </a:dk1>
+      <a:lt1>
+        <a:sysClr val="window" lastClr="FFFFFF"/>
+      </a:lt1>
+      <a:dk2>
+        <a:srgbClr val="44546A"/>
+      </a:dk2>
+      <a:lt2>
+        <a:srgbClr val="E7E6E6"/>
+      </a:lt2>
+      <a:accent1>
+        <a:srgbClr val="4472C4"/>
+      </a:accent1>
+      <a:accent2>
+        <a:srgbClr val="ED7D31"/>
+      </a:accent2>
+      <a:accent3>
+        <a:srgbClr val="A5A5A5"/>
+      </a:accent3>
+      <a:accent4>
+        <a:srgbClr val="FFC000"/>
+      </a:accent4>
+      <a:accent5>
+        <a:srgbClr val="5B9BD5"/>
+      </a:accent5>
+      <a:accent6>
+        <a:srgbClr val="70AD47"/>
+      </a:accent6>
+      <a:hlink>
+        <a:srgbClr val="0563C1"/>
+      </a:hlink>
+      <a:folHlink>
+        <a:srgbClr val="954F72"/>
+      </a:folHlink>
+    </a:clrScheme>
+    <a:fontScheme name="Office">
+      <a:majorFont>
+        <a:latin typeface="Calibri Light" panose="020F0302020204030204"/>
+        <a:ea typeface=""/>
+        <a:cs typeface=""/>
+        <a:font script="Jpan" typeface="游ゴシック Light"/>
+        <a:font script="Hang" typeface="맑은 고딕"/>
+        <a:font script="Hans" typeface="等线 Light"/>
+        <a:font script="Hant" typeface="新細明體"/>
+        <a:font script="Arab" typeface="Times New Roman"/>
+        <a:font script="Hebr" typeface="Times New Roman"/>
+        <a:font script="Thai" typeface="Angsana New"/>
+        <a:font script="Ethi" typeface="Nyala"/>
+        <a:font script="Beng" typeface="Vrinda"/>
+        <a:font script="Gujr" typeface="Shruti"/>
+        <a:font script="Khmr" typeface="MoolBoran"/>
+        <a:font script="Knda" typeface="Tunga"/>
+        <a:font script="Guru" typeface="Raavi"/>
+        <a:font script="Cans" typeface="Euphemia"/>
+        <a:font script="Cher" typeface="Plantagenet Cherokee"/>
+        <a:font script="Yiii" typeface="Microsoft Yi Baiti"/>
+        <a:font script="Tibt" typeface="Microsoft Himalaya"/>
+        <a:font script="Thaa" typeface="MV Boli"/>
+        <a:font script="Deva" typeface="Mangal"/>
+        <a:font script="Telu" typeface="Gautami"/>
+        <a:font script="Taml" typeface="Latha"/>
+        <a:font script="Syrc" typeface="Estrangelo Edessa"/>
+        <a:font script="Orya" typeface="Kalinga"/>
+        <a:font script="Mlym" typeface="Kartika"/>
+        <a:font script="Laoo" typeface="DokChampa"/>
+        <a:font script="Sinh" typeface="Iskoola Pota"/>
+        <a:font script="Mong" typeface="Mongolian Baiti"/>
+        <a:font script="Viet" typeface="Times New Roman"/>
+        <a:font script="Uigh" typeface="Microsoft Uighur"/>
+        <a:font script="Geor" typeface="Sylfaen"/>
+        <a:font script="Armn" typeface="Arial"/>
+        <a:font script="Bugi" typeface="Leelawadee UI"/>
+        <a:font script="Bopo" typeface="Microsoft JhengHei"/>
+        <a:font script="Java" typeface="Javanese Text"/>
+        <a:font script="Lisu" typeface="Segoe UI"/>
+        <a:font script="Mymr" typeface="Myanmar Text"/>
+        <a:font script="Nkoo" typeface="Ebrima"/>
+        <a:font script="Olck" typeface="Nirmala UI"/>
+        <a:font script="Osma" typeface="Ebrima"/>
+        <a:font script="Phag" typeface="Phagspa"/>
+        <a:font script="Syrn" typeface="Estrangelo Edessa"/>
+        <a:font script="Syrj" typeface="Estrangelo Edessa"/>
+        <a:font script="Syre" typeface="Estrangelo Edessa"/>
+        <a:font script="Sora" typeface="Nirmala UI"/>
+        <a:font script="Tale" typeface="Microsoft Tai Le"/>
+        <a:font script="Talu" typeface="Microsoft New Tai Lue"/>
+        <a:font script="Tfng" typeface="Ebrima"/>
+      </a:majorFont>
+      <a:minorFont>
+        <a:latin typeface="Calibri" panose="020F0502020204030204"/>
+        <a:ea typeface=""/>
+        <a:cs typeface=""/>
+        <a:font script="Jpan" typeface="游ゴシック"/>
+        <a:font script="Hang" typeface="맑은 고딕"/>
+        <a:font script="Hans" typeface="等线"/>
+        <a:font script="Hant" typeface="新細明體"/>
+        <a:font script="Arab" typeface="Arial"/>
+        <a:font script="Hebr" typeface="Arial"/>
+        <a:font script="Thai" typeface="Cordia New"/>
+        <a:font script="Ethi" typeface="Nyala"/>
+        <a:font script="Beng" typeface="Vrinda"/>
+        <a:font script="Gujr" typeface="Shruti"/>
+        <a:font script="Khmr" typeface="DaunPenh"/>
+        <a:font script="Knda" typeface="Tunga"/>
+        <a:font script="Guru" typeface="Raavi"/>
+        <a:font script="Cans" typeface="Euphemia"/>
+        <a:font script="Cher" typeface="Plantagenet Cherokee"/>
+        <a:font script="Yiii" typeface="Microsoft Yi Baiti"/>
+        <a:font script="Tibt" typeface="Microsoft Himalaya"/>
+        <a:font script="Thaa" typeface="MV Boli"/>
+        <a:font script="Deva" typeface="Mangal"/>
+        <a:font script="Telu" typeface="Gautami"/>
+        <a:font script="Taml" typeface="Latha"/>
+        <a:font script="Syrc" typeface="Estrangelo Edessa"/>
+        <a:font script="Orya" typeface="Kalinga"/>
+        <a:font script="Mlym" typeface="Kartika"/>
+        <a:font script="Laoo" typeface="DokChampa"/>
+        <a:font script="Sinh" typeface="Iskoola Pota"/>
+        <a:font script="Mong" typeface="Mongolian Baiti"/>
+        <a:font script="Viet" typeface="Arial"/>
+        <a:font script="Uigh" typeface="Microsoft Uighur"/>
+        <a:font script="Geor" typeface="Sylfaen"/>
+        <a:font script="Armn" typeface="Arial"/>
+        <a:font script="Bugi" typeface="Leelawadee UI"/>
+        <a:font script="Bopo" typeface="Microsoft JhengHei"/>
+        <a:font script="Java" typeface="Javanese Text"/>
+        <a:font script="Lisu" typeface="Segoe UI"/>
+        <a:font script="Mymr" typeface="Myanmar Text"/>
+        <a:font script="Nkoo" typeface="Ebrima"/>
+        <a:font script="Olck" typeface="Nirmala UI"/>
+        <a:font script="Osma" typeface="Ebrima"/>
+        <a:font script="Phag" typeface="Phagspa"/>
+        <a:font script="Syrn" typeface="Estrangelo Edessa"/>
+        <a:font script="Syrj" typeface="Estrangelo Edessa"/>
+        <a:font script="Syre" typeface="Estrangelo Edessa"/>
+        <a:font script="Sora" typeface="Nirmala UI"/>
+        <a:font script="Tale" typeface="Microsoft Tai Le"/>
+        <a:font script="Talu" typeface="Microsoft New Tai Lue"/>
+        <a:font script="Tfng" typeface="Ebrima"/>
+      </a:minorFont>
+    </a:fontScheme>
+    <a:fmtScheme name="Office">
+      <a:fillStyleLst>
+        <a:solidFill>
+          <a:schemeClr val="phClr"/>
+        </a:solidFill>
+        <a:gradFill rotWithShape="1">
+          <a:gsLst>
+            <a:gs pos="0">
+              <a:schemeClr val="phClr">
+                <a:lumMod val="110000"/>
+                <a:satMod val="105000"/>
+                <a:tint val="67000"/>
+              </a:schemeClr>
+            </a:gs>
+            <a:gs pos="50000">
+              <a:schemeClr val="phClr">
+                <a:lumMod val="105000"/>
+                <a:satMod val="103000"/>
+                <a:tint val="73000"/>
+              </a:schemeClr>
+            </a:gs>
+            <a:gs pos="100000">
+              <a:schemeClr val="phClr">
+                <a:lumMod val="105000"/>
+                <a:satMod val="109000"/>
+                <a:tint val="81000"/>
+              </a:schemeClr>
+            </a:gs>
+          </a:gsLst>
+          <a:lin ang="5400000" scaled="0"/>
+        </a:gradFill>
+        <a:gradFill rotWithShape="1">
+          <a:gsLst>
+            <a:gs pos="0">
+              <a:schemeClr val="phClr">
+                <a:satMod val="103000"/>
+                <a:lumMod val="102000"/>
+                <a:tint val="94000"/>
+              </a:schemeClr>
+            </a:gs>
+            <a:gs pos="50000">
+              <a:schemeClr val="phClr">
+                <a:satMod val="110000"/>
+                <a:lumMod val="100000"/>
+                <a:shade val="100000"/>
+              </a:schemeClr>
+            </a:gs>
+            <a:gs pos="100000">
+              <a:schemeClr val="phClr">
+                <a:lumMod val="99000"/>
+                <a:satMod val="120000"/>
+                <a:shade val="78000"/>
+              </a:schemeClr>
+            </a:gs>
+          </a:gsLst>
+          <a:lin ang="5400000" scaled="0"/>
+        </a:gradFill>
+      </a:fillStyleLst>
+      <a:lnStyleLst>
+        <a:ln w="6350" cap="flat" cmpd="sng" algn="ctr">
+          <a:solidFill>
+            <a:schemeClr val="phClr"/>
+          </a:solidFill>
+          <a:prstDash val="solid"/>
+          <a:miter lim="800000"/>
+        </a:ln>
+        <a:ln w="12700" cap="flat" cmpd="sng" algn="ctr">
+          <a:solidFill>
+            <a:schemeClr val="phClr"/>
+          </a:solidFill>
+          <a:prstDash val="solid"/>
+          <a:miter lim="800000"/>
+        </a:ln>
+        <a:ln w="19050" cap="flat" cmpd="sng" algn="ctr">
+          <a:solidFill>
+            <a:schemeClr val="phClr"/>
+          </a:solidFill>
+          <a:prstDash val="solid"/>
+          <a:miter lim="800000"/>
+        </a:ln>
+      </a:lnStyleLst>
+      <a:effectStyleLst>
+        <a:effectStyle>
+          <a:effectLst/>
+        </a:effectStyle>
+        <a:effectStyle>
+          <a:effectLst/>
+        </a:effectStyle>
+        <a:effectStyle>
+          <a:effectLst>
+            <a:outerShdw blurRad="57150" dist="19050" dir="5400000" algn="ctr" rotWithShape="0">
+              <a:srgbClr val="000000">
+                <a:alpha val="63000"/>
+              </a:srgbClr>
+            </a:outerShdw>
+          </a:effectLst>
+        </a:effectStyle>
+      </a:effectStyleLst>
+      <a:bgFillStyleLst>
+        <a:solidFill>
+          <a:schemeClr val="phClr"/>
+        </a:solidFill>
+        <a:solidFill>
+          <a:schemeClr val="phClr">
+            <a:tint val="95000"/>
+            <a:satMod val="170000"/>
+          </a:schemeClr>
+        </a:solidFill>
+        <a:gradFill rotWithShape="1">
+          <a:gsLst>
+            <a:gs pos="0">
+              <a:schemeClr val="phClr">
+                <a:tint val="93000"/>
+                <a:satMod val="150000"/>
+                <a:shade val="98000"/>
+                <a:lumMod val="102000"/>
+              </a:schemeClr>
+            </a:gs>
+            <a:gs pos="50000">
+              <a:schemeClr val="phClr">
+                <a:tint val="98000"/>
+                <a:satMod val="130000"/>
+                <a:shade val="90000"/>
+                <a:lumMod val="103000"/>
+              </a:schemeClr>
+            </a:gs>
+            <a:gs pos="100000">
+              <a:schemeClr val="phClr">
+                <a:shade val="63000"/>
+                <a:satMod val="120000"/>
+              </a:schemeClr>
+            </a:gs>
+          </a:gsLst>
+          <a:lin ang="5400000" scaled="0"/>
+        </a:gradFill>
+      </a:bgFillStyleLst>
+    </a:fmtScheme>
+  </a:themeElements>
+  <a:objectDefaults/>
+  <a:extraClrSchemeLst/>
+  <a:extLst>
+    <a:ext uri="{05A4C25C-085E-4340-85A3-A5531E510DB2}">
+      <thm15:themeFamily xmlns:thm15="http://schemas.microsoft.com/office/thememl/2012/main" name="Office Theme" id="{62F939B6-93AF-4DB8-9C6B-D6C7DFDC589F}" vid="{4A3C46E8-61CC-4603-A589-7422A47A8E4A}"/>
+    </a:ext>
+  </a:extLst>
+</a:theme>
 </file>
 
-<file path=customXml/item2.xml><?xml version="1.0" encoding="utf-8"?>
+<file path=customXml/item1.xml><?xml version="1.0" encoding="utf-8"?>
 <?mso-contentType ?>
 <FormTemplates xmlns="http://schemas.microsoft.com/sharepoint/v3/contenttype/forms">
   <Display>DocumentLibraryForm</Display>
@@ -16283,7 +22411,7 @@
 </FormTemplates>
 </file>
 
-<file path=customXml/item3.xml><?xml version="1.0" encoding="utf-8"?>
+<file path=customXml/item2.xml><?xml version="1.0" encoding="utf-8"?>
 <ct:contentTypeSchema xmlns:ct="http://schemas.microsoft.com/office/2006/metadata/contentType" xmlns:ma="http://schemas.microsoft.com/office/2006/metadata/properties/metaAttributes" ct:_="" ma:_="" ma:contentTypeName="Document" ma:contentTypeID="0x0101008CEA7F8095A03344ABB714D5F8C794CE" ma:contentTypeVersion="8" ma:contentTypeDescription="Crée un document." ma:contentTypeScope="" ma:versionID="19ad794433a5a6f8f776704d78925295">
   <xsd:schema xmlns:xsd="http://www.w3.org/2001/XMLSchema" xmlns:xs="http://www.w3.org/2001/XMLSchema" xmlns:p="http://schemas.microsoft.com/office/2006/metadata/properties" xmlns:ns3="bb86211b-6858-4a67-bee9-3cc0c565fc01" xmlns:ns4="a4505148-1984-4b71-82bf-8ee338bb755e" targetNamespace="http://schemas.microsoft.com/office/2006/metadata/properties" ma:root="true" ma:fieldsID="0f739ac12f40b9d02b74301e2a60e0ec" ns3:_="" ns4:_="">
     <xsd:import namespace="bb86211b-6858-4a67-bee9-3cc0c565fc01"/>
@@ -16474,24 +22602,13 @@
 </ct:contentTypeSchema>
 </file>
 
-<file path=customXml/itemProps1.xml><?xml version="1.0" encoding="utf-8"?>
-<ds:datastoreItem xmlns:ds="http://schemas.openxmlformats.org/officeDocument/2006/customXml" ds:itemID="{97B0A5C4-F87A-4071-AE7B-E80DA40CE374}">
-  <ds:schemaRefs>
-    <ds:schemaRef ds:uri="a4505148-1984-4b71-82bf-8ee338bb755e"/>
-    <ds:schemaRef ds:uri="bb86211b-6858-4a67-bee9-3cc0c565fc01"/>
-    <ds:schemaRef ds:uri="http://purl.org/dc/dcmitype/"/>
-    <ds:schemaRef ds:uri="http://purl.org/dc/elements/1.1/"/>
-    <ds:schemaRef ds:uri="http://purl.org/dc/terms/"/>
-    <ds:schemaRef ds:uri="http://schemas.microsoft.com/office/2006/documentManagement/types"/>
-    <ds:schemaRef ds:uri="http://schemas.microsoft.com/office/2006/metadata/properties"/>
-    <ds:schemaRef ds:uri="http://schemas.microsoft.com/office/infopath/2007/PartnerControls"/>
-    <ds:schemaRef ds:uri="http://schemas.openxmlformats.org/package/2006/metadata/core-properties"/>
-    <ds:schemaRef ds:uri="http://www.w3.org/XML/1998/namespace"/>
-  </ds:schemaRefs>
-</ds:datastoreItem>
+<file path=customXml/item3.xml><?xml version="1.0" encoding="utf-8"?>
+<p:properties xmlns:p="http://schemas.microsoft.com/office/2006/metadata/properties" xmlns:xsi="http://www.w3.org/2001/XMLSchema-instance" xmlns:pc="http://schemas.microsoft.com/office/infopath/2007/PartnerControls">
+  <documentManagement/>
+</p:properties>
 </file>
 
-<file path=customXml/itemProps2.xml><?xml version="1.0" encoding="utf-8"?>
+<file path=customXml/itemProps1.xml><?xml version="1.0" encoding="utf-8"?>
 <ds:datastoreItem xmlns:ds="http://schemas.openxmlformats.org/officeDocument/2006/customXml" ds:itemID="{FABF05A6-EFD4-4AFB-BAA9-65A8EB6C8E2D}">
   <ds:schemaRefs>
     <ds:schemaRef ds:uri="http://schemas.microsoft.com/sharepoint/v3/contenttype/forms"/>
@@ -16499,7 +22616,7 @@
 </ds:datastoreItem>
 </file>
 
-<file path=customXml/itemProps3.xml><?xml version="1.0" encoding="utf-8"?>
+<file path=customXml/itemProps2.xml><?xml version="1.0" encoding="utf-8"?>
 <ds:datastoreItem xmlns:ds="http://schemas.openxmlformats.org/officeDocument/2006/customXml" ds:itemID="{4046F691-00C8-47A5-8C80-2E9093E8930C}">
   <ds:schemaRefs>
     <ds:schemaRef ds:uri="a4505148-1984-4b71-82bf-8ee338bb755e"/>
@@ -16516,4 +22633,21 @@
     <ds:schemaRef ds:uri="http://www.w3.org/2001/XMLSchema"/>
   </ds:schemaRefs>
 </ds:datastoreItem>
+</file>
+
+<file path=customXml/itemProps3.xml><?xml version="1.0" encoding="utf-8"?>
+<ds:datastoreItem xmlns:ds="http://schemas.openxmlformats.org/officeDocument/2006/customXml" ds:itemID="{97B0A5C4-F87A-4071-AE7B-E80DA40CE374}">
+  <ds:schemaRefs>
+    <ds:schemaRef ds:uri="a4505148-1984-4b71-82bf-8ee338bb755e"/>
+    <ds:schemaRef ds:uri="bb86211b-6858-4a67-bee9-3cc0c565fc01"/>
+    <ds:schemaRef ds:uri="http://purl.org/dc/dcmitype/"/>
+    <ds:schemaRef ds:uri="http://purl.org/dc/elements/1.1/"/>
+    <ds:schemaRef ds:uri="http://purl.org/dc/terms/"/>
+    <ds:schemaRef ds:uri="http://schemas.microsoft.com/office/2006/documentManagement/types"/>
+    <ds:schemaRef ds:uri="http://schemas.microsoft.com/office/2006/metadata/properties"/>
+    <ds:schemaRef ds:uri="http://schemas.microsoft.com/office/infopath/2007/PartnerControls"/>
+    <ds:schemaRef ds:uri="http://schemas.openxmlformats.org/package/2006/metadata/core-properties"/>
+    <ds:schemaRef ds:uri="http://www.w3.org/XML/1998/namespace"/>
+  </ds:schemaRefs>
+</ds:datastoreItem>
 </file>
--- a/Revue de projet/Diapo revue de projet.pptx
+++ b/Revue de projet/Diapo revue de projet.pptx
@@ -5,10 +5,10 @@
     <p:sldMasterId id="2147483659" r:id="rId4"/>
   </p:sldMasterIdLst>
   <p:notesMasterIdLst>
-    <p:notesMasterId r:id="rId20"/>
+    <p:notesMasterId r:id="rId21"/>
   </p:notesMasterIdLst>
   <p:handoutMasterIdLst>
-    <p:handoutMasterId r:id="rId21"/>
+    <p:handoutMasterId r:id="rId22"/>
   </p:handoutMasterIdLst>
   <p:sldIdLst>
     <p:sldId id="256" r:id="rId5"/>
@@ -18,36 +18,37 @@
     <p:sldId id="315" r:id="rId9"/>
     <p:sldId id="323" r:id="rId10"/>
     <p:sldId id="322" r:id="rId11"/>
-    <p:sldId id="324" r:id="rId12"/>
-    <p:sldId id="321" r:id="rId13"/>
-    <p:sldId id="316" r:id="rId14"/>
-    <p:sldId id="317" r:id="rId15"/>
-    <p:sldId id="318" r:id="rId16"/>
-    <p:sldId id="319" r:id="rId17"/>
-    <p:sldId id="308" r:id="rId18"/>
-    <p:sldId id="313" r:id="rId19"/>
+    <p:sldId id="326" r:id="rId12"/>
+    <p:sldId id="324" r:id="rId13"/>
+    <p:sldId id="321" r:id="rId14"/>
+    <p:sldId id="316" r:id="rId15"/>
+    <p:sldId id="317" r:id="rId16"/>
+    <p:sldId id="318" r:id="rId17"/>
+    <p:sldId id="319" r:id="rId18"/>
+    <p:sldId id="308" r:id="rId19"/>
+    <p:sldId id="313" r:id="rId20"/>
   </p:sldIdLst>
   <p:sldSz cx="9144000" cy="5143500" type="screen16x9"/>
   <p:notesSz cx="6858000" cy="9144000"/>
   <p:embeddedFontLst>
     <p:embeddedFont>
       <p:font typeface="Maven Pro" panose="020B0604020202020204" charset="0"/>
-      <p:regular r:id="rId22"/>
-      <p:bold r:id="rId23"/>
+      <p:regular r:id="rId23"/>
+      <p:bold r:id="rId24"/>
     </p:embeddedFont>
     <p:embeddedFont>
       <p:font typeface="Nunito Light" pitchFamily="2" charset="0"/>
-      <p:regular r:id="rId24"/>
-      <p:italic r:id="rId25"/>
+      <p:regular r:id="rId25"/>
+      <p:italic r:id="rId26"/>
     </p:embeddedFont>
     <p:embeddedFont>
       <p:font typeface="Roboto Condensed Light" panose="02000000000000000000" pitchFamily="2" charset="0"/>
-      <p:regular r:id="rId26"/>
-      <p:italic r:id="rId27"/>
+      <p:regular r:id="rId27"/>
+      <p:italic r:id="rId28"/>
     </p:embeddedFont>
     <p:embeddedFont>
       <p:font typeface="Share Tech" panose="020B0604020202020204" charset="0"/>
-      <p:regular r:id="rId28"/>
+      <p:regular r:id="rId29"/>
     </p:embeddedFont>
   </p:embeddedFontLst>
   <p:defaultTextStyle>
@@ -394,7 +395,7 @@
           <a:p>
             <a:fld id="{1177AD86-A677-4E33-B4C2-8C9F15FBF2CD}" type="datetimeFigureOut">
               <a:rPr lang="fr-FR" smtClean="0"/>
-              <a:t>11/02/2024</a:t>
+              <a:t>12/02/2024</a:t>
             </a:fld>
             <a:endParaRPr lang="fr-FR"/>
           </a:p>
@@ -13959,6 +13960,104 @@
         <p:cNvPr id="1" name="">
           <a:extLst>
             <a:ext uri="{FF2B5EF4-FFF2-40B4-BE49-F238E27FC236}">
+              <a16:creationId xmlns:a16="http://schemas.microsoft.com/office/drawing/2014/main" id="{08F0F22B-A3A1-19BB-5E8F-5C7C801D5BFF}"/>
+            </a:ext>
+          </a:extLst>
+        </p:cNvPr>
+        <p:cNvGrpSpPr/>
+        <p:nvPr/>
+      </p:nvGrpSpPr>
+      <p:grpSpPr>
+        <a:xfrm>
+          <a:off x="0" y="0"/>
+          <a:ext cx="0" cy="0"/>
+          <a:chOff x="0" y="0"/>
+          <a:chExt cx="0" cy="0"/>
+        </a:xfrm>
+      </p:grpSpPr>
+      <p:sp>
+        <p:nvSpPr>
+          <p:cNvPr id="2" name="Titre 1">
+            <a:extLst>
+              <a:ext uri="{FF2B5EF4-FFF2-40B4-BE49-F238E27FC236}">
+                <a16:creationId xmlns:a16="http://schemas.microsoft.com/office/drawing/2014/main" id="{3019F34C-F1AF-D5E2-90D5-74955419DE4F}"/>
+              </a:ext>
+            </a:extLst>
+          </p:cNvPr>
+          <p:cNvSpPr>
+            <a:spLocks noGrp="1"/>
+          </p:cNvSpPr>
+          <p:nvPr>
+            <p:ph type="title"/>
+          </p:nvPr>
+        </p:nvSpPr>
+        <p:spPr/>
+        <p:txBody>
+          <a:bodyPr/>
+          <a:lstStyle/>
+          <a:p>
+            <a:r>
+              <a:rPr lang="fr-FR" dirty="0"/>
+              <a:t>Application web</a:t>
+            </a:r>
+            <a:br>
+              <a:rPr lang="fr-FR" dirty="0"/>
+            </a:br>
+            <a:endParaRPr lang="fr-FR" dirty="0"/>
+          </a:p>
+        </p:txBody>
+      </p:sp>
+      <p:pic>
+        <p:nvPicPr>
+          <p:cNvPr id="4" name="Image 3">
+            <a:extLst>
+              <a:ext uri="{FF2B5EF4-FFF2-40B4-BE49-F238E27FC236}">
+                <a16:creationId xmlns:a16="http://schemas.microsoft.com/office/drawing/2014/main" id="{291A9DAF-95C3-011B-C877-D72D4C1B9C73}"/>
+              </a:ext>
+            </a:extLst>
+          </p:cNvPr>
+          <p:cNvPicPr>
+            <a:picLocks noChangeAspect="1"/>
+          </p:cNvPicPr>
+          <p:nvPr/>
+        </p:nvPicPr>
+        <p:blipFill>
+          <a:blip r:embed="rId2"/>
+          <a:stretch>
+            <a:fillRect/>
+          </a:stretch>
+        </p:blipFill>
+        <p:spPr>
+          <a:xfrm>
+            <a:off x="3320298" y="1214324"/>
+            <a:ext cx="2503404" cy="3356475"/>
+          </a:xfrm>
+          <a:prstGeom prst="rect">
+            <a:avLst/>
+          </a:prstGeom>
+        </p:spPr>
+      </p:pic>
+    </p:spTree>
+    <p:extLst>
+      <p:ext uri="{BB962C8B-B14F-4D97-AF65-F5344CB8AC3E}">
+        <p14:creationId xmlns:p14="http://schemas.microsoft.com/office/powerpoint/2010/main" val="1265896715"/>
+      </p:ext>
+    </p:extLst>
+  </p:cSld>
+  <p:clrMapOvr>
+    <a:masterClrMapping/>
+  </p:clrMapOvr>
+</p:sld>
+</file>
+
+<file path=ppt/slides/slide11.xml><?xml version="1.0" encoding="utf-8"?>
+<p:sld xmlns:a="http://schemas.openxmlformats.org/drawingml/2006/main" xmlns:r="http://schemas.openxmlformats.org/officeDocument/2006/relationships" xmlns:p="http://schemas.openxmlformats.org/presentationml/2006/main">
+  <p:cSld>
+    <p:spTree>
+      <p:nvGrpSpPr>
+        <p:cNvPr id="1" name="">
+          <a:extLst>
+            <a:ext uri="{FF2B5EF4-FFF2-40B4-BE49-F238E27FC236}">
               <a16:creationId xmlns:a16="http://schemas.microsoft.com/office/drawing/2014/main" id="{FE6E1A45-E070-1E29-0921-DF82A8DBB38C}"/>
             </a:ext>
           </a:extLst>
@@ -14049,7 +14148,7 @@
 </p:sld>
 </file>
 
-<file path=ppt/slides/slide11.xml><?xml version="1.0" encoding="utf-8"?>
+<file path=ppt/slides/slide12.xml><?xml version="1.0" encoding="utf-8"?>
 <p:sld xmlns:a="http://schemas.openxmlformats.org/drawingml/2006/main" xmlns:r="http://schemas.openxmlformats.org/officeDocument/2006/relationships" xmlns:p="http://schemas.openxmlformats.org/presentationml/2006/main">
   <p:cSld>
     <p:spTree>
@@ -14147,7 +14246,7 @@
 </p:sld>
 </file>
 
-<file path=ppt/slides/slide12.xml><?xml version="1.0" encoding="utf-8"?>
+<file path=ppt/slides/slide13.xml><?xml version="1.0" encoding="utf-8"?>
 <p:sld xmlns:a="http://schemas.openxmlformats.org/drawingml/2006/main" xmlns:r="http://schemas.openxmlformats.org/officeDocument/2006/relationships" xmlns:p="http://schemas.openxmlformats.org/presentationml/2006/main">
   <p:cSld>
     <p:spTree>
@@ -14245,7 +14344,7 @@
 </p:sld>
 </file>
 
-<file path=ppt/slides/slide13.xml><?xml version="1.0" encoding="utf-8"?>
+<file path=ppt/slides/slide14.xml><?xml version="1.0" encoding="utf-8"?>
 <p:sld xmlns:a="http://schemas.openxmlformats.org/drawingml/2006/main" xmlns:r="http://schemas.openxmlformats.org/officeDocument/2006/relationships" xmlns:p="http://schemas.openxmlformats.org/presentationml/2006/main">
   <p:cSld>
     <p:spTree>
@@ -14343,7 +14442,7 @@
 </p:sld>
 </file>
 
-<file path=ppt/slides/slide14.xml><?xml version="1.0" encoding="utf-8"?>
+<file path=ppt/slides/slide15.xml><?xml version="1.0" encoding="utf-8"?>
 <p:sld xmlns:a="http://schemas.openxmlformats.org/drawingml/2006/main" xmlns:r="http://schemas.openxmlformats.org/officeDocument/2006/relationships" xmlns:p="http://schemas.openxmlformats.org/presentationml/2006/main">
   <p:cSld>
     <p:spTree>
@@ -15591,7 +15690,7 @@
 </p:sld>
 </file>
 
-<file path=ppt/slides/slide15.xml><?xml version="1.0" encoding="utf-8"?>
+<file path=ppt/slides/slide16.xml><?xml version="1.0" encoding="utf-8"?>
 <p:sld xmlns:a="http://schemas.openxmlformats.org/drawingml/2006/main" xmlns:r="http://schemas.openxmlformats.org/officeDocument/2006/relationships" xmlns:p="http://schemas.openxmlformats.org/presentationml/2006/main">
   <p:cSld>
     <p:spTree>
@@ -20541,31 +20640,7 @@
                 <a:cs typeface="Share Tech"/>
                 <a:sym typeface="Share Tech"/>
               </a:rPr>
-              <a:t>HTTP </a:t>
-            </a:r>
-            <a:r>
-              <a:rPr lang="fr-FR" sz="1200" dirty="0" err="1">
-                <a:solidFill>
-                  <a:schemeClr val="dk1"/>
-                </a:solidFill>
-                <a:latin typeface="Share Tech"/>
-                <a:ea typeface="Share Tech"/>
-                <a:cs typeface="Share Tech"/>
-                <a:sym typeface="Share Tech"/>
-              </a:rPr>
-              <a:t>Request</a:t>
-            </a:r>
-            <a:r>
-              <a:rPr lang="fr-FR" sz="1200" dirty="0">
-                <a:solidFill>
-                  <a:schemeClr val="dk1"/>
-                </a:solidFill>
-                <a:latin typeface="Share Tech"/>
-                <a:ea typeface="Share Tech"/>
-                <a:cs typeface="Share Tech"/>
-                <a:sym typeface="Share Tech"/>
-              </a:rPr>
-              <a:t> + ID/Password</a:t>
+              <a:t>HTTP Request + ID/Password</a:t>
             </a:r>
             <a:endParaRPr sz="1200" dirty="0">
               <a:solidFill>
@@ -20819,31 +20894,7 @@
                 <a:cs typeface="Share Tech"/>
                 <a:sym typeface="Share Tech"/>
               </a:rPr>
-              <a:t>Token/</a:t>
-            </a:r>
-            <a:r>
-              <a:rPr lang="fr-FR" sz="1200" dirty="0" err="1">
-                <a:solidFill>
-                  <a:schemeClr val="dk1"/>
-                </a:solidFill>
-                <a:latin typeface="Share Tech"/>
-                <a:ea typeface="Share Tech"/>
-                <a:cs typeface="Share Tech"/>
-                <a:sym typeface="Share Tech"/>
-              </a:rPr>
-              <a:t>Refresh</a:t>
-            </a:r>
-            <a:r>
-              <a:rPr lang="fr-FR" sz="1200" dirty="0">
-                <a:solidFill>
-                  <a:schemeClr val="dk1"/>
-                </a:solidFill>
-                <a:latin typeface="Share Tech"/>
-                <a:ea typeface="Share Tech"/>
-                <a:cs typeface="Share Tech"/>
-                <a:sym typeface="Share Tech"/>
-              </a:rPr>
-              <a:t> Token</a:t>
+              <a:t>Token/Refresh Token</a:t>
             </a:r>
             <a:endParaRPr sz="1200" dirty="0">
               <a:solidFill>
@@ -20978,19 +21029,7 @@
                 <a:cs typeface="Share Tech"/>
                 <a:sym typeface="Share Tech"/>
               </a:rPr>
-              <a:t>HTTP </a:t>
-            </a:r>
-            <a:r>
-              <a:rPr lang="fr-FR" sz="1200" dirty="0" err="1">
-                <a:solidFill>
-                  <a:schemeClr val="dk1"/>
-                </a:solidFill>
-                <a:latin typeface="Share Tech"/>
-                <a:ea typeface="Share Tech"/>
-                <a:cs typeface="Share Tech"/>
-                <a:sym typeface="Share Tech"/>
-              </a:rPr>
-              <a:t>Request</a:t>
+              <a:t>HTTP Request</a:t>
             </a:r>
             <a:endParaRPr sz="1200" dirty="0">
               <a:solidFill>
@@ -21216,15 +21255,7 @@
           <a:p>
             <a:r>
               <a:rPr lang="fr-FR" dirty="0"/>
-              <a:t>API (Application </a:t>
-            </a:r>
-            <a:r>
-              <a:rPr lang="fr-FR" dirty="0" err="1"/>
-              <a:t>Programming</a:t>
-            </a:r>
-            <a:r>
-              <a:rPr lang="fr-FR" dirty="0"/>
-              <a:t> Interface)</a:t>
+              <a:t>Base de données</a:t>
             </a:r>
             <a:br>
               <a:rPr lang="fr-FR" dirty="0"/>
@@ -21233,66 +21264,525 @@
           </a:p>
         </p:txBody>
       </p:sp>
-      <p:pic>
-        <p:nvPicPr>
-          <p:cNvPr id="4" name="Image 3">
+      <p:graphicFrame>
+        <p:nvGraphicFramePr>
+          <p:cNvPr id="3" name="Tableau 2">
             <a:extLst>
               <a:ext uri="{FF2B5EF4-FFF2-40B4-BE49-F238E27FC236}">
-                <a16:creationId xmlns:a16="http://schemas.microsoft.com/office/drawing/2014/main" id="{2259C919-823F-D1BC-50FD-5DB6B7229298}"/>
+                <a16:creationId xmlns:a16="http://schemas.microsoft.com/office/drawing/2014/main" id="{085F5386-1375-A2F0-2940-EDA06A1B4CB7}"/>
               </a:ext>
             </a:extLst>
           </p:cNvPr>
-          <p:cNvPicPr>
-            <a:picLocks noChangeAspect="1"/>
-          </p:cNvPicPr>
+          <p:cNvGraphicFramePr>
+            <a:graphicFrameLocks noGrp="1"/>
+          </p:cNvGraphicFramePr>
+          <p:nvPr>
+            <p:extLst>
+              <p:ext uri="{D42A27DB-BD31-4B8C-83A1-F6EECF244321}">
+                <p14:modId xmlns:p14="http://schemas.microsoft.com/office/powerpoint/2010/main" val="2868310207"/>
+              </p:ext>
+            </p:extLst>
+          </p:nvPr>
+        </p:nvGraphicFramePr>
+        <p:xfrm>
+          <a:off x="447403" y="1863440"/>
+          <a:ext cx="1979023" cy="2115094"/>
+        </p:xfrm>
+        <a:graphic>
+          <a:graphicData uri="http://schemas.openxmlformats.org/drawingml/2006/table">
+            <a:tbl>
+              <a:tblPr firstRow="1" bandRow="1">
+                <a:tableStyleId>{8FD4443E-F989-4FC4-A0C8-D5A2AF1F390B}</a:tableStyleId>
+              </a:tblPr>
+              <a:tblGrid>
+                <a:gridCol w="1979023">
+                  <a:extLst>
+                    <a:ext uri="{9D8B030D-6E8A-4147-A177-3AD203B41FA5}">
+                      <a16:colId xmlns:a16="http://schemas.microsoft.com/office/drawing/2014/main" val="1632321074"/>
+                    </a:ext>
+                  </a:extLst>
+                </a:gridCol>
+              </a:tblGrid>
+              <a:tr h="316774">
+                <a:tc>
+                  <a:txBody>
+                    <a:bodyPr/>
+                    <a:lstStyle/>
+                    <a:p>
+                      <a:pPr algn="ctr"/>
+                      <a:r>
+                        <a:rPr lang="fr-FR" dirty="0"/>
+                        <a:t>zones</a:t>
+                      </a:r>
+                    </a:p>
+                  </a:txBody>
+                  <a:tcPr/>
+                </a:tc>
+                <a:extLst>
+                  <a:ext uri="{0D108BD9-81ED-4DB2-BD59-A6C34878D82A}">
+                    <a16:rowId xmlns:a16="http://schemas.microsoft.com/office/drawing/2014/main" val="3599933484"/>
+                  </a:ext>
+                </a:extLst>
+              </a:tr>
+              <a:tr h="1276900">
+                <a:tc>
+                  <a:txBody>
+                    <a:bodyPr/>
+                    <a:lstStyle/>
+                    <a:p>
+                      <a:r>
+                        <a:rPr lang="fr-FR" dirty="0"/>
+                        <a:t>Id : INTEGER</a:t>
+                      </a:r>
+                    </a:p>
+                    <a:p>
+                      <a:r>
+                        <a:rPr lang="fr-FR" dirty="0"/>
+                        <a:t>X : INTEGER</a:t>
+                      </a:r>
+                    </a:p>
+                    <a:p>
+                      <a:r>
+                        <a:rPr lang="fr-FR" dirty="0"/>
+                        <a:t>Y : INTEGER</a:t>
+                      </a:r>
+                    </a:p>
+                    <a:p>
+                      <a:r>
+                        <a:rPr lang="fr-FR" dirty="0"/>
+                        <a:t>Width : INTEGER</a:t>
+                      </a:r>
+                    </a:p>
+                    <a:p>
+                      <a:r>
+                        <a:rPr lang="fr-FR" dirty="0"/>
+                        <a:t>Height : INTEGER</a:t>
+                      </a:r>
+                    </a:p>
+                    <a:p>
+                      <a:r>
+                        <a:rPr lang="fr-FR" dirty="0"/>
+                        <a:t>Nbline : INTEGER</a:t>
+                      </a:r>
+                    </a:p>
+                    <a:p>
+                      <a:r>
+                        <a:rPr lang="fr-FR" dirty="0"/>
+                        <a:t>Nbcolumn : INTEGER</a:t>
+                      </a:r>
+                    </a:p>
+                    <a:p>
+                      <a:r>
+                        <a:rPr lang="fr-FR" dirty="0"/>
+                        <a:t>Name :TEXT</a:t>
+                      </a:r>
+                    </a:p>
+                  </a:txBody>
+                  <a:tcPr/>
+                </a:tc>
+                <a:extLst>
+                  <a:ext uri="{0D108BD9-81ED-4DB2-BD59-A6C34878D82A}">
+                    <a16:rowId xmlns:a16="http://schemas.microsoft.com/office/drawing/2014/main" val="3841387755"/>
+                  </a:ext>
+                </a:extLst>
+              </a:tr>
+            </a:tbl>
+          </a:graphicData>
+        </a:graphic>
+      </p:graphicFrame>
+      <p:graphicFrame>
+        <p:nvGraphicFramePr>
+          <p:cNvPr id="5" name="Tableau 4">
+            <a:extLst>
+              <a:ext uri="{FF2B5EF4-FFF2-40B4-BE49-F238E27FC236}">
+                <a16:creationId xmlns:a16="http://schemas.microsoft.com/office/drawing/2014/main" id="{AACE7418-E236-893C-2831-ED81AD7F0EA3}"/>
+              </a:ext>
+            </a:extLst>
+          </p:cNvPr>
+          <p:cNvGraphicFramePr>
+            <a:graphicFrameLocks/>
+          </p:cNvGraphicFramePr>
+          <p:nvPr>
+            <p:extLst>
+              <p:ext uri="{D42A27DB-BD31-4B8C-83A1-F6EECF244321}">
+                <p14:modId xmlns:p14="http://schemas.microsoft.com/office/powerpoint/2010/main" val="2282798606"/>
+              </p:ext>
+            </p:extLst>
+          </p:nvPr>
+        </p:nvGraphicFramePr>
+        <p:xfrm>
+          <a:off x="3734888" y="1009106"/>
+          <a:ext cx="1674223" cy="1249680"/>
+        </p:xfrm>
+        <a:graphic>
+          <a:graphicData uri="http://schemas.openxmlformats.org/drawingml/2006/table">
+            <a:tbl>
+              <a:tblPr firstRow="1" bandRow="1">
+                <a:tableStyleId>{8FD4443E-F989-4FC4-A0C8-D5A2AF1F390B}</a:tableStyleId>
+              </a:tblPr>
+              <a:tblGrid>
+                <a:gridCol w="1674223">
+                  <a:extLst>
+                    <a:ext uri="{9D8B030D-6E8A-4147-A177-3AD203B41FA5}">
+                      <a16:colId xmlns:a16="http://schemas.microsoft.com/office/drawing/2014/main" val="1632321074"/>
+                    </a:ext>
+                  </a:extLst>
+                </a:gridCol>
+              </a:tblGrid>
+              <a:tr h="282918">
+                <a:tc>
+                  <a:txBody>
+                    <a:bodyPr/>
+                    <a:lstStyle/>
+                    <a:p>
+                      <a:pPr algn="ctr"/>
+                      <a:r>
+                        <a:rPr lang="fr-FR" dirty="0"/>
+                        <a:t>Users</a:t>
+                      </a:r>
+                    </a:p>
+                  </a:txBody>
+                  <a:tcPr/>
+                </a:tc>
+                <a:extLst>
+                  <a:ext uri="{0D108BD9-81ED-4DB2-BD59-A6C34878D82A}">
+                    <a16:rowId xmlns:a16="http://schemas.microsoft.com/office/drawing/2014/main" val="3599933484"/>
+                  </a:ext>
+                </a:extLst>
+              </a:tr>
+              <a:tr h="938459">
+                <a:tc>
+                  <a:txBody>
+                    <a:bodyPr/>
+                    <a:lstStyle/>
+                    <a:p>
+                      <a:r>
+                        <a:rPr lang="fr-FR" dirty="0"/>
+                        <a:t>Id : INTEGER</a:t>
+                      </a:r>
+                    </a:p>
+                    <a:p>
+                      <a:r>
+                        <a:rPr lang="fr-FR" dirty="0"/>
+                        <a:t>Username : TEXT</a:t>
+                      </a:r>
+                    </a:p>
+                    <a:p>
+                      <a:r>
+                        <a:rPr lang="fr-FR" dirty="0"/>
+                        <a:t>Password : TEXT</a:t>
+                      </a:r>
+                    </a:p>
+                    <a:p>
+                      <a:r>
+                        <a:rPr lang="fr-FR" dirty="0"/>
+                        <a:t>Role_id :INTEGER</a:t>
+                      </a:r>
+                    </a:p>
+                  </a:txBody>
+                  <a:tcPr/>
+                </a:tc>
+                <a:extLst>
+                  <a:ext uri="{0D108BD9-81ED-4DB2-BD59-A6C34878D82A}">
+                    <a16:rowId xmlns:a16="http://schemas.microsoft.com/office/drawing/2014/main" val="3841387755"/>
+                  </a:ext>
+                </a:extLst>
+              </a:tr>
+            </a:tbl>
+          </a:graphicData>
+        </a:graphic>
+      </p:graphicFrame>
+      <p:graphicFrame>
+        <p:nvGraphicFramePr>
+          <p:cNvPr id="6" name="Tableau 5">
+            <a:extLst>
+              <a:ext uri="{FF2B5EF4-FFF2-40B4-BE49-F238E27FC236}">
+                <a16:creationId xmlns:a16="http://schemas.microsoft.com/office/drawing/2014/main" id="{078182D6-6DFD-6979-82EB-C451BBD54EF1}"/>
+              </a:ext>
+            </a:extLst>
+          </p:cNvPr>
+          <p:cNvGraphicFramePr>
+            <a:graphicFrameLocks noGrp="1"/>
+          </p:cNvGraphicFramePr>
+          <p:nvPr>
+            <p:extLst>
+              <p:ext uri="{D42A27DB-BD31-4B8C-83A1-F6EECF244321}">
+                <p14:modId xmlns:p14="http://schemas.microsoft.com/office/powerpoint/2010/main" val="918017450"/>
+              </p:ext>
+            </p:extLst>
+          </p:nvPr>
+        </p:nvGraphicFramePr>
+        <p:xfrm>
+          <a:off x="7112726" y="2489563"/>
+          <a:ext cx="1583871" cy="862848"/>
+        </p:xfrm>
+        <a:graphic>
+          <a:graphicData uri="http://schemas.openxmlformats.org/drawingml/2006/table">
+            <a:tbl>
+              <a:tblPr firstRow="1" bandRow="1">
+                <a:tableStyleId>{8FD4443E-F989-4FC4-A0C8-D5A2AF1F390B}</a:tableStyleId>
+              </a:tblPr>
+              <a:tblGrid>
+                <a:gridCol w="1583871">
+                  <a:extLst>
+                    <a:ext uri="{9D8B030D-6E8A-4147-A177-3AD203B41FA5}">
+                      <a16:colId xmlns:a16="http://schemas.microsoft.com/office/drawing/2014/main" val="1632321074"/>
+                    </a:ext>
+                  </a:extLst>
+                </a:gridCol>
+              </a:tblGrid>
+              <a:tr h="269267">
+                <a:tc>
+                  <a:txBody>
+                    <a:bodyPr/>
+                    <a:lstStyle/>
+                    <a:p>
+                      <a:pPr algn="ctr"/>
+                      <a:r>
+                        <a:rPr lang="fr-FR" dirty="0"/>
+                        <a:t>revoked_tokens</a:t>
+                      </a:r>
+                    </a:p>
+                  </a:txBody>
+                  <a:tcPr/>
+                </a:tc>
+                <a:extLst>
+                  <a:ext uri="{0D108BD9-81ED-4DB2-BD59-A6C34878D82A}">
+                    <a16:rowId xmlns:a16="http://schemas.microsoft.com/office/drawing/2014/main" val="3599933484"/>
+                  </a:ext>
+                </a:extLst>
+              </a:tr>
+              <a:tr h="558048">
+                <a:tc>
+                  <a:txBody>
+                    <a:bodyPr/>
+                    <a:lstStyle/>
+                    <a:p>
+                      <a:r>
+                        <a:rPr lang="fr-FR" dirty="0"/>
+                        <a:t>Id : INTEGER</a:t>
+                      </a:r>
+                    </a:p>
+                    <a:p>
+                      <a:r>
+                        <a:rPr lang="fr-FR" dirty="0"/>
+                        <a:t>Token : TEXT</a:t>
+                      </a:r>
+                    </a:p>
+                  </a:txBody>
+                  <a:tcPr/>
+                </a:tc>
+                <a:extLst>
+                  <a:ext uri="{0D108BD9-81ED-4DB2-BD59-A6C34878D82A}">
+                    <a16:rowId xmlns:a16="http://schemas.microsoft.com/office/drawing/2014/main" val="3841387755"/>
+                  </a:ext>
+                </a:extLst>
+              </a:tr>
+            </a:tbl>
+          </a:graphicData>
+        </a:graphic>
+      </p:graphicFrame>
+      <p:graphicFrame>
+        <p:nvGraphicFramePr>
+          <p:cNvPr id="8" name="Tableau 7">
+            <a:extLst>
+              <a:ext uri="{FF2B5EF4-FFF2-40B4-BE49-F238E27FC236}">
+                <a16:creationId xmlns:a16="http://schemas.microsoft.com/office/drawing/2014/main" id="{784A6ED7-93C6-3E87-A527-3E0E594431A0}"/>
+              </a:ext>
+            </a:extLst>
+          </p:cNvPr>
+          <p:cNvGraphicFramePr>
+            <a:graphicFrameLocks noGrp="1"/>
+          </p:cNvGraphicFramePr>
+          <p:nvPr>
+            <p:extLst>
+              <p:ext uri="{D42A27DB-BD31-4B8C-83A1-F6EECF244321}">
+                <p14:modId xmlns:p14="http://schemas.microsoft.com/office/powerpoint/2010/main" val="1004054048"/>
+              </p:ext>
+            </p:extLst>
+          </p:nvPr>
+        </p:nvGraphicFramePr>
+        <p:xfrm>
+          <a:off x="3933279" y="3639638"/>
+          <a:ext cx="1277439" cy="843969"/>
+        </p:xfrm>
+        <a:graphic>
+          <a:graphicData uri="http://schemas.openxmlformats.org/drawingml/2006/table">
+            <a:tbl>
+              <a:tblPr firstRow="1" bandRow="1">
+                <a:tableStyleId>{8FD4443E-F989-4FC4-A0C8-D5A2AF1F390B}</a:tableStyleId>
+              </a:tblPr>
+              <a:tblGrid>
+                <a:gridCol w="1277439">
+                  <a:extLst>
+                    <a:ext uri="{9D8B030D-6E8A-4147-A177-3AD203B41FA5}">
+                      <a16:colId xmlns:a16="http://schemas.microsoft.com/office/drawing/2014/main" val="1632321074"/>
+                    </a:ext>
+                  </a:extLst>
+                </a:gridCol>
+              </a:tblGrid>
+              <a:tr h="278893">
+                <a:tc>
+                  <a:txBody>
+                    <a:bodyPr/>
+                    <a:lstStyle/>
+                    <a:p>
+                      <a:pPr algn="ctr"/>
+                      <a:r>
+                        <a:rPr lang="fr-FR" dirty="0"/>
+                        <a:t>roles</a:t>
+                      </a:r>
+                    </a:p>
+                  </a:txBody>
+                  <a:tcPr/>
+                </a:tc>
+                <a:extLst>
+                  <a:ext uri="{0D108BD9-81ED-4DB2-BD59-A6C34878D82A}">
+                    <a16:rowId xmlns:a16="http://schemas.microsoft.com/office/drawing/2014/main" val="3599933484"/>
+                  </a:ext>
+                </a:extLst>
+              </a:tr>
+              <a:tr h="539169">
+                <a:tc>
+                  <a:txBody>
+                    <a:bodyPr/>
+                    <a:lstStyle/>
+                    <a:p>
+                      <a:r>
+                        <a:rPr lang="fr-FR" dirty="0"/>
+                        <a:t>Id : INTEGER</a:t>
+                      </a:r>
+                    </a:p>
+                    <a:p>
+                      <a:r>
+                        <a:rPr lang="fr-FR" dirty="0"/>
+                        <a:t>Name : TEXT</a:t>
+                      </a:r>
+                    </a:p>
+                  </a:txBody>
+                  <a:tcPr/>
+                </a:tc>
+                <a:extLst>
+                  <a:ext uri="{0D108BD9-81ED-4DB2-BD59-A6C34878D82A}">
+                    <a16:rowId xmlns:a16="http://schemas.microsoft.com/office/drawing/2014/main" val="3841387755"/>
+                  </a:ext>
+                </a:extLst>
+              </a:tr>
+            </a:tbl>
+          </a:graphicData>
+        </a:graphic>
+      </p:graphicFrame>
+      <p:cxnSp>
+        <p:nvCxnSpPr>
+          <p:cNvPr id="9" name="Connecteur droit avec flèche 8">
+            <a:extLst>
+              <a:ext uri="{FF2B5EF4-FFF2-40B4-BE49-F238E27FC236}">
+                <a16:creationId xmlns:a16="http://schemas.microsoft.com/office/drawing/2014/main" id="{2E2E46CB-38EA-4D05-69E7-1057D1D86EFC}"/>
+              </a:ext>
+            </a:extLst>
+          </p:cNvPr>
+          <p:cNvCxnSpPr>
+            <a:cxnSpLocks/>
+            <a:stCxn id="8" idx="0"/>
+            <a:endCxn id="5" idx="2"/>
+          </p:cNvCxnSpPr>
           <p:nvPr/>
-        </p:nvPicPr>
-        <p:blipFill>
-          <a:blip r:embed="rId2"/>
-          <a:stretch>
-            <a:fillRect/>
-          </a:stretch>
-        </p:blipFill>
+        </p:nvCxnSpPr>
+        <p:spPr>
+          <a:xfrm flipV="1">
+            <a:off x="4571998" y="2258786"/>
+            <a:ext cx="1" cy="1380852"/>
+          </a:xfrm>
+          <a:prstGeom prst="straightConnector1">
+            <a:avLst/>
+          </a:prstGeom>
+          <a:ln w="19050">
+            <a:solidFill>
+              <a:srgbClr val="F8F8F8"/>
+            </a:solidFill>
+            <a:headEnd type="triangle" w="med" len="med"/>
+            <a:tailEnd type="none" w="med" len="med"/>
+          </a:ln>
+        </p:spPr>
+        <p:style>
+          <a:lnRef idx="1">
+            <a:schemeClr val="accent1"/>
+          </a:lnRef>
+          <a:fillRef idx="0">
+            <a:schemeClr val="accent1"/>
+          </a:fillRef>
+          <a:effectRef idx="0">
+            <a:schemeClr val="accent1"/>
+          </a:effectRef>
+          <a:fontRef idx="minor">
+            <a:schemeClr val="tx1"/>
+          </a:fontRef>
+        </p:style>
+      </p:cxnSp>
+      <p:sp>
+        <p:nvSpPr>
+          <p:cNvPr id="15" name="Google Shape;1159;p39">
+            <a:extLst>
+              <a:ext uri="{FF2B5EF4-FFF2-40B4-BE49-F238E27FC236}">
+                <a16:creationId xmlns:a16="http://schemas.microsoft.com/office/drawing/2014/main" id="{21E83084-11E3-E459-7A8C-0A7C4B3D6DC6}"/>
+              </a:ext>
+            </a:extLst>
+          </p:cNvPr>
+          <p:cNvSpPr txBox="1"/>
+          <p:nvPr/>
+        </p:nvSpPr>
         <p:spPr>
           <a:xfrm>
-            <a:off x="1044914" y="2019306"/>
-            <a:ext cx="2978855" cy="1768573"/>
+            <a:off x="4571998" y="2794954"/>
+            <a:ext cx="556414" cy="308516"/>
           </a:xfrm>
           <a:prstGeom prst="rect">
             <a:avLst/>
           </a:prstGeom>
+          <a:noFill/>
+          <a:ln>
+            <a:noFill/>
+          </a:ln>
         </p:spPr>
-      </p:pic>
-      <p:pic>
-        <p:nvPicPr>
-          <p:cNvPr id="7" name="Image 6">
-            <a:extLst>
-              <a:ext uri="{FF2B5EF4-FFF2-40B4-BE49-F238E27FC236}">
-                <a16:creationId xmlns:a16="http://schemas.microsoft.com/office/drawing/2014/main" id="{21A29171-C4E3-8275-DCF0-BC4288EEFB0B}"/>
-              </a:ext>
-            </a:extLst>
-          </p:cNvPr>
-          <p:cNvPicPr>
-            <a:picLocks noChangeAspect="1"/>
-          </p:cNvPicPr>
-          <p:nvPr/>
-        </p:nvPicPr>
-        <p:blipFill>
-          <a:blip r:embed="rId3"/>
-          <a:stretch>
-            <a:fillRect/>
-          </a:stretch>
-        </p:blipFill>
-        <p:spPr>
-          <a:xfrm>
-            <a:off x="5839163" y="790082"/>
-            <a:ext cx="1100066" cy="4227022"/>
-          </a:xfrm>
-          <a:prstGeom prst="rect">
-            <a:avLst/>
-          </a:prstGeom>
-        </p:spPr>
-      </p:pic>
+        <p:txBody>
+          <a:bodyPr spcFirstLastPara="1" wrap="square" lIns="91425" tIns="91425" rIns="91425" bIns="91425" anchor="b" anchorCtr="0">
+            <a:noAutofit/>
+          </a:bodyPr>
+          <a:lstStyle/>
+          <a:p>
+            <a:pPr marL="0" lvl="0" indent="0" algn="ctr" rtl="0">
+              <a:spcBef>
+                <a:spcPts val="0"/>
+              </a:spcBef>
+              <a:spcAft>
+                <a:spcPts val="0"/>
+              </a:spcAft>
+              <a:buNone/>
+            </a:pPr>
+            <a:r>
+              <a:rPr lang="fr-FR" sz="1200" dirty="0">
+                <a:solidFill>
+                  <a:schemeClr val="dk1"/>
+                </a:solidFill>
+                <a:latin typeface="Share Tech"/>
+                <a:ea typeface="Share Tech"/>
+                <a:cs typeface="Share Tech"/>
+                <a:sym typeface="Share Tech"/>
+              </a:rPr>
+              <a:t>Has 1</a:t>
+            </a:r>
+            <a:endParaRPr sz="1200" dirty="0">
+              <a:solidFill>
+                <a:schemeClr val="dk1"/>
+              </a:solidFill>
+              <a:latin typeface="Share Tech"/>
+              <a:ea typeface="Share Tech"/>
+              <a:cs typeface="Share Tech"/>
+              <a:sym typeface="Share Tech"/>
+            </a:endParaRPr>
+          </a:p>
+        </p:txBody>
+      </p:sp>
     </p:spTree>
     <p:extLst>
       <p:ext uri="{BB962C8B-B14F-4D97-AF65-F5344CB8AC3E}">
@@ -21307,6 +21797,936 @@
 </file>
 
 <file path=ppt/slides/slide8.xml><?xml version="1.0" encoding="utf-8"?>
+<p:sld xmlns:a="http://schemas.openxmlformats.org/drawingml/2006/main" xmlns:r="http://schemas.openxmlformats.org/officeDocument/2006/relationships" xmlns:p="http://schemas.openxmlformats.org/presentationml/2006/main">
+  <p:cSld>
+    <p:spTree>
+      <p:nvGrpSpPr>
+        <p:cNvPr id="1" name="">
+          <a:extLst>
+            <a:ext uri="{FF2B5EF4-FFF2-40B4-BE49-F238E27FC236}">
+              <a16:creationId xmlns:a16="http://schemas.microsoft.com/office/drawing/2014/main" id="{31E34CD5-6002-6EF4-0AE7-7076F64EE3B3}"/>
+            </a:ext>
+          </a:extLst>
+        </p:cNvPr>
+        <p:cNvGrpSpPr/>
+        <p:nvPr/>
+      </p:nvGrpSpPr>
+      <p:grpSpPr>
+        <a:xfrm>
+          <a:off x="0" y="0"/>
+          <a:ext cx="0" cy="0"/>
+          <a:chOff x="0" y="0"/>
+          <a:chExt cx="0" cy="0"/>
+        </a:xfrm>
+      </p:grpSpPr>
+      <p:sp>
+        <p:nvSpPr>
+          <p:cNvPr id="2" name="Titre 1">
+            <a:extLst>
+              <a:ext uri="{FF2B5EF4-FFF2-40B4-BE49-F238E27FC236}">
+                <a16:creationId xmlns:a16="http://schemas.microsoft.com/office/drawing/2014/main" id="{383429C8-2A7D-CD18-3C25-A13AB0CB51B9}"/>
+              </a:ext>
+            </a:extLst>
+          </p:cNvPr>
+          <p:cNvSpPr>
+            <a:spLocks noGrp="1"/>
+          </p:cNvSpPr>
+          <p:nvPr>
+            <p:ph type="title"/>
+          </p:nvPr>
+        </p:nvSpPr>
+        <p:spPr>
+          <a:xfrm>
+            <a:off x="716550" y="126396"/>
+            <a:ext cx="7710900" cy="572700"/>
+          </a:xfrm>
+        </p:spPr>
+        <p:txBody>
+          <a:bodyPr/>
+          <a:lstStyle/>
+          <a:p>
+            <a:r>
+              <a:rPr lang="fr-FR" dirty="0"/>
+              <a:t>Base de données</a:t>
+            </a:r>
+            <a:br>
+              <a:rPr lang="fr-FR" dirty="0"/>
+            </a:br>
+            <a:endParaRPr lang="fr-FR" dirty="0"/>
+          </a:p>
+        </p:txBody>
+      </p:sp>
+      <p:graphicFrame>
+        <p:nvGraphicFramePr>
+          <p:cNvPr id="5" name="Tableau 4">
+            <a:extLst>
+              <a:ext uri="{FF2B5EF4-FFF2-40B4-BE49-F238E27FC236}">
+                <a16:creationId xmlns:a16="http://schemas.microsoft.com/office/drawing/2014/main" id="{DC7EC376-F4B1-B10D-9B2F-0627ABAC1057}"/>
+              </a:ext>
+            </a:extLst>
+          </p:cNvPr>
+          <p:cNvGraphicFramePr>
+            <a:graphicFrameLocks/>
+          </p:cNvGraphicFramePr>
+          <p:nvPr>
+            <p:extLst>
+              <p:ext uri="{D42A27DB-BD31-4B8C-83A1-F6EECF244321}">
+                <p14:modId xmlns:p14="http://schemas.microsoft.com/office/powerpoint/2010/main" val="3485586166"/>
+              </p:ext>
+            </p:extLst>
+          </p:nvPr>
+        </p:nvGraphicFramePr>
+        <p:xfrm>
+          <a:off x="2242328" y="2000625"/>
+          <a:ext cx="1102597" cy="914777"/>
+        </p:xfrm>
+        <a:graphic>
+          <a:graphicData uri="http://schemas.openxmlformats.org/drawingml/2006/table">
+            <a:tbl>
+              <a:tblPr firstRow="1" bandRow="1">
+                <a:tableStyleId>{8FD4443E-F989-4FC4-A0C8-D5A2AF1F390B}</a:tableStyleId>
+              </a:tblPr>
+              <a:tblGrid>
+                <a:gridCol w="1102597">
+                  <a:extLst>
+                    <a:ext uri="{9D8B030D-6E8A-4147-A177-3AD203B41FA5}">
+                      <a16:colId xmlns:a16="http://schemas.microsoft.com/office/drawing/2014/main" val="1632321074"/>
+                    </a:ext>
+                  </a:extLst>
+                </a:gridCol>
+              </a:tblGrid>
+              <a:tr h="199971">
+                <a:tc>
+                  <a:txBody>
+                    <a:bodyPr/>
+                    <a:lstStyle/>
+                    <a:p>
+                      <a:pPr algn="ctr"/>
+                      <a:r>
+                        <a:rPr lang="fr-FR" sz="1050" dirty="0"/>
+                        <a:t>Controller</a:t>
+                      </a:r>
+                    </a:p>
+                  </a:txBody>
+                  <a:tcPr/>
+                </a:tc>
+                <a:extLst>
+                  <a:ext uri="{0D108BD9-81ED-4DB2-BD59-A6C34878D82A}">
+                    <a16:rowId xmlns:a16="http://schemas.microsoft.com/office/drawing/2014/main" val="3599933484"/>
+                  </a:ext>
+                </a:extLst>
+              </a:tr>
+              <a:tr h="663317">
+                <a:tc>
+                  <a:txBody>
+                    <a:bodyPr/>
+                    <a:lstStyle/>
+                    <a:p>
+                      <a:r>
+                        <a:rPr lang="fr-FR" sz="1050" dirty="0"/>
+                        <a:t>RoleController</a:t>
+                      </a:r>
+                    </a:p>
+                    <a:p>
+                      <a:r>
+                        <a:rPr lang="fr-FR" sz="1050" dirty="0"/>
+                        <a:t>UserController</a:t>
+                      </a:r>
+                    </a:p>
+                    <a:p>
+                      <a:r>
+                        <a:rPr lang="fr-FR" sz="1050" dirty="0"/>
+                        <a:t>ZoneController</a:t>
+                      </a:r>
+                    </a:p>
+                  </a:txBody>
+                  <a:tcPr/>
+                </a:tc>
+                <a:extLst>
+                  <a:ext uri="{0D108BD9-81ED-4DB2-BD59-A6C34878D82A}">
+                    <a16:rowId xmlns:a16="http://schemas.microsoft.com/office/drawing/2014/main" val="3841387755"/>
+                  </a:ext>
+                </a:extLst>
+              </a:tr>
+            </a:tbl>
+          </a:graphicData>
+        </a:graphic>
+      </p:graphicFrame>
+      <p:graphicFrame>
+        <p:nvGraphicFramePr>
+          <p:cNvPr id="4" name="Tableau 3">
+            <a:extLst>
+              <a:ext uri="{FF2B5EF4-FFF2-40B4-BE49-F238E27FC236}">
+                <a16:creationId xmlns:a16="http://schemas.microsoft.com/office/drawing/2014/main" id="{578F5DDC-91E7-847A-C4B9-BBEB1A29FF9B}"/>
+              </a:ext>
+            </a:extLst>
+          </p:cNvPr>
+          <p:cNvGraphicFramePr>
+            <a:graphicFrameLocks/>
+          </p:cNvGraphicFramePr>
+          <p:nvPr>
+            <p:extLst>
+              <p:ext uri="{D42A27DB-BD31-4B8C-83A1-F6EECF244321}">
+                <p14:modId xmlns:p14="http://schemas.microsoft.com/office/powerpoint/2010/main" val="3948951739"/>
+              </p:ext>
+            </p:extLst>
+          </p:nvPr>
+        </p:nvGraphicFramePr>
+        <p:xfrm>
+          <a:off x="236222" y="1946911"/>
+          <a:ext cx="1192111" cy="1022206"/>
+        </p:xfrm>
+        <a:graphic>
+          <a:graphicData uri="http://schemas.openxmlformats.org/drawingml/2006/table">
+            <a:tbl>
+              <a:tblPr firstRow="1" bandRow="1">
+                <a:tableStyleId>{8FD4443E-F989-4FC4-A0C8-D5A2AF1F390B}</a:tableStyleId>
+              </a:tblPr>
+              <a:tblGrid>
+                <a:gridCol w="1192111">
+                  <a:extLst>
+                    <a:ext uri="{9D8B030D-6E8A-4147-A177-3AD203B41FA5}">
+                      <a16:colId xmlns:a16="http://schemas.microsoft.com/office/drawing/2014/main" val="1632321074"/>
+                    </a:ext>
+                  </a:extLst>
+                </a:gridCol>
+              </a:tblGrid>
+              <a:tr h="230060">
+                <a:tc>
+                  <a:txBody>
+                    <a:bodyPr/>
+                    <a:lstStyle/>
+                    <a:p>
+                      <a:pPr algn="ctr"/>
+                      <a:r>
+                        <a:rPr lang="fr-FR" sz="1100" dirty="0"/>
+                        <a:t>HTTP Request</a:t>
+                      </a:r>
+                    </a:p>
+                  </a:txBody>
+                  <a:tcPr/>
+                </a:tc>
+                <a:extLst>
+                  <a:ext uri="{0D108BD9-81ED-4DB2-BD59-A6C34878D82A}">
+                    <a16:rowId xmlns:a16="http://schemas.microsoft.com/office/drawing/2014/main" val="3599933484"/>
+                  </a:ext>
+                </a:extLst>
+              </a:tr>
+              <a:tr h="763126">
+                <a:tc>
+                  <a:txBody>
+                    <a:bodyPr/>
+                    <a:lstStyle/>
+                    <a:p>
+                      <a:r>
+                        <a:rPr lang="fr-FR" sz="1100" dirty="0"/>
+                        <a:t>GET</a:t>
+                      </a:r>
+                    </a:p>
+                    <a:p>
+                      <a:r>
+                        <a:rPr lang="fr-FR" sz="1100" dirty="0"/>
+                        <a:t>POST</a:t>
+                      </a:r>
+                    </a:p>
+                    <a:p>
+                      <a:r>
+                        <a:rPr lang="fr-FR" sz="1100" dirty="0"/>
+                        <a:t>PATCH</a:t>
+                      </a:r>
+                    </a:p>
+                    <a:p>
+                      <a:r>
+                        <a:rPr lang="fr-FR" sz="1100" dirty="0"/>
+                        <a:t>DELETE</a:t>
+                      </a:r>
+                    </a:p>
+                  </a:txBody>
+                  <a:tcPr/>
+                </a:tc>
+                <a:extLst>
+                  <a:ext uri="{0D108BD9-81ED-4DB2-BD59-A6C34878D82A}">
+                    <a16:rowId xmlns:a16="http://schemas.microsoft.com/office/drawing/2014/main" val="3841387755"/>
+                  </a:ext>
+                </a:extLst>
+              </a:tr>
+            </a:tbl>
+          </a:graphicData>
+        </a:graphic>
+      </p:graphicFrame>
+      <p:graphicFrame>
+        <p:nvGraphicFramePr>
+          <p:cNvPr id="7" name="Tableau 6">
+            <a:extLst>
+              <a:ext uri="{FF2B5EF4-FFF2-40B4-BE49-F238E27FC236}">
+                <a16:creationId xmlns:a16="http://schemas.microsoft.com/office/drawing/2014/main" id="{BAFF399B-2F8D-3233-E033-D3D1C32D6F30}"/>
+              </a:ext>
+            </a:extLst>
+          </p:cNvPr>
+          <p:cNvGraphicFramePr>
+            <a:graphicFrameLocks/>
+          </p:cNvGraphicFramePr>
+          <p:nvPr>
+            <p:extLst>
+              <p:ext uri="{D42A27DB-BD31-4B8C-83A1-F6EECF244321}">
+                <p14:modId xmlns:p14="http://schemas.microsoft.com/office/powerpoint/2010/main" val="2837935035"/>
+              </p:ext>
+            </p:extLst>
+          </p:nvPr>
+        </p:nvGraphicFramePr>
+        <p:xfrm>
+          <a:off x="4042274" y="774398"/>
+          <a:ext cx="1059452" cy="856930"/>
+        </p:xfrm>
+        <a:graphic>
+          <a:graphicData uri="http://schemas.openxmlformats.org/drawingml/2006/table">
+            <a:tbl>
+              <a:tblPr firstRow="1" bandRow="1">
+                <a:tableStyleId>{8FD4443E-F989-4FC4-A0C8-D5A2AF1F390B}</a:tableStyleId>
+              </a:tblPr>
+              <a:tblGrid>
+                <a:gridCol w="1059452">
+                  <a:extLst>
+                    <a:ext uri="{9D8B030D-6E8A-4147-A177-3AD203B41FA5}">
+                      <a16:colId xmlns:a16="http://schemas.microsoft.com/office/drawing/2014/main" val="1632321074"/>
+                    </a:ext>
+                  </a:extLst>
+                </a:gridCol>
+              </a:tblGrid>
+              <a:tr h="225029">
+                <a:tc>
+                  <a:txBody>
+                    <a:bodyPr/>
+                    <a:lstStyle/>
+                    <a:p>
+                      <a:pPr algn="ctr"/>
+                      <a:r>
+                        <a:rPr lang="fr-FR" sz="1050" dirty="0"/>
+                        <a:t>Services</a:t>
+                      </a:r>
+                    </a:p>
+                  </a:txBody>
+                  <a:tcPr/>
+                </a:tc>
+                <a:extLst>
+                  <a:ext uri="{0D108BD9-81ED-4DB2-BD59-A6C34878D82A}">
+                    <a16:rowId xmlns:a16="http://schemas.microsoft.com/office/drawing/2014/main" val="3599933484"/>
+                  </a:ext>
+                </a:extLst>
+              </a:tr>
+              <a:tr h="605470">
+                <a:tc>
+                  <a:txBody>
+                    <a:bodyPr/>
+                    <a:lstStyle/>
+                    <a:p>
+                      <a:r>
+                        <a:rPr lang="fr-FR" sz="1050" dirty="0"/>
+                        <a:t>RoleServices</a:t>
+                      </a:r>
+                    </a:p>
+                    <a:p>
+                      <a:r>
+                        <a:rPr lang="fr-FR" sz="1050" dirty="0"/>
+                        <a:t>UserServices</a:t>
+                      </a:r>
+                    </a:p>
+                    <a:p>
+                      <a:r>
+                        <a:rPr lang="fr-FR" sz="1050" dirty="0"/>
+                        <a:t>ZoneServices</a:t>
+                      </a:r>
+                    </a:p>
+                  </a:txBody>
+                  <a:tcPr/>
+                </a:tc>
+                <a:extLst>
+                  <a:ext uri="{0D108BD9-81ED-4DB2-BD59-A6C34878D82A}">
+                    <a16:rowId xmlns:a16="http://schemas.microsoft.com/office/drawing/2014/main" val="3841387755"/>
+                  </a:ext>
+                </a:extLst>
+              </a:tr>
+            </a:tbl>
+          </a:graphicData>
+        </a:graphic>
+      </p:graphicFrame>
+      <p:graphicFrame>
+        <p:nvGraphicFramePr>
+          <p:cNvPr id="10" name="Tableau 9">
+            <a:extLst>
+              <a:ext uri="{FF2B5EF4-FFF2-40B4-BE49-F238E27FC236}">
+                <a16:creationId xmlns:a16="http://schemas.microsoft.com/office/drawing/2014/main" id="{9361044B-82E3-B5B1-A52A-609E4FA8BD5B}"/>
+              </a:ext>
+            </a:extLst>
+          </p:cNvPr>
+          <p:cNvGraphicFramePr>
+            <a:graphicFrameLocks/>
+          </p:cNvGraphicFramePr>
+          <p:nvPr>
+            <p:extLst>
+              <p:ext uri="{D42A27DB-BD31-4B8C-83A1-F6EECF244321}">
+                <p14:modId xmlns:p14="http://schemas.microsoft.com/office/powerpoint/2010/main" val="2314824276"/>
+              </p:ext>
+            </p:extLst>
+          </p:nvPr>
+        </p:nvGraphicFramePr>
+        <p:xfrm>
+          <a:off x="3928197" y="3512173"/>
+          <a:ext cx="1287605" cy="820337"/>
+        </p:xfrm>
+        <a:graphic>
+          <a:graphicData uri="http://schemas.openxmlformats.org/drawingml/2006/table">
+            <a:tbl>
+              <a:tblPr firstRow="1" bandRow="1">
+                <a:tableStyleId>{8FD4443E-F989-4FC4-A0C8-D5A2AF1F390B}</a:tableStyleId>
+              </a:tblPr>
+              <a:tblGrid>
+                <a:gridCol w="1287605">
+                  <a:extLst>
+                    <a:ext uri="{9D8B030D-6E8A-4147-A177-3AD203B41FA5}">
+                      <a16:colId xmlns:a16="http://schemas.microsoft.com/office/drawing/2014/main" val="1632321074"/>
+                    </a:ext>
+                  </a:extLst>
+                </a:gridCol>
+              </a:tblGrid>
+              <a:tr h="171500">
+                <a:tc>
+                  <a:txBody>
+                    <a:bodyPr/>
+                    <a:lstStyle/>
+                    <a:p>
+                      <a:pPr algn="ctr"/>
+                      <a:r>
+                        <a:rPr lang="fr-FR" sz="1050" dirty="0" err="1"/>
+                        <a:t>Factory</a:t>
+                      </a:r>
+                      <a:endParaRPr lang="fr-FR" sz="1050" dirty="0"/>
+                    </a:p>
+                  </a:txBody>
+                  <a:tcPr/>
+                </a:tc>
+                <a:extLst>
+                  <a:ext uri="{0D108BD9-81ED-4DB2-BD59-A6C34878D82A}">
+                    <a16:rowId xmlns:a16="http://schemas.microsoft.com/office/drawing/2014/main" val="3599933484"/>
+                  </a:ext>
+                </a:extLst>
+              </a:tr>
+              <a:tr h="568877">
+                <a:tc>
+                  <a:txBody>
+                    <a:bodyPr/>
+                    <a:lstStyle/>
+                    <a:p>
+                      <a:r>
+                        <a:rPr lang="fr-FR" sz="1050" dirty="0" err="1"/>
+                        <a:t>DAOFactory</a:t>
+                      </a:r>
+                      <a:endParaRPr lang="fr-FR" sz="1050" dirty="0"/>
+                    </a:p>
+                    <a:p>
+                      <a:r>
+                        <a:rPr lang="fr-FR" sz="1050" dirty="0" err="1"/>
+                        <a:t>DAOSqliteFactory</a:t>
+                      </a:r>
+                      <a:endParaRPr lang="fr-FR" sz="1050" dirty="0"/>
+                    </a:p>
+                  </a:txBody>
+                  <a:tcPr/>
+                </a:tc>
+                <a:extLst>
+                  <a:ext uri="{0D108BD9-81ED-4DB2-BD59-A6C34878D82A}">
+                    <a16:rowId xmlns:a16="http://schemas.microsoft.com/office/drawing/2014/main" val="3841387755"/>
+                  </a:ext>
+                </a:extLst>
+              </a:tr>
+            </a:tbl>
+          </a:graphicData>
+        </a:graphic>
+      </p:graphicFrame>
+      <p:graphicFrame>
+        <p:nvGraphicFramePr>
+          <p:cNvPr id="11" name="Tableau 10">
+            <a:extLst>
+              <a:ext uri="{FF2B5EF4-FFF2-40B4-BE49-F238E27FC236}">
+                <a16:creationId xmlns:a16="http://schemas.microsoft.com/office/drawing/2014/main" id="{22C1DF15-471A-90E1-8A5A-AAB76FEBD22F}"/>
+              </a:ext>
+            </a:extLst>
+          </p:cNvPr>
+          <p:cNvGraphicFramePr>
+            <a:graphicFrameLocks/>
+          </p:cNvGraphicFramePr>
+          <p:nvPr>
+            <p:extLst>
+              <p:ext uri="{D42A27DB-BD31-4B8C-83A1-F6EECF244321}">
+                <p14:modId xmlns:p14="http://schemas.microsoft.com/office/powerpoint/2010/main" val="1259487804"/>
+              </p:ext>
+            </p:extLst>
+          </p:nvPr>
+        </p:nvGraphicFramePr>
+        <p:xfrm>
+          <a:off x="6034771" y="1904511"/>
+          <a:ext cx="1192111" cy="1334478"/>
+        </p:xfrm>
+        <a:graphic>
+          <a:graphicData uri="http://schemas.openxmlformats.org/drawingml/2006/table">
+            <a:tbl>
+              <a:tblPr firstRow="1" bandRow="1">
+                <a:tableStyleId>{8FD4443E-F989-4FC4-A0C8-D5A2AF1F390B}</a:tableStyleId>
+              </a:tblPr>
+              <a:tblGrid>
+                <a:gridCol w="1192111">
+                  <a:extLst>
+                    <a:ext uri="{9D8B030D-6E8A-4147-A177-3AD203B41FA5}">
+                      <a16:colId xmlns:a16="http://schemas.microsoft.com/office/drawing/2014/main" val="1632321074"/>
+                    </a:ext>
+                  </a:extLst>
+                </a:gridCol>
+              </a:tblGrid>
+              <a:tr h="282918">
+                <a:tc>
+                  <a:txBody>
+                    <a:bodyPr/>
+                    <a:lstStyle/>
+                    <a:p>
+                      <a:pPr algn="ctr"/>
+                      <a:r>
+                        <a:rPr lang="fr-FR" sz="1050" dirty="0"/>
+                        <a:t>DAO</a:t>
+                      </a:r>
+                    </a:p>
+                  </a:txBody>
+                  <a:tcPr/>
+                </a:tc>
+                <a:extLst>
+                  <a:ext uri="{0D108BD9-81ED-4DB2-BD59-A6C34878D82A}">
+                    <a16:rowId xmlns:a16="http://schemas.microsoft.com/office/drawing/2014/main" val="3599933484"/>
+                  </a:ext>
+                </a:extLst>
+              </a:tr>
+              <a:tr h="938459">
+                <a:tc>
+                  <a:txBody>
+                    <a:bodyPr/>
+                    <a:lstStyle/>
+                    <a:p>
+                      <a:r>
+                        <a:rPr lang="fr-FR" sz="1050" dirty="0" err="1"/>
+                        <a:t>RolesDAO</a:t>
+                      </a:r>
+                      <a:endParaRPr lang="fr-FR" sz="1050" dirty="0"/>
+                    </a:p>
+                    <a:p>
+                      <a:r>
+                        <a:rPr lang="fr-FR" sz="1050" dirty="0" err="1"/>
+                        <a:t>RolesSqliteDAO</a:t>
+                      </a:r>
+                      <a:endParaRPr lang="fr-FR" sz="1050" dirty="0"/>
+                    </a:p>
+                    <a:p>
+                      <a:r>
+                        <a:rPr lang="fr-FR" sz="1050" dirty="0" err="1"/>
+                        <a:t>UserDAO</a:t>
+                      </a:r>
+                      <a:endParaRPr lang="fr-FR" sz="1050" dirty="0"/>
+                    </a:p>
+                    <a:p>
+                      <a:r>
+                        <a:rPr lang="fr-FR" sz="1050" dirty="0" err="1"/>
+                        <a:t>UserSqliteDAO</a:t>
+                      </a:r>
+                      <a:endParaRPr lang="fr-FR" sz="1050" dirty="0"/>
+                    </a:p>
+                    <a:p>
+                      <a:r>
+                        <a:rPr lang="fr-FR" sz="1050" dirty="0" err="1"/>
+                        <a:t>ZoneDAO</a:t>
+                      </a:r>
+                      <a:endParaRPr lang="fr-FR" sz="1050" dirty="0"/>
+                    </a:p>
+                    <a:p>
+                      <a:r>
+                        <a:rPr lang="fr-FR" sz="1050" dirty="0" err="1"/>
+                        <a:t>ZoneSqliteDAO</a:t>
+                      </a:r>
+                      <a:endParaRPr lang="fr-FR" sz="1050" dirty="0"/>
+                    </a:p>
+                  </a:txBody>
+                  <a:tcPr/>
+                </a:tc>
+                <a:extLst>
+                  <a:ext uri="{0D108BD9-81ED-4DB2-BD59-A6C34878D82A}">
+                    <a16:rowId xmlns:a16="http://schemas.microsoft.com/office/drawing/2014/main" val="3841387755"/>
+                  </a:ext>
+                </a:extLst>
+              </a:tr>
+            </a:tbl>
+          </a:graphicData>
+        </a:graphic>
+      </p:graphicFrame>
+      <p:graphicFrame>
+        <p:nvGraphicFramePr>
+          <p:cNvPr id="12" name="Tableau 11">
+            <a:extLst>
+              <a:ext uri="{FF2B5EF4-FFF2-40B4-BE49-F238E27FC236}">
+                <a16:creationId xmlns:a16="http://schemas.microsoft.com/office/drawing/2014/main" id="{ADB4C9E6-6851-05A3-08DB-CB30FAD83F05}"/>
+              </a:ext>
+            </a:extLst>
+          </p:cNvPr>
+          <p:cNvGraphicFramePr>
+            <a:graphicFrameLocks/>
+          </p:cNvGraphicFramePr>
+          <p:nvPr>
+            <p:extLst>
+              <p:ext uri="{D42A27DB-BD31-4B8C-83A1-F6EECF244321}">
+                <p14:modId xmlns:p14="http://schemas.microsoft.com/office/powerpoint/2010/main" val="3887678906"/>
+              </p:ext>
+            </p:extLst>
+          </p:nvPr>
+        </p:nvGraphicFramePr>
+        <p:xfrm>
+          <a:off x="8040877" y="2112978"/>
+          <a:ext cx="866901" cy="910870"/>
+        </p:xfrm>
+        <a:graphic>
+          <a:graphicData uri="http://schemas.openxmlformats.org/drawingml/2006/table">
+            <a:tbl>
+              <a:tblPr firstRow="1" bandRow="1">
+                <a:tableStyleId>{8FD4443E-F989-4FC4-A0C8-D5A2AF1F390B}</a:tableStyleId>
+              </a:tblPr>
+              <a:tblGrid>
+                <a:gridCol w="866901">
+                  <a:extLst>
+                    <a:ext uri="{9D8B030D-6E8A-4147-A177-3AD203B41FA5}">
+                      <a16:colId xmlns:a16="http://schemas.microsoft.com/office/drawing/2014/main" val="1632321074"/>
+                    </a:ext>
+                  </a:extLst>
+                </a:gridCol>
+              </a:tblGrid>
+              <a:tr h="198793">
+                <a:tc>
+                  <a:txBody>
+                    <a:bodyPr/>
+                    <a:lstStyle/>
+                    <a:p>
+                      <a:pPr algn="ctr"/>
+                      <a:r>
+                        <a:rPr lang="fr-FR" sz="1050" dirty="0"/>
+                        <a:t>Model</a:t>
+                      </a:r>
+                    </a:p>
+                  </a:txBody>
+                  <a:tcPr/>
+                </a:tc>
+                <a:extLst>
+                  <a:ext uri="{0D108BD9-81ED-4DB2-BD59-A6C34878D82A}">
+                    <a16:rowId xmlns:a16="http://schemas.microsoft.com/office/drawing/2014/main" val="3599933484"/>
+                  </a:ext>
+                </a:extLst>
+              </a:tr>
+              <a:tr h="659410">
+                <a:tc>
+                  <a:txBody>
+                    <a:bodyPr/>
+                    <a:lstStyle/>
+                    <a:p>
+                      <a:r>
+                        <a:rPr lang="fr-FR" sz="1050" dirty="0" err="1"/>
+                        <a:t>roleModel</a:t>
+                      </a:r>
+                      <a:endParaRPr lang="fr-FR" sz="1050" dirty="0"/>
+                    </a:p>
+                    <a:p>
+                      <a:r>
+                        <a:rPr lang="fr-FR" sz="1050" dirty="0" err="1"/>
+                        <a:t>userModel</a:t>
+                      </a:r>
+                      <a:endParaRPr lang="fr-FR" sz="1050" dirty="0"/>
+                    </a:p>
+                    <a:p>
+                      <a:r>
+                        <a:rPr lang="fr-FR" sz="1050" dirty="0" err="1"/>
+                        <a:t>zoneModel</a:t>
+                      </a:r>
+                      <a:endParaRPr lang="fr-FR" sz="1050" dirty="0"/>
+                    </a:p>
+                  </a:txBody>
+                  <a:tcPr/>
+                </a:tc>
+                <a:extLst>
+                  <a:ext uri="{0D108BD9-81ED-4DB2-BD59-A6C34878D82A}">
+                    <a16:rowId xmlns:a16="http://schemas.microsoft.com/office/drawing/2014/main" val="3841387755"/>
+                  </a:ext>
+                </a:extLst>
+              </a:tr>
+            </a:tbl>
+          </a:graphicData>
+        </a:graphic>
+      </p:graphicFrame>
+      <p:cxnSp>
+        <p:nvCxnSpPr>
+          <p:cNvPr id="13" name="Google Shape;1170;p39">
+            <a:extLst>
+              <a:ext uri="{FF2B5EF4-FFF2-40B4-BE49-F238E27FC236}">
+                <a16:creationId xmlns:a16="http://schemas.microsoft.com/office/drawing/2014/main" id="{1CF6EF05-2364-FD95-9969-CBF88D4E058C}"/>
+              </a:ext>
+            </a:extLst>
+          </p:cNvPr>
+          <p:cNvCxnSpPr>
+            <a:cxnSpLocks/>
+            <a:stCxn id="4" idx="3"/>
+            <a:endCxn id="5" idx="1"/>
+          </p:cNvCxnSpPr>
+          <p:nvPr/>
+        </p:nvCxnSpPr>
+        <p:spPr>
+          <a:xfrm flipV="1">
+            <a:off x="1428333" y="2458013"/>
+            <a:ext cx="813995" cy="1"/>
+          </a:xfrm>
+          <a:prstGeom prst="bentConnector3">
+            <a:avLst>
+              <a:gd name="adj1" fmla="val 50000"/>
+            </a:avLst>
+          </a:prstGeom>
+          <a:ln w="19050" cap="flat" cmpd="sng" algn="ctr">
+            <a:solidFill>
+              <a:srgbClr val="F8F8F8"/>
+            </a:solidFill>
+            <a:prstDash val="dash"/>
+            <a:round/>
+            <a:headEnd type="none" w="lg" len="med"/>
+            <a:tailEnd type="triangle" w="lg" len="lg"/>
+          </a:ln>
+        </p:spPr>
+        <p:style>
+          <a:lnRef idx="0">
+            <a:scrgbClr r="0" g="0" b="0"/>
+          </a:lnRef>
+          <a:fillRef idx="0">
+            <a:scrgbClr r="0" g="0" b="0"/>
+          </a:fillRef>
+          <a:effectRef idx="0">
+            <a:scrgbClr r="0" g="0" b="0"/>
+          </a:effectRef>
+          <a:fontRef idx="minor">
+            <a:schemeClr val="tx1"/>
+          </a:fontRef>
+        </p:style>
+      </p:cxnSp>
+      <p:cxnSp>
+        <p:nvCxnSpPr>
+          <p:cNvPr id="17" name="Google Shape;1170;p39">
+            <a:extLst>
+              <a:ext uri="{FF2B5EF4-FFF2-40B4-BE49-F238E27FC236}">
+                <a16:creationId xmlns:a16="http://schemas.microsoft.com/office/drawing/2014/main" id="{3AE7B3C3-BF88-F51D-FCE1-AD426EEE2A97}"/>
+              </a:ext>
+            </a:extLst>
+          </p:cNvPr>
+          <p:cNvCxnSpPr>
+            <a:cxnSpLocks/>
+            <a:stCxn id="5" idx="0"/>
+            <a:endCxn id="7" idx="1"/>
+          </p:cNvCxnSpPr>
+          <p:nvPr/>
+        </p:nvCxnSpPr>
+        <p:spPr>
+          <a:xfrm rot="5400000" flipH="1" flipV="1">
+            <a:off x="3019069" y="977420"/>
+            <a:ext cx="797762" cy="1248648"/>
+          </a:xfrm>
+          <a:prstGeom prst="bentConnector2">
+            <a:avLst/>
+          </a:prstGeom>
+          <a:ln w="19050" cap="flat" cmpd="sng" algn="ctr">
+            <a:solidFill>
+              <a:srgbClr val="F8F8F8"/>
+            </a:solidFill>
+            <a:prstDash val="dash"/>
+            <a:round/>
+            <a:headEnd type="none" w="lg" len="med"/>
+            <a:tailEnd type="triangle" w="lg" len="lg"/>
+          </a:ln>
+        </p:spPr>
+        <p:style>
+          <a:lnRef idx="0">
+            <a:scrgbClr r="0" g="0" b="0"/>
+          </a:lnRef>
+          <a:fillRef idx="0">
+            <a:scrgbClr r="0" g="0" b="0"/>
+          </a:fillRef>
+          <a:effectRef idx="0">
+            <a:scrgbClr r="0" g="0" b="0"/>
+          </a:effectRef>
+          <a:fontRef idx="minor">
+            <a:schemeClr val="tx1"/>
+          </a:fontRef>
+        </p:style>
+      </p:cxnSp>
+      <p:cxnSp>
+        <p:nvCxnSpPr>
+          <p:cNvPr id="20" name="Google Shape;1170;p39">
+            <a:extLst>
+              <a:ext uri="{FF2B5EF4-FFF2-40B4-BE49-F238E27FC236}">
+                <a16:creationId xmlns:a16="http://schemas.microsoft.com/office/drawing/2014/main" id="{B0A97BF1-3198-3022-9D90-66FD9453A40E}"/>
+              </a:ext>
+            </a:extLst>
+          </p:cNvPr>
+          <p:cNvCxnSpPr>
+            <a:cxnSpLocks/>
+            <a:stCxn id="5" idx="3"/>
+            <a:endCxn id="11" idx="1"/>
+          </p:cNvCxnSpPr>
+          <p:nvPr/>
+        </p:nvCxnSpPr>
+        <p:spPr>
+          <a:xfrm>
+            <a:off x="3344925" y="2458013"/>
+            <a:ext cx="2689846" cy="113737"/>
+          </a:xfrm>
+          <a:prstGeom prst="bentConnector3">
+            <a:avLst>
+              <a:gd name="adj1" fmla="val 50000"/>
+            </a:avLst>
+          </a:prstGeom>
+          <a:ln w="19050" cap="flat" cmpd="sng" algn="ctr">
+            <a:solidFill>
+              <a:srgbClr val="F8F8F8"/>
+            </a:solidFill>
+            <a:prstDash val="dash"/>
+            <a:round/>
+            <a:headEnd type="none" w="lg" len="med"/>
+            <a:tailEnd type="triangle" w="lg" len="lg"/>
+          </a:ln>
+        </p:spPr>
+        <p:style>
+          <a:lnRef idx="0">
+            <a:scrgbClr r="0" g="0" b="0"/>
+          </a:lnRef>
+          <a:fillRef idx="0">
+            <a:scrgbClr r="0" g="0" b="0"/>
+          </a:fillRef>
+          <a:effectRef idx="0">
+            <a:scrgbClr r="0" g="0" b="0"/>
+          </a:effectRef>
+          <a:fontRef idx="minor">
+            <a:schemeClr val="tx1"/>
+          </a:fontRef>
+        </p:style>
+      </p:cxnSp>
+      <p:cxnSp>
+        <p:nvCxnSpPr>
+          <p:cNvPr id="23" name="Google Shape;1170;p39">
+            <a:extLst>
+              <a:ext uri="{FF2B5EF4-FFF2-40B4-BE49-F238E27FC236}">
+                <a16:creationId xmlns:a16="http://schemas.microsoft.com/office/drawing/2014/main" id="{2737275F-ACFB-935D-D10C-DD1CBC2AF2E9}"/>
+              </a:ext>
+            </a:extLst>
+          </p:cNvPr>
+          <p:cNvCxnSpPr>
+            <a:cxnSpLocks/>
+            <a:stCxn id="10" idx="3"/>
+            <a:endCxn id="11" idx="2"/>
+          </p:cNvCxnSpPr>
+          <p:nvPr/>
+        </p:nvCxnSpPr>
+        <p:spPr>
+          <a:xfrm flipV="1">
+            <a:off x="5215802" y="3238989"/>
+            <a:ext cx="1415024" cy="683352"/>
+          </a:xfrm>
+          <a:prstGeom prst="bentConnector2">
+            <a:avLst/>
+          </a:prstGeom>
+          <a:ln w="19050" cap="flat" cmpd="sng" algn="ctr">
+            <a:solidFill>
+              <a:srgbClr val="F8F8F8"/>
+            </a:solidFill>
+            <a:prstDash val="dash"/>
+            <a:round/>
+            <a:headEnd type="none" w="lg" len="med"/>
+            <a:tailEnd type="triangle" w="lg" len="lg"/>
+          </a:ln>
+        </p:spPr>
+        <p:style>
+          <a:lnRef idx="0">
+            <a:scrgbClr r="0" g="0" b="0"/>
+          </a:lnRef>
+          <a:fillRef idx="0">
+            <a:scrgbClr r="0" g="0" b="0"/>
+          </a:fillRef>
+          <a:effectRef idx="0">
+            <a:scrgbClr r="0" g="0" b="0"/>
+          </a:effectRef>
+          <a:fontRef idx="minor">
+            <a:schemeClr val="tx1"/>
+          </a:fontRef>
+        </p:style>
+      </p:cxnSp>
+      <p:cxnSp>
+        <p:nvCxnSpPr>
+          <p:cNvPr id="26" name="Google Shape;1170;p39">
+            <a:extLst>
+              <a:ext uri="{FF2B5EF4-FFF2-40B4-BE49-F238E27FC236}">
+                <a16:creationId xmlns:a16="http://schemas.microsoft.com/office/drawing/2014/main" id="{5575A0FF-AFD8-4C45-2A12-09FC2F69A0FD}"/>
+              </a:ext>
+            </a:extLst>
+          </p:cNvPr>
+          <p:cNvCxnSpPr>
+            <a:cxnSpLocks/>
+            <a:stCxn id="11" idx="3"/>
+            <a:endCxn id="12" idx="1"/>
+          </p:cNvCxnSpPr>
+          <p:nvPr/>
+        </p:nvCxnSpPr>
+        <p:spPr>
+          <a:xfrm flipV="1">
+            <a:off x="7226882" y="2568413"/>
+            <a:ext cx="813995" cy="3337"/>
+          </a:xfrm>
+          <a:prstGeom prst="bentConnector3">
+            <a:avLst>
+              <a:gd name="adj1" fmla="val 50000"/>
+            </a:avLst>
+          </a:prstGeom>
+          <a:ln w="19050" cap="flat" cmpd="sng" algn="ctr">
+            <a:solidFill>
+              <a:srgbClr val="F8F8F8"/>
+            </a:solidFill>
+            <a:prstDash val="dash"/>
+            <a:round/>
+            <a:headEnd type="none" w="lg" len="med"/>
+            <a:tailEnd type="triangle" w="lg" len="lg"/>
+          </a:ln>
+        </p:spPr>
+        <p:style>
+          <a:lnRef idx="0">
+            <a:scrgbClr r="0" g="0" b="0"/>
+          </a:lnRef>
+          <a:fillRef idx="0">
+            <a:scrgbClr r="0" g="0" b="0"/>
+          </a:fillRef>
+          <a:effectRef idx="0">
+            <a:scrgbClr r="0" g="0" b="0"/>
+          </a:effectRef>
+          <a:fontRef idx="minor">
+            <a:schemeClr val="tx1"/>
+          </a:fontRef>
+        </p:style>
+      </p:cxnSp>
+    </p:spTree>
+    <p:extLst>
+      <p:ext uri="{BB962C8B-B14F-4D97-AF65-F5344CB8AC3E}">
+        <p14:creationId xmlns:p14="http://schemas.microsoft.com/office/powerpoint/2010/main" val="2670215220"/>
+      </p:ext>
+    </p:extLst>
+  </p:cSld>
+  <p:clrMapOvr>
+    <a:masterClrMapping/>
+  </p:clrMapOvr>
+</p:sld>
+</file>
+
+<file path=ppt/slides/slide9.xml><?xml version="1.0" encoding="utf-8"?>
 <p:sld xmlns:a="http://schemas.openxmlformats.org/drawingml/2006/main" xmlns:r="http://schemas.openxmlformats.org/officeDocument/2006/relationships" xmlns:p="http://schemas.openxmlformats.org/presentationml/2006/main">
   <p:cSld>
     <p:spTree>
@@ -21357,15 +22777,7 @@
           <a:p>
             <a:r>
               <a:rPr lang="fr-FR" dirty="0"/>
-              <a:t>API (Application </a:t>
-            </a:r>
-            <a:r>
-              <a:rPr lang="fr-FR" dirty="0" err="1"/>
-              <a:t>Programming</a:t>
-            </a:r>
-            <a:r>
-              <a:rPr lang="fr-FR" dirty="0"/>
-              <a:t> Interface)</a:t>
+              <a:t>API (Application Programming Interface)</a:t>
             </a:r>
             <a:br>
               <a:rPr lang="fr-FR" dirty="0"/>
@@ -21376,10 +22788,10 @@
       </p:sp>
       <p:pic>
         <p:nvPicPr>
-          <p:cNvPr id="4" name="Image 3">
+          <p:cNvPr id="7" name="Image 6">
             <a:extLst>
               <a:ext uri="{FF2B5EF4-FFF2-40B4-BE49-F238E27FC236}">
-                <a16:creationId xmlns:a16="http://schemas.microsoft.com/office/drawing/2014/main" id="{25A7A6AD-3D20-9C7E-7ADA-D6F22DF97E95}"/>
+                <a16:creationId xmlns:a16="http://schemas.microsoft.com/office/drawing/2014/main" id="{A04343DA-D5CB-5E96-B105-2F66774274CC}"/>
               </a:ext>
             </a:extLst>
           </p:cNvPr>
@@ -21396,37 +22808,7 @@
         </p:blipFill>
         <p:spPr>
           <a:xfrm>
-            <a:off x="1044914" y="2019306"/>
-            <a:ext cx="2978855" cy="1768573"/>
-          </a:xfrm>
-          <a:prstGeom prst="rect">
-            <a:avLst/>
-          </a:prstGeom>
-        </p:spPr>
-      </p:pic>
-      <p:pic>
-        <p:nvPicPr>
-          <p:cNvPr id="7" name="Image 6">
-            <a:extLst>
-              <a:ext uri="{FF2B5EF4-FFF2-40B4-BE49-F238E27FC236}">
-                <a16:creationId xmlns:a16="http://schemas.microsoft.com/office/drawing/2014/main" id="{A04343DA-D5CB-5E96-B105-2F66774274CC}"/>
-              </a:ext>
-            </a:extLst>
-          </p:cNvPr>
-          <p:cNvPicPr>
-            <a:picLocks noChangeAspect="1"/>
-          </p:cNvPicPr>
-          <p:nvPr/>
-        </p:nvPicPr>
-        <p:blipFill>
-          <a:blip r:embed="rId3"/>
-          <a:stretch>
-            <a:fillRect/>
-          </a:stretch>
-        </p:blipFill>
-        <p:spPr>
-          <a:xfrm>
-            <a:off x="5839163" y="790082"/>
+            <a:off x="3220060" y="724767"/>
             <a:ext cx="1100066" cy="4227022"/>
           </a:xfrm>
           <a:prstGeom prst="rect">
@@ -21438,104 +22820,6 @@
     <p:extLst>
       <p:ext uri="{BB962C8B-B14F-4D97-AF65-F5344CB8AC3E}">
         <p14:creationId xmlns:p14="http://schemas.microsoft.com/office/powerpoint/2010/main" val="2099190938"/>
-      </p:ext>
-    </p:extLst>
-  </p:cSld>
-  <p:clrMapOvr>
-    <a:masterClrMapping/>
-  </p:clrMapOvr>
-</p:sld>
-</file>
-
-<file path=ppt/slides/slide9.xml><?xml version="1.0" encoding="utf-8"?>
-<p:sld xmlns:a="http://schemas.openxmlformats.org/drawingml/2006/main" xmlns:r="http://schemas.openxmlformats.org/officeDocument/2006/relationships" xmlns:p="http://schemas.openxmlformats.org/presentationml/2006/main">
-  <p:cSld>
-    <p:spTree>
-      <p:nvGrpSpPr>
-        <p:cNvPr id="1" name="">
-          <a:extLst>
-            <a:ext uri="{FF2B5EF4-FFF2-40B4-BE49-F238E27FC236}">
-              <a16:creationId xmlns:a16="http://schemas.microsoft.com/office/drawing/2014/main" id="{08F0F22B-A3A1-19BB-5E8F-5C7C801D5BFF}"/>
-            </a:ext>
-          </a:extLst>
-        </p:cNvPr>
-        <p:cNvGrpSpPr/>
-        <p:nvPr/>
-      </p:nvGrpSpPr>
-      <p:grpSpPr>
-        <a:xfrm>
-          <a:off x="0" y="0"/>
-          <a:ext cx="0" cy="0"/>
-          <a:chOff x="0" y="0"/>
-          <a:chExt cx="0" cy="0"/>
-        </a:xfrm>
-      </p:grpSpPr>
-      <p:sp>
-        <p:nvSpPr>
-          <p:cNvPr id="2" name="Titre 1">
-            <a:extLst>
-              <a:ext uri="{FF2B5EF4-FFF2-40B4-BE49-F238E27FC236}">
-                <a16:creationId xmlns:a16="http://schemas.microsoft.com/office/drawing/2014/main" id="{3019F34C-F1AF-D5E2-90D5-74955419DE4F}"/>
-              </a:ext>
-            </a:extLst>
-          </p:cNvPr>
-          <p:cNvSpPr>
-            <a:spLocks noGrp="1"/>
-          </p:cNvSpPr>
-          <p:nvPr>
-            <p:ph type="title"/>
-          </p:nvPr>
-        </p:nvSpPr>
-        <p:spPr/>
-        <p:txBody>
-          <a:bodyPr/>
-          <a:lstStyle/>
-          <a:p>
-            <a:r>
-              <a:rPr lang="fr-FR" dirty="0"/>
-              <a:t>Application web</a:t>
-            </a:r>
-            <a:br>
-              <a:rPr lang="fr-FR" dirty="0"/>
-            </a:br>
-            <a:endParaRPr lang="fr-FR" dirty="0"/>
-          </a:p>
-        </p:txBody>
-      </p:sp>
-      <p:pic>
-        <p:nvPicPr>
-          <p:cNvPr id="4" name="Image 3">
-            <a:extLst>
-              <a:ext uri="{FF2B5EF4-FFF2-40B4-BE49-F238E27FC236}">
-                <a16:creationId xmlns:a16="http://schemas.microsoft.com/office/drawing/2014/main" id="{291A9DAF-95C3-011B-C877-D72D4C1B9C73}"/>
-              </a:ext>
-            </a:extLst>
-          </p:cNvPr>
-          <p:cNvPicPr>
-            <a:picLocks noChangeAspect="1"/>
-          </p:cNvPicPr>
-          <p:nvPr/>
-        </p:nvPicPr>
-        <p:blipFill>
-          <a:blip r:embed="rId2"/>
-          <a:stretch>
-            <a:fillRect/>
-          </a:stretch>
-        </p:blipFill>
-        <p:spPr>
-          <a:xfrm>
-            <a:off x="3320298" y="1214324"/>
-            <a:ext cx="2503404" cy="3356475"/>
-          </a:xfrm>
-          <a:prstGeom prst="rect">
-            <a:avLst/>
-          </a:prstGeom>
-        </p:spPr>
-      </p:pic>
-    </p:spTree>
-    <p:extLst>
-      <p:ext uri="{BB962C8B-B14F-4D97-AF65-F5344CB8AC3E}">
-        <p14:creationId xmlns:p14="http://schemas.microsoft.com/office/powerpoint/2010/main" val="1265896715"/>
       </p:ext>
     </p:extLst>
   </p:cSld>
@@ -22412,6 +23696,12 @@
 </file>
 
 <file path=customXml/item2.xml><?xml version="1.0" encoding="utf-8"?>
+<p:properties xmlns:p="http://schemas.microsoft.com/office/2006/metadata/properties" xmlns:xsi="http://www.w3.org/2001/XMLSchema-instance" xmlns:pc="http://schemas.microsoft.com/office/infopath/2007/PartnerControls">
+  <documentManagement/>
+</p:properties>
+</file>
+
+<file path=customXml/item3.xml><?xml version="1.0" encoding="utf-8"?>
 <ct:contentTypeSchema xmlns:ct="http://schemas.microsoft.com/office/2006/metadata/contentType" xmlns:ma="http://schemas.microsoft.com/office/2006/metadata/properties/metaAttributes" ct:_="" ma:_="" ma:contentTypeName="Document" ma:contentTypeID="0x0101008CEA7F8095A03344ABB714D5F8C794CE" ma:contentTypeVersion="8" ma:contentTypeDescription="Crée un document." ma:contentTypeScope="" ma:versionID="19ad794433a5a6f8f776704d78925295">
   <xsd:schema xmlns:xsd="http://www.w3.org/2001/XMLSchema" xmlns:xs="http://www.w3.org/2001/XMLSchema" xmlns:p="http://schemas.microsoft.com/office/2006/metadata/properties" xmlns:ns3="bb86211b-6858-4a67-bee9-3cc0c565fc01" xmlns:ns4="a4505148-1984-4b71-82bf-8ee338bb755e" targetNamespace="http://schemas.microsoft.com/office/2006/metadata/properties" ma:root="true" ma:fieldsID="0f739ac12f40b9d02b74301e2a60e0ec" ns3:_="" ns4:_="">
     <xsd:import namespace="bb86211b-6858-4a67-bee9-3cc0c565fc01"/>
@@ -22602,12 +23892,6 @@
 </ct:contentTypeSchema>
 </file>
 
-<file path=customXml/item3.xml><?xml version="1.0" encoding="utf-8"?>
-<p:properties xmlns:p="http://schemas.microsoft.com/office/2006/metadata/properties" xmlns:xsi="http://www.w3.org/2001/XMLSchema-instance" xmlns:pc="http://schemas.microsoft.com/office/infopath/2007/PartnerControls">
-  <documentManagement/>
-</p:properties>
-</file>
-
 <file path=customXml/itemProps1.xml><?xml version="1.0" encoding="utf-8"?>
 <ds:datastoreItem xmlns:ds="http://schemas.openxmlformats.org/officeDocument/2006/customXml" ds:itemID="{FABF05A6-EFD4-4AFB-BAA9-65A8EB6C8E2D}">
   <ds:schemaRefs>
@@ -22617,6 +23901,23 @@
 </file>
 
 <file path=customXml/itemProps2.xml><?xml version="1.0" encoding="utf-8"?>
+<ds:datastoreItem xmlns:ds="http://schemas.openxmlformats.org/officeDocument/2006/customXml" ds:itemID="{97B0A5C4-F87A-4071-AE7B-E80DA40CE374}">
+  <ds:schemaRefs>
+    <ds:schemaRef ds:uri="a4505148-1984-4b71-82bf-8ee338bb755e"/>
+    <ds:schemaRef ds:uri="bb86211b-6858-4a67-bee9-3cc0c565fc01"/>
+    <ds:schemaRef ds:uri="http://purl.org/dc/dcmitype/"/>
+    <ds:schemaRef ds:uri="http://purl.org/dc/elements/1.1/"/>
+    <ds:schemaRef ds:uri="http://purl.org/dc/terms/"/>
+    <ds:schemaRef ds:uri="http://schemas.microsoft.com/office/2006/documentManagement/types"/>
+    <ds:schemaRef ds:uri="http://schemas.microsoft.com/office/2006/metadata/properties"/>
+    <ds:schemaRef ds:uri="http://schemas.microsoft.com/office/infopath/2007/PartnerControls"/>
+    <ds:schemaRef ds:uri="http://schemas.openxmlformats.org/package/2006/metadata/core-properties"/>
+    <ds:schemaRef ds:uri="http://www.w3.org/XML/1998/namespace"/>
+  </ds:schemaRefs>
+</ds:datastoreItem>
+</file>
+
+<file path=customXml/itemProps3.xml><?xml version="1.0" encoding="utf-8"?>
 <ds:datastoreItem xmlns:ds="http://schemas.openxmlformats.org/officeDocument/2006/customXml" ds:itemID="{4046F691-00C8-47A5-8C80-2E9093E8930C}">
   <ds:schemaRefs>
     <ds:schemaRef ds:uri="a4505148-1984-4b71-82bf-8ee338bb755e"/>
@@ -22633,21 +23934,4 @@
     <ds:schemaRef ds:uri="http://www.w3.org/2001/XMLSchema"/>
   </ds:schemaRefs>
 </ds:datastoreItem>
-</file>
-
-<file path=customXml/itemProps3.xml><?xml version="1.0" encoding="utf-8"?>
-<ds:datastoreItem xmlns:ds="http://schemas.openxmlformats.org/officeDocument/2006/customXml" ds:itemID="{97B0A5C4-F87A-4071-AE7B-E80DA40CE374}">
-  <ds:schemaRefs>
-    <ds:schemaRef ds:uri="a4505148-1984-4b71-82bf-8ee338bb755e"/>
-    <ds:schemaRef ds:uri="bb86211b-6858-4a67-bee9-3cc0c565fc01"/>
-    <ds:schemaRef ds:uri="http://purl.org/dc/dcmitype/"/>
-    <ds:schemaRef ds:uri="http://purl.org/dc/elements/1.1/"/>
-    <ds:schemaRef ds:uri="http://purl.org/dc/terms/"/>
-    <ds:schemaRef ds:uri="http://schemas.microsoft.com/office/2006/documentManagement/types"/>
-    <ds:schemaRef ds:uri="http://schemas.microsoft.com/office/2006/metadata/properties"/>
-    <ds:schemaRef ds:uri="http://schemas.microsoft.com/office/infopath/2007/PartnerControls"/>
-    <ds:schemaRef ds:uri="http://schemas.openxmlformats.org/package/2006/metadata/core-properties"/>
-    <ds:schemaRef ds:uri="http://www.w3.org/XML/1998/namespace"/>
-  </ds:schemaRefs>
-</ds:datastoreItem>
 </file>
--- a/Revue de projet/Diapo revue de projet.pptx
+++ b/Revue de projet/Diapo revue de projet.pptx
@@ -5,10 +5,10 @@
     <p:sldMasterId id="2147483659" r:id="rId4"/>
   </p:sldMasterIdLst>
   <p:notesMasterIdLst>
-    <p:notesMasterId r:id="rId21"/>
+    <p:notesMasterId r:id="rId23"/>
   </p:notesMasterIdLst>
   <p:handoutMasterIdLst>
-    <p:handoutMasterId r:id="rId22"/>
+    <p:handoutMasterId r:id="rId24"/>
   </p:handoutMasterIdLst>
   <p:sldIdLst>
     <p:sldId id="256" r:id="rId5"/>
@@ -19,36 +19,38 @@
     <p:sldId id="323" r:id="rId10"/>
     <p:sldId id="322" r:id="rId11"/>
     <p:sldId id="326" r:id="rId12"/>
-    <p:sldId id="324" r:id="rId13"/>
-    <p:sldId id="321" r:id="rId14"/>
-    <p:sldId id="316" r:id="rId15"/>
-    <p:sldId id="317" r:id="rId16"/>
-    <p:sldId id="318" r:id="rId17"/>
-    <p:sldId id="319" r:id="rId18"/>
-    <p:sldId id="308" r:id="rId19"/>
-    <p:sldId id="313" r:id="rId20"/>
+    <p:sldId id="328" r:id="rId13"/>
+    <p:sldId id="316" r:id="rId14"/>
+    <p:sldId id="317" r:id="rId15"/>
+    <p:sldId id="330" r:id="rId16"/>
+    <p:sldId id="329" r:id="rId17"/>
+    <p:sldId id="318" r:id="rId18"/>
+    <p:sldId id="332" r:id="rId19"/>
+    <p:sldId id="310" r:id="rId20"/>
+    <p:sldId id="308" r:id="rId21"/>
+    <p:sldId id="313" r:id="rId22"/>
   </p:sldIdLst>
   <p:sldSz cx="9144000" cy="5143500" type="screen16x9"/>
   <p:notesSz cx="6858000" cy="9144000"/>
   <p:embeddedFontLst>
     <p:embeddedFont>
       <p:font typeface="Maven Pro" panose="020B0604020202020204" charset="0"/>
-      <p:regular r:id="rId23"/>
-      <p:bold r:id="rId24"/>
+      <p:regular r:id="rId25"/>
+      <p:bold r:id="rId26"/>
     </p:embeddedFont>
     <p:embeddedFont>
       <p:font typeface="Nunito Light" pitchFamily="2" charset="0"/>
-      <p:regular r:id="rId25"/>
-      <p:italic r:id="rId26"/>
-    </p:embeddedFont>
-    <p:embeddedFont>
-      <p:font typeface="Roboto Condensed Light" panose="02000000000000000000" pitchFamily="2" charset="0"/>
       <p:regular r:id="rId27"/>
       <p:italic r:id="rId28"/>
     </p:embeddedFont>
     <p:embeddedFont>
+      <p:font typeface="Roboto Condensed Light" panose="02000000000000000000" pitchFamily="2" charset="0"/>
+      <p:regular r:id="rId29"/>
+      <p:italic r:id="rId30"/>
+    </p:embeddedFont>
+    <p:embeddedFont>
       <p:font typeface="Share Tech" panose="020B0604020202020204" charset="0"/>
-      <p:regular r:id="rId29"/>
+      <p:regular r:id="rId31"/>
     </p:embeddedFont>
   </p:embeddedFontLst>
   <p:defaultTextStyle>
@@ -299,6 +301,1000 @@
     <p1510:client id="{E179B1B3-6BD9-457C-B024-86EDBF593F0A}" v="13" vWet="15" dt="2023-03-23T09:48:51.354"/>
   </p1510:revLst>
 </p1510:revInfo>
+</file>
+
+<file path=ppt/charts/chart1.xml><?xml version="1.0" encoding="utf-8"?>
+<c:chartSpace xmlns:c="http://schemas.openxmlformats.org/drawingml/2006/chart" xmlns:a="http://schemas.openxmlformats.org/drawingml/2006/main" xmlns:r="http://schemas.openxmlformats.org/officeDocument/2006/relationships" xmlns:c16r2="http://schemas.microsoft.com/office/drawing/2015/06/chart">
+  <c:date1904 val="0"/>
+  <c:lang val="fr-FR"/>
+  <c:roundedCorners val="0"/>
+  <mc:AlternateContent xmlns:mc="http://schemas.openxmlformats.org/markup-compatibility/2006">
+    <mc:Choice xmlns:c14="http://schemas.microsoft.com/office/drawing/2007/8/2/chart" Requires="c14">
+      <c14:style val="102"/>
+    </mc:Choice>
+    <mc:Fallback>
+      <c:style val="2"/>
+    </mc:Fallback>
+  </mc:AlternateContent>
+  <c:chart>
+    <c:autoTitleDeleted val="1"/>
+    <c:plotArea>
+      <c:layout>
+        <c:manualLayout>
+          <c:layoutTarget val="inner"/>
+          <c:xMode val="edge"/>
+          <c:yMode val="edge"/>
+          <c:x val="2.0219816272965948E-3"/>
+          <c:y val="3.1250000000000002E-3"/>
+          <c:w val="0.67083333333333328"/>
+          <c:h val="0.99687499999999996"/>
+        </c:manualLayout>
+      </c:layout>
+      <c:doughnutChart>
+        <c:varyColors val="1"/>
+        <c:ser>
+          <c:idx val="0"/>
+          <c:order val="0"/>
+          <c:tx>
+            <c:strRef>
+              <c:f>Feuil1!$B$1</c:f>
+              <c:strCache>
+                <c:ptCount val="1"/>
+                <c:pt idx="0">
+                  <c:v>Commul des heures en fonction de chaque tâches</c:v>
+                </c:pt>
+              </c:strCache>
+            </c:strRef>
+          </c:tx>
+          <c:dPt>
+            <c:idx val="0"/>
+            <c:bubble3D val="0"/>
+            <c:spPr>
+              <a:solidFill>
+                <a:schemeClr val="accent1"/>
+              </a:solidFill>
+              <a:ln w="19050">
+                <a:solidFill>
+                  <a:schemeClr val="lt1"/>
+                </a:solidFill>
+              </a:ln>
+              <a:effectLst/>
+            </c:spPr>
+          </c:dPt>
+          <c:dPt>
+            <c:idx val="1"/>
+            <c:bubble3D val="0"/>
+            <c:spPr>
+              <a:solidFill>
+                <a:schemeClr val="accent2"/>
+              </a:solidFill>
+              <a:ln w="19050">
+                <a:solidFill>
+                  <a:schemeClr val="lt1"/>
+                </a:solidFill>
+              </a:ln>
+              <a:effectLst/>
+            </c:spPr>
+          </c:dPt>
+          <c:dPt>
+            <c:idx val="2"/>
+            <c:bubble3D val="0"/>
+            <c:spPr>
+              <a:solidFill>
+                <a:schemeClr val="accent3"/>
+              </a:solidFill>
+              <a:ln w="19050">
+                <a:solidFill>
+                  <a:schemeClr val="lt1"/>
+                </a:solidFill>
+              </a:ln>
+              <a:effectLst/>
+            </c:spPr>
+            <c:extLst>
+              <c:ext xmlns:c16="http://schemas.microsoft.com/office/drawing/2014/chart" uri="{C3380CC4-5D6E-409C-BE32-E72D297353CC}">
+                <c16:uniqueId val="{00000002-9BC0-4A2A-B420-A87C4526A351}"/>
+              </c:ext>
+            </c:extLst>
+          </c:dPt>
+          <c:dPt>
+            <c:idx val="3"/>
+            <c:bubble3D val="0"/>
+            <c:spPr>
+              <a:solidFill>
+                <a:schemeClr val="accent4"/>
+              </a:solidFill>
+              <a:ln w="19050">
+                <a:solidFill>
+                  <a:schemeClr val="lt1"/>
+                </a:solidFill>
+              </a:ln>
+              <a:effectLst/>
+            </c:spPr>
+          </c:dPt>
+          <c:dPt>
+            <c:idx val="4"/>
+            <c:bubble3D val="0"/>
+            <c:spPr>
+              <a:solidFill>
+                <a:schemeClr val="accent5"/>
+              </a:solidFill>
+              <a:ln w="19050">
+                <a:solidFill>
+                  <a:schemeClr val="lt1"/>
+                </a:solidFill>
+              </a:ln>
+              <a:effectLst/>
+            </c:spPr>
+            <c:extLst>
+              <c:ext xmlns:c16="http://schemas.microsoft.com/office/drawing/2014/chart" uri="{C3380CC4-5D6E-409C-BE32-E72D297353CC}">
+                <c16:uniqueId val="{00000003-9BC0-4A2A-B420-A87C4526A351}"/>
+              </c:ext>
+            </c:extLst>
+          </c:dPt>
+          <c:dPt>
+            <c:idx val="5"/>
+            <c:bubble3D val="0"/>
+            <c:spPr>
+              <a:solidFill>
+                <a:schemeClr val="accent6"/>
+              </a:solidFill>
+              <a:ln w="19050">
+                <a:solidFill>
+                  <a:schemeClr val="lt1"/>
+                </a:solidFill>
+              </a:ln>
+              <a:effectLst/>
+            </c:spPr>
+          </c:dPt>
+          <c:dPt>
+            <c:idx val="6"/>
+            <c:bubble3D val="0"/>
+            <c:spPr>
+              <a:solidFill>
+                <a:schemeClr val="accent1">
+                  <a:lumMod val="60000"/>
+                </a:schemeClr>
+              </a:solidFill>
+              <a:ln w="19050">
+                <a:solidFill>
+                  <a:schemeClr val="lt1"/>
+                </a:solidFill>
+              </a:ln>
+              <a:effectLst/>
+            </c:spPr>
+          </c:dPt>
+          <c:dPt>
+            <c:idx val="7"/>
+            <c:bubble3D val="0"/>
+            <c:spPr>
+              <a:solidFill>
+                <a:schemeClr val="accent2">
+                  <a:lumMod val="60000"/>
+                </a:schemeClr>
+              </a:solidFill>
+              <a:ln w="19050">
+                <a:solidFill>
+                  <a:schemeClr val="lt1"/>
+                </a:solidFill>
+              </a:ln>
+              <a:effectLst/>
+            </c:spPr>
+          </c:dPt>
+          <c:dLbls>
+            <c:dLbl>
+              <c:idx val="4"/>
+              <c:spPr>
+                <a:noFill/>
+                <a:ln>
+                  <a:noFill/>
+                </a:ln>
+                <a:effectLst/>
+              </c:spPr>
+              <c:txPr>
+                <a:bodyPr rot="0" spcFirstLastPara="1" vertOverflow="ellipsis" vert="horz" wrap="square" lIns="38100" tIns="19050" rIns="38100" bIns="19050" anchor="ctr" anchorCtr="1">
+                  <a:spAutoFit/>
+                </a:bodyPr>
+                <a:lstStyle/>
+                <a:p>
+                  <a:pPr>
+                    <a:defRPr sz="1050" b="0" i="0" u="none" strike="noStrike" kern="1200" baseline="0">
+                      <a:solidFill>
+                        <a:srgbClr val="000000"/>
+                      </a:solidFill>
+                      <a:latin typeface="+mn-lt"/>
+                      <a:ea typeface="+mn-ea"/>
+                      <a:cs typeface="+mn-cs"/>
+                    </a:defRPr>
+                  </a:pPr>
+                  <a:endParaRPr lang="fr-FR"/>
+                </a:p>
+              </c:txPr>
+              <c:showLegendKey val="0"/>
+              <c:showVal val="1"/>
+              <c:showCatName val="0"/>
+              <c:showSerName val="0"/>
+              <c:showPercent val="0"/>
+              <c:showBubbleSize val="0"/>
+              <c:extLst>
+                <c:ext xmlns:c16="http://schemas.microsoft.com/office/drawing/2014/chart" uri="{C3380CC4-5D6E-409C-BE32-E72D297353CC}">
+                  <c16:uniqueId val="{00000003-9BC0-4A2A-B420-A87C4526A351}"/>
+                </c:ext>
+              </c:extLst>
+            </c:dLbl>
+            <c:spPr>
+              <a:noFill/>
+              <a:ln>
+                <a:noFill/>
+              </a:ln>
+              <a:effectLst/>
+            </c:spPr>
+            <c:txPr>
+              <a:bodyPr rot="0" spcFirstLastPara="1" vertOverflow="ellipsis" vert="horz" wrap="square" lIns="38100" tIns="19050" rIns="38100" bIns="19050" anchor="ctr" anchorCtr="1">
+                <a:spAutoFit/>
+              </a:bodyPr>
+              <a:lstStyle/>
+              <a:p>
+                <a:pPr>
+                  <a:defRPr sz="1050" b="0" i="0" u="none" strike="noStrike" kern="1200" baseline="0">
+                    <a:solidFill>
+                      <a:schemeClr val="tx1"/>
+                    </a:solidFill>
+                    <a:latin typeface="+mn-lt"/>
+                    <a:ea typeface="+mn-ea"/>
+                    <a:cs typeface="+mn-cs"/>
+                  </a:defRPr>
+                </a:pPr>
+                <a:endParaRPr lang="fr-FR"/>
+              </a:p>
+            </c:txPr>
+            <c:showLegendKey val="0"/>
+            <c:showVal val="1"/>
+            <c:showCatName val="0"/>
+            <c:showSerName val="0"/>
+            <c:showPercent val="0"/>
+            <c:showBubbleSize val="0"/>
+            <c:showLeaderLines val="1"/>
+            <c:leaderLines>
+              <c:spPr>
+                <a:ln w="9525" cap="flat" cmpd="sng" algn="ctr">
+                  <a:solidFill>
+                    <a:schemeClr val="tx1">
+                      <a:lumMod val="35000"/>
+                      <a:lumOff val="65000"/>
+                    </a:schemeClr>
+                  </a:solidFill>
+                  <a:round/>
+                </a:ln>
+                <a:effectLst/>
+              </c:spPr>
+            </c:leaderLines>
+            <c:extLst>
+              <c:ext xmlns:c15="http://schemas.microsoft.com/office/drawing/2012/chart" uri="{CE6537A1-D6FC-4f65-9D91-7224C49458BB}"/>
+            </c:extLst>
+          </c:dLbls>
+          <c:cat>
+            <c:strRef>
+              <c:f>Feuil1!$A$2:$A$9</c:f>
+              <c:strCache>
+                <c:ptCount val="8"/>
+                <c:pt idx="0">
+                  <c:v>Initialisation du projet</c:v>
+                </c:pt>
+                <c:pt idx="1">
+                  <c:v>Documents de suivis de projet</c:v>
+                </c:pt>
+                <c:pt idx="2">
+                  <c:v>Base de données</c:v>
+                </c:pt>
+                <c:pt idx="3">
+                  <c:v>Développement de l'API</c:v>
+                </c:pt>
+                <c:pt idx="4">
+                  <c:v>Développement de l'application web</c:v>
+                </c:pt>
+                <c:pt idx="5">
+                  <c:v>CI/CD</c:v>
+                </c:pt>
+                <c:pt idx="6">
+                  <c:v>Veille numérique</c:v>
+                </c:pt>
+                <c:pt idx="7">
+                  <c:v>Revue de projet</c:v>
+                </c:pt>
+              </c:strCache>
+            </c:strRef>
+          </c:cat>
+          <c:val>
+            <c:numRef>
+              <c:f>Feuil1!$B$2:$B$9</c:f>
+              <c:numCache>
+                <c:formatCode>General</c:formatCode>
+                <c:ptCount val="8"/>
+                <c:pt idx="0">
+                  <c:v>2.5</c:v>
+                </c:pt>
+                <c:pt idx="1">
+                  <c:v>6</c:v>
+                </c:pt>
+                <c:pt idx="2">
+                  <c:v>1.5</c:v>
+                </c:pt>
+                <c:pt idx="3">
+                  <c:v>25.25</c:v>
+                </c:pt>
+                <c:pt idx="4">
+                  <c:v>71</c:v>
+                </c:pt>
+                <c:pt idx="5">
+                  <c:v>21</c:v>
+                </c:pt>
+                <c:pt idx="6">
+                  <c:v>7</c:v>
+                </c:pt>
+                <c:pt idx="7">
+                  <c:v>20.5</c:v>
+                </c:pt>
+              </c:numCache>
+            </c:numRef>
+          </c:val>
+          <c:extLst>
+            <c:ext xmlns:c16="http://schemas.microsoft.com/office/drawing/2014/chart" uri="{C3380CC4-5D6E-409C-BE32-E72D297353CC}">
+              <c16:uniqueId val="{00000000-9BC0-4A2A-B420-A87C4526A351}"/>
+            </c:ext>
+          </c:extLst>
+        </c:ser>
+        <c:dLbls>
+          <c:showLegendKey val="0"/>
+          <c:showVal val="1"/>
+          <c:showCatName val="0"/>
+          <c:showSerName val="0"/>
+          <c:showPercent val="0"/>
+          <c:showBubbleSize val="0"/>
+          <c:showLeaderLines val="1"/>
+        </c:dLbls>
+        <c:firstSliceAng val="0"/>
+        <c:holeSize val="75"/>
+      </c:doughnutChart>
+      <c:spPr>
+        <a:noFill/>
+        <a:ln>
+          <a:noFill/>
+        </a:ln>
+        <a:effectLst/>
+      </c:spPr>
+    </c:plotArea>
+    <c:legend>
+      <c:legendPos val="r"/>
+      <c:layout>
+        <c:manualLayout>
+          <c:xMode val="edge"/>
+          <c:yMode val="edge"/>
+          <c:x val="0.71237746062992124"/>
+          <c:y val="6.5905511811023667E-3"/>
+          <c:w val="0.27512253937007874"/>
+          <c:h val="0.98681889763779529"/>
+        </c:manualLayout>
+      </c:layout>
+      <c:overlay val="0"/>
+      <c:spPr>
+        <a:noFill/>
+        <a:ln>
+          <a:noFill/>
+        </a:ln>
+        <a:effectLst/>
+      </c:spPr>
+      <c:txPr>
+        <a:bodyPr rot="0" spcFirstLastPara="1" vertOverflow="ellipsis" vert="horz" wrap="square" anchor="ctr" anchorCtr="1"/>
+        <a:lstStyle/>
+        <a:p>
+          <a:pPr>
+            <a:defRPr sz="1197" b="0" i="0" u="none" strike="noStrike" kern="1200" baseline="0">
+              <a:solidFill>
+                <a:schemeClr val="tx1">
+                  <a:lumMod val="65000"/>
+                  <a:lumOff val="35000"/>
+                </a:schemeClr>
+              </a:solidFill>
+              <a:latin typeface="+mn-lt"/>
+              <a:ea typeface="+mn-ea"/>
+              <a:cs typeface="+mn-cs"/>
+            </a:defRPr>
+          </a:pPr>
+          <a:endParaRPr lang="fr-FR"/>
+        </a:p>
+      </c:txPr>
+    </c:legend>
+    <c:plotVisOnly val="1"/>
+    <c:dispBlanksAs val="gap"/>
+    <c:extLst>
+      <c:ext xmlns:c16r3="http://schemas.microsoft.com/office/drawing/2017/03/chart" uri="{56B9EC1D-385E-4148-901F-78D8002777C0}">
+        <c16r3:dataDisplayOptions16>
+          <c16r3:dispNaAsBlank val="1"/>
+        </c16r3:dataDisplayOptions16>
+      </c:ext>
+    </c:extLst>
+    <c:showDLblsOverMax val="0"/>
+  </c:chart>
+  <c:spPr>
+    <a:noFill/>
+    <a:ln>
+      <a:noFill/>
+    </a:ln>
+    <a:effectLst/>
+  </c:spPr>
+  <c:txPr>
+    <a:bodyPr/>
+    <a:lstStyle/>
+    <a:p>
+      <a:pPr>
+        <a:defRPr/>
+      </a:pPr>
+      <a:endParaRPr lang="fr-FR"/>
+    </a:p>
+  </c:txPr>
+  <c:externalData r:id="rId3">
+    <c:autoUpdate val="0"/>
+  </c:externalData>
+</c:chartSpace>
+</file>
+
+<file path=ppt/charts/colors1.xml><?xml version="1.0" encoding="utf-8"?>
+<cs:colorStyle xmlns:cs="http://schemas.microsoft.com/office/drawing/2012/chartStyle" xmlns:a="http://schemas.openxmlformats.org/drawingml/2006/main" meth="cycle" id="10">
+  <a:schemeClr val="accent1"/>
+  <a:schemeClr val="accent2"/>
+  <a:schemeClr val="accent3"/>
+  <a:schemeClr val="accent4"/>
+  <a:schemeClr val="accent5"/>
+  <a:schemeClr val="accent6"/>
+  <cs:variation/>
+  <cs:variation>
+    <a:lumMod val="60000"/>
+  </cs:variation>
+  <cs:variation>
+    <a:lumMod val="80000"/>
+    <a:lumOff val="20000"/>
+  </cs:variation>
+  <cs:variation>
+    <a:lumMod val="80000"/>
+  </cs:variation>
+  <cs:variation>
+    <a:lumMod val="60000"/>
+    <a:lumOff val="40000"/>
+  </cs:variation>
+  <cs:variation>
+    <a:lumMod val="50000"/>
+  </cs:variation>
+  <cs:variation>
+    <a:lumMod val="70000"/>
+    <a:lumOff val="30000"/>
+  </cs:variation>
+  <cs:variation>
+    <a:lumMod val="70000"/>
+  </cs:variation>
+  <cs:variation>
+    <a:lumMod val="50000"/>
+    <a:lumOff val="50000"/>
+  </cs:variation>
+</cs:colorStyle>
+</file>
+
+<file path=ppt/charts/style1.xml><?xml version="1.0" encoding="utf-8"?>
+<cs:chartStyle xmlns:cs="http://schemas.microsoft.com/office/drawing/2012/chartStyle" xmlns:a="http://schemas.openxmlformats.org/drawingml/2006/main" id="251">
+  <cs:axisTitle>
+    <cs:lnRef idx="0"/>
+    <cs:fillRef idx="0"/>
+    <cs:effectRef idx="0"/>
+    <cs:fontRef idx="minor">
+      <a:schemeClr val="tx1">
+        <a:lumMod val="65000"/>
+        <a:lumOff val="35000"/>
+      </a:schemeClr>
+    </cs:fontRef>
+    <cs:defRPr sz="1330" kern="1200"/>
+  </cs:axisTitle>
+  <cs:categoryAxis>
+    <cs:lnRef idx="0"/>
+    <cs:fillRef idx="0"/>
+    <cs:effectRef idx="0"/>
+    <cs:fontRef idx="minor">
+      <a:schemeClr val="tx1">
+        <a:lumMod val="65000"/>
+        <a:lumOff val="35000"/>
+      </a:schemeClr>
+    </cs:fontRef>
+    <cs:spPr>
+      <a:ln w="9525" cap="flat" cmpd="sng" algn="ctr">
+        <a:solidFill>
+          <a:schemeClr val="tx1">
+            <a:lumMod val="15000"/>
+            <a:lumOff val="85000"/>
+          </a:schemeClr>
+        </a:solidFill>
+        <a:round/>
+      </a:ln>
+    </cs:spPr>
+    <cs:defRPr sz="1197" kern="1200"/>
+  </cs:categoryAxis>
+  <cs:chartArea mods="allowNoFillOverride allowNoLineOverride">
+    <cs:lnRef idx="0"/>
+    <cs:fillRef idx="0"/>
+    <cs:effectRef idx="0"/>
+    <cs:fontRef idx="minor">
+      <a:schemeClr val="tx1"/>
+    </cs:fontRef>
+    <cs:spPr>
+      <a:solidFill>
+        <a:schemeClr val="bg1"/>
+      </a:solidFill>
+      <a:ln w="9525" cap="flat" cmpd="sng" algn="ctr">
+        <a:solidFill>
+          <a:schemeClr val="tx1">
+            <a:lumMod val="15000"/>
+            <a:lumOff val="85000"/>
+          </a:schemeClr>
+        </a:solidFill>
+        <a:round/>
+      </a:ln>
+    </cs:spPr>
+    <cs:defRPr sz="1197" kern="1200"/>
+  </cs:chartArea>
+  <cs:dataLabel>
+    <cs:lnRef idx="0"/>
+    <cs:fillRef idx="0"/>
+    <cs:effectRef idx="0"/>
+    <cs:fontRef idx="minor">
+      <a:schemeClr val="tx1">
+        <a:lumMod val="75000"/>
+        <a:lumOff val="25000"/>
+      </a:schemeClr>
+    </cs:fontRef>
+    <cs:defRPr sz="1197" kern="1200"/>
+  </cs:dataLabel>
+  <cs:dataLabelCallout>
+    <cs:lnRef idx="0"/>
+    <cs:fillRef idx="0"/>
+    <cs:effectRef idx="0"/>
+    <cs:fontRef idx="minor">
+      <a:schemeClr val="dk1">
+        <a:lumMod val="65000"/>
+        <a:lumOff val="35000"/>
+      </a:schemeClr>
+    </cs:fontRef>
+    <cs:spPr>
+      <a:solidFill>
+        <a:schemeClr val="lt1"/>
+      </a:solidFill>
+      <a:ln>
+        <a:solidFill>
+          <a:schemeClr val="dk1">
+            <a:lumMod val="25000"/>
+            <a:lumOff val="75000"/>
+          </a:schemeClr>
+        </a:solidFill>
+      </a:ln>
+    </cs:spPr>
+    <cs:defRPr sz="1197" kern="1200"/>
+    <cs:bodyPr rot="0" spcFirstLastPara="1" vertOverflow="clip" horzOverflow="clip" vert="horz" wrap="square" lIns="36576" tIns="18288" rIns="36576" bIns="18288" anchor="ctr" anchorCtr="1">
+      <a:spAutoFit/>
+    </cs:bodyPr>
+  </cs:dataLabelCallout>
+  <cs:dataPoint>
+    <cs:lnRef idx="0"/>
+    <cs:fillRef idx="1">
+      <cs:styleClr val="auto"/>
+    </cs:fillRef>
+    <cs:effectRef idx="0"/>
+    <cs:fontRef idx="minor">
+      <a:schemeClr val="tx1"/>
+    </cs:fontRef>
+    <cs:spPr>
+      <a:ln w="19050">
+        <a:solidFill>
+          <a:schemeClr val="lt1"/>
+        </a:solidFill>
+      </a:ln>
+    </cs:spPr>
+  </cs:dataPoint>
+  <cs:dataPoint3D>
+    <cs:lnRef idx="0"/>
+    <cs:fillRef idx="1">
+      <cs:styleClr val="auto"/>
+    </cs:fillRef>
+    <cs:effectRef idx="0"/>
+    <cs:fontRef idx="minor">
+      <a:schemeClr val="tx1"/>
+    </cs:fontRef>
+    <cs:spPr>
+      <a:ln w="25400">
+        <a:solidFill>
+          <a:schemeClr val="lt1"/>
+        </a:solidFill>
+      </a:ln>
+    </cs:spPr>
+  </cs:dataPoint3D>
+  <cs:dataPointLine>
+    <cs:lnRef idx="0">
+      <cs:styleClr val="auto"/>
+    </cs:lnRef>
+    <cs:fillRef idx="0"/>
+    <cs:effectRef idx="0"/>
+    <cs:fontRef idx="minor">
+      <a:schemeClr val="tx1"/>
+    </cs:fontRef>
+    <cs:spPr>
+      <a:ln w="28575" cap="rnd">
+        <a:solidFill>
+          <a:schemeClr val="phClr"/>
+        </a:solidFill>
+        <a:round/>
+      </a:ln>
+    </cs:spPr>
+  </cs:dataPointLine>
+  <cs:dataPointMarker>
+    <cs:lnRef idx="0">
+      <cs:styleClr val="auto"/>
+    </cs:lnRef>
+    <cs:fillRef idx="1">
+      <cs:styleClr val="auto"/>
+    </cs:fillRef>
+    <cs:effectRef idx="0"/>
+    <cs:fontRef idx="minor">
+      <a:schemeClr val="tx1"/>
+    </cs:fontRef>
+    <cs:spPr>
+      <a:ln w="9525">
+        <a:solidFill>
+          <a:schemeClr val="phClr"/>
+        </a:solidFill>
+      </a:ln>
+    </cs:spPr>
+  </cs:dataPointMarker>
+  <cs:dataPointMarkerLayout symbol="circle" size="5"/>
+  <cs:dataPointWireframe>
+    <cs:lnRef idx="0">
+      <cs:styleClr val="auto"/>
+    </cs:lnRef>
+    <cs:fillRef idx="0"/>
+    <cs:effectRef idx="0"/>
+    <cs:fontRef idx="minor">
+      <a:schemeClr val="tx1"/>
+    </cs:fontRef>
+    <cs:spPr>
+      <a:ln w="9525" cap="rnd">
+        <a:solidFill>
+          <a:schemeClr val="phClr"/>
+        </a:solidFill>
+        <a:round/>
+      </a:ln>
+    </cs:spPr>
+  </cs:dataPointWireframe>
+  <cs:dataTable>
+    <cs:lnRef idx="0"/>
+    <cs:fillRef idx="0"/>
+    <cs:effectRef idx="0"/>
+    <cs:fontRef idx="minor">
+      <a:schemeClr val="tx1">
+        <a:lumMod val="65000"/>
+        <a:lumOff val="35000"/>
+      </a:schemeClr>
+    </cs:fontRef>
+    <cs:spPr>
+      <a:noFill/>
+      <a:ln w="9525" cap="flat" cmpd="sng" algn="ctr">
+        <a:solidFill>
+          <a:schemeClr val="tx1">
+            <a:lumMod val="15000"/>
+            <a:lumOff val="85000"/>
+          </a:schemeClr>
+        </a:solidFill>
+        <a:round/>
+      </a:ln>
+    </cs:spPr>
+    <cs:defRPr sz="1197" kern="1200"/>
+  </cs:dataTable>
+  <cs:downBar>
+    <cs:lnRef idx="0"/>
+    <cs:fillRef idx="0"/>
+    <cs:effectRef idx="0"/>
+    <cs:fontRef idx="minor">
+      <a:schemeClr val="tx1"/>
+    </cs:fontRef>
+    <cs:spPr>
+      <a:solidFill>
+        <a:schemeClr val="dk1">
+          <a:lumMod val="75000"/>
+          <a:lumOff val="25000"/>
+        </a:schemeClr>
+      </a:solidFill>
+      <a:ln w="9525" cap="flat" cmpd="sng" algn="ctr">
+        <a:solidFill>
+          <a:schemeClr val="tx1">
+            <a:lumMod val="65000"/>
+            <a:lumOff val="35000"/>
+          </a:schemeClr>
+        </a:solidFill>
+        <a:round/>
+      </a:ln>
+    </cs:spPr>
+  </cs:downBar>
+  <cs:dropLine>
+    <cs:lnRef idx="0"/>
+    <cs:fillRef idx="0"/>
+    <cs:effectRef idx="0"/>
+    <cs:fontRef idx="minor">
+      <a:schemeClr val="tx1"/>
+    </cs:fontRef>
+    <cs:spPr>
+      <a:ln w="9525" cap="flat" cmpd="sng" algn="ctr">
+        <a:solidFill>
+          <a:schemeClr val="tx1">
+            <a:lumMod val="35000"/>
+            <a:lumOff val="65000"/>
+          </a:schemeClr>
+        </a:solidFill>
+        <a:round/>
+      </a:ln>
+    </cs:spPr>
+  </cs:dropLine>
+  <cs:errorBar>
+    <cs:lnRef idx="0"/>
+    <cs:fillRef idx="0"/>
+    <cs:effectRef idx="0"/>
+    <cs:fontRef idx="minor">
+      <a:schemeClr val="tx1"/>
+    </cs:fontRef>
+    <cs:spPr>
+      <a:ln w="9525" cap="flat" cmpd="sng" algn="ctr">
+        <a:solidFill>
+          <a:schemeClr val="tx1">
+            <a:lumMod val="65000"/>
+            <a:lumOff val="35000"/>
+          </a:schemeClr>
+        </a:solidFill>
+        <a:round/>
+      </a:ln>
+    </cs:spPr>
+  </cs:errorBar>
+  <cs:floor>
+    <cs:lnRef idx="0"/>
+    <cs:fillRef idx="0"/>
+    <cs:effectRef idx="0"/>
+    <cs:fontRef idx="minor">
+      <a:schemeClr val="tx1"/>
+    </cs:fontRef>
+    <cs:spPr>
+      <a:noFill/>
+      <a:ln>
+        <a:noFill/>
+      </a:ln>
+    </cs:spPr>
+  </cs:floor>
+  <cs:gridlineMajor>
+    <cs:lnRef idx="0"/>
+    <cs:fillRef idx="0"/>
+    <cs:effectRef idx="0"/>
+    <cs:fontRef idx="minor">
+      <a:schemeClr val="tx1"/>
+    </cs:fontRef>
+    <cs:spPr>
+      <a:ln w="9525" cap="flat" cmpd="sng" algn="ctr">
+        <a:solidFill>
+          <a:schemeClr val="tx1">
+            <a:lumMod val="15000"/>
+            <a:lumOff val="85000"/>
+          </a:schemeClr>
+        </a:solidFill>
+        <a:round/>
+      </a:ln>
+    </cs:spPr>
+  </cs:gridlineMajor>
+  <cs:gridlineMinor>
+    <cs:lnRef idx="0"/>
+    <cs:fillRef idx="0"/>
+    <cs:effectRef idx="0"/>
+    <cs:fontRef idx="minor">
+      <a:schemeClr val="tx1"/>
+    </cs:fontRef>
+    <cs:spPr>
+      <a:ln w="9525" cap="flat" cmpd="sng" algn="ctr">
+        <a:solidFill>
+          <a:schemeClr val="tx1">
+            <a:lumMod val="5000"/>
+            <a:lumOff val="95000"/>
+          </a:schemeClr>
+        </a:solidFill>
+        <a:round/>
+      </a:ln>
+    </cs:spPr>
+  </cs:gridlineMinor>
+  <cs:hiLoLine>
+    <cs:lnRef idx="0"/>
+    <cs:fillRef idx="0"/>
+    <cs:effectRef idx="0"/>
+    <cs:fontRef idx="minor">
+      <a:schemeClr val="tx1"/>
+    </cs:fontRef>
+    <cs:spPr>
+      <a:ln w="9525" cap="flat" cmpd="sng" algn="ctr">
+        <a:solidFill>
+          <a:schemeClr val="tx1">
+            <a:lumMod val="50000"/>
+            <a:lumOff val="50000"/>
+          </a:schemeClr>
+        </a:solidFill>
+        <a:round/>
+      </a:ln>
+    </cs:spPr>
+  </cs:hiLoLine>
+  <cs:leaderLine>
+    <cs:lnRef idx="0"/>
+    <cs:fillRef idx="0"/>
+    <cs:effectRef idx="0"/>
+    <cs:fontRef idx="minor">
+      <a:schemeClr val="tx1"/>
+    </cs:fontRef>
+    <cs:spPr>
+      <a:ln w="9525" cap="flat" cmpd="sng" algn="ctr">
+        <a:solidFill>
+          <a:schemeClr val="tx1">
+            <a:lumMod val="35000"/>
+            <a:lumOff val="65000"/>
+          </a:schemeClr>
+        </a:solidFill>
+        <a:round/>
+      </a:ln>
+    </cs:spPr>
+  </cs:leaderLine>
+  <cs:legend>
+    <cs:lnRef idx="0"/>
+    <cs:fillRef idx="0"/>
+    <cs:effectRef idx="0"/>
+    <cs:fontRef idx="minor">
+      <a:schemeClr val="tx1">
+        <a:lumMod val="65000"/>
+        <a:lumOff val="35000"/>
+      </a:schemeClr>
+    </cs:fontRef>
+    <cs:defRPr sz="1197" kern="1200"/>
+  </cs:legend>
+  <cs:plotArea mods="allowNoFillOverride allowNoLineOverride">
+    <cs:lnRef idx="0"/>
+    <cs:fillRef idx="0"/>
+    <cs:effectRef idx="0"/>
+    <cs:fontRef idx="minor">
+      <a:schemeClr val="tx1"/>
+    </cs:fontRef>
+  </cs:plotArea>
+  <cs:plotArea3D mods="allowNoFillOverride allowNoLineOverride">
+    <cs:lnRef idx="0"/>
+    <cs:fillRef idx="0"/>
+    <cs:effectRef idx="0"/>
+    <cs:fontRef idx="minor">
+      <a:schemeClr val="tx1"/>
+    </cs:fontRef>
+  </cs:plotArea3D>
+  <cs:seriesAxis>
+    <cs:lnRef idx="0"/>
+    <cs:fillRef idx="0"/>
+    <cs:effectRef idx="0"/>
+    <cs:fontRef idx="minor">
+      <a:schemeClr val="tx1">
+        <a:lumMod val="65000"/>
+        <a:lumOff val="35000"/>
+      </a:schemeClr>
+    </cs:fontRef>
+    <cs:defRPr sz="1197" kern="1200"/>
+  </cs:seriesAxis>
+  <cs:seriesLine>
+    <cs:lnRef idx="0"/>
+    <cs:fillRef idx="0"/>
+    <cs:effectRef idx="0"/>
+    <cs:fontRef idx="minor">
+      <a:schemeClr val="tx1"/>
+    </cs:fontRef>
+    <cs:spPr>
+      <a:ln w="9525" cap="flat" cmpd="sng" algn="ctr">
+        <a:solidFill>
+          <a:schemeClr val="tx1">
+            <a:lumMod val="35000"/>
+            <a:lumOff val="65000"/>
+          </a:schemeClr>
+        </a:solidFill>
+        <a:round/>
+      </a:ln>
+    </cs:spPr>
+  </cs:seriesLine>
+  <cs:title>
+    <cs:lnRef idx="0"/>
+    <cs:fillRef idx="0"/>
+    <cs:effectRef idx="0"/>
+    <cs:fontRef idx="minor">
+      <a:schemeClr val="tx1">
+        <a:lumMod val="65000"/>
+        <a:lumOff val="35000"/>
+      </a:schemeClr>
+    </cs:fontRef>
+    <cs:defRPr sz="1862" b="0" kern="1200" spc="0" baseline="0"/>
+  </cs:title>
+  <cs:trendline>
+    <cs:lnRef idx="0">
+      <cs:styleClr val="auto"/>
+    </cs:lnRef>
+    <cs:fillRef idx="0"/>
+    <cs:effectRef idx="0"/>
+    <cs:fontRef idx="minor">
+      <a:schemeClr val="tx1"/>
+    </cs:fontRef>
+    <cs:spPr>
+      <a:ln w="19050" cap="rnd">
+        <a:solidFill>
+          <a:schemeClr val="phClr"/>
+        </a:solidFill>
+        <a:prstDash val="sysDot"/>
+      </a:ln>
+    </cs:spPr>
+  </cs:trendline>
+  <cs:trendlineLabel>
+    <cs:lnRef idx="0"/>
+    <cs:fillRef idx="0"/>
+    <cs:effectRef idx="0"/>
+    <cs:fontRef idx="minor">
+      <a:schemeClr val="tx1">
+        <a:lumMod val="65000"/>
+        <a:lumOff val="35000"/>
+      </a:schemeClr>
+    </cs:fontRef>
+    <cs:defRPr sz="1197" kern="1200"/>
+  </cs:trendlineLabel>
+  <cs:upBar>
+    <cs:lnRef idx="0"/>
+    <cs:fillRef idx="0"/>
+    <cs:effectRef idx="0"/>
+    <cs:fontRef idx="minor">
+      <a:schemeClr val="tx1"/>
+    </cs:fontRef>
+    <cs:spPr>
+      <a:solidFill>
+        <a:schemeClr val="lt1"/>
+      </a:solidFill>
+      <a:ln w="9525" cap="flat" cmpd="sng" algn="ctr">
+        <a:solidFill>
+          <a:schemeClr val="tx1">
+            <a:lumMod val="65000"/>
+            <a:lumOff val="35000"/>
+          </a:schemeClr>
+        </a:solidFill>
+        <a:round/>
+      </a:ln>
+    </cs:spPr>
+  </cs:upBar>
+  <cs:valueAxis>
+    <cs:lnRef idx="0"/>
+    <cs:fillRef idx="0"/>
+    <cs:effectRef idx="0"/>
+    <cs:fontRef idx="minor">
+      <a:schemeClr val="tx1">
+        <a:lumMod val="65000"/>
+        <a:lumOff val="35000"/>
+      </a:schemeClr>
+    </cs:fontRef>
+    <cs:defRPr sz="1197" kern="1200"/>
+  </cs:valueAxis>
+  <cs:wall>
+    <cs:lnRef idx="0"/>
+    <cs:fillRef idx="0"/>
+    <cs:effectRef idx="0"/>
+    <cs:fontRef idx="minor">
+      <a:schemeClr val="tx1"/>
+    </cs:fontRef>
+    <cs:spPr>
+      <a:noFill/>
+      <a:ln>
+        <a:noFill/>
+      </a:ln>
+    </cs:spPr>
+  </cs:wall>
+</cs:chartStyle>
 </file>
 
 <file path=ppt/handoutMasters/handoutMaster1.xml><?xml version="1.0" encoding="utf-8"?>
@@ -1258,6 +2254,115 @@
   <p:cSld>
     <p:spTree>
       <p:nvGrpSpPr>
+        <p:cNvPr id="1" name="Shape 203"/>
+        <p:cNvGrpSpPr/>
+        <p:nvPr/>
+      </p:nvGrpSpPr>
+      <p:grpSpPr>
+        <a:xfrm>
+          <a:off x="0" y="0"/>
+          <a:ext cx="0" cy="0"/>
+          <a:chOff x="0" y="0"/>
+          <a:chExt cx="0" cy="0"/>
+        </a:xfrm>
+      </p:grpSpPr>
+      <p:sp>
+        <p:nvSpPr>
+          <p:cNvPr id="204" name="Google Shape;204;g1b16c18d105_0_107:notes"/>
+          <p:cNvSpPr>
+            <a:spLocks noGrp="1" noRot="1" noChangeAspect="1"/>
+          </p:cNvSpPr>
+          <p:nvPr>
+            <p:ph type="sldImg" idx="2"/>
+          </p:nvPr>
+        </p:nvSpPr>
+        <p:spPr>
+          <a:xfrm>
+            <a:off x="381000" y="685800"/>
+            <a:ext cx="6096000" cy="3429000"/>
+          </a:xfrm>
+          <a:custGeom>
+            <a:avLst/>
+            <a:gdLst/>
+            <a:ahLst/>
+            <a:cxnLst/>
+            <a:rect l="l" t="t" r="r" b="b"/>
+            <a:pathLst>
+              <a:path w="120000" h="120000" extrusionOk="0">
+                <a:moveTo>
+                  <a:pt x="0" y="0"/>
+                </a:moveTo>
+                <a:lnTo>
+                  <a:pt x="120000" y="0"/>
+                </a:lnTo>
+                <a:lnTo>
+                  <a:pt x="120000" y="120000"/>
+                </a:lnTo>
+                <a:lnTo>
+                  <a:pt x="0" y="120000"/>
+                </a:lnTo>
+                <a:close/>
+              </a:path>
+            </a:pathLst>
+          </a:custGeom>
+        </p:spPr>
+      </p:sp>
+      <p:sp>
+        <p:nvSpPr>
+          <p:cNvPr id="205" name="Google Shape;205;g1b16c18d105_0_107:notes"/>
+          <p:cNvSpPr txBox="1">
+            <a:spLocks noGrp="1"/>
+          </p:cNvSpPr>
+          <p:nvPr>
+            <p:ph type="body" idx="1"/>
+          </p:nvPr>
+        </p:nvSpPr>
+        <p:spPr>
+          <a:xfrm>
+            <a:off x="685800" y="4343400"/>
+            <a:ext cx="5486400" cy="4114800"/>
+          </a:xfrm>
+          <a:prstGeom prst="rect">
+            <a:avLst/>
+          </a:prstGeom>
+        </p:spPr>
+        <p:txBody>
+          <a:bodyPr spcFirstLastPara="1" wrap="square" lIns="91425" tIns="91425" rIns="91425" bIns="91425" anchor="t" anchorCtr="0">
+            <a:noAutofit/>
+          </a:bodyPr>
+          <a:lstStyle/>
+          <a:p>
+            <a:pPr marL="0" lvl="0" indent="0" algn="l" rtl="0">
+              <a:spcBef>
+                <a:spcPts val="0"/>
+              </a:spcBef>
+              <a:spcAft>
+                <a:spcPts val="0"/>
+              </a:spcAft>
+              <a:buNone/>
+            </a:pPr>
+            <a:endParaRPr/>
+          </a:p>
+        </p:txBody>
+      </p:sp>
+    </p:spTree>
+    <p:extLst>
+      <p:ext uri="{BB962C8B-B14F-4D97-AF65-F5344CB8AC3E}">
+        <p14:creationId xmlns:p14="http://schemas.microsoft.com/office/powerpoint/2010/main" val="1032861148"/>
+      </p:ext>
+    </p:extLst>
+  </p:cSld>
+  <p:clrMapOvr>
+    <a:masterClrMapping/>
+  </p:clrMapOvr>
+</p:notes>
+</file>
+
+<file path=ppt/notesSlides/notesSlide5.xml><?xml version="1.0" encoding="utf-8"?>
+<p:notes xmlns:a="http://schemas.openxmlformats.org/drawingml/2006/main" xmlns:r="http://schemas.openxmlformats.org/officeDocument/2006/relationships" xmlns:p="http://schemas.openxmlformats.org/presentationml/2006/main" showMasterSp="0" showMasterPhAnim="0">
+  <p:cSld>
+    <p:spTree>
+      <p:nvGrpSpPr>
         <p:cNvPr id="1" name="Shape 462"/>
         <p:cNvGrpSpPr/>
         <p:nvPr/>
@@ -1362,7 +2467,7 @@
 </p:notes>
 </file>
 
-<file path=ppt/notesSlides/notesSlide5.xml><?xml version="1.0" encoding="utf-8"?>
+<file path=ppt/notesSlides/notesSlide6.xml><?xml version="1.0" encoding="utf-8"?>
 <p:notes xmlns:a="http://schemas.openxmlformats.org/drawingml/2006/main" xmlns:r="http://schemas.openxmlformats.org/officeDocument/2006/relationships" xmlns:p="http://schemas.openxmlformats.org/presentationml/2006/main" showMasterSp="0" showMasterPhAnim="0">
   <p:cSld>
     <p:spTree>
@@ -13960,104 +15065,6 @@
         <p:cNvPr id="1" name="">
           <a:extLst>
             <a:ext uri="{FF2B5EF4-FFF2-40B4-BE49-F238E27FC236}">
-              <a16:creationId xmlns:a16="http://schemas.microsoft.com/office/drawing/2014/main" id="{08F0F22B-A3A1-19BB-5E8F-5C7C801D5BFF}"/>
-            </a:ext>
-          </a:extLst>
-        </p:cNvPr>
-        <p:cNvGrpSpPr/>
-        <p:nvPr/>
-      </p:nvGrpSpPr>
-      <p:grpSpPr>
-        <a:xfrm>
-          <a:off x="0" y="0"/>
-          <a:ext cx="0" cy="0"/>
-          <a:chOff x="0" y="0"/>
-          <a:chExt cx="0" cy="0"/>
-        </a:xfrm>
-      </p:grpSpPr>
-      <p:sp>
-        <p:nvSpPr>
-          <p:cNvPr id="2" name="Titre 1">
-            <a:extLst>
-              <a:ext uri="{FF2B5EF4-FFF2-40B4-BE49-F238E27FC236}">
-                <a16:creationId xmlns:a16="http://schemas.microsoft.com/office/drawing/2014/main" id="{3019F34C-F1AF-D5E2-90D5-74955419DE4F}"/>
-              </a:ext>
-            </a:extLst>
-          </p:cNvPr>
-          <p:cNvSpPr>
-            <a:spLocks noGrp="1"/>
-          </p:cNvSpPr>
-          <p:nvPr>
-            <p:ph type="title"/>
-          </p:nvPr>
-        </p:nvSpPr>
-        <p:spPr/>
-        <p:txBody>
-          <a:bodyPr/>
-          <a:lstStyle/>
-          <a:p>
-            <a:r>
-              <a:rPr lang="fr-FR" dirty="0"/>
-              <a:t>Application web</a:t>
-            </a:r>
-            <a:br>
-              <a:rPr lang="fr-FR" dirty="0"/>
-            </a:br>
-            <a:endParaRPr lang="fr-FR" dirty="0"/>
-          </a:p>
-        </p:txBody>
-      </p:sp>
-      <p:pic>
-        <p:nvPicPr>
-          <p:cNvPr id="4" name="Image 3">
-            <a:extLst>
-              <a:ext uri="{FF2B5EF4-FFF2-40B4-BE49-F238E27FC236}">
-                <a16:creationId xmlns:a16="http://schemas.microsoft.com/office/drawing/2014/main" id="{291A9DAF-95C3-011B-C877-D72D4C1B9C73}"/>
-              </a:ext>
-            </a:extLst>
-          </p:cNvPr>
-          <p:cNvPicPr>
-            <a:picLocks noChangeAspect="1"/>
-          </p:cNvPicPr>
-          <p:nvPr/>
-        </p:nvPicPr>
-        <p:blipFill>
-          <a:blip r:embed="rId2"/>
-          <a:stretch>
-            <a:fillRect/>
-          </a:stretch>
-        </p:blipFill>
-        <p:spPr>
-          <a:xfrm>
-            <a:off x="3320298" y="1214324"/>
-            <a:ext cx="2503404" cy="3356475"/>
-          </a:xfrm>
-          <a:prstGeom prst="rect">
-            <a:avLst/>
-          </a:prstGeom>
-        </p:spPr>
-      </p:pic>
-    </p:spTree>
-    <p:extLst>
-      <p:ext uri="{BB962C8B-B14F-4D97-AF65-F5344CB8AC3E}">
-        <p14:creationId xmlns:p14="http://schemas.microsoft.com/office/powerpoint/2010/main" val="1265896715"/>
-      </p:ext>
-    </p:extLst>
-  </p:cSld>
-  <p:clrMapOvr>
-    <a:masterClrMapping/>
-  </p:clrMapOvr>
-</p:sld>
-</file>
-
-<file path=ppt/slides/slide11.xml><?xml version="1.0" encoding="utf-8"?>
-<p:sld xmlns:a="http://schemas.openxmlformats.org/drawingml/2006/main" xmlns:r="http://schemas.openxmlformats.org/officeDocument/2006/relationships" xmlns:p="http://schemas.openxmlformats.org/presentationml/2006/main">
-  <p:cSld>
-    <p:spTree>
-      <p:nvGrpSpPr>
-        <p:cNvPr id="1" name="">
-          <a:extLst>
-            <a:ext uri="{FF2B5EF4-FFF2-40B4-BE49-F238E27FC236}">
               <a16:creationId xmlns:a16="http://schemas.microsoft.com/office/drawing/2014/main" id="{FE6E1A45-E070-1E29-0921-DF82A8DBB38C}"/>
             </a:ext>
           </a:extLst>
@@ -14119,13 +15126,99 @@
         </p:nvSpPr>
         <p:spPr>
           <a:xfrm>
-            <a:off x="720000" y="1653350"/>
-            <a:ext cx="3601924" cy="2298300"/>
+            <a:off x="719999" y="1653350"/>
+            <a:ext cx="4237255" cy="2298300"/>
           </a:xfrm>
         </p:spPr>
         <p:txBody>
           <a:bodyPr/>
           <a:lstStyle/>
+          <a:p>
+            <a:r>
+              <a:rPr lang="fr-FR" dirty="0">
+                <a:solidFill>
+                  <a:srgbClr val="F8F8F8"/>
+                </a:solidFill>
+              </a:rPr>
+              <a:t>API first</a:t>
+            </a:r>
+          </a:p>
+          <a:p>
+            <a:r>
+              <a:rPr lang="fr-FR" dirty="0">
+                <a:solidFill>
+                  <a:srgbClr val="F8F8F8"/>
+                </a:solidFill>
+              </a:rPr>
+              <a:t>API RESTful</a:t>
+            </a:r>
+          </a:p>
+          <a:p>
+            <a:r>
+              <a:rPr lang="fr-FR" dirty="0">
+                <a:solidFill>
+                  <a:srgbClr val="F8F8F8"/>
+                </a:solidFill>
+              </a:rPr>
+              <a:t>Test de l’API</a:t>
+            </a:r>
+          </a:p>
+          <a:p>
+            <a:r>
+              <a:rPr lang="fr-FR" dirty="0">
+                <a:solidFill>
+                  <a:srgbClr val="F8F8F8"/>
+                </a:solidFill>
+              </a:rPr>
+              <a:t>Test de l’interface de l’application web</a:t>
+            </a:r>
+          </a:p>
+          <a:p>
+            <a:r>
+              <a:rPr lang="fr-FR" dirty="0">
+                <a:solidFill>
+                  <a:srgbClr val="F8F8F8"/>
+                </a:solidFill>
+              </a:rPr>
+              <a:t>JWT</a:t>
+            </a:r>
+          </a:p>
+          <a:p>
+            <a:r>
+              <a:rPr lang="fr-FR" dirty="0">
+                <a:solidFill>
+                  <a:srgbClr val="F8F8F8"/>
+                </a:solidFill>
+              </a:rPr>
+              <a:t>Token/</a:t>
+            </a:r>
+            <a:r>
+              <a:rPr lang="fr-FR" dirty="0" err="1">
+                <a:solidFill>
+                  <a:srgbClr val="F8F8F8"/>
+                </a:solidFill>
+              </a:rPr>
+              <a:t>Refresh</a:t>
+            </a:r>
+            <a:r>
+              <a:rPr lang="fr-FR" dirty="0">
+                <a:solidFill>
+                  <a:srgbClr val="F8F8F8"/>
+                </a:solidFill>
+              </a:rPr>
+              <a:t> Token</a:t>
+            </a:r>
+          </a:p>
+          <a:p>
+            <a:r>
+              <a:rPr lang="fr-FR" dirty="0">
+                <a:solidFill>
+                  <a:srgbClr val="F8F8F8"/>
+                </a:solidFill>
+              </a:rPr>
+              <a:t>CI/CD</a:t>
+            </a:r>
+          </a:p>
           <a:p>
             <a:endParaRPr lang="fr-FR" dirty="0">
               <a:solidFill>
@@ -14148,7 +15241,7 @@
 </p:sld>
 </file>
 
-<file path=ppt/slides/slide12.xml><?xml version="1.0" encoding="utf-8"?>
+<file path=ppt/slides/slide11.xml><?xml version="1.0" encoding="utf-8"?>
 <p:sld xmlns:a="http://schemas.openxmlformats.org/drawingml/2006/main" xmlns:r="http://schemas.openxmlformats.org/officeDocument/2006/relationships" xmlns:p="http://schemas.openxmlformats.org/presentationml/2006/main">
   <p:cSld>
     <p:spTree>
@@ -14217,17 +15310,85 @@
         </p:nvSpPr>
         <p:spPr>
           <a:xfrm>
-            <a:off x="720000" y="1653350"/>
-            <a:ext cx="3601924" cy="2298300"/>
+            <a:off x="719999" y="1653350"/>
+            <a:ext cx="7769531" cy="2298300"/>
           </a:xfrm>
         </p:spPr>
         <p:txBody>
           <a:bodyPr/>
           <a:lstStyle/>
           <a:p>
-            <a:endParaRPr lang="fr-FR" dirty="0">
+            <a:pPr algn="l"/>
+            <a:endParaRPr lang="fr-FR" sz="2000" b="1" i="0" dirty="0">
               <a:solidFill>
-                <a:srgbClr val="F8F8F8"/>
+                <a:schemeClr val="tx1"/>
+              </a:solidFill>
+              <a:effectLst/>
+              <a:latin typeface="-apple-system"/>
+            </a:endParaRPr>
+          </a:p>
+          <a:p>
+            <a:pPr algn="l"/>
+            <a:r>
+              <a:rPr lang="fr-FR" sz="2000" b="1" i="0" dirty="0">
+                <a:solidFill>
+                  <a:schemeClr val="tx1"/>
+                </a:solidFill>
+                <a:effectLst/>
+                <a:latin typeface="-apple-system"/>
+              </a:rPr>
+              <a:t>C1 - Adapter des applications sur un ensemble de supports</a:t>
+            </a:r>
+          </a:p>
+          <a:p>
+            <a:pPr lvl="1" algn="l">
+              <a:buFont typeface="Arial" panose="020B0604020202020204" pitchFamily="34" charset="0"/>
+              <a:buChar char="•"/>
+            </a:pPr>
+            <a:r>
+              <a:rPr lang="fr-FR" sz="1800" b="0" i="0" dirty="0">
+                <a:solidFill>
+                  <a:schemeClr val="tx1"/>
+                </a:solidFill>
+                <a:effectLst/>
+                <a:latin typeface="-apple-system"/>
+              </a:rPr>
+              <a:t>AC 1 Choisir et implémenter les architectures adaptées</a:t>
+            </a:r>
+          </a:p>
+          <a:p>
+            <a:pPr lvl="1" algn="l">
+              <a:buFont typeface="Arial" panose="020B0604020202020204" pitchFamily="34" charset="0"/>
+              <a:buChar char="•"/>
+            </a:pPr>
+            <a:r>
+              <a:rPr lang="fr-FR" sz="1800" b="0" i="0" dirty="0">
+                <a:solidFill>
+                  <a:schemeClr val="tx1"/>
+                </a:solidFill>
+                <a:effectLst/>
+                <a:latin typeface="-apple-system"/>
+              </a:rPr>
+              <a:t>AC 3 Intégrer des solutions dans un environnement de production</a:t>
+            </a:r>
+          </a:p>
+          <a:p>
+            <a:pPr lvl="1" algn="l">
+              <a:buFont typeface="Arial" panose="020B0604020202020204" pitchFamily="34" charset="0"/>
+              <a:buChar char="•"/>
+            </a:pPr>
+            <a:endParaRPr lang="fr-FR" b="0" i="0" dirty="0">
+              <a:solidFill>
+                <a:schemeClr val="tx1"/>
+              </a:solidFill>
+              <a:effectLst/>
+              <a:latin typeface="-apple-system"/>
+            </a:endParaRPr>
+          </a:p>
+          <a:p>
+            <a:endParaRPr lang="fr-FR" sz="1400" dirty="0">
+              <a:solidFill>
+                <a:schemeClr val="tx1"/>
               </a:solidFill>
             </a:endParaRPr>
           </a:p>
@@ -14246,7 +15407,308 @@
 </p:sld>
 </file>
 
+<file path=ppt/slides/slide12.xml><?xml version="1.0" encoding="utf-8"?>
+<p:sld xmlns:a="http://schemas.openxmlformats.org/drawingml/2006/main" xmlns:r="http://schemas.openxmlformats.org/officeDocument/2006/relationships" xmlns:p="http://schemas.openxmlformats.org/presentationml/2006/main">
+  <p:cSld>
+    <p:spTree>
+      <p:nvGrpSpPr>
+        <p:cNvPr id="1" name="">
+          <a:extLst>
+            <a:ext uri="{FF2B5EF4-FFF2-40B4-BE49-F238E27FC236}">
+              <a16:creationId xmlns:a16="http://schemas.microsoft.com/office/drawing/2014/main" id="{F28AFCE7-BDCF-C032-55B1-DB103D2D437A}"/>
+            </a:ext>
+          </a:extLst>
+        </p:cNvPr>
+        <p:cNvGrpSpPr/>
+        <p:nvPr/>
+      </p:nvGrpSpPr>
+      <p:grpSpPr>
+        <a:xfrm>
+          <a:off x="0" y="0"/>
+          <a:ext cx="0" cy="0"/>
+          <a:chOff x="0" y="0"/>
+          <a:chExt cx="0" cy="0"/>
+        </a:xfrm>
+      </p:grpSpPr>
+      <p:sp>
+        <p:nvSpPr>
+          <p:cNvPr id="2" name="Titre 1">
+            <a:extLst>
+              <a:ext uri="{FF2B5EF4-FFF2-40B4-BE49-F238E27FC236}">
+                <a16:creationId xmlns:a16="http://schemas.microsoft.com/office/drawing/2014/main" id="{843929CA-5C76-56E4-A497-CE9048CABDF7}"/>
+              </a:ext>
+            </a:extLst>
+          </p:cNvPr>
+          <p:cNvSpPr>
+            <a:spLocks noGrp="1"/>
+          </p:cNvSpPr>
+          <p:nvPr>
+            <p:ph type="title"/>
+          </p:nvPr>
+        </p:nvSpPr>
+        <p:spPr/>
+        <p:txBody>
+          <a:bodyPr/>
+          <a:lstStyle/>
+          <a:p>
+            <a:r>
+              <a:rPr lang="fr-FR" dirty="0"/>
+              <a:t>Compétences mises en œuvre </a:t>
+            </a:r>
+          </a:p>
+        </p:txBody>
+      </p:sp>
+      <p:sp>
+        <p:nvSpPr>
+          <p:cNvPr id="3" name="Sous-titre 2">
+            <a:extLst>
+              <a:ext uri="{FF2B5EF4-FFF2-40B4-BE49-F238E27FC236}">
+                <a16:creationId xmlns:a16="http://schemas.microsoft.com/office/drawing/2014/main" id="{ADA6B896-E226-27E9-2738-B04FF9E4747C}"/>
+              </a:ext>
+            </a:extLst>
+          </p:cNvPr>
+          <p:cNvSpPr>
+            <a:spLocks noGrp="1"/>
+          </p:cNvSpPr>
+          <p:nvPr>
+            <p:ph type="subTitle" idx="1"/>
+          </p:nvPr>
+        </p:nvSpPr>
+        <p:spPr>
+          <a:xfrm>
+            <a:off x="719999" y="1653350"/>
+            <a:ext cx="7769531" cy="2298300"/>
+          </a:xfrm>
+        </p:spPr>
+        <p:txBody>
+          <a:bodyPr/>
+          <a:lstStyle/>
+          <a:p>
+            <a:pPr lvl="1" algn="l">
+              <a:buFont typeface="Arial" panose="020B0604020202020204" pitchFamily="34" charset="0"/>
+              <a:buChar char="•"/>
+            </a:pPr>
+            <a:endParaRPr lang="fr-FR" sz="1200" b="0" i="0" dirty="0">
+              <a:solidFill>
+                <a:schemeClr val="tx1"/>
+              </a:solidFill>
+              <a:effectLst/>
+              <a:latin typeface="-apple-system"/>
+            </a:endParaRPr>
+          </a:p>
+          <a:p>
+            <a:pPr algn="l"/>
+            <a:r>
+              <a:rPr lang="fr-FR" sz="2000" b="1" i="0" dirty="0">
+                <a:solidFill>
+                  <a:schemeClr val="tx1"/>
+                </a:solidFill>
+                <a:effectLst/>
+                <a:latin typeface="-apple-system"/>
+              </a:rPr>
+              <a:t>C2 - Analyser et optimiser des applications</a:t>
+            </a:r>
+          </a:p>
+          <a:p>
+            <a:pPr lvl="1" algn="l">
+              <a:buFont typeface="Arial" panose="020B0604020202020204" pitchFamily="34" charset="0"/>
+              <a:buChar char="•"/>
+            </a:pPr>
+            <a:r>
+              <a:rPr lang="fr-FR" sz="1800" b="0" i="0" dirty="0">
+                <a:solidFill>
+                  <a:schemeClr val="tx1"/>
+                </a:solidFill>
+                <a:effectLst/>
+                <a:latin typeface="-apple-system"/>
+              </a:rPr>
+              <a:t>AC 1 Anticiper les résultats de diverses métriques (temps d’exécution, occupation mémoire…)</a:t>
+            </a:r>
+          </a:p>
+          <a:p>
+            <a:pPr lvl="1" algn="l">
+              <a:buFont typeface="Arial" panose="020B0604020202020204" pitchFamily="34" charset="0"/>
+              <a:buChar char="•"/>
+            </a:pPr>
+            <a:r>
+              <a:rPr lang="fr-FR" sz="1800" b="0" i="0" dirty="0">
+                <a:solidFill>
+                  <a:schemeClr val="tx1"/>
+                </a:solidFill>
+                <a:effectLst/>
+                <a:latin typeface="-apple-system"/>
+              </a:rPr>
+              <a:t>AC 3 Choisir et utiliser des bibliothèques et méthodes dédiées au domaine d’application (imagerie, immersion, intelligence artificielle, jeux vidéos, parallélisme, calcul formel…)</a:t>
+            </a:r>
+          </a:p>
+          <a:p>
+            <a:pPr lvl="1" algn="l">
+              <a:buFont typeface="Arial" panose="020B0604020202020204" pitchFamily="34" charset="0"/>
+              <a:buChar char="•"/>
+            </a:pPr>
+            <a:endParaRPr lang="fr-FR" sz="1200" b="0" i="0" dirty="0">
+              <a:solidFill>
+                <a:schemeClr val="tx1"/>
+              </a:solidFill>
+              <a:effectLst/>
+              <a:latin typeface="-apple-system"/>
+            </a:endParaRPr>
+          </a:p>
+        </p:txBody>
+      </p:sp>
+    </p:spTree>
+    <p:extLst>
+      <p:ext uri="{BB962C8B-B14F-4D97-AF65-F5344CB8AC3E}">
+        <p14:creationId xmlns:p14="http://schemas.microsoft.com/office/powerpoint/2010/main" val="3454067810"/>
+      </p:ext>
+    </p:extLst>
+  </p:cSld>
+  <p:clrMapOvr>
+    <a:masterClrMapping/>
+  </p:clrMapOvr>
+</p:sld>
+</file>
+
 <file path=ppt/slides/slide13.xml><?xml version="1.0" encoding="utf-8"?>
+<p:sld xmlns:a="http://schemas.openxmlformats.org/drawingml/2006/main" xmlns:r="http://schemas.openxmlformats.org/officeDocument/2006/relationships" xmlns:p="http://schemas.openxmlformats.org/presentationml/2006/main">
+  <p:cSld>
+    <p:spTree>
+      <p:nvGrpSpPr>
+        <p:cNvPr id="1" name="">
+          <a:extLst>
+            <a:ext uri="{FF2B5EF4-FFF2-40B4-BE49-F238E27FC236}">
+              <a16:creationId xmlns:a16="http://schemas.microsoft.com/office/drawing/2014/main" id="{DD86BB25-491A-A4A2-42A5-1AC2FC3C8938}"/>
+            </a:ext>
+          </a:extLst>
+        </p:cNvPr>
+        <p:cNvGrpSpPr/>
+        <p:nvPr/>
+      </p:nvGrpSpPr>
+      <p:grpSpPr>
+        <a:xfrm>
+          <a:off x="0" y="0"/>
+          <a:ext cx="0" cy="0"/>
+          <a:chOff x="0" y="0"/>
+          <a:chExt cx="0" cy="0"/>
+        </a:xfrm>
+      </p:grpSpPr>
+      <p:sp>
+        <p:nvSpPr>
+          <p:cNvPr id="2" name="Titre 1">
+            <a:extLst>
+              <a:ext uri="{FF2B5EF4-FFF2-40B4-BE49-F238E27FC236}">
+                <a16:creationId xmlns:a16="http://schemas.microsoft.com/office/drawing/2014/main" id="{5A3DFF06-EA44-8007-C002-57C1737D3BB1}"/>
+              </a:ext>
+            </a:extLst>
+          </p:cNvPr>
+          <p:cNvSpPr>
+            <a:spLocks noGrp="1"/>
+          </p:cNvSpPr>
+          <p:nvPr>
+            <p:ph type="title"/>
+          </p:nvPr>
+        </p:nvSpPr>
+        <p:spPr/>
+        <p:txBody>
+          <a:bodyPr/>
+          <a:lstStyle/>
+          <a:p>
+            <a:r>
+              <a:rPr lang="fr-FR" dirty="0"/>
+              <a:t>Compétences mises en œuvre </a:t>
+            </a:r>
+          </a:p>
+        </p:txBody>
+      </p:sp>
+      <p:sp>
+        <p:nvSpPr>
+          <p:cNvPr id="3" name="Sous-titre 2">
+            <a:extLst>
+              <a:ext uri="{FF2B5EF4-FFF2-40B4-BE49-F238E27FC236}">
+                <a16:creationId xmlns:a16="http://schemas.microsoft.com/office/drawing/2014/main" id="{75DAEE4F-67A3-B596-96F1-BDFABE37C2E2}"/>
+              </a:ext>
+            </a:extLst>
+          </p:cNvPr>
+          <p:cNvSpPr>
+            <a:spLocks noGrp="1"/>
+          </p:cNvSpPr>
+          <p:nvPr>
+            <p:ph type="subTitle" idx="1"/>
+          </p:nvPr>
+        </p:nvSpPr>
+        <p:spPr>
+          <a:xfrm>
+            <a:off x="719999" y="1653350"/>
+            <a:ext cx="7769531" cy="2298300"/>
+          </a:xfrm>
+        </p:spPr>
+        <p:txBody>
+          <a:bodyPr/>
+          <a:lstStyle/>
+          <a:p>
+            <a:pPr marL="596900" lvl="1" indent="0" algn="l">
+              <a:buNone/>
+            </a:pPr>
+            <a:endParaRPr lang="fr-FR" b="0" i="0" dirty="0">
+              <a:solidFill>
+                <a:schemeClr val="tx1"/>
+              </a:solidFill>
+              <a:effectLst/>
+              <a:latin typeface="-apple-system"/>
+            </a:endParaRPr>
+          </a:p>
+          <a:p>
+            <a:pPr algn="l"/>
+            <a:r>
+              <a:rPr lang="fr-FR" sz="2000" b="1" i="0" dirty="0">
+                <a:solidFill>
+                  <a:schemeClr val="tx1"/>
+                </a:solidFill>
+                <a:effectLst/>
+                <a:latin typeface="-apple-system"/>
+              </a:rPr>
+              <a:t>C6 - Manager une équipe informatique</a:t>
+            </a:r>
+          </a:p>
+          <a:p>
+            <a:pPr lvl="1" algn="l">
+              <a:buFont typeface="Arial" panose="020B0604020202020204" pitchFamily="34" charset="0"/>
+              <a:buChar char="•"/>
+            </a:pPr>
+            <a:r>
+              <a:rPr lang="fr-FR" sz="1800" b="0" i="0" dirty="0">
+                <a:solidFill>
+                  <a:schemeClr val="tx1"/>
+                </a:solidFill>
+                <a:effectLst/>
+                <a:latin typeface="-apple-system"/>
+              </a:rPr>
+              <a:t>AC 1 Organiser et partager une veille numérique</a:t>
+            </a:r>
+          </a:p>
+          <a:p>
+            <a:endParaRPr lang="fr-FR" sz="1400" dirty="0">
+              <a:solidFill>
+                <a:schemeClr val="tx1"/>
+              </a:solidFill>
+            </a:endParaRPr>
+          </a:p>
+        </p:txBody>
+      </p:sp>
+    </p:spTree>
+    <p:extLst>
+      <p:ext uri="{BB962C8B-B14F-4D97-AF65-F5344CB8AC3E}">
+        <p14:creationId xmlns:p14="http://schemas.microsoft.com/office/powerpoint/2010/main" val="1297909407"/>
+      </p:ext>
+    </p:extLst>
+  </p:cSld>
+  <p:clrMapOvr>
+    <a:masterClrMapping/>
+  </p:clrMapOvr>
+</p:sld>
+</file>
+
+<file path=ppt/slides/slide14.xml><?xml version="1.0" encoding="utf-8"?>
 <p:sld xmlns:a="http://schemas.openxmlformats.org/drawingml/2006/main" xmlns:r="http://schemas.openxmlformats.org/officeDocument/2006/relationships" xmlns:p="http://schemas.openxmlformats.org/presentationml/2006/main">
   <p:cSld>
     <p:spTree>
@@ -14297,40 +15759,36 @@
           </a:p>
         </p:txBody>
       </p:sp>
-      <p:sp>
-        <p:nvSpPr>
-          <p:cNvPr id="3" name="Sous-titre 2">
+      <p:pic>
+        <p:nvPicPr>
+          <p:cNvPr id="4" name="Image 3">
             <a:extLst>
               <a:ext uri="{FF2B5EF4-FFF2-40B4-BE49-F238E27FC236}">
-                <a16:creationId xmlns:a16="http://schemas.microsoft.com/office/drawing/2014/main" id="{3E3F8F7E-52A8-FB37-1917-23C8015991A1}"/>
+                <a16:creationId xmlns:a16="http://schemas.microsoft.com/office/drawing/2014/main" id="{319A860F-97EA-30A1-7BC0-2F69A800F01A}"/>
               </a:ext>
             </a:extLst>
           </p:cNvPr>
-          <p:cNvSpPr>
-            <a:spLocks noGrp="1"/>
-          </p:cNvSpPr>
-          <p:nvPr>
-            <p:ph type="subTitle" idx="1"/>
-          </p:nvPr>
-        </p:nvSpPr>
+          <p:cNvPicPr>
+            <a:picLocks noChangeAspect="1"/>
+          </p:cNvPicPr>
+          <p:nvPr/>
+        </p:nvPicPr>
+        <p:blipFill>
+          <a:blip r:embed="rId2"/>
+          <a:stretch>
+            <a:fillRect/>
+          </a:stretch>
+        </p:blipFill>
         <p:spPr>
           <a:xfrm>
-            <a:off x="720000" y="1653350"/>
-            <a:ext cx="3601924" cy="2298300"/>
+            <a:off x="1991001" y="1354959"/>
+            <a:ext cx="5161997" cy="3249041"/>
           </a:xfrm>
+          <a:prstGeom prst="rect">
+            <a:avLst/>
+          </a:prstGeom>
         </p:spPr>
-        <p:txBody>
-          <a:bodyPr/>
-          <a:lstStyle/>
-          <a:p>
-            <a:endParaRPr lang="fr-FR" dirty="0">
-              <a:solidFill>
-                <a:srgbClr val="F8F8F8"/>
-              </a:solidFill>
-            </a:endParaRPr>
-          </a:p>
-        </p:txBody>
-      </p:sp>
+      </p:pic>
     </p:spTree>
     <p:extLst>
       <p:ext uri="{BB962C8B-B14F-4D97-AF65-F5344CB8AC3E}">
@@ -14344,7 +15802,7 @@
 </p:sld>
 </file>
 
-<file path=ppt/slides/slide14.xml><?xml version="1.0" encoding="utf-8"?>
+<file path=ppt/slides/slide15.xml><?xml version="1.0" encoding="utf-8"?>
 <p:sld xmlns:a="http://schemas.openxmlformats.org/drawingml/2006/main" xmlns:r="http://schemas.openxmlformats.org/officeDocument/2006/relationships" xmlns:p="http://schemas.openxmlformats.org/presentationml/2006/main">
   <p:cSld>
     <p:spTree>
@@ -14352,7 +15810,7 @@
         <p:cNvPr id="1" name="">
           <a:extLst>
             <a:ext uri="{FF2B5EF4-FFF2-40B4-BE49-F238E27FC236}">
-              <a16:creationId xmlns:a16="http://schemas.microsoft.com/office/drawing/2014/main" id="{FFFFBD26-2972-3D9A-5CFD-AE14352BBC05}"/>
+              <a16:creationId xmlns:a16="http://schemas.microsoft.com/office/drawing/2014/main" id="{34EA85B8-17F2-E167-94D2-221EFD88D665}"/>
             </a:ext>
           </a:extLst>
         </p:cNvPr>
@@ -14372,7 +15830,7 @@
           <p:cNvPr id="2" name="Titre 1">
             <a:extLst>
               <a:ext uri="{FF2B5EF4-FFF2-40B4-BE49-F238E27FC236}">
-                <a16:creationId xmlns:a16="http://schemas.microsoft.com/office/drawing/2014/main" id="{2AAB5437-1166-71A8-2358-F0FCA006931C}"/>
+                <a16:creationId xmlns:a16="http://schemas.microsoft.com/office/drawing/2014/main" id="{00EFA617-3EDC-4FD3-7CA9-6ADCBC967738}"/>
               </a:ext>
             </a:extLst>
           </p:cNvPr>
@@ -14383,56 +15841,55 @@
             <p:ph type="title"/>
           </p:nvPr>
         </p:nvSpPr>
-        <p:spPr/>
+        <p:spPr>
+          <a:xfrm>
+            <a:off x="716550" y="53117"/>
+            <a:ext cx="7710900" cy="572700"/>
+          </a:xfrm>
+        </p:spPr>
         <p:txBody>
           <a:bodyPr/>
           <a:lstStyle/>
           <a:p>
             <a:r>
               <a:rPr lang="fr-FR" dirty="0"/>
-              <a:t>Conclusion</a:t>
+              <a:t>Temps passé sur le projet</a:t>
             </a:r>
           </a:p>
         </p:txBody>
       </p:sp>
-      <p:sp>
-        <p:nvSpPr>
-          <p:cNvPr id="3" name="Sous-titre 2">
+      <p:graphicFrame>
+        <p:nvGraphicFramePr>
+          <p:cNvPr id="17" name="Graphique 16">
             <a:extLst>
               <a:ext uri="{FF2B5EF4-FFF2-40B4-BE49-F238E27FC236}">
-                <a16:creationId xmlns:a16="http://schemas.microsoft.com/office/drawing/2014/main" id="{E56B1DC2-9F74-4675-D488-84F4DC9C64D4}"/>
+                <a16:creationId xmlns:a16="http://schemas.microsoft.com/office/drawing/2014/main" id="{89031376-62D4-3831-9763-8CF74443BD20}"/>
               </a:ext>
             </a:extLst>
           </p:cNvPr>
-          <p:cNvSpPr>
-            <a:spLocks noGrp="1"/>
-          </p:cNvSpPr>
+          <p:cNvGraphicFramePr/>
           <p:nvPr>
-            <p:ph type="subTitle" idx="1"/>
+            <p:extLst>
+              <p:ext uri="{D42A27DB-BD31-4B8C-83A1-F6EECF244321}">
+                <p14:modId xmlns:p14="http://schemas.microsoft.com/office/powerpoint/2010/main" val="3673706830"/>
+              </p:ext>
+            </p:extLst>
           </p:nvPr>
-        </p:nvSpPr>
-        <p:spPr>
-          <a:xfrm>
-            <a:off x="720000" y="1653350"/>
-            <a:ext cx="3601924" cy="2298300"/>
-          </a:xfrm>
-        </p:spPr>
-        <p:txBody>
-          <a:bodyPr/>
-          <a:lstStyle/>
-          <a:p>
-            <a:endParaRPr lang="fr-FR" dirty="0">
-              <a:solidFill>
-                <a:srgbClr val="F8F8F8"/>
-              </a:solidFill>
-            </a:endParaRPr>
-          </a:p>
-        </p:txBody>
-      </p:sp>
+        </p:nvGraphicFramePr>
+        <p:xfrm>
+          <a:off x="1378084" y="859281"/>
+          <a:ext cx="6943929" cy="4064000"/>
+        </p:xfrm>
+        <a:graphic>
+          <a:graphicData uri="http://schemas.openxmlformats.org/drawingml/2006/chart">
+            <c:chart xmlns:c="http://schemas.openxmlformats.org/drawingml/2006/chart" xmlns:r="http://schemas.openxmlformats.org/officeDocument/2006/relationships" r:id="rId2"/>
+          </a:graphicData>
+        </a:graphic>
+      </p:graphicFrame>
     </p:spTree>
     <p:extLst>
       <p:ext uri="{BB962C8B-B14F-4D97-AF65-F5344CB8AC3E}">
-        <p14:creationId xmlns:p14="http://schemas.microsoft.com/office/powerpoint/2010/main" val="3276771029"/>
+        <p14:creationId xmlns:p14="http://schemas.microsoft.com/office/powerpoint/2010/main" val="2166022073"/>
       </p:ext>
     </p:extLst>
   </p:cSld>
@@ -14442,7 +15899,1166 @@
 </p:sld>
 </file>
 
-<file path=ppt/slides/slide15.xml><?xml version="1.0" encoding="utf-8"?>
+<file path=ppt/slides/slide16.xml><?xml version="1.0" encoding="utf-8"?>
+<p:sld xmlns:a="http://schemas.openxmlformats.org/drawingml/2006/main" xmlns:r="http://schemas.openxmlformats.org/officeDocument/2006/relationships" xmlns:p="http://schemas.openxmlformats.org/presentationml/2006/main">
+  <p:cSld>
+    <p:spTree>
+      <p:nvGrpSpPr>
+        <p:cNvPr id="1" name="Shape 206"/>
+        <p:cNvGrpSpPr/>
+        <p:nvPr/>
+      </p:nvGrpSpPr>
+      <p:grpSpPr>
+        <a:xfrm>
+          <a:off x="0" y="0"/>
+          <a:ext cx="0" cy="0"/>
+          <a:chOff x="0" y="0"/>
+          <a:chExt cx="0" cy="0"/>
+        </a:xfrm>
+      </p:grpSpPr>
+      <p:sp>
+        <p:nvSpPr>
+          <p:cNvPr id="207" name="Google Shape;207;p16"/>
+          <p:cNvSpPr txBox="1">
+            <a:spLocks noGrp="1"/>
+          </p:cNvSpPr>
+          <p:nvPr>
+            <p:ph type="title"/>
+          </p:nvPr>
+        </p:nvSpPr>
+        <p:spPr>
+          <a:xfrm>
+            <a:off x="720000" y="539500"/>
+            <a:ext cx="7704000" cy="572700"/>
+          </a:xfrm>
+          <a:prstGeom prst="rect">
+            <a:avLst/>
+          </a:prstGeom>
+        </p:spPr>
+        <p:txBody>
+          <a:bodyPr spcFirstLastPara="1" wrap="square" lIns="91425" tIns="91425" rIns="91425" bIns="91425" anchor="t" anchorCtr="0">
+            <a:noAutofit/>
+          </a:bodyPr>
+          <a:lstStyle/>
+          <a:p>
+            <a:pPr marL="0" lvl="0" indent="0" algn="l" rtl="0">
+              <a:spcBef>
+                <a:spcPts val="0"/>
+              </a:spcBef>
+              <a:spcAft>
+                <a:spcPts val="0"/>
+              </a:spcAft>
+              <a:buNone/>
+            </a:pPr>
+            <a:r>
+              <a:rPr lang="en"/>
+              <a:t>Conclusion</a:t>
+            </a:r>
+            <a:endParaRPr/>
+          </a:p>
+        </p:txBody>
+      </p:sp>
+      <p:sp>
+        <p:nvSpPr>
+          <p:cNvPr id="208" name="Google Shape;208;p16"/>
+          <p:cNvSpPr/>
+          <p:nvPr/>
+        </p:nvSpPr>
+        <p:spPr>
+          <a:xfrm rot="16200000">
+            <a:off x="4062744" y="1702715"/>
+            <a:ext cx="965700" cy="965700"/>
+          </a:xfrm>
+          <a:prstGeom prst="rect">
+            <a:avLst/>
+          </a:prstGeom>
+          <a:solidFill>
+            <a:schemeClr val="accent3"/>
+          </a:solidFill>
+          <a:ln>
+            <a:noFill/>
+          </a:ln>
+        </p:spPr>
+        <p:txBody>
+          <a:bodyPr spcFirstLastPara="1" wrap="square" lIns="91425" tIns="91425" rIns="91425" bIns="91425" anchor="ctr" anchorCtr="0">
+            <a:noAutofit/>
+          </a:bodyPr>
+          <a:lstStyle/>
+          <a:p>
+            <a:pPr marL="0" lvl="0" indent="0" algn="l" rtl="0">
+              <a:spcBef>
+                <a:spcPts val="0"/>
+              </a:spcBef>
+              <a:spcAft>
+                <a:spcPts val="0"/>
+              </a:spcAft>
+              <a:buNone/>
+            </a:pPr>
+            <a:endParaRPr/>
+          </a:p>
+        </p:txBody>
+      </p:sp>
+      <p:grpSp>
+        <p:nvGrpSpPr>
+          <p:cNvPr id="209" name="Google Shape;209;p16"/>
+          <p:cNvGrpSpPr/>
+          <p:nvPr/>
+        </p:nvGrpSpPr>
+        <p:grpSpPr>
+          <a:xfrm>
+            <a:off x="713213" y="3694636"/>
+            <a:ext cx="2040312" cy="786947"/>
+            <a:chOff x="713213" y="3770836"/>
+            <a:chExt cx="2040312" cy="786947"/>
+          </a:xfrm>
+        </p:grpSpPr>
+        <p:sp>
+          <p:nvSpPr>
+            <p:cNvPr id="210" name="Google Shape;210;p16"/>
+            <p:cNvSpPr txBox="1"/>
+            <p:nvPr/>
+          </p:nvSpPr>
+          <p:spPr>
+            <a:xfrm>
+              <a:off x="713225" y="3770836"/>
+              <a:ext cx="2040300" cy="457200"/>
+            </a:xfrm>
+            <a:prstGeom prst="rect">
+              <a:avLst/>
+            </a:prstGeom>
+            <a:noFill/>
+            <a:ln>
+              <a:noFill/>
+            </a:ln>
+          </p:spPr>
+          <p:txBody>
+            <a:bodyPr spcFirstLastPara="1" wrap="square" lIns="91425" tIns="91425" rIns="91425" bIns="91425" anchor="b" anchorCtr="0">
+              <a:noAutofit/>
+            </a:bodyPr>
+            <a:lstStyle/>
+            <a:p>
+              <a:pPr marL="0" lvl="0" indent="0" algn="ctr" rtl="0">
+                <a:spcBef>
+                  <a:spcPts val="0"/>
+                </a:spcBef>
+                <a:spcAft>
+                  <a:spcPts val="0"/>
+                </a:spcAft>
+                <a:buNone/>
+              </a:pPr>
+              <a:r>
+                <a:rPr lang="fr-FR" sz="2000" dirty="0">
+                  <a:solidFill>
+                    <a:schemeClr val="dk1"/>
+                  </a:solidFill>
+                  <a:latin typeface="Share Tech"/>
+                  <a:ea typeface="Share Tech"/>
+                  <a:cs typeface="Share Tech"/>
+                  <a:sym typeface="Share Tech"/>
+                </a:rPr>
+                <a:t>ORGANISATION</a:t>
+              </a:r>
+              <a:endParaRPr sz="2000" dirty="0">
+                <a:solidFill>
+                  <a:schemeClr val="dk1"/>
+                </a:solidFill>
+                <a:latin typeface="Share Tech"/>
+                <a:ea typeface="Share Tech"/>
+                <a:cs typeface="Share Tech"/>
+                <a:sym typeface="Share Tech"/>
+              </a:endParaRPr>
+            </a:p>
+          </p:txBody>
+        </p:sp>
+        <p:sp>
+          <p:nvSpPr>
+            <p:cNvPr id="211" name="Google Shape;211;p16"/>
+            <p:cNvSpPr txBox="1"/>
+            <p:nvPr/>
+          </p:nvSpPr>
+          <p:spPr>
+            <a:xfrm>
+              <a:off x="713213" y="4073283"/>
+              <a:ext cx="2040300" cy="484500"/>
+            </a:xfrm>
+            <a:prstGeom prst="rect">
+              <a:avLst/>
+            </a:prstGeom>
+            <a:noFill/>
+            <a:ln>
+              <a:noFill/>
+            </a:ln>
+          </p:spPr>
+          <p:txBody>
+            <a:bodyPr spcFirstLastPara="1" wrap="square" lIns="91425" tIns="91425" rIns="91425" bIns="91425" anchor="t" anchorCtr="0">
+              <a:noAutofit/>
+            </a:bodyPr>
+            <a:lstStyle/>
+            <a:p>
+              <a:pPr marL="0" lvl="0" indent="0" algn="ctr" rtl="0">
+                <a:spcBef>
+                  <a:spcPts val="0"/>
+                </a:spcBef>
+                <a:spcAft>
+                  <a:spcPts val="0"/>
+                </a:spcAft>
+                <a:buNone/>
+              </a:pPr>
+              <a:r>
+                <a:rPr lang="fr-FR" dirty="0">
+                  <a:solidFill>
+                    <a:schemeClr val="dk1"/>
+                  </a:solidFill>
+                  <a:latin typeface="Maven Pro"/>
+                  <a:ea typeface="Maven Pro"/>
+                  <a:cs typeface="Maven Pro"/>
+                  <a:sym typeface="Maven Pro"/>
+                </a:rPr>
+                <a:t>a permis d’atteindre les objectifs attendus</a:t>
+              </a:r>
+              <a:endParaRPr dirty="0">
+                <a:solidFill>
+                  <a:schemeClr val="dk1"/>
+                </a:solidFill>
+                <a:latin typeface="Maven Pro"/>
+                <a:ea typeface="Maven Pro"/>
+                <a:cs typeface="Maven Pro"/>
+                <a:sym typeface="Maven Pro"/>
+              </a:endParaRPr>
+            </a:p>
+          </p:txBody>
+        </p:sp>
+      </p:grpSp>
+      <p:sp>
+        <p:nvSpPr>
+          <p:cNvPr id="212" name="Google Shape;212;p16"/>
+          <p:cNvSpPr/>
+          <p:nvPr/>
+        </p:nvSpPr>
+        <p:spPr>
+          <a:xfrm rot="10800000">
+            <a:off x="3426573" y="2349908"/>
+            <a:ext cx="2279671" cy="1087679"/>
+          </a:xfrm>
+          <a:custGeom>
+            <a:avLst/>
+            <a:gdLst/>
+            <a:ahLst/>
+            <a:cxnLst/>
+            <a:rect l="l" t="t" r="r" b="b"/>
+            <a:pathLst>
+              <a:path w="66087" h="33020" extrusionOk="0">
+                <a:moveTo>
+                  <a:pt x="33019" y="0"/>
+                </a:moveTo>
+                <a:cubicBezTo>
+                  <a:pt x="14818" y="0"/>
+                  <a:pt x="0" y="14808"/>
+                  <a:pt x="0" y="33019"/>
+                </a:cubicBezTo>
+                <a:lnTo>
+                  <a:pt x="1659" y="33019"/>
+                </a:lnTo>
+                <a:cubicBezTo>
+                  <a:pt x="1659" y="15718"/>
+                  <a:pt x="15718" y="1659"/>
+                  <a:pt x="33019" y="1659"/>
+                </a:cubicBezTo>
+                <a:cubicBezTo>
+                  <a:pt x="50321" y="1659"/>
+                  <a:pt x="64427" y="15718"/>
+                  <a:pt x="64427" y="33019"/>
+                </a:cubicBezTo>
+                <a:lnTo>
+                  <a:pt x="66086" y="33019"/>
+                </a:lnTo>
+                <a:cubicBezTo>
+                  <a:pt x="66086" y="14808"/>
+                  <a:pt x="51269" y="0"/>
+                  <a:pt x="33019" y="0"/>
+                </a:cubicBezTo>
+                <a:close/>
+              </a:path>
+            </a:pathLst>
+          </a:custGeom>
+          <a:solidFill>
+            <a:schemeClr val="accent2"/>
+          </a:solidFill>
+          <a:ln>
+            <a:noFill/>
+          </a:ln>
+        </p:spPr>
+        <p:txBody>
+          <a:bodyPr spcFirstLastPara="1" wrap="square" lIns="91425" tIns="91425" rIns="91425" bIns="91425" anchor="ctr" anchorCtr="0">
+            <a:noAutofit/>
+          </a:bodyPr>
+          <a:lstStyle/>
+          <a:p>
+            <a:pPr marL="0" lvl="0" indent="0" algn="l" rtl="0">
+              <a:spcBef>
+                <a:spcPts val="0"/>
+              </a:spcBef>
+              <a:spcAft>
+                <a:spcPts val="0"/>
+              </a:spcAft>
+              <a:buNone/>
+            </a:pPr>
+            <a:endParaRPr/>
+          </a:p>
+        </p:txBody>
+      </p:sp>
+      <p:sp>
+        <p:nvSpPr>
+          <p:cNvPr id="213" name="Google Shape;213;p16"/>
+          <p:cNvSpPr/>
+          <p:nvPr/>
+        </p:nvSpPr>
+        <p:spPr>
+          <a:xfrm rot="10800000">
+            <a:off x="5064850" y="3216360"/>
+            <a:ext cx="123900" cy="123900"/>
+          </a:xfrm>
+          <a:prstGeom prst="ellipse">
+            <a:avLst/>
+          </a:prstGeom>
+          <a:solidFill>
+            <a:schemeClr val="lt2"/>
+          </a:solidFill>
+          <a:ln>
+            <a:noFill/>
+          </a:ln>
+        </p:spPr>
+        <p:txBody>
+          <a:bodyPr spcFirstLastPara="1" wrap="square" lIns="91425" tIns="91425" rIns="91425" bIns="91425" anchor="ctr" anchorCtr="0">
+            <a:noAutofit/>
+          </a:bodyPr>
+          <a:lstStyle/>
+          <a:p>
+            <a:pPr marL="0" lvl="0" indent="0" algn="l" rtl="0">
+              <a:spcBef>
+                <a:spcPts val="0"/>
+              </a:spcBef>
+              <a:spcAft>
+                <a:spcPts val="0"/>
+              </a:spcAft>
+              <a:buNone/>
+            </a:pPr>
+            <a:endParaRPr/>
+          </a:p>
+        </p:txBody>
+      </p:sp>
+      <p:sp>
+        <p:nvSpPr>
+          <p:cNvPr id="214" name="Google Shape;214;p16"/>
+          <p:cNvSpPr/>
+          <p:nvPr/>
+        </p:nvSpPr>
+        <p:spPr>
+          <a:xfrm rot="10800000">
+            <a:off x="3969131" y="3216360"/>
+            <a:ext cx="123900" cy="123900"/>
+          </a:xfrm>
+          <a:prstGeom prst="ellipse">
+            <a:avLst/>
+          </a:prstGeom>
+          <a:solidFill>
+            <a:schemeClr val="lt2"/>
+          </a:solidFill>
+          <a:ln>
+            <a:noFill/>
+          </a:ln>
+        </p:spPr>
+        <p:txBody>
+          <a:bodyPr spcFirstLastPara="1" wrap="square" lIns="91425" tIns="91425" rIns="91425" bIns="91425" anchor="ctr" anchorCtr="0">
+            <a:noAutofit/>
+          </a:bodyPr>
+          <a:lstStyle/>
+          <a:p>
+            <a:pPr marL="0" lvl="0" indent="0" algn="l" rtl="0">
+              <a:spcBef>
+                <a:spcPts val="0"/>
+              </a:spcBef>
+              <a:spcAft>
+                <a:spcPts val="0"/>
+              </a:spcAft>
+              <a:buNone/>
+            </a:pPr>
+            <a:endParaRPr/>
+          </a:p>
+        </p:txBody>
+      </p:sp>
+      <p:sp>
+        <p:nvSpPr>
+          <p:cNvPr id="216" name="Google Shape;216;p16"/>
+          <p:cNvSpPr/>
+          <p:nvPr/>
+        </p:nvSpPr>
+        <p:spPr>
+          <a:xfrm rot="10800000">
+            <a:off x="5429149" y="2885104"/>
+            <a:ext cx="123900" cy="123900"/>
+          </a:xfrm>
+          <a:prstGeom prst="ellipse">
+            <a:avLst/>
+          </a:prstGeom>
+          <a:solidFill>
+            <a:schemeClr val="lt2"/>
+          </a:solidFill>
+          <a:ln>
+            <a:noFill/>
+          </a:ln>
+        </p:spPr>
+        <p:txBody>
+          <a:bodyPr spcFirstLastPara="1" wrap="square" lIns="91425" tIns="91425" rIns="91425" bIns="91425" anchor="ctr" anchorCtr="0">
+            <a:noAutofit/>
+          </a:bodyPr>
+          <a:lstStyle/>
+          <a:p>
+            <a:pPr marL="0" lvl="0" indent="0" algn="l" rtl="0">
+              <a:spcBef>
+                <a:spcPts val="0"/>
+              </a:spcBef>
+              <a:spcAft>
+                <a:spcPts val="0"/>
+              </a:spcAft>
+              <a:buNone/>
+            </a:pPr>
+            <a:endParaRPr/>
+          </a:p>
+        </p:txBody>
+      </p:sp>
+      <p:sp>
+        <p:nvSpPr>
+          <p:cNvPr id="217" name="Google Shape;217;p16"/>
+          <p:cNvSpPr/>
+          <p:nvPr/>
+        </p:nvSpPr>
+        <p:spPr>
+          <a:xfrm rot="10800000">
+            <a:off x="3589581" y="2885104"/>
+            <a:ext cx="123900" cy="123900"/>
+          </a:xfrm>
+          <a:prstGeom prst="ellipse">
+            <a:avLst/>
+          </a:prstGeom>
+          <a:solidFill>
+            <a:schemeClr val="lt2"/>
+          </a:solidFill>
+          <a:ln>
+            <a:noFill/>
+          </a:ln>
+        </p:spPr>
+        <p:txBody>
+          <a:bodyPr spcFirstLastPara="1" wrap="square" lIns="91425" tIns="91425" rIns="91425" bIns="91425" anchor="ctr" anchorCtr="0">
+            <a:noAutofit/>
+          </a:bodyPr>
+          <a:lstStyle/>
+          <a:p>
+            <a:pPr marL="0" lvl="0" indent="0" algn="l" rtl="0">
+              <a:spcBef>
+                <a:spcPts val="0"/>
+              </a:spcBef>
+              <a:spcAft>
+                <a:spcPts val="0"/>
+              </a:spcAft>
+              <a:buNone/>
+            </a:pPr>
+            <a:endParaRPr/>
+          </a:p>
+        </p:txBody>
+      </p:sp>
+      <p:grpSp>
+        <p:nvGrpSpPr>
+          <p:cNvPr id="221" name="Google Shape;221;p16"/>
+          <p:cNvGrpSpPr/>
+          <p:nvPr/>
+        </p:nvGrpSpPr>
+        <p:grpSpPr>
+          <a:xfrm>
+            <a:off x="6390463" y="3618436"/>
+            <a:ext cx="2040312" cy="786947"/>
+            <a:chOff x="6381263" y="3770836"/>
+            <a:chExt cx="2040312" cy="786947"/>
+          </a:xfrm>
+        </p:grpSpPr>
+        <p:sp>
+          <p:nvSpPr>
+            <p:cNvPr id="222" name="Google Shape;222;p16"/>
+            <p:cNvSpPr txBox="1"/>
+            <p:nvPr/>
+          </p:nvSpPr>
+          <p:spPr>
+            <a:xfrm>
+              <a:off x="6381275" y="3770836"/>
+              <a:ext cx="2040300" cy="457200"/>
+            </a:xfrm>
+            <a:prstGeom prst="rect">
+              <a:avLst/>
+            </a:prstGeom>
+            <a:noFill/>
+            <a:ln>
+              <a:noFill/>
+            </a:ln>
+          </p:spPr>
+          <p:txBody>
+            <a:bodyPr spcFirstLastPara="1" wrap="square" lIns="91425" tIns="91425" rIns="91425" bIns="91425" anchor="b" anchorCtr="0">
+              <a:noAutofit/>
+            </a:bodyPr>
+            <a:lstStyle/>
+            <a:p>
+              <a:pPr marL="0" lvl="0" indent="0" algn="ctr" rtl="0">
+                <a:spcBef>
+                  <a:spcPts val="0"/>
+                </a:spcBef>
+                <a:spcAft>
+                  <a:spcPts val="0"/>
+                </a:spcAft>
+                <a:buNone/>
+              </a:pPr>
+              <a:r>
+                <a:rPr lang="fr-FR" sz="2000" dirty="0">
+                  <a:solidFill>
+                    <a:schemeClr val="dk1"/>
+                  </a:solidFill>
+                  <a:latin typeface="Share Tech"/>
+                  <a:ea typeface="Share Tech"/>
+                  <a:cs typeface="Share Tech"/>
+                  <a:sym typeface="Share Tech"/>
+                </a:rPr>
+                <a:t>Qualité</a:t>
+              </a:r>
+            </a:p>
+          </p:txBody>
+        </p:sp>
+        <p:sp>
+          <p:nvSpPr>
+            <p:cNvPr id="223" name="Google Shape;223;p16"/>
+            <p:cNvSpPr txBox="1"/>
+            <p:nvPr/>
+          </p:nvSpPr>
+          <p:spPr>
+            <a:xfrm>
+              <a:off x="6381263" y="4073283"/>
+              <a:ext cx="2040300" cy="484500"/>
+            </a:xfrm>
+            <a:prstGeom prst="rect">
+              <a:avLst/>
+            </a:prstGeom>
+            <a:noFill/>
+            <a:ln>
+              <a:noFill/>
+            </a:ln>
+          </p:spPr>
+          <p:txBody>
+            <a:bodyPr spcFirstLastPara="1" wrap="square" lIns="91425" tIns="91425" rIns="91425" bIns="91425" anchor="t" anchorCtr="0">
+              <a:noAutofit/>
+            </a:bodyPr>
+            <a:lstStyle/>
+            <a:p>
+              <a:pPr algn="ctr"/>
+              <a:r>
+                <a:rPr lang="fr-FR" dirty="0">
+                  <a:solidFill>
+                    <a:schemeClr val="dk1"/>
+                  </a:solidFill>
+                  <a:latin typeface="Maven Pro"/>
+                  <a:ea typeface="Maven Pro"/>
+                  <a:cs typeface="Maven Pro"/>
+                  <a:sym typeface="Maven Pro"/>
+                </a:rPr>
+                <a:t>de travail est fortement améliorer</a:t>
+              </a:r>
+            </a:p>
+            <a:p>
+              <a:pPr algn="ctr"/>
+              <a:endParaRPr dirty="0">
+                <a:solidFill>
+                  <a:schemeClr val="dk1"/>
+                </a:solidFill>
+                <a:latin typeface="Maven Pro"/>
+                <a:ea typeface="Maven Pro"/>
+                <a:cs typeface="Maven Pro"/>
+                <a:sym typeface="Maven Pro"/>
+              </a:endParaRPr>
+            </a:p>
+          </p:txBody>
+        </p:sp>
+      </p:grpSp>
+      <p:grpSp>
+        <p:nvGrpSpPr>
+          <p:cNvPr id="224" name="Google Shape;224;p16"/>
+          <p:cNvGrpSpPr/>
+          <p:nvPr/>
+        </p:nvGrpSpPr>
+        <p:grpSpPr>
+          <a:xfrm>
+            <a:off x="6357635" y="1845103"/>
+            <a:ext cx="2105955" cy="786947"/>
+            <a:chOff x="6385862" y="2479650"/>
+            <a:chExt cx="2105955" cy="786947"/>
+          </a:xfrm>
+        </p:grpSpPr>
+        <p:sp>
+          <p:nvSpPr>
+            <p:cNvPr id="225" name="Google Shape;225;p16"/>
+            <p:cNvSpPr txBox="1"/>
+            <p:nvPr/>
+          </p:nvSpPr>
+          <p:spPr>
+            <a:xfrm>
+              <a:off x="6385875" y="2479650"/>
+              <a:ext cx="2040300" cy="457200"/>
+            </a:xfrm>
+            <a:prstGeom prst="rect">
+              <a:avLst/>
+            </a:prstGeom>
+            <a:noFill/>
+            <a:ln>
+              <a:noFill/>
+            </a:ln>
+          </p:spPr>
+          <p:txBody>
+            <a:bodyPr spcFirstLastPara="1" wrap="square" lIns="91425" tIns="91425" rIns="91425" bIns="91425" anchor="b" anchorCtr="0">
+              <a:noAutofit/>
+            </a:bodyPr>
+            <a:lstStyle/>
+            <a:p>
+              <a:pPr marL="0" lvl="0" indent="0" algn="ctr" rtl="0">
+                <a:spcBef>
+                  <a:spcPts val="0"/>
+                </a:spcBef>
+                <a:spcAft>
+                  <a:spcPts val="0"/>
+                </a:spcAft>
+                <a:buNone/>
+              </a:pPr>
+              <a:r>
+                <a:rPr lang="fr-FR" sz="2000" dirty="0">
+                  <a:solidFill>
+                    <a:schemeClr val="dk1"/>
+                  </a:solidFill>
+                  <a:latin typeface="Share Tech"/>
+                  <a:ea typeface="Share Tech"/>
+                  <a:cs typeface="Share Tech"/>
+                  <a:sym typeface="Share Tech"/>
+                </a:rPr>
+                <a:t>ALLER PLUS LOIN</a:t>
+              </a:r>
+              <a:endParaRPr sz="2000" dirty="0">
+                <a:solidFill>
+                  <a:schemeClr val="dk1"/>
+                </a:solidFill>
+                <a:latin typeface="Share Tech"/>
+                <a:ea typeface="Share Tech"/>
+                <a:cs typeface="Share Tech"/>
+                <a:sym typeface="Share Tech"/>
+              </a:endParaRPr>
+            </a:p>
+          </p:txBody>
+        </p:sp>
+        <p:sp>
+          <p:nvSpPr>
+            <p:cNvPr id="226" name="Google Shape;226;p16"/>
+            <p:cNvSpPr txBox="1"/>
+            <p:nvPr/>
+          </p:nvSpPr>
+          <p:spPr>
+            <a:xfrm>
+              <a:off x="6385862" y="2782097"/>
+              <a:ext cx="2105955" cy="484500"/>
+            </a:xfrm>
+            <a:prstGeom prst="rect">
+              <a:avLst/>
+            </a:prstGeom>
+            <a:noFill/>
+            <a:ln>
+              <a:noFill/>
+            </a:ln>
+          </p:spPr>
+          <p:txBody>
+            <a:bodyPr spcFirstLastPara="1" wrap="square" lIns="91425" tIns="91425" rIns="91425" bIns="91425" anchor="t" anchorCtr="0">
+              <a:noAutofit/>
+            </a:bodyPr>
+            <a:lstStyle/>
+            <a:p>
+              <a:pPr marL="0" lvl="0" indent="0" algn="ctr" rtl="0">
+                <a:spcBef>
+                  <a:spcPts val="0"/>
+                </a:spcBef>
+                <a:spcAft>
+                  <a:spcPts val="0"/>
+                </a:spcAft>
+                <a:buNone/>
+              </a:pPr>
+              <a:r>
+                <a:rPr lang="fr-FR" dirty="0">
+                  <a:solidFill>
+                    <a:schemeClr val="dk1"/>
+                  </a:solidFill>
+                  <a:latin typeface="Maven Pro"/>
+                  <a:ea typeface="Maven Pro"/>
+                  <a:cs typeface="Maven Pro"/>
+                  <a:sym typeface="Maven Pro"/>
+                </a:rPr>
+                <a:t>dans les fonctionnalités, la sécurité, la gestion du projet et la qualité générale </a:t>
+              </a:r>
+              <a:endParaRPr dirty="0">
+                <a:solidFill>
+                  <a:schemeClr val="dk1"/>
+                </a:solidFill>
+                <a:latin typeface="Maven Pro"/>
+                <a:ea typeface="Maven Pro"/>
+                <a:cs typeface="Maven Pro"/>
+                <a:sym typeface="Maven Pro"/>
+              </a:endParaRPr>
+            </a:p>
+          </p:txBody>
+        </p:sp>
+      </p:grpSp>
+      <p:grpSp>
+        <p:nvGrpSpPr>
+          <p:cNvPr id="227" name="Google Shape;227;p16"/>
+          <p:cNvGrpSpPr/>
+          <p:nvPr/>
+        </p:nvGrpSpPr>
+        <p:grpSpPr>
+          <a:xfrm>
+            <a:off x="713188" y="2403450"/>
+            <a:ext cx="2040312" cy="786947"/>
+            <a:chOff x="713188" y="2479650"/>
+            <a:chExt cx="2040312" cy="786947"/>
+          </a:xfrm>
+        </p:grpSpPr>
+        <p:sp>
+          <p:nvSpPr>
+            <p:cNvPr id="228" name="Google Shape;228;p16"/>
+            <p:cNvSpPr txBox="1"/>
+            <p:nvPr/>
+          </p:nvSpPr>
+          <p:spPr>
+            <a:xfrm>
+              <a:off x="713200" y="2479650"/>
+              <a:ext cx="2040300" cy="457200"/>
+            </a:xfrm>
+            <a:prstGeom prst="rect">
+              <a:avLst/>
+            </a:prstGeom>
+            <a:noFill/>
+            <a:ln>
+              <a:noFill/>
+            </a:ln>
+          </p:spPr>
+          <p:txBody>
+            <a:bodyPr spcFirstLastPara="1" wrap="square" lIns="91425" tIns="91425" rIns="91425" bIns="91425" anchor="b" anchorCtr="0">
+              <a:noAutofit/>
+            </a:bodyPr>
+            <a:lstStyle/>
+            <a:p>
+              <a:pPr marL="0" lvl="0" indent="0" algn="ctr" rtl="0">
+                <a:spcBef>
+                  <a:spcPts val="0"/>
+                </a:spcBef>
+                <a:spcAft>
+                  <a:spcPts val="0"/>
+                </a:spcAft>
+                <a:buNone/>
+              </a:pPr>
+              <a:r>
+                <a:rPr lang="fr-FR" sz="2000" dirty="0">
+                  <a:solidFill>
+                    <a:schemeClr val="dk1"/>
+                  </a:solidFill>
+                  <a:latin typeface="Share Tech"/>
+                  <a:ea typeface="Share Tech"/>
+                  <a:cs typeface="Share Tech"/>
+                  <a:sym typeface="Share Tech"/>
+                </a:rPr>
+                <a:t>SUJET</a:t>
+              </a:r>
+              <a:endParaRPr sz="2000" dirty="0">
+                <a:solidFill>
+                  <a:schemeClr val="dk1"/>
+                </a:solidFill>
+                <a:latin typeface="Share Tech"/>
+                <a:ea typeface="Share Tech"/>
+                <a:cs typeface="Share Tech"/>
+                <a:sym typeface="Share Tech"/>
+              </a:endParaRPr>
+            </a:p>
+          </p:txBody>
+        </p:sp>
+        <p:sp>
+          <p:nvSpPr>
+            <p:cNvPr id="229" name="Google Shape;229;p16"/>
+            <p:cNvSpPr txBox="1"/>
+            <p:nvPr/>
+          </p:nvSpPr>
+          <p:spPr>
+            <a:xfrm>
+              <a:off x="713188" y="2782097"/>
+              <a:ext cx="2040300" cy="484500"/>
+            </a:xfrm>
+            <a:prstGeom prst="rect">
+              <a:avLst/>
+            </a:prstGeom>
+            <a:noFill/>
+            <a:ln>
+              <a:noFill/>
+            </a:ln>
+          </p:spPr>
+          <p:txBody>
+            <a:bodyPr spcFirstLastPara="1" wrap="square" lIns="91425" tIns="91425" rIns="91425" bIns="91425" anchor="t" anchorCtr="0">
+              <a:noAutofit/>
+            </a:bodyPr>
+            <a:lstStyle/>
+            <a:p>
+              <a:pPr marL="0" lvl="0" indent="0" algn="ctr" rtl="0">
+                <a:spcBef>
+                  <a:spcPts val="0"/>
+                </a:spcBef>
+                <a:spcAft>
+                  <a:spcPts val="0"/>
+                </a:spcAft>
+                <a:buNone/>
+              </a:pPr>
+              <a:r>
+                <a:rPr lang="fr-FR" dirty="0">
+                  <a:solidFill>
+                    <a:schemeClr val="dk1"/>
+                  </a:solidFill>
+                  <a:latin typeface="Maven Pro"/>
+                  <a:ea typeface="Maven Pro"/>
+                  <a:cs typeface="Maven Pro"/>
+                  <a:sym typeface="Maven Pro"/>
+                </a:rPr>
+                <a:t>complexe à trouver et d’évaluer sa faisabilité</a:t>
+              </a:r>
+              <a:endParaRPr dirty="0">
+                <a:solidFill>
+                  <a:schemeClr val="dk1"/>
+                </a:solidFill>
+                <a:latin typeface="Maven Pro"/>
+                <a:ea typeface="Maven Pro"/>
+                <a:cs typeface="Maven Pro"/>
+                <a:sym typeface="Maven Pro"/>
+              </a:endParaRPr>
+            </a:p>
+          </p:txBody>
+        </p:sp>
+      </p:grpSp>
+      <p:cxnSp>
+        <p:nvCxnSpPr>
+          <p:cNvPr id="240" name="Google Shape;240;p16"/>
+          <p:cNvCxnSpPr>
+            <a:cxnSpLocks/>
+            <a:stCxn id="228" idx="3"/>
+            <a:endCxn id="217" idx="6"/>
+          </p:cNvCxnSpPr>
+          <p:nvPr/>
+        </p:nvCxnSpPr>
+        <p:spPr>
+          <a:xfrm>
+            <a:off x="2753500" y="2555850"/>
+            <a:ext cx="836081" cy="391204"/>
+          </a:xfrm>
+          <a:prstGeom prst="bentConnector3">
+            <a:avLst>
+              <a:gd name="adj1" fmla="val 50000"/>
+            </a:avLst>
+          </a:prstGeom>
+          <a:noFill/>
+          <a:ln w="19050" cap="flat" cmpd="sng">
+            <a:solidFill>
+              <a:schemeClr val="lt2"/>
+            </a:solidFill>
+            <a:prstDash val="solid"/>
+            <a:round/>
+            <a:headEnd type="none" w="med" len="med"/>
+            <a:tailEnd type="none" w="med" len="med"/>
+          </a:ln>
+        </p:spPr>
+      </p:cxnSp>
+      <p:cxnSp>
+        <p:nvCxnSpPr>
+          <p:cNvPr id="241" name="Google Shape;241;p16"/>
+          <p:cNvCxnSpPr>
+            <a:stCxn id="214" idx="6"/>
+            <a:endCxn id="210" idx="3"/>
+          </p:cNvCxnSpPr>
+          <p:nvPr/>
+        </p:nvCxnSpPr>
+        <p:spPr>
+          <a:xfrm flipH="1">
+            <a:off x="2753531" y="3278310"/>
+            <a:ext cx="1215600" cy="568800"/>
+          </a:xfrm>
+          <a:prstGeom prst="bentConnector3">
+            <a:avLst>
+              <a:gd name="adj1" fmla="val 50000"/>
+            </a:avLst>
+          </a:prstGeom>
+          <a:noFill/>
+          <a:ln w="19050" cap="flat" cmpd="sng">
+            <a:solidFill>
+              <a:schemeClr val="lt2"/>
+            </a:solidFill>
+            <a:prstDash val="solid"/>
+            <a:round/>
+            <a:headEnd type="none" w="med" len="med"/>
+            <a:tailEnd type="none" w="med" len="med"/>
+          </a:ln>
+        </p:spPr>
+      </p:cxnSp>
+      <p:cxnSp>
+        <p:nvCxnSpPr>
+          <p:cNvPr id="242" name="Google Shape;242;p16"/>
+          <p:cNvCxnSpPr>
+            <a:cxnSpLocks/>
+            <a:stCxn id="216" idx="2"/>
+          </p:cNvCxnSpPr>
+          <p:nvPr/>
+        </p:nvCxnSpPr>
+        <p:spPr>
+          <a:xfrm rot="10800000" flipH="1">
+            <a:off x="5553049" y="2555854"/>
+            <a:ext cx="832800" cy="391200"/>
+          </a:xfrm>
+          <a:prstGeom prst="bentConnector3">
+            <a:avLst>
+              <a:gd name="adj1" fmla="val 50000"/>
+            </a:avLst>
+          </a:prstGeom>
+          <a:noFill/>
+          <a:ln w="19050" cap="flat" cmpd="sng">
+            <a:solidFill>
+              <a:schemeClr val="lt2"/>
+            </a:solidFill>
+            <a:prstDash val="solid"/>
+            <a:round/>
+            <a:headEnd type="none" w="med" len="med"/>
+            <a:tailEnd type="none" w="med" len="med"/>
+          </a:ln>
+        </p:spPr>
+      </p:cxnSp>
+      <p:cxnSp>
+        <p:nvCxnSpPr>
+          <p:cNvPr id="243" name="Google Shape;243;p16"/>
+          <p:cNvCxnSpPr>
+            <a:cxnSpLocks/>
+            <a:stCxn id="213" idx="2"/>
+          </p:cNvCxnSpPr>
+          <p:nvPr/>
+        </p:nvCxnSpPr>
+        <p:spPr>
+          <a:xfrm>
+            <a:off x="5188750" y="3278310"/>
+            <a:ext cx="1197000" cy="568800"/>
+          </a:xfrm>
+          <a:prstGeom prst="bentConnector3">
+            <a:avLst>
+              <a:gd name="adj1" fmla="val 50000"/>
+            </a:avLst>
+          </a:prstGeom>
+          <a:noFill/>
+          <a:ln w="19050" cap="flat" cmpd="sng">
+            <a:solidFill>
+              <a:schemeClr val="lt2"/>
+            </a:solidFill>
+            <a:prstDash val="solid"/>
+            <a:round/>
+            <a:headEnd type="none" w="med" len="med"/>
+            <a:tailEnd type="none" w="med" len="med"/>
+          </a:ln>
+        </p:spPr>
+      </p:cxnSp>
+      <p:cxnSp>
+        <p:nvCxnSpPr>
+          <p:cNvPr id="245" name="Google Shape;245;p16"/>
+          <p:cNvCxnSpPr/>
+          <p:nvPr/>
+        </p:nvCxnSpPr>
+        <p:spPr>
+          <a:xfrm>
+            <a:off x="4007025" y="2809525"/>
+            <a:ext cx="1150200" cy="0"/>
+          </a:xfrm>
+          <a:prstGeom prst="straightConnector1">
+            <a:avLst/>
+          </a:prstGeom>
+          <a:noFill/>
+          <a:ln w="38100" cap="flat" cmpd="sng">
+            <a:solidFill>
+              <a:schemeClr val="accent2"/>
+            </a:solidFill>
+            <a:prstDash val="solid"/>
+            <a:round/>
+            <a:headEnd type="none" w="med" len="med"/>
+            <a:tailEnd type="none" w="med" len="med"/>
+          </a:ln>
+        </p:spPr>
+      </p:cxnSp>
+      <p:cxnSp>
+        <p:nvCxnSpPr>
+          <p:cNvPr id="246" name="Google Shape;246;p16"/>
+          <p:cNvCxnSpPr/>
+          <p:nvPr/>
+        </p:nvCxnSpPr>
+        <p:spPr>
+          <a:xfrm>
+            <a:off x="3845275" y="2950636"/>
+            <a:ext cx="1453500" cy="0"/>
+          </a:xfrm>
+          <a:prstGeom prst="straightConnector1">
+            <a:avLst/>
+          </a:prstGeom>
+          <a:noFill/>
+          <a:ln w="38100" cap="flat" cmpd="sng">
+            <a:solidFill>
+              <a:schemeClr val="dk1"/>
+            </a:solidFill>
+            <a:prstDash val="solid"/>
+            <a:round/>
+            <a:headEnd type="none" w="med" len="med"/>
+            <a:tailEnd type="none" w="med" len="med"/>
+          </a:ln>
+        </p:spPr>
+      </p:cxnSp>
+      <p:sp>
+        <p:nvSpPr>
+          <p:cNvPr id="247" name="Google Shape;247;p16"/>
+          <p:cNvSpPr txBox="1"/>
+          <p:nvPr/>
+        </p:nvSpPr>
+        <p:spPr>
+          <a:xfrm>
+            <a:off x="3175350" y="1242275"/>
+            <a:ext cx="2793300" cy="457200"/>
+          </a:xfrm>
+          <a:prstGeom prst="rect">
+            <a:avLst/>
+          </a:prstGeom>
+          <a:noFill/>
+          <a:ln>
+            <a:noFill/>
+          </a:ln>
+        </p:spPr>
+        <p:txBody>
+          <a:bodyPr spcFirstLastPara="1" wrap="square" lIns="91425" tIns="91425" rIns="91425" bIns="91425" anchor="b" anchorCtr="0">
+            <a:noAutofit/>
+          </a:bodyPr>
+          <a:lstStyle/>
+          <a:p>
+            <a:pPr marL="0" lvl="0" indent="0" algn="ctr" rtl="0">
+              <a:spcBef>
+                <a:spcPts val="0"/>
+              </a:spcBef>
+              <a:spcAft>
+                <a:spcPts val="0"/>
+              </a:spcAft>
+              <a:buNone/>
+            </a:pPr>
+            <a:endParaRPr sz="2000" dirty="0">
+              <a:solidFill>
+                <a:schemeClr val="dk1"/>
+              </a:solidFill>
+              <a:latin typeface="Share Tech"/>
+              <a:ea typeface="Share Tech"/>
+              <a:cs typeface="Share Tech"/>
+              <a:sym typeface="Share Tech"/>
+            </a:endParaRPr>
+          </a:p>
+        </p:txBody>
+      </p:sp>
+      <p:sp>
+        <p:nvSpPr>
+          <p:cNvPr id="2" name="ZoneTexte 1">
+            <a:extLst>
+              <a:ext uri="{FF2B5EF4-FFF2-40B4-BE49-F238E27FC236}">
+                <a16:creationId xmlns:a16="http://schemas.microsoft.com/office/drawing/2014/main" id="{FE76D361-C019-E74A-C12D-D95CF2108372}"/>
+              </a:ext>
+            </a:extLst>
+          </p:cNvPr>
+          <p:cNvSpPr txBox="1"/>
+          <p:nvPr/>
+        </p:nvSpPr>
+        <p:spPr>
+          <a:xfrm>
+            <a:off x="8781856" y="4806393"/>
+            <a:ext cx="362144" cy="261610"/>
+          </a:xfrm>
+          <a:prstGeom prst="rect">
+            <a:avLst/>
+          </a:prstGeom>
+          <a:noFill/>
+        </p:spPr>
+        <p:txBody>
+          <a:bodyPr wrap="square" rtlCol="0">
+            <a:spAutoFit/>
+          </a:bodyPr>
+          <a:lstStyle/>
+          <a:p>
+            <a:r>
+              <a:rPr lang="fr-FR" sz="1100">
+                <a:solidFill>
+                  <a:schemeClr val="tx1"/>
+                </a:solidFill>
+                <a:latin typeface="Maven Pro" panose="020B0604020202020204" charset="0"/>
+              </a:rPr>
+              <a:t>18</a:t>
+            </a:r>
+          </a:p>
+        </p:txBody>
+      </p:sp>
+      <p:pic>
+        <p:nvPicPr>
+          <p:cNvPr id="4" name="Graphique 3" descr="Engrenages contour">
+            <a:extLst>
+              <a:ext uri="{FF2B5EF4-FFF2-40B4-BE49-F238E27FC236}">
+                <a16:creationId xmlns:a16="http://schemas.microsoft.com/office/drawing/2014/main" id="{6722751C-54A4-625B-7610-71A4CADD0D67}"/>
+              </a:ext>
+            </a:extLst>
+          </p:cNvPr>
+          <p:cNvPicPr>
+            <a:picLocks noChangeAspect="1"/>
+          </p:cNvPicPr>
+          <p:nvPr/>
+        </p:nvPicPr>
+        <p:blipFill>
+          <a:blip r:embed="rId3">
+            <a:extLst>
+              <a:ext uri="{96DAC541-7B7A-43D3-8B79-37D633B846F1}">
+                <asvg:svgBlip xmlns:asvg="http://schemas.microsoft.com/office/drawing/2016/SVG/main" r:embed="rId4"/>
+              </a:ext>
+            </a:extLst>
+          </a:blip>
+          <a:stretch>
+            <a:fillRect/>
+          </a:stretch>
+        </p:blipFill>
+        <p:spPr>
+          <a:xfrm>
+            <a:off x="4088394" y="1728364"/>
+            <a:ext cx="914400" cy="914400"/>
+          </a:xfrm>
+          <a:prstGeom prst="rect">
+            <a:avLst/>
+          </a:prstGeom>
+        </p:spPr>
+      </p:pic>
+    </p:spTree>
+    <p:extLst>
+      <p:ext uri="{BB962C8B-B14F-4D97-AF65-F5344CB8AC3E}">
+        <p14:creationId xmlns:p14="http://schemas.microsoft.com/office/powerpoint/2010/main" val="561755642"/>
+      </p:ext>
+    </p:extLst>
+  </p:cSld>
+  <p:clrMapOvr>
+    <a:masterClrMapping/>
+  </p:clrMapOvr>
+</p:sld>
+</file>
+
+<file path=ppt/slides/slide17.xml><?xml version="1.0" encoding="utf-8"?>
 <p:sld xmlns:a="http://schemas.openxmlformats.org/drawingml/2006/main" xmlns:r="http://schemas.openxmlformats.org/officeDocument/2006/relationships" xmlns:p="http://schemas.openxmlformats.org/presentationml/2006/main">
   <p:cSld>
     <p:spTree>
@@ -15690,7 +18306,7 @@
 </p:sld>
 </file>
 
-<file path=ppt/slides/slide16.xml><?xml version="1.0" encoding="utf-8"?>
+<file path=ppt/slides/slide18.xml><?xml version="1.0" encoding="utf-8"?>
 <p:sld xmlns:a="http://schemas.openxmlformats.org/drawingml/2006/main" xmlns:r="http://schemas.openxmlformats.org/officeDocument/2006/relationships" xmlns:p="http://schemas.openxmlformats.org/presentationml/2006/main">
   <p:cSld>
     <p:spTree>
@@ -17316,63 +19932,6 @@
               <a:t>Architecture de l’application web</a:t>
             </a:r>
           </a:p>
-          <a:p>
-            <a:pPr marL="323850" indent="-171450">
-              <a:spcAft>
-                <a:spcPts val="600"/>
-              </a:spcAft>
-              <a:buSzPts val="1200"/>
-            </a:pPr>
-            <a:r>
-              <a:rPr lang="fr-FR" dirty="0"/>
-              <a:t>Mise en œuvre techniques</a:t>
-            </a:r>
-          </a:p>
-          <a:p>
-            <a:pPr marL="323850" indent="-171450">
-              <a:spcAft>
-                <a:spcPts val="600"/>
-              </a:spcAft>
-              <a:buSzPts val="1200"/>
-            </a:pPr>
-            <a:r>
-              <a:rPr lang="fr-FR" dirty="0"/>
-              <a:t>Compétences mises en œuvre</a:t>
-            </a:r>
-          </a:p>
-          <a:p>
-            <a:pPr marL="323850" indent="-171450">
-              <a:spcAft>
-                <a:spcPts val="600"/>
-              </a:spcAft>
-              <a:buSzPts val="1200"/>
-            </a:pPr>
-            <a:r>
-              <a:rPr lang="fr-FR" dirty="0"/>
-              <a:t>Temps passé sur le projet</a:t>
-            </a:r>
-          </a:p>
-          <a:p>
-            <a:pPr marL="323850" indent="-171450">
-              <a:spcAft>
-                <a:spcPts val="600"/>
-              </a:spcAft>
-              <a:buSzPts val="1200"/>
-            </a:pPr>
-            <a:r>
-              <a:rPr lang="fr-FR" dirty="0"/>
-              <a:t>Conclusion</a:t>
-            </a:r>
-          </a:p>
-          <a:p>
-            <a:pPr marL="323850" indent="-171450">
-              <a:spcAft>
-                <a:spcPts val="600"/>
-              </a:spcAft>
-              <a:buSzPts val="1200"/>
-            </a:pPr>
-            <a:endParaRPr lang="fr-FR" dirty="0"/>
-          </a:p>
         </p:txBody>
       </p:sp>
       <p:grpSp>
@@ -18251,7 +20810,46 @@
               </a:spcAft>
               <a:buSzPts val="1200"/>
             </a:pPr>
-            <a:endParaRPr lang="fr-FR" dirty="0"/>
+            <a:r>
+              <a:rPr lang="fr-FR" dirty="0"/>
+              <a:t>Mise en œuvre techniques</a:t>
+            </a:r>
+          </a:p>
+          <a:p>
+            <a:pPr marL="323850" indent="-171450">
+              <a:spcAft>
+                <a:spcPts val="600"/>
+              </a:spcAft>
+              <a:buSzPts val="1200"/>
+            </a:pPr>
+            <a:r>
+              <a:rPr lang="fr-FR" dirty="0"/>
+              <a:t>Compétences mises en œuvre</a:t>
+            </a:r>
+          </a:p>
+          <a:p>
+            <a:pPr marL="323850" indent="-171450">
+              <a:spcAft>
+                <a:spcPts val="600"/>
+              </a:spcAft>
+              <a:buSzPts val="1200"/>
+            </a:pPr>
+            <a:r>
+              <a:rPr lang="fr-FR" dirty="0"/>
+              <a:t>Temps passé sur le projet</a:t>
+            </a:r>
+          </a:p>
+          <a:p>
+            <a:pPr marL="323850" indent="-171450">
+              <a:spcAft>
+                <a:spcPts val="600"/>
+              </a:spcAft>
+              <a:buSzPts val="1200"/>
+            </a:pPr>
+            <a:r>
+              <a:rPr lang="fr-FR" dirty="0"/>
+              <a:t>Conclusion</a:t>
+            </a:r>
           </a:p>
         </p:txBody>
       </p:sp>
@@ -21847,7 +24445,7 @@
           <a:p>
             <a:r>
               <a:rPr lang="fr-FR" dirty="0"/>
-              <a:t>Base de données</a:t>
+              <a:t>API REST</a:t>
             </a:r>
             <a:br>
               <a:rPr lang="fr-FR" dirty="0"/>
@@ -22258,13 +24856,13 @@
           <p:nvPr>
             <p:extLst>
               <p:ext uri="{D42A27DB-BD31-4B8C-83A1-F6EECF244321}">
-                <p14:modId xmlns:p14="http://schemas.microsoft.com/office/powerpoint/2010/main" val="1259487804"/>
+                <p14:modId xmlns:p14="http://schemas.microsoft.com/office/powerpoint/2010/main" val="3508573056"/>
               </p:ext>
             </p:extLst>
           </p:nvPr>
         </p:nvGraphicFramePr>
         <p:xfrm>
-          <a:off x="6034771" y="1904511"/>
+          <a:off x="6034771" y="1786132"/>
           <a:ext cx="1192111" cy="1334478"/>
         </p:xfrm>
         <a:graphic>
@@ -22378,13 +24976,13 @@
           <p:nvPr>
             <p:extLst>
               <p:ext uri="{D42A27DB-BD31-4B8C-83A1-F6EECF244321}">
-                <p14:modId xmlns:p14="http://schemas.microsoft.com/office/powerpoint/2010/main" val="3887678906"/>
+                <p14:modId xmlns:p14="http://schemas.microsoft.com/office/powerpoint/2010/main" val="3374732329"/>
               </p:ext>
             </p:extLst>
           </p:nvPr>
         </p:nvGraphicFramePr>
         <p:xfrm>
-          <a:off x="8040877" y="2112978"/>
+          <a:off x="8040877" y="1996940"/>
           <a:ext cx="866901" cy="910870"/>
         </p:xfrm>
         <a:graphic>
@@ -22564,57 +25162,6 @@
       </p:cxnSp>
       <p:cxnSp>
         <p:nvCxnSpPr>
-          <p:cNvPr id="20" name="Google Shape;1170;p39">
-            <a:extLst>
-              <a:ext uri="{FF2B5EF4-FFF2-40B4-BE49-F238E27FC236}">
-                <a16:creationId xmlns:a16="http://schemas.microsoft.com/office/drawing/2014/main" id="{B0A97BF1-3198-3022-9D90-66FD9453A40E}"/>
-              </a:ext>
-            </a:extLst>
-          </p:cNvPr>
-          <p:cNvCxnSpPr>
-            <a:cxnSpLocks/>
-            <a:stCxn id="5" idx="3"/>
-            <a:endCxn id="11" idx="1"/>
-          </p:cNvCxnSpPr>
-          <p:nvPr/>
-        </p:nvCxnSpPr>
-        <p:spPr>
-          <a:xfrm>
-            <a:off x="3344925" y="2458013"/>
-            <a:ext cx="2689846" cy="113737"/>
-          </a:xfrm>
-          <a:prstGeom prst="bentConnector3">
-            <a:avLst>
-              <a:gd name="adj1" fmla="val 50000"/>
-            </a:avLst>
-          </a:prstGeom>
-          <a:ln w="19050" cap="flat" cmpd="sng" algn="ctr">
-            <a:solidFill>
-              <a:srgbClr val="F8F8F8"/>
-            </a:solidFill>
-            <a:prstDash val="dash"/>
-            <a:round/>
-            <a:headEnd type="none" w="lg" len="med"/>
-            <a:tailEnd type="triangle" w="lg" len="lg"/>
-          </a:ln>
-        </p:spPr>
-        <p:style>
-          <a:lnRef idx="0">
-            <a:scrgbClr r="0" g="0" b="0"/>
-          </a:lnRef>
-          <a:fillRef idx="0">
-            <a:scrgbClr r="0" g="0" b="0"/>
-          </a:fillRef>
-          <a:effectRef idx="0">
-            <a:scrgbClr r="0" g="0" b="0"/>
-          </a:effectRef>
-          <a:fontRef idx="minor">
-            <a:schemeClr val="tx1"/>
-          </a:fontRef>
-        </p:style>
-      </p:cxnSp>
-      <p:cxnSp>
-        <p:nvCxnSpPr>
           <p:cNvPr id="23" name="Google Shape;1170;p39">
             <a:extLst>
               <a:ext uri="{FF2B5EF4-FFF2-40B4-BE49-F238E27FC236}">
@@ -22631,8 +25178,8 @@
         </p:nvCxnSpPr>
         <p:spPr>
           <a:xfrm flipV="1">
-            <a:off x="5215802" y="3238989"/>
-            <a:ext cx="1415024" cy="683352"/>
+            <a:off x="5215802" y="3120610"/>
+            <a:ext cx="1415024" cy="801731"/>
           </a:xfrm>
           <a:prstGeom prst="bentConnector2">
             <a:avLst/>
@@ -22680,8 +25227,59 @@
         </p:nvCxnSpPr>
         <p:spPr>
           <a:xfrm flipV="1">
-            <a:off x="7226882" y="2568413"/>
-            <a:ext cx="813995" cy="3337"/>
+            <a:off x="7226882" y="2452375"/>
+            <a:ext cx="813995" cy="996"/>
+          </a:xfrm>
+          <a:prstGeom prst="bentConnector3">
+            <a:avLst>
+              <a:gd name="adj1" fmla="val 50000"/>
+            </a:avLst>
+          </a:prstGeom>
+          <a:ln w="19050" cap="flat" cmpd="sng" algn="ctr">
+            <a:solidFill>
+              <a:srgbClr val="F8F8F8"/>
+            </a:solidFill>
+            <a:prstDash val="dash"/>
+            <a:round/>
+            <a:headEnd type="none" w="lg" len="med"/>
+            <a:tailEnd type="triangle" w="lg" len="lg"/>
+          </a:ln>
+        </p:spPr>
+        <p:style>
+          <a:lnRef idx="0">
+            <a:scrgbClr r="0" g="0" b="0"/>
+          </a:lnRef>
+          <a:fillRef idx="0">
+            <a:scrgbClr r="0" g="0" b="0"/>
+          </a:fillRef>
+          <a:effectRef idx="0">
+            <a:scrgbClr r="0" g="0" b="0"/>
+          </a:effectRef>
+          <a:fontRef idx="minor">
+            <a:schemeClr val="tx1"/>
+          </a:fontRef>
+        </p:style>
+      </p:cxnSp>
+      <p:cxnSp>
+        <p:nvCxnSpPr>
+          <p:cNvPr id="9" name="Google Shape;1170;p39">
+            <a:extLst>
+              <a:ext uri="{FF2B5EF4-FFF2-40B4-BE49-F238E27FC236}">
+                <a16:creationId xmlns:a16="http://schemas.microsoft.com/office/drawing/2014/main" id="{1675A813-C6A9-127D-0AC7-5A907C36D04C}"/>
+              </a:ext>
+            </a:extLst>
+          </p:cNvPr>
+          <p:cNvCxnSpPr>
+            <a:cxnSpLocks/>
+            <a:stCxn id="7" idx="2"/>
+            <a:endCxn id="10" idx="0"/>
+          </p:cNvCxnSpPr>
+          <p:nvPr/>
+        </p:nvCxnSpPr>
+        <p:spPr>
+          <a:xfrm rot="5400000">
+            <a:off x="3631578" y="2571750"/>
+            <a:ext cx="1880845" cy="1"/>
           </a:xfrm>
           <a:prstGeom prst="bentConnector3">
             <a:avLst>
@@ -22734,7 +25332,7 @@
         <p:cNvPr id="1" name="">
           <a:extLst>
             <a:ext uri="{FF2B5EF4-FFF2-40B4-BE49-F238E27FC236}">
-              <a16:creationId xmlns:a16="http://schemas.microsoft.com/office/drawing/2014/main" id="{262CA727-3DF7-C232-7F2E-D44EDEEAE4AB}"/>
+              <a16:creationId xmlns:a16="http://schemas.microsoft.com/office/drawing/2014/main" id="{5C652E94-F292-FF00-6B77-0E332ADAEB2F}"/>
             </a:ext>
           </a:extLst>
         </p:cNvPr>
@@ -22754,7 +25352,7 @@
           <p:cNvPr id="2" name="Titre 1">
             <a:extLst>
               <a:ext uri="{FF2B5EF4-FFF2-40B4-BE49-F238E27FC236}">
-                <a16:creationId xmlns:a16="http://schemas.microsoft.com/office/drawing/2014/main" id="{A93B33C8-8368-11FF-8DD4-72DEC092066B}"/>
+                <a16:creationId xmlns:a16="http://schemas.microsoft.com/office/drawing/2014/main" id="{318EAB41-4C48-7217-4933-7596400D098C}"/>
               </a:ext>
             </a:extLst>
           </p:cNvPr>
@@ -22777,7 +25375,7 @@
           <a:p>
             <a:r>
               <a:rPr lang="fr-FR" dirty="0"/>
-              <a:t>API (Application Programming Interface)</a:t>
+              <a:t>Application web</a:t>
             </a:r>
             <a:br>
               <a:rPr lang="fr-FR" dirty="0"/>
@@ -22786,40 +25384,978 @@
           </a:p>
         </p:txBody>
       </p:sp>
-      <p:pic>
-        <p:nvPicPr>
-          <p:cNvPr id="7" name="Image 6">
+      <p:graphicFrame>
+        <p:nvGraphicFramePr>
+          <p:cNvPr id="4" name="Tableau 3">
             <a:extLst>
               <a:ext uri="{FF2B5EF4-FFF2-40B4-BE49-F238E27FC236}">
-                <a16:creationId xmlns:a16="http://schemas.microsoft.com/office/drawing/2014/main" id="{A04343DA-D5CB-5E96-B105-2F66774274CC}"/>
+                <a16:creationId xmlns:a16="http://schemas.microsoft.com/office/drawing/2014/main" id="{750F4604-7E6F-6581-C30B-FEEE19A832C0}"/>
               </a:ext>
             </a:extLst>
           </p:cNvPr>
-          <p:cNvPicPr>
-            <a:picLocks noChangeAspect="1"/>
-          </p:cNvPicPr>
+          <p:cNvGraphicFramePr>
+            <a:graphicFrameLocks/>
+          </p:cNvGraphicFramePr>
+          <p:nvPr>
+            <p:extLst>
+              <p:ext uri="{D42A27DB-BD31-4B8C-83A1-F6EECF244321}">
+                <p14:modId xmlns:p14="http://schemas.microsoft.com/office/powerpoint/2010/main" val="3289582853"/>
+              </p:ext>
+            </p:extLst>
+          </p:nvPr>
+        </p:nvGraphicFramePr>
+        <p:xfrm>
+          <a:off x="456619" y="2133171"/>
+          <a:ext cx="1286231" cy="877158"/>
+        </p:xfrm>
+        <a:graphic>
+          <a:graphicData uri="http://schemas.openxmlformats.org/drawingml/2006/table">
+            <a:tbl>
+              <a:tblPr firstRow="1" bandRow="1">
+                <a:tableStyleId>{8FD4443E-F989-4FC4-A0C8-D5A2AF1F390B}</a:tableStyleId>
+              </a:tblPr>
+              <a:tblGrid>
+                <a:gridCol w="1286231">
+                  <a:extLst>
+                    <a:ext uri="{9D8B030D-6E8A-4147-A177-3AD203B41FA5}">
+                      <a16:colId xmlns:a16="http://schemas.microsoft.com/office/drawing/2014/main" val="1632321074"/>
+                    </a:ext>
+                  </a:extLst>
+                </a:gridCol>
+              </a:tblGrid>
+              <a:tr h="238551">
+                <a:tc>
+                  <a:txBody>
+                    <a:bodyPr/>
+                    <a:lstStyle/>
+                    <a:p>
+                      <a:pPr algn="ctr"/>
+                      <a:r>
+                        <a:rPr lang="fr-FR" sz="1100" dirty="0"/>
+                        <a:t>Login</a:t>
+                      </a:r>
+                    </a:p>
+                  </a:txBody>
+                  <a:tcPr/>
+                </a:tc>
+                <a:extLst>
+                  <a:ext uri="{0D108BD9-81ED-4DB2-BD59-A6C34878D82A}">
+                    <a16:rowId xmlns:a16="http://schemas.microsoft.com/office/drawing/2014/main" val="3599933484"/>
+                  </a:ext>
+                </a:extLst>
+              </a:tr>
+              <a:tr h="618078">
+                <a:tc>
+                  <a:txBody>
+                    <a:bodyPr/>
+                    <a:lstStyle/>
+                    <a:p>
+                      <a:r>
+                        <a:rPr lang="fr-FR" sz="1100" dirty="0" err="1"/>
+                        <a:t>GetRefreshToken</a:t>
+                      </a:r>
+                      <a:endParaRPr lang="fr-FR" sz="1100" dirty="0"/>
+                    </a:p>
+                    <a:p>
+                      <a:r>
+                        <a:rPr lang="fr-FR" sz="1100" dirty="0"/>
+                        <a:t>Login</a:t>
+                      </a:r>
+                    </a:p>
+                    <a:p>
+                      <a:r>
+                        <a:rPr lang="fr-FR" sz="1100" dirty="0" err="1"/>
+                        <a:t>useLogin</a:t>
+                      </a:r>
+                      <a:endParaRPr lang="fr-FR" sz="1100" dirty="0"/>
+                    </a:p>
+                  </a:txBody>
+                  <a:tcPr/>
+                </a:tc>
+                <a:extLst>
+                  <a:ext uri="{0D108BD9-81ED-4DB2-BD59-A6C34878D82A}">
+                    <a16:rowId xmlns:a16="http://schemas.microsoft.com/office/drawing/2014/main" val="3841387755"/>
+                  </a:ext>
+                </a:extLst>
+              </a:tr>
+            </a:tbl>
+          </a:graphicData>
+        </a:graphic>
+      </p:graphicFrame>
+      <p:graphicFrame>
+        <p:nvGraphicFramePr>
+          <p:cNvPr id="3" name="Tableau 2">
+            <a:extLst>
+              <a:ext uri="{FF2B5EF4-FFF2-40B4-BE49-F238E27FC236}">
+                <a16:creationId xmlns:a16="http://schemas.microsoft.com/office/drawing/2014/main" id="{6B93FA26-7E8D-8BD1-AA5F-6BF55B0C0FC8}"/>
+              </a:ext>
+            </a:extLst>
+          </p:cNvPr>
+          <p:cNvGraphicFramePr>
+            <a:graphicFrameLocks/>
+          </p:cNvGraphicFramePr>
+          <p:nvPr>
+            <p:extLst>
+              <p:ext uri="{D42A27DB-BD31-4B8C-83A1-F6EECF244321}">
+                <p14:modId xmlns:p14="http://schemas.microsoft.com/office/powerpoint/2010/main" val="222801488"/>
+              </p:ext>
+            </p:extLst>
+          </p:nvPr>
+        </p:nvGraphicFramePr>
+        <p:xfrm>
+          <a:off x="3795074" y="1725930"/>
+          <a:ext cx="1375195" cy="1691640"/>
+        </p:xfrm>
+        <a:graphic>
+          <a:graphicData uri="http://schemas.openxmlformats.org/drawingml/2006/table">
+            <a:tbl>
+              <a:tblPr firstRow="1" bandRow="1">
+                <a:tableStyleId>{8FD4443E-F989-4FC4-A0C8-D5A2AF1F390B}</a:tableStyleId>
+              </a:tblPr>
+              <a:tblGrid>
+                <a:gridCol w="1375195">
+                  <a:extLst>
+                    <a:ext uri="{9D8B030D-6E8A-4147-A177-3AD203B41FA5}">
+                      <a16:colId xmlns:a16="http://schemas.microsoft.com/office/drawing/2014/main" val="1632321074"/>
+                    </a:ext>
+                  </a:extLst>
+                </a:gridCol>
+              </a:tblGrid>
+              <a:tr h="230060">
+                <a:tc>
+                  <a:txBody>
+                    <a:bodyPr/>
+                    <a:lstStyle/>
+                    <a:p>
+                      <a:pPr algn="ctr"/>
+                      <a:r>
+                        <a:rPr lang="fr-FR" sz="1100" dirty="0" err="1"/>
+                        <a:t>MainPage</a:t>
+                      </a:r>
+                      <a:endParaRPr lang="fr-FR" sz="1100" dirty="0"/>
+                    </a:p>
+                  </a:txBody>
+                  <a:tcPr/>
+                </a:tc>
+                <a:extLst>
+                  <a:ext uri="{0D108BD9-81ED-4DB2-BD59-A6C34878D82A}">
+                    <a16:rowId xmlns:a16="http://schemas.microsoft.com/office/drawing/2014/main" val="3599933484"/>
+                  </a:ext>
+                </a:extLst>
+              </a:tr>
+              <a:tr h="763126">
+                <a:tc>
+                  <a:txBody>
+                    <a:bodyPr/>
+                    <a:lstStyle/>
+                    <a:p>
+                      <a:r>
+                        <a:rPr lang="fr-FR" sz="1100" dirty="0"/>
+                        <a:t>Carto</a:t>
+                      </a:r>
+                    </a:p>
+                    <a:p>
+                      <a:r>
+                        <a:rPr lang="fr-FR" sz="1100" dirty="0" err="1"/>
+                        <a:t>CustomEditControl</a:t>
+                      </a:r>
+                      <a:endParaRPr lang="fr-FR" sz="1100" dirty="0"/>
+                    </a:p>
+                    <a:p>
+                      <a:r>
+                        <a:rPr lang="fr-FR" sz="1100" dirty="0"/>
+                        <a:t>Help</a:t>
+                      </a:r>
+                    </a:p>
+                    <a:p>
+                      <a:r>
+                        <a:rPr lang="fr-FR" sz="1100" dirty="0"/>
+                        <a:t>Information</a:t>
+                      </a:r>
+                    </a:p>
+                    <a:p>
+                      <a:r>
+                        <a:rPr lang="fr-FR" sz="1100" dirty="0" err="1"/>
+                        <a:t>MainPage</a:t>
+                      </a:r>
+                      <a:endParaRPr lang="fr-FR" sz="1100" dirty="0"/>
+                    </a:p>
+                    <a:p>
+                      <a:r>
+                        <a:rPr lang="fr-FR" sz="1100" dirty="0" err="1"/>
+                        <a:t>MyAccount</a:t>
+                      </a:r>
+                      <a:endParaRPr lang="fr-FR" sz="1100" dirty="0"/>
+                    </a:p>
+                    <a:p>
+                      <a:r>
+                        <a:rPr lang="fr-FR" sz="1100" dirty="0" err="1"/>
+                        <a:t>Parameters</a:t>
+                      </a:r>
+                      <a:endParaRPr lang="fr-FR" sz="1100" dirty="0"/>
+                    </a:p>
+                    <a:p>
+                      <a:r>
+                        <a:rPr lang="fr-FR" sz="1100" dirty="0" err="1"/>
+                        <a:t>SideMenu</a:t>
+                      </a:r>
+                      <a:endParaRPr lang="fr-FR" sz="1100" dirty="0"/>
+                    </a:p>
+                  </a:txBody>
+                  <a:tcPr/>
+                </a:tc>
+                <a:extLst>
+                  <a:ext uri="{0D108BD9-81ED-4DB2-BD59-A6C34878D82A}">
+                    <a16:rowId xmlns:a16="http://schemas.microsoft.com/office/drawing/2014/main" val="3841387755"/>
+                  </a:ext>
+                </a:extLst>
+              </a:tr>
+            </a:tbl>
+          </a:graphicData>
+        </a:graphic>
+      </p:graphicFrame>
+      <p:graphicFrame>
+        <p:nvGraphicFramePr>
+          <p:cNvPr id="6" name="Tableau 5">
+            <a:extLst>
+              <a:ext uri="{FF2B5EF4-FFF2-40B4-BE49-F238E27FC236}">
+                <a16:creationId xmlns:a16="http://schemas.microsoft.com/office/drawing/2014/main" id="{49F66372-FBBE-DC8D-C325-89DC2B945FF0}"/>
+              </a:ext>
+            </a:extLst>
+          </p:cNvPr>
+          <p:cNvGraphicFramePr>
+            <a:graphicFrameLocks/>
+          </p:cNvGraphicFramePr>
+          <p:nvPr>
+            <p:extLst>
+              <p:ext uri="{D42A27DB-BD31-4B8C-83A1-F6EECF244321}">
+                <p14:modId xmlns:p14="http://schemas.microsoft.com/office/powerpoint/2010/main" val="106236542"/>
+              </p:ext>
+            </p:extLst>
+          </p:nvPr>
+        </p:nvGraphicFramePr>
+        <p:xfrm>
+          <a:off x="7150505" y="896393"/>
+          <a:ext cx="1328004" cy="899162"/>
+        </p:xfrm>
+        <a:graphic>
+          <a:graphicData uri="http://schemas.openxmlformats.org/drawingml/2006/table">
+            <a:tbl>
+              <a:tblPr firstRow="1" bandRow="1">
+                <a:tableStyleId>{8FD4443E-F989-4FC4-A0C8-D5A2AF1F390B}</a:tableStyleId>
+              </a:tblPr>
+              <a:tblGrid>
+                <a:gridCol w="1328004">
+                  <a:extLst>
+                    <a:ext uri="{9D8B030D-6E8A-4147-A177-3AD203B41FA5}">
+                      <a16:colId xmlns:a16="http://schemas.microsoft.com/office/drawing/2014/main" val="1632321074"/>
+                    </a:ext>
+                  </a:extLst>
+                </a:gridCol>
+              </a:tblGrid>
+              <a:tr h="217307">
+                <a:tc>
+                  <a:txBody>
+                    <a:bodyPr/>
+                    <a:lstStyle/>
+                    <a:p>
+                      <a:pPr algn="ctr"/>
+                      <a:r>
+                        <a:rPr lang="fr-FR" sz="1100" dirty="0"/>
+                        <a:t>Modal</a:t>
+                      </a:r>
+                    </a:p>
+                  </a:txBody>
+                  <a:tcPr/>
+                </a:tc>
+                <a:extLst>
+                  <a:ext uri="{0D108BD9-81ED-4DB2-BD59-A6C34878D82A}">
+                    <a16:rowId xmlns:a16="http://schemas.microsoft.com/office/drawing/2014/main" val="3599933484"/>
+                  </a:ext>
+                </a:extLst>
+              </a:tr>
+              <a:tr h="640082">
+                <a:tc>
+                  <a:txBody>
+                    <a:bodyPr/>
+                    <a:lstStyle/>
+                    <a:p>
+                      <a:r>
+                        <a:rPr lang="fr-FR" sz="1100" dirty="0" err="1"/>
+                        <a:t>CreateZoneModal</a:t>
+                      </a:r>
+                      <a:endParaRPr lang="fr-FR" sz="1100" dirty="0"/>
+                    </a:p>
+                    <a:p>
+                      <a:r>
+                        <a:rPr lang="fr-FR" sz="1100" dirty="0" err="1"/>
+                        <a:t>DeleteZoneModal</a:t>
+                      </a:r>
+                      <a:endParaRPr lang="fr-FR" sz="1100" dirty="0"/>
+                    </a:p>
+                    <a:p>
+                      <a:r>
+                        <a:rPr lang="fr-FR" sz="1100" dirty="0" err="1"/>
+                        <a:t>EditZoneModal</a:t>
+                      </a:r>
+                      <a:endParaRPr lang="fr-FR" sz="1100" dirty="0"/>
+                    </a:p>
+                  </a:txBody>
+                  <a:tcPr/>
+                </a:tc>
+                <a:extLst>
+                  <a:ext uri="{0D108BD9-81ED-4DB2-BD59-A6C34878D82A}">
+                    <a16:rowId xmlns:a16="http://schemas.microsoft.com/office/drawing/2014/main" val="3841387755"/>
+                  </a:ext>
+                </a:extLst>
+              </a:tr>
+            </a:tbl>
+          </a:graphicData>
+        </a:graphic>
+      </p:graphicFrame>
+      <p:graphicFrame>
+        <p:nvGraphicFramePr>
+          <p:cNvPr id="8" name="Tableau 7">
+            <a:extLst>
+              <a:ext uri="{FF2B5EF4-FFF2-40B4-BE49-F238E27FC236}">
+                <a16:creationId xmlns:a16="http://schemas.microsoft.com/office/drawing/2014/main" id="{8910EF51-3692-6B5E-E77F-2FDC73ED3E0C}"/>
+              </a:ext>
+            </a:extLst>
+          </p:cNvPr>
+          <p:cNvGraphicFramePr>
+            <a:graphicFrameLocks/>
+          </p:cNvGraphicFramePr>
+          <p:nvPr>
+            <p:extLst>
+              <p:ext uri="{D42A27DB-BD31-4B8C-83A1-F6EECF244321}">
+                <p14:modId xmlns:p14="http://schemas.microsoft.com/office/powerpoint/2010/main" val="2270138369"/>
+              </p:ext>
+            </p:extLst>
+          </p:nvPr>
+        </p:nvGraphicFramePr>
+        <p:xfrm>
+          <a:off x="7099446" y="3125884"/>
+          <a:ext cx="1430120" cy="1691640"/>
+        </p:xfrm>
+        <a:graphic>
+          <a:graphicData uri="http://schemas.openxmlformats.org/drawingml/2006/table">
+            <a:tbl>
+              <a:tblPr firstRow="1" bandRow="1">
+                <a:tableStyleId>{8FD4443E-F989-4FC4-A0C8-D5A2AF1F390B}</a:tableStyleId>
+              </a:tblPr>
+              <a:tblGrid>
+                <a:gridCol w="1430120">
+                  <a:extLst>
+                    <a:ext uri="{9D8B030D-6E8A-4147-A177-3AD203B41FA5}">
+                      <a16:colId xmlns:a16="http://schemas.microsoft.com/office/drawing/2014/main" val="1632321074"/>
+                    </a:ext>
+                  </a:extLst>
+                </a:gridCol>
+              </a:tblGrid>
+              <a:tr h="230060">
+                <a:tc>
+                  <a:txBody>
+                    <a:bodyPr/>
+                    <a:lstStyle/>
+                    <a:p>
+                      <a:pPr algn="ctr"/>
+                      <a:r>
+                        <a:rPr lang="fr-FR" sz="1100" dirty="0"/>
+                        <a:t>Style</a:t>
+                      </a:r>
+                    </a:p>
+                  </a:txBody>
+                  <a:tcPr/>
+                </a:tc>
+                <a:extLst>
+                  <a:ext uri="{0D108BD9-81ED-4DB2-BD59-A6C34878D82A}">
+                    <a16:rowId xmlns:a16="http://schemas.microsoft.com/office/drawing/2014/main" val="3599933484"/>
+                  </a:ext>
+                </a:extLst>
+              </a:tr>
+              <a:tr h="763126">
+                <a:tc>
+                  <a:txBody>
+                    <a:bodyPr/>
+                    <a:lstStyle/>
+                    <a:p>
+                      <a:r>
+                        <a:rPr lang="fr-FR" sz="1100" dirty="0" err="1"/>
+                        <a:t>Account.module</a:t>
+                      </a:r>
+                      <a:endParaRPr lang="fr-FR" sz="1100" dirty="0"/>
+                    </a:p>
+                    <a:p>
+                      <a:r>
+                        <a:rPr lang="fr-FR" sz="1100" dirty="0" err="1"/>
+                        <a:t>Carto.module</a:t>
+                      </a:r>
+                      <a:endParaRPr lang="fr-FR" sz="1100" dirty="0"/>
+                    </a:p>
+                    <a:p>
+                      <a:r>
+                        <a:rPr lang="fr-FR" sz="1100" dirty="0" err="1"/>
+                        <a:t>Help.module</a:t>
+                      </a:r>
+                      <a:endParaRPr lang="fr-FR" sz="1100" dirty="0"/>
+                    </a:p>
+                    <a:p>
+                      <a:r>
+                        <a:rPr lang="fr-FR" sz="1100" dirty="0" err="1"/>
+                        <a:t>Information.module</a:t>
+                      </a:r>
+                      <a:endParaRPr lang="fr-FR" sz="1100" dirty="0"/>
+                    </a:p>
+                    <a:p>
+                      <a:r>
+                        <a:rPr lang="fr-FR" sz="1100" dirty="0" err="1"/>
+                        <a:t>Login.module</a:t>
+                      </a:r>
+                      <a:endParaRPr lang="fr-FR" sz="1100" dirty="0"/>
+                    </a:p>
+                    <a:p>
+                      <a:r>
+                        <a:rPr lang="fr-FR" sz="1100" dirty="0" err="1"/>
+                        <a:t>Parameters.module</a:t>
+                      </a:r>
+                      <a:endParaRPr lang="fr-FR" sz="1100" dirty="0"/>
+                    </a:p>
+                    <a:p>
+                      <a:r>
+                        <a:rPr lang="fr-FR" sz="1100" dirty="0" err="1"/>
+                        <a:t>SideMenu.module</a:t>
+                      </a:r>
+                      <a:endParaRPr lang="fr-FR" sz="1100" dirty="0"/>
+                    </a:p>
+                    <a:p>
+                      <a:r>
+                        <a:rPr lang="fr-FR" sz="1100" dirty="0" err="1"/>
+                        <a:t>ZoneModal.module</a:t>
+                      </a:r>
+                      <a:endParaRPr lang="fr-FR" sz="1100" dirty="0"/>
+                    </a:p>
+                  </a:txBody>
+                  <a:tcPr/>
+                </a:tc>
+                <a:extLst>
+                  <a:ext uri="{0D108BD9-81ED-4DB2-BD59-A6C34878D82A}">
+                    <a16:rowId xmlns:a16="http://schemas.microsoft.com/office/drawing/2014/main" val="3841387755"/>
+                  </a:ext>
+                </a:extLst>
+              </a:tr>
+            </a:tbl>
+          </a:graphicData>
+        </a:graphic>
+      </p:graphicFrame>
+      <p:cxnSp>
+        <p:nvCxnSpPr>
+          <p:cNvPr id="14" name="Google Shape;1170;p39">
+            <a:extLst>
+              <a:ext uri="{FF2B5EF4-FFF2-40B4-BE49-F238E27FC236}">
+                <a16:creationId xmlns:a16="http://schemas.microsoft.com/office/drawing/2014/main" id="{5AD5D788-EB5F-1249-80D6-2C254A5DED80}"/>
+              </a:ext>
+            </a:extLst>
+          </p:cNvPr>
+          <p:cNvCxnSpPr>
+            <a:cxnSpLocks/>
+            <a:stCxn id="4" idx="3"/>
+            <a:endCxn id="3" idx="1"/>
+          </p:cNvCxnSpPr>
           <p:nvPr/>
-        </p:nvPicPr>
-        <p:blipFill>
-          <a:blip r:embed="rId2"/>
-          <a:stretch>
-            <a:fillRect/>
-          </a:stretch>
-        </p:blipFill>
+        </p:nvCxnSpPr>
         <p:spPr>
           <a:xfrm>
-            <a:off x="3220060" y="724767"/>
-            <a:ext cx="1100066" cy="4227022"/>
+            <a:off x="1742850" y="2571750"/>
+            <a:ext cx="2052224" cy="12700"/>
+          </a:xfrm>
+          <a:prstGeom prst="bentConnector3">
+            <a:avLst>
+              <a:gd name="adj1" fmla="val 50000"/>
+            </a:avLst>
+          </a:prstGeom>
+          <a:ln w="19050" cap="flat" cmpd="sng" algn="ctr">
+            <a:solidFill>
+              <a:srgbClr val="F8F8F8"/>
+            </a:solidFill>
+            <a:prstDash val="dash"/>
+            <a:round/>
+            <a:headEnd type="arrow" w="med" len="med"/>
+            <a:tailEnd type="arrow" w="med" len="med"/>
+          </a:ln>
+        </p:spPr>
+        <p:style>
+          <a:lnRef idx="0">
+            <a:scrgbClr r="0" g="0" b="0"/>
+          </a:lnRef>
+          <a:fillRef idx="0">
+            <a:scrgbClr r="0" g="0" b="0"/>
+          </a:fillRef>
+          <a:effectRef idx="0">
+            <a:scrgbClr r="0" g="0" b="0"/>
+          </a:effectRef>
+          <a:fontRef idx="minor">
+            <a:schemeClr val="tx1"/>
+          </a:fontRef>
+        </p:style>
+      </p:cxnSp>
+      <p:sp>
+        <p:nvSpPr>
+          <p:cNvPr id="18" name="Google Shape;1159;p39">
+            <a:extLst>
+              <a:ext uri="{FF2B5EF4-FFF2-40B4-BE49-F238E27FC236}">
+                <a16:creationId xmlns:a16="http://schemas.microsoft.com/office/drawing/2014/main" id="{3E44C611-C036-3377-C629-063D5C57C52B}"/>
+              </a:ext>
+            </a:extLst>
+          </p:cNvPr>
+          <p:cNvSpPr txBox="1"/>
+          <p:nvPr/>
+        </p:nvSpPr>
+        <p:spPr>
+          <a:xfrm>
+            <a:off x="2047188" y="2263234"/>
+            <a:ext cx="1443548" cy="308516"/>
           </a:xfrm>
           <a:prstGeom prst="rect">
             <a:avLst/>
           </a:prstGeom>
+          <a:noFill/>
+          <a:ln>
+            <a:noFill/>
+          </a:ln>
         </p:spPr>
-      </p:pic>
+        <p:txBody>
+          <a:bodyPr spcFirstLastPara="1" wrap="square" lIns="91425" tIns="91425" rIns="91425" bIns="91425" anchor="b" anchorCtr="0">
+            <a:noAutofit/>
+          </a:bodyPr>
+          <a:lstStyle/>
+          <a:p>
+            <a:pPr marL="0" lvl="0" indent="0" algn="ctr" rtl="0">
+              <a:spcBef>
+                <a:spcPts val="0"/>
+              </a:spcBef>
+              <a:spcAft>
+                <a:spcPts val="0"/>
+              </a:spcAft>
+              <a:buNone/>
+            </a:pPr>
+            <a:r>
+              <a:rPr lang="fr-FR" sz="1050" dirty="0">
+                <a:solidFill>
+                  <a:schemeClr val="dk1"/>
+                </a:solidFill>
+                <a:latin typeface="Share Tech"/>
+                <a:ea typeface="Share Tech"/>
+                <a:cs typeface="Share Tech"/>
+                <a:sym typeface="Share Tech"/>
+              </a:rPr>
+              <a:t>Connexion/Déconnexion</a:t>
+            </a:r>
+            <a:endParaRPr sz="1050" dirty="0">
+              <a:solidFill>
+                <a:schemeClr val="dk1"/>
+              </a:solidFill>
+              <a:latin typeface="Share Tech"/>
+              <a:ea typeface="Share Tech"/>
+              <a:cs typeface="Share Tech"/>
+              <a:sym typeface="Share Tech"/>
+            </a:endParaRPr>
+          </a:p>
+        </p:txBody>
+      </p:sp>
+      <p:cxnSp>
+        <p:nvCxnSpPr>
+          <p:cNvPr id="24" name="Google Shape;1170;p39">
+            <a:extLst>
+              <a:ext uri="{FF2B5EF4-FFF2-40B4-BE49-F238E27FC236}">
+                <a16:creationId xmlns:a16="http://schemas.microsoft.com/office/drawing/2014/main" id="{CC8D5033-B309-6342-B9A6-66EBAF692902}"/>
+              </a:ext>
+            </a:extLst>
+          </p:cNvPr>
+          <p:cNvCxnSpPr>
+            <a:cxnSpLocks/>
+            <a:stCxn id="8" idx="1"/>
+            <a:endCxn id="4" idx="2"/>
+          </p:cNvCxnSpPr>
+          <p:nvPr/>
+        </p:nvCxnSpPr>
+        <p:spPr>
+          <a:xfrm rot="10800000">
+            <a:off x="1099734" y="3010330"/>
+            <a:ext cx="5999712" cy="961375"/>
+          </a:xfrm>
+          <a:prstGeom prst="bentConnector2">
+            <a:avLst/>
+          </a:prstGeom>
+          <a:ln w="19050" cap="flat" cmpd="sng" algn="ctr">
+            <a:solidFill>
+              <a:srgbClr val="F8F8F8"/>
+            </a:solidFill>
+            <a:prstDash val="solid"/>
+            <a:round/>
+            <a:headEnd type="oval" w="med" len="med"/>
+            <a:tailEnd type="triangle" w="med" len="med"/>
+          </a:ln>
+        </p:spPr>
+        <p:style>
+          <a:lnRef idx="0">
+            <a:scrgbClr r="0" g="0" b="0"/>
+          </a:lnRef>
+          <a:fillRef idx="0">
+            <a:scrgbClr r="0" g="0" b="0"/>
+          </a:fillRef>
+          <a:effectRef idx="0">
+            <a:scrgbClr r="0" g="0" b="0"/>
+          </a:effectRef>
+          <a:fontRef idx="minor">
+            <a:schemeClr val="tx1"/>
+          </a:fontRef>
+        </p:style>
+      </p:cxnSp>
+      <p:cxnSp>
+        <p:nvCxnSpPr>
+          <p:cNvPr id="31" name="Google Shape;1170;p39">
+            <a:extLst>
+              <a:ext uri="{FF2B5EF4-FFF2-40B4-BE49-F238E27FC236}">
+                <a16:creationId xmlns:a16="http://schemas.microsoft.com/office/drawing/2014/main" id="{F58F9789-CFDE-C2FA-026F-040CA4B66312}"/>
+              </a:ext>
+            </a:extLst>
+          </p:cNvPr>
+          <p:cNvCxnSpPr>
+            <a:cxnSpLocks/>
+            <a:stCxn id="8" idx="0"/>
+            <a:endCxn id="6" idx="2"/>
+          </p:cNvCxnSpPr>
+          <p:nvPr/>
+        </p:nvCxnSpPr>
+        <p:spPr>
+          <a:xfrm rot="5400000" flipH="1" flipV="1">
+            <a:off x="7149342" y="2460720"/>
+            <a:ext cx="1330329" cy="1"/>
+          </a:xfrm>
+          <a:prstGeom prst="bentConnector3">
+            <a:avLst>
+              <a:gd name="adj1" fmla="val 50000"/>
+            </a:avLst>
+          </a:prstGeom>
+          <a:ln w="19050" cap="flat" cmpd="sng" algn="ctr">
+            <a:solidFill>
+              <a:srgbClr val="F8F8F8"/>
+            </a:solidFill>
+            <a:prstDash val="solid"/>
+            <a:round/>
+            <a:headEnd type="oval" w="med" len="med"/>
+            <a:tailEnd type="triangle" w="med" len="med"/>
+          </a:ln>
+        </p:spPr>
+        <p:style>
+          <a:lnRef idx="0">
+            <a:scrgbClr r="0" g="0" b="0"/>
+          </a:lnRef>
+          <a:fillRef idx="0">
+            <a:scrgbClr r="0" g="0" b="0"/>
+          </a:fillRef>
+          <a:effectRef idx="0">
+            <a:scrgbClr r="0" g="0" b="0"/>
+          </a:effectRef>
+          <a:fontRef idx="minor">
+            <a:schemeClr val="tx1"/>
+          </a:fontRef>
+        </p:style>
+      </p:cxnSp>
+      <p:cxnSp>
+        <p:nvCxnSpPr>
+          <p:cNvPr id="34" name="Google Shape;1170;p39">
+            <a:extLst>
+              <a:ext uri="{FF2B5EF4-FFF2-40B4-BE49-F238E27FC236}">
+                <a16:creationId xmlns:a16="http://schemas.microsoft.com/office/drawing/2014/main" id="{378E1602-98AF-D8CA-F6BE-1EE8A78036C6}"/>
+              </a:ext>
+            </a:extLst>
+          </p:cNvPr>
+          <p:cNvCxnSpPr>
+            <a:cxnSpLocks/>
+            <a:stCxn id="8" idx="0"/>
+            <a:endCxn id="3" idx="3"/>
+          </p:cNvCxnSpPr>
+          <p:nvPr/>
+        </p:nvCxnSpPr>
+        <p:spPr>
+          <a:xfrm rot="16200000" flipV="1">
+            <a:off x="6215321" y="1526698"/>
+            <a:ext cx="554134" cy="2644237"/>
+          </a:xfrm>
+          <a:prstGeom prst="bentConnector2">
+            <a:avLst/>
+          </a:prstGeom>
+          <a:ln w="19050" cap="flat" cmpd="sng" algn="ctr">
+            <a:solidFill>
+              <a:srgbClr val="F8F8F8"/>
+            </a:solidFill>
+            <a:prstDash val="solid"/>
+            <a:round/>
+            <a:headEnd type="oval" w="med" len="med"/>
+            <a:tailEnd type="triangle" w="med" len="med"/>
+          </a:ln>
+        </p:spPr>
+        <p:style>
+          <a:lnRef idx="0">
+            <a:scrgbClr r="0" g="0" b="0"/>
+          </a:lnRef>
+          <a:fillRef idx="0">
+            <a:scrgbClr r="0" g="0" b="0"/>
+          </a:fillRef>
+          <a:effectRef idx="0">
+            <a:scrgbClr r="0" g="0" b="0"/>
+          </a:effectRef>
+          <a:fontRef idx="minor">
+            <a:schemeClr val="tx1"/>
+          </a:fontRef>
+        </p:style>
+      </p:cxnSp>
+      <p:sp>
+        <p:nvSpPr>
+          <p:cNvPr id="37" name="Google Shape;1159;p39">
+            <a:extLst>
+              <a:ext uri="{FF2B5EF4-FFF2-40B4-BE49-F238E27FC236}">
+                <a16:creationId xmlns:a16="http://schemas.microsoft.com/office/drawing/2014/main" id="{1CE60F15-F7A5-7B96-70AE-4D3073CA6785}"/>
+              </a:ext>
+            </a:extLst>
+          </p:cNvPr>
+          <p:cNvSpPr txBox="1"/>
+          <p:nvPr/>
+        </p:nvSpPr>
+        <p:spPr>
+          <a:xfrm>
+            <a:off x="3377815" y="3981630"/>
+            <a:ext cx="1443548" cy="308516"/>
+          </a:xfrm>
+          <a:prstGeom prst="rect">
+            <a:avLst/>
+          </a:prstGeom>
+          <a:noFill/>
+          <a:ln>
+            <a:noFill/>
+          </a:ln>
+        </p:spPr>
+        <p:txBody>
+          <a:bodyPr spcFirstLastPara="1" wrap="square" lIns="91425" tIns="91425" rIns="91425" bIns="91425" anchor="b" anchorCtr="0">
+            <a:noAutofit/>
+          </a:bodyPr>
+          <a:lstStyle/>
+          <a:p>
+            <a:pPr marL="0" lvl="0" indent="0" algn="ctr" rtl="0">
+              <a:spcBef>
+                <a:spcPts val="0"/>
+              </a:spcBef>
+              <a:spcAft>
+                <a:spcPts val="0"/>
+              </a:spcAft>
+              <a:buNone/>
+            </a:pPr>
+            <a:r>
+              <a:rPr lang="fr-FR" sz="1050" dirty="0">
+                <a:solidFill>
+                  <a:schemeClr val="dk1"/>
+                </a:solidFill>
+                <a:latin typeface="Share Tech"/>
+                <a:ea typeface="Share Tech"/>
+                <a:cs typeface="Share Tech"/>
+                <a:sym typeface="Share Tech"/>
+              </a:rPr>
+              <a:t>Utilisation du style</a:t>
+            </a:r>
+            <a:endParaRPr sz="1050" dirty="0">
+              <a:solidFill>
+                <a:schemeClr val="dk1"/>
+              </a:solidFill>
+              <a:latin typeface="Share Tech"/>
+              <a:ea typeface="Share Tech"/>
+              <a:cs typeface="Share Tech"/>
+              <a:sym typeface="Share Tech"/>
+            </a:endParaRPr>
+          </a:p>
+        </p:txBody>
+      </p:sp>
+      <p:sp>
+        <p:nvSpPr>
+          <p:cNvPr id="38" name="Google Shape;1159;p39">
+            <a:extLst>
+              <a:ext uri="{FF2B5EF4-FFF2-40B4-BE49-F238E27FC236}">
+                <a16:creationId xmlns:a16="http://schemas.microsoft.com/office/drawing/2014/main" id="{6900FBE4-98C1-3BB9-7CA3-BA05A9F506B4}"/>
+              </a:ext>
+            </a:extLst>
+          </p:cNvPr>
+          <p:cNvSpPr txBox="1"/>
+          <p:nvPr/>
+        </p:nvSpPr>
+        <p:spPr>
+          <a:xfrm>
+            <a:off x="6500719" y="2306462"/>
+            <a:ext cx="1443548" cy="308516"/>
+          </a:xfrm>
+          <a:prstGeom prst="rect">
+            <a:avLst/>
+          </a:prstGeom>
+          <a:noFill/>
+          <a:ln>
+            <a:noFill/>
+          </a:ln>
+        </p:spPr>
+        <p:txBody>
+          <a:bodyPr spcFirstLastPara="1" wrap="square" lIns="91425" tIns="91425" rIns="91425" bIns="91425" anchor="b" anchorCtr="0">
+            <a:noAutofit/>
+          </a:bodyPr>
+          <a:lstStyle/>
+          <a:p>
+            <a:pPr marL="0" lvl="0" indent="0" algn="ctr" rtl="0">
+              <a:spcBef>
+                <a:spcPts val="0"/>
+              </a:spcBef>
+              <a:spcAft>
+                <a:spcPts val="0"/>
+              </a:spcAft>
+              <a:buNone/>
+            </a:pPr>
+            <a:r>
+              <a:rPr lang="fr-FR" sz="1050" dirty="0">
+                <a:solidFill>
+                  <a:schemeClr val="dk1"/>
+                </a:solidFill>
+                <a:latin typeface="Share Tech"/>
+                <a:ea typeface="Share Tech"/>
+                <a:cs typeface="Share Tech"/>
+                <a:sym typeface="Share Tech"/>
+              </a:rPr>
+              <a:t>Utilisation du style</a:t>
+            </a:r>
+            <a:endParaRPr sz="1050" dirty="0">
+              <a:solidFill>
+                <a:schemeClr val="dk1"/>
+              </a:solidFill>
+              <a:latin typeface="Share Tech"/>
+              <a:ea typeface="Share Tech"/>
+              <a:cs typeface="Share Tech"/>
+              <a:sym typeface="Share Tech"/>
+            </a:endParaRPr>
+          </a:p>
+        </p:txBody>
+      </p:sp>
+      <p:cxnSp>
+        <p:nvCxnSpPr>
+          <p:cNvPr id="39" name="Google Shape;1170;p39">
+            <a:extLst>
+              <a:ext uri="{FF2B5EF4-FFF2-40B4-BE49-F238E27FC236}">
+                <a16:creationId xmlns:a16="http://schemas.microsoft.com/office/drawing/2014/main" id="{B62247BE-CCD2-0CD2-5AEB-D6719C598B0F}"/>
+              </a:ext>
+            </a:extLst>
+          </p:cNvPr>
+          <p:cNvCxnSpPr>
+            <a:cxnSpLocks/>
+            <a:stCxn id="3" idx="0"/>
+            <a:endCxn id="6" idx="1"/>
+          </p:cNvCxnSpPr>
+          <p:nvPr/>
+        </p:nvCxnSpPr>
+        <p:spPr>
+          <a:xfrm rot="5400000" flipH="1" flipV="1">
+            <a:off x="5626610" y="202035"/>
+            <a:ext cx="379956" cy="2667834"/>
+          </a:xfrm>
+          <a:prstGeom prst="bentConnector2">
+            <a:avLst/>
+          </a:prstGeom>
+          <a:ln w="19050" cap="flat" cmpd="sng" algn="ctr">
+            <a:solidFill>
+              <a:srgbClr val="F8F8F8"/>
+            </a:solidFill>
+            <a:prstDash val="dash"/>
+            <a:round/>
+            <a:headEnd type="triangle" w="med" len="med"/>
+            <a:tailEnd type="none" w="med" len="med"/>
+          </a:ln>
+        </p:spPr>
+        <p:style>
+          <a:lnRef idx="0">
+            <a:scrgbClr r="0" g="0" b="0"/>
+          </a:lnRef>
+          <a:fillRef idx="0">
+            <a:scrgbClr r="0" g="0" b="0"/>
+          </a:fillRef>
+          <a:effectRef idx="0">
+            <a:scrgbClr r="0" g="0" b="0"/>
+          </a:effectRef>
+          <a:fontRef idx="minor">
+            <a:schemeClr val="tx1"/>
+          </a:fontRef>
+        </p:style>
+      </p:cxnSp>
+      <p:sp>
+        <p:nvSpPr>
+          <p:cNvPr id="42" name="Google Shape;1159;p39">
+            <a:extLst>
+              <a:ext uri="{FF2B5EF4-FFF2-40B4-BE49-F238E27FC236}">
+                <a16:creationId xmlns:a16="http://schemas.microsoft.com/office/drawing/2014/main" id="{04B9BAC2-694C-6A5A-FD35-E1AFB1B0AEEA}"/>
+              </a:ext>
+            </a:extLst>
+          </p:cNvPr>
+          <p:cNvSpPr txBox="1"/>
+          <p:nvPr/>
+        </p:nvSpPr>
+        <p:spPr>
+          <a:xfrm>
+            <a:off x="5094814" y="1050216"/>
+            <a:ext cx="1443548" cy="308516"/>
+          </a:xfrm>
+          <a:prstGeom prst="rect">
+            <a:avLst/>
+          </a:prstGeom>
+          <a:noFill/>
+          <a:ln>
+            <a:noFill/>
+          </a:ln>
+        </p:spPr>
+        <p:txBody>
+          <a:bodyPr spcFirstLastPara="1" wrap="square" lIns="91425" tIns="91425" rIns="91425" bIns="91425" anchor="b" anchorCtr="0">
+            <a:noAutofit/>
+          </a:bodyPr>
+          <a:lstStyle/>
+          <a:p>
+            <a:pPr marL="0" lvl="0" indent="0" algn="ctr" rtl="0">
+              <a:spcBef>
+                <a:spcPts val="0"/>
+              </a:spcBef>
+              <a:spcAft>
+                <a:spcPts val="0"/>
+              </a:spcAft>
+              <a:buNone/>
+            </a:pPr>
+            <a:r>
+              <a:rPr lang="fr-FR" sz="1050" dirty="0">
+                <a:solidFill>
+                  <a:schemeClr val="dk1"/>
+                </a:solidFill>
+                <a:latin typeface="Share Tech"/>
+                <a:ea typeface="Share Tech"/>
+                <a:cs typeface="Share Tech"/>
+                <a:sym typeface="Share Tech"/>
+              </a:rPr>
+              <a:t>Affichage des modales</a:t>
+            </a:r>
+            <a:endParaRPr sz="1050" dirty="0">
+              <a:solidFill>
+                <a:schemeClr val="dk1"/>
+              </a:solidFill>
+              <a:latin typeface="Share Tech"/>
+              <a:ea typeface="Share Tech"/>
+              <a:cs typeface="Share Tech"/>
+              <a:sym typeface="Share Tech"/>
+            </a:endParaRPr>
+          </a:p>
+        </p:txBody>
+      </p:sp>
     </p:spTree>
     <p:extLst>
       <p:ext uri="{BB962C8B-B14F-4D97-AF65-F5344CB8AC3E}">
-        <p14:creationId xmlns:p14="http://schemas.microsoft.com/office/powerpoint/2010/main" val="2099190938"/>
+        <p14:creationId xmlns:p14="http://schemas.microsoft.com/office/powerpoint/2010/main" val="254455194"/>
       </p:ext>
     </p:extLst>
   </p:cSld>
@@ -23687,21 +27223,6 @@
 </file>
 
 <file path=customXml/item1.xml><?xml version="1.0" encoding="utf-8"?>
-<?mso-contentType ?>
-<FormTemplates xmlns="http://schemas.microsoft.com/sharepoint/v3/contenttype/forms">
-  <Display>DocumentLibraryForm</Display>
-  <Edit>DocumentLibraryForm</Edit>
-  <New>DocumentLibraryForm</New>
-</FormTemplates>
-</file>
-
-<file path=customXml/item2.xml><?xml version="1.0" encoding="utf-8"?>
-<p:properties xmlns:p="http://schemas.microsoft.com/office/2006/metadata/properties" xmlns:xsi="http://www.w3.org/2001/XMLSchema-instance" xmlns:pc="http://schemas.microsoft.com/office/infopath/2007/PartnerControls">
-  <documentManagement/>
-</p:properties>
-</file>
-
-<file path=customXml/item3.xml><?xml version="1.0" encoding="utf-8"?>
 <ct:contentTypeSchema xmlns:ct="http://schemas.microsoft.com/office/2006/metadata/contentType" xmlns:ma="http://schemas.microsoft.com/office/2006/metadata/properties/metaAttributes" ct:_="" ma:_="" ma:contentTypeName="Document" ma:contentTypeID="0x0101008CEA7F8095A03344ABB714D5F8C794CE" ma:contentTypeVersion="8" ma:contentTypeDescription="Crée un document." ma:contentTypeScope="" ma:versionID="19ad794433a5a6f8f776704d78925295">
   <xsd:schema xmlns:xsd="http://www.w3.org/2001/XMLSchema" xmlns:xs="http://www.w3.org/2001/XMLSchema" xmlns:p="http://schemas.microsoft.com/office/2006/metadata/properties" xmlns:ns3="bb86211b-6858-4a67-bee9-3cc0c565fc01" xmlns:ns4="a4505148-1984-4b71-82bf-8ee338bb755e" targetNamespace="http://schemas.microsoft.com/office/2006/metadata/properties" ma:root="true" ma:fieldsID="0f739ac12f40b9d02b74301e2a60e0ec" ns3:_="" ns4:_="">
     <xsd:import namespace="bb86211b-6858-4a67-bee9-3cc0c565fc01"/>
@@ -23892,32 +27413,22 @@
 </ct:contentTypeSchema>
 </file>
 
-<file path=customXml/itemProps1.xml><?xml version="1.0" encoding="utf-8"?>
-<ds:datastoreItem xmlns:ds="http://schemas.openxmlformats.org/officeDocument/2006/customXml" ds:itemID="{FABF05A6-EFD4-4AFB-BAA9-65A8EB6C8E2D}">
-  <ds:schemaRefs>
-    <ds:schemaRef ds:uri="http://schemas.microsoft.com/sharepoint/v3/contenttype/forms"/>
-  </ds:schemaRefs>
-</ds:datastoreItem>
+<file path=customXml/item2.xml><?xml version="1.0" encoding="utf-8"?>
+<?mso-contentType ?>
+<FormTemplates xmlns="http://schemas.microsoft.com/sharepoint/v3/contenttype/forms">
+  <Display>DocumentLibraryForm</Display>
+  <Edit>DocumentLibraryForm</Edit>
+  <New>DocumentLibraryForm</New>
+</FormTemplates>
 </file>
 
-<file path=customXml/itemProps2.xml><?xml version="1.0" encoding="utf-8"?>
-<ds:datastoreItem xmlns:ds="http://schemas.openxmlformats.org/officeDocument/2006/customXml" ds:itemID="{97B0A5C4-F87A-4071-AE7B-E80DA40CE374}">
-  <ds:schemaRefs>
-    <ds:schemaRef ds:uri="a4505148-1984-4b71-82bf-8ee338bb755e"/>
-    <ds:schemaRef ds:uri="bb86211b-6858-4a67-bee9-3cc0c565fc01"/>
-    <ds:schemaRef ds:uri="http://purl.org/dc/dcmitype/"/>
-    <ds:schemaRef ds:uri="http://purl.org/dc/elements/1.1/"/>
-    <ds:schemaRef ds:uri="http://purl.org/dc/terms/"/>
-    <ds:schemaRef ds:uri="http://schemas.microsoft.com/office/2006/documentManagement/types"/>
-    <ds:schemaRef ds:uri="http://schemas.microsoft.com/office/2006/metadata/properties"/>
-    <ds:schemaRef ds:uri="http://schemas.microsoft.com/office/infopath/2007/PartnerControls"/>
-    <ds:schemaRef ds:uri="http://schemas.openxmlformats.org/package/2006/metadata/core-properties"/>
-    <ds:schemaRef ds:uri="http://www.w3.org/XML/1998/namespace"/>
-  </ds:schemaRefs>
-</ds:datastoreItem>
+<file path=customXml/item3.xml><?xml version="1.0" encoding="utf-8"?>
+<p:properties xmlns:p="http://schemas.microsoft.com/office/2006/metadata/properties" xmlns:xsi="http://www.w3.org/2001/XMLSchema-instance" xmlns:pc="http://schemas.microsoft.com/office/infopath/2007/PartnerControls">
+  <documentManagement/>
+</p:properties>
 </file>
 
-<file path=customXml/itemProps3.xml><?xml version="1.0" encoding="utf-8"?>
+<file path=customXml/itemProps1.xml><?xml version="1.0" encoding="utf-8"?>
 <ds:datastoreItem xmlns:ds="http://schemas.openxmlformats.org/officeDocument/2006/customXml" ds:itemID="{4046F691-00C8-47A5-8C80-2E9093E8930C}">
   <ds:schemaRefs>
     <ds:schemaRef ds:uri="a4505148-1984-4b71-82bf-8ee338bb755e"/>
@@ -23934,4 +27445,29 @@
     <ds:schemaRef ds:uri="http://www.w3.org/2001/XMLSchema"/>
   </ds:schemaRefs>
 </ds:datastoreItem>
+</file>
+
+<file path=customXml/itemProps2.xml><?xml version="1.0" encoding="utf-8"?>
+<ds:datastoreItem xmlns:ds="http://schemas.openxmlformats.org/officeDocument/2006/customXml" ds:itemID="{FABF05A6-EFD4-4AFB-BAA9-65A8EB6C8E2D}">
+  <ds:schemaRefs>
+    <ds:schemaRef ds:uri="http://schemas.microsoft.com/sharepoint/v3/contenttype/forms"/>
+  </ds:schemaRefs>
+</ds:datastoreItem>
+</file>
+
+<file path=customXml/itemProps3.xml><?xml version="1.0" encoding="utf-8"?>
+<ds:datastoreItem xmlns:ds="http://schemas.openxmlformats.org/officeDocument/2006/customXml" ds:itemID="{97B0A5C4-F87A-4071-AE7B-E80DA40CE374}">
+  <ds:schemaRefs>
+    <ds:schemaRef ds:uri="a4505148-1984-4b71-82bf-8ee338bb755e"/>
+    <ds:schemaRef ds:uri="bb86211b-6858-4a67-bee9-3cc0c565fc01"/>
+    <ds:schemaRef ds:uri="http://purl.org/dc/dcmitype/"/>
+    <ds:schemaRef ds:uri="http://purl.org/dc/elements/1.1/"/>
+    <ds:schemaRef ds:uri="http://purl.org/dc/terms/"/>
+    <ds:schemaRef ds:uri="http://schemas.microsoft.com/office/2006/documentManagement/types"/>
+    <ds:schemaRef ds:uri="http://schemas.microsoft.com/office/2006/metadata/properties"/>
+    <ds:schemaRef ds:uri="http://schemas.microsoft.com/office/infopath/2007/PartnerControls"/>
+    <ds:schemaRef ds:uri="http://schemas.openxmlformats.org/package/2006/metadata/core-properties"/>
+    <ds:schemaRef ds:uri="http://www.w3.org/XML/1998/namespace"/>
+  </ds:schemaRefs>
+</ds:datastoreItem>
 </file>
--- a/Revue de projet/Diapo revue de projet.pptx
+++ b/Revue de projet/Diapo revue de projet.pptx
@@ -360,6 +360,11 @@
               </a:ln>
               <a:effectLst/>
             </c:spPr>
+            <c:extLst>
+              <c:ext xmlns:c16="http://schemas.microsoft.com/office/drawing/2014/chart" uri="{C3380CC4-5D6E-409C-BE32-E72D297353CC}">
+                <c16:uniqueId val="{00000001-93DA-4ED3-B2A4-A216ADE9A357}"/>
+              </c:ext>
+            </c:extLst>
           </c:dPt>
           <c:dPt>
             <c:idx val="1"/>
@@ -375,6 +380,11 @@
               </a:ln>
               <a:effectLst/>
             </c:spPr>
+            <c:extLst>
+              <c:ext xmlns:c16="http://schemas.microsoft.com/office/drawing/2014/chart" uri="{C3380CC4-5D6E-409C-BE32-E72D297353CC}">
+                <c16:uniqueId val="{00000003-93DA-4ED3-B2A4-A216ADE9A357}"/>
+              </c:ext>
+            </c:extLst>
           </c:dPt>
           <c:dPt>
             <c:idx val="2"/>
@@ -410,6 +420,11 @@
               </a:ln>
               <a:effectLst/>
             </c:spPr>
+            <c:extLst>
+              <c:ext xmlns:c16="http://schemas.microsoft.com/office/drawing/2014/chart" uri="{C3380CC4-5D6E-409C-BE32-E72D297353CC}">
+                <c16:uniqueId val="{00000007-93DA-4ED3-B2A4-A216ADE9A357}"/>
+              </c:ext>
+            </c:extLst>
           </c:dPt>
           <c:dPt>
             <c:idx val="4"/>
@@ -445,6 +460,11 @@
               </a:ln>
               <a:effectLst/>
             </c:spPr>
+            <c:extLst>
+              <c:ext xmlns:c16="http://schemas.microsoft.com/office/drawing/2014/chart" uri="{C3380CC4-5D6E-409C-BE32-E72D297353CC}">
+                <c16:uniqueId val="{0000000B-93DA-4ED3-B2A4-A216ADE9A357}"/>
+              </c:ext>
+            </c:extLst>
           </c:dPt>
           <c:dPt>
             <c:idx val="6"/>
@@ -462,6 +482,11 @@
               </a:ln>
               <a:effectLst/>
             </c:spPr>
+            <c:extLst>
+              <c:ext xmlns:c16="http://schemas.microsoft.com/office/drawing/2014/chart" uri="{C3380CC4-5D6E-409C-BE32-E72D297353CC}">
+                <c16:uniqueId val="{0000000D-93DA-4ED3-B2A4-A216ADE9A357}"/>
+              </c:ext>
+            </c:extLst>
           </c:dPt>
           <c:dPt>
             <c:idx val="7"/>
@@ -479,6 +504,11 @@
               </a:ln>
               <a:effectLst/>
             </c:spPr>
+            <c:extLst>
+              <c:ext xmlns:c16="http://schemas.microsoft.com/office/drawing/2014/chart" uri="{C3380CC4-5D6E-409C-BE32-E72D297353CC}">
+                <c16:uniqueId val="{0000000F-93DA-4ED3-B2A4-A216ADE9A357}"/>
+              </c:ext>
+            </c:extLst>
           </c:dPt>
           <c:dLbls>
             <c:dLbl>
@@ -1391,7 +1421,7 @@
           <a:p>
             <a:fld id="{1177AD86-A677-4E33-B4C2-8C9F15FBF2CD}" type="datetimeFigureOut">
               <a:rPr lang="fr-FR" smtClean="0"/>
-              <a:t>12/02/2024</a:t>
+              <a:t>13/02/2024</a:t>
             </a:fld>
             <a:endParaRPr lang="fr-FR"/>
           </a:p>
@@ -15773,16 +15803,15 @@
           </p:cNvPicPr>
           <p:nvPr/>
         </p:nvPicPr>
-        <p:blipFill>
+        <p:blipFill rotWithShape="1">
           <a:blip r:embed="rId2"/>
-          <a:stretch>
-            <a:fillRect/>
-          </a:stretch>
+          <a:srcRect l="400" t="914"/>
+          <a:stretch/>
         </p:blipFill>
         <p:spPr>
           <a:xfrm>
-            <a:off x="1991001" y="1354959"/>
-            <a:ext cx="5161997" cy="3249041"/>
+            <a:off x="2011680" y="1384663"/>
+            <a:ext cx="5141318" cy="3219337"/>
           </a:xfrm>
           <a:prstGeom prst="rect">
             <a:avLst/>
@@ -16056,7 +16085,7 @@
                   <a:cs typeface="Share Tech"/>
                   <a:sym typeface="Share Tech"/>
                 </a:rPr>
-                <a:t>ORGANISATION</a:t>
+                <a:t>L’ORGANISATION</a:t>
               </a:r>
               <a:endParaRPr sz="2000" dirty="0">
                 <a:solidFill>
@@ -16466,7 +16495,7 @@
                   <a:cs typeface="Maven Pro"/>
                   <a:sym typeface="Maven Pro"/>
                 </a:rPr>
-                <a:t>de travail est fortement améliorer</a:t>
+                <a:t>de travail est fortement amélioré</a:t>
               </a:r>
             </a:p>
             <a:p>
@@ -18358,7 +18387,7 @@
               <a:buNone/>
             </a:pPr>
             <a:r>
-              <a:rPr lang="en">
+              <a:rPr lang="en" dirty="0">
                 <a:solidFill>
                   <a:schemeClr val="tx1"/>
                 </a:solidFill>
@@ -18366,14 +18395,14 @@
               <a:t>MERCI D’AVOIR </a:t>
             </a:r>
             <a:r>
-              <a:rPr lang="en">
+              <a:rPr lang="en" dirty="0">
                 <a:solidFill>
                   <a:schemeClr val="accent2"/>
                 </a:solidFill>
               </a:rPr>
               <a:t>ÉCOUTER</a:t>
             </a:r>
-            <a:endParaRPr/>
+            <a:endParaRPr dirty="0"/>
           </a:p>
         </p:txBody>
       </p:sp>
@@ -22445,7 +22474,7 @@
                   <a:cs typeface="Maven Pro"/>
                   <a:sym typeface="Maven Pro"/>
                 </a:rPr>
-                <a:t>pour obtenir le nombre d’heure pour chaque partie ou tache de la réalisation</a:t>
+                <a:t>pour obtenir le nombre d’heures pour chaque partie ou tache de la réalisation</a:t>
               </a:r>
               <a:endParaRPr dirty="0">
                 <a:solidFill>
@@ -23877,7 +23906,7 @@
           <p:nvPr>
             <p:extLst>
               <p:ext uri="{D42A27DB-BD31-4B8C-83A1-F6EECF244321}">
-                <p14:modId xmlns:p14="http://schemas.microsoft.com/office/powerpoint/2010/main" val="2868310207"/>
+                <p14:modId xmlns:p14="http://schemas.microsoft.com/office/powerpoint/2010/main" val="3780511778"/>
               </p:ext>
             </p:extLst>
           </p:nvPr>
@@ -23910,7 +23939,7 @@
                       <a:pPr algn="ctr"/>
                       <a:r>
                         <a:rPr lang="fr-FR" dirty="0"/>
-                        <a:t>zones</a:t>
+                        <a:t>Zones</a:t>
                       </a:r>
                     </a:p>
                   </a:txBody>
@@ -24003,7 +24032,7 @@
           <p:nvPr>
             <p:extLst>
               <p:ext uri="{D42A27DB-BD31-4B8C-83A1-F6EECF244321}">
-                <p14:modId xmlns:p14="http://schemas.microsoft.com/office/powerpoint/2010/main" val="2282798606"/>
+                <p14:modId xmlns:p14="http://schemas.microsoft.com/office/powerpoint/2010/main" val="6768954"/>
               </p:ext>
             </p:extLst>
           </p:nvPr>
@@ -24035,9 +24064,10 @@
                     <a:p>
                       <a:pPr algn="ctr"/>
                       <a:r>
-                        <a:rPr lang="fr-FR" dirty="0"/>
+                        <a:rPr lang="fr-FR" dirty="0" err="1"/>
                         <a:t>Users</a:t>
                       </a:r>
+                      <a:endParaRPr lang="fr-FR" dirty="0"/>
                     </a:p>
                   </a:txBody>
                   <a:tcPr/>
@@ -24105,14 +24135,14 @@
           <p:nvPr>
             <p:extLst>
               <p:ext uri="{D42A27DB-BD31-4B8C-83A1-F6EECF244321}">
-                <p14:modId xmlns:p14="http://schemas.microsoft.com/office/powerpoint/2010/main" val="918017450"/>
+                <p14:modId xmlns:p14="http://schemas.microsoft.com/office/powerpoint/2010/main" val="2613604048"/>
               </p:ext>
             </p:extLst>
           </p:nvPr>
         </p:nvGraphicFramePr>
         <p:xfrm>
           <a:off x="7112726" y="2489563"/>
-          <a:ext cx="1583871" cy="862848"/>
+          <a:ext cx="1606729" cy="862848"/>
         </p:xfrm>
         <a:graphic>
           <a:graphicData uri="http://schemas.openxmlformats.org/drawingml/2006/table">
@@ -24121,7 +24151,7 @@
                 <a:tableStyleId>{8FD4443E-F989-4FC4-A0C8-D5A2AF1F390B}</a:tableStyleId>
               </a:tblPr>
               <a:tblGrid>
-                <a:gridCol w="1583871">
+                <a:gridCol w="1606729">
                   <a:extLst>
                     <a:ext uri="{9D8B030D-6E8A-4147-A177-3AD203B41FA5}">
                       <a16:colId xmlns:a16="http://schemas.microsoft.com/office/drawing/2014/main" val="1632321074"/>
@@ -24137,9 +24167,10 @@
                     <a:p>
                       <a:pPr algn="ctr"/>
                       <a:r>
-                        <a:rPr lang="fr-FR" dirty="0"/>
-                        <a:t>revoked_tokens</a:t>
+                        <a:rPr lang="fr-FR" dirty="0" err="1"/>
+                        <a:t>Revoked_tokens</a:t>
                       </a:r>
+                      <a:endParaRPr lang="fr-FR" dirty="0"/>
                     </a:p>
                   </a:txBody>
                   <a:tcPr/>
@@ -24195,7 +24226,7 @@
           <p:nvPr>
             <p:extLst>
               <p:ext uri="{D42A27DB-BD31-4B8C-83A1-F6EECF244321}">
-                <p14:modId xmlns:p14="http://schemas.microsoft.com/office/powerpoint/2010/main" val="1004054048"/>
+                <p14:modId xmlns:p14="http://schemas.microsoft.com/office/powerpoint/2010/main" val="3866460509"/>
               </p:ext>
             </p:extLst>
           </p:nvPr>
@@ -24227,9 +24258,10 @@
                     <a:p>
                       <a:pPr algn="ctr"/>
                       <a:r>
-                        <a:rPr lang="fr-FR" dirty="0"/>
-                        <a:t>roles</a:t>
+                        <a:rPr lang="fr-FR" dirty="0" err="1"/>
+                        <a:t>Roles</a:t>
                       </a:r>
+                      <a:endParaRPr lang="fr-FR" dirty="0"/>
                     </a:p>
                   </a:txBody>
                   <a:tcPr/>

--- a/Revue de projet/Diapo revue de projet.pptx
+++ b/Revue de projet/Diapo revue de projet.pptx
@@ -5,10 +5,10 @@
     <p:sldMasterId id="2147483659" r:id="rId4"/>
   </p:sldMasterIdLst>
   <p:notesMasterIdLst>
-    <p:notesMasterId r:id="rId23"/>
+    <p:notesMasterId r:id="rId24"/>
   </p:notesMasterIdLst>
   <p:handoutMasterIdLst>
-    <p:handoutMasterId r:id="rId24"/>
+    <p:handoutMasterId r:id="rId25"/>
   </p:handoutMasterIdLst>
   <p:sldIdLst>
     <p:sldId id="256" r:id="rId5"/>
@@ -24,33 +24,34 @@
     <p:sldId id="317" r:id="rId15"/>
     <p:sldId id="330" r:id="rId16"/>
     <p:sldId id="329" r:id="rId17"/>
-    <p:sldId id="318" r:id="rId18"/>
-    <p:sldId id="332" r:id="rId19"/>
-    <p:sldId id="310" r:id="rId20"/>
-    <p:sldId id="308" r:id="rId21"/>
-    <p:sldId id="313" r:id="rId22"/>
+    <p:sldId id="333" r:id="rId18"/>
+    <p:sldId id="318" r:id="rId19"/>
+    <p:sldId id="332" r:id="rId20"/>
+    <p:sldId id="310" r:id="rId21"/>
+    <p:sldId id="308" r:id="rId22"/>
+    <p:sldId id="313" r:id="rId23"/>
   </p:sldIdLst>
   <p:sldSz cx="9144000" cy="5143500" type="screen16x9"/>
   <p:notesSz cx="6858000" cy="9144000"/>
   <p:embeddedFontLst>
     <p:embeddedFont>
       <p:font typeface="Maven Pro" panose="020B0604020202020204" charset="0"/>
-      <p:regular r:id="rId25"/>
-      <p:bold r:id="rId26"/>
+      <p:regular r:id="rId26"/>
+      <p:bold r:id="rId27"/>
     </p:embeddedFont>
     <p:embeddedFont>
       <p:font typeface="Nunito Light" pitchFamily="2" charset="0"/>
-      <p:regular r:id="rId27"/>
-      <p:italic r:id="rId28"/>
+      <p:regular r:id="rId28"/>
+      <p:italic r:id="rId29"/>
     </p:embeddedFont>
     <p:embeddedFont>
       <p:font typeface="Roboto Condensed Light" panose="02000000000000000000" pitchFamily="2" charset="0"/>
-      <p:regular r:id="rId29"/>
-      <p:italic r:id="rId30"/>
+      <p:regular r:id="rId30"/>
+      <p:italic r:id="rId31"/>
     </p:embeddedFont>
     <p:embeddedFont>
       <p:font typeface="Share Tech" panose="020B0604020202020204" charset="0"/>
-      <p:regular r:id="rId31"/>
+      <p:regular r:id="rId32"/>
     </p:embeddedFont>
   </p:embeddedFontLst>
   <p:defaultTextStyle>
@@ -15258,6 +15259,46 @@
           </a:p>
         </p:txBody>
       </p:sp>
+      <p:sp>
+        <p:nvSpPr>
+          <p:cNvPr id="4" name="ZoneTexte 3">
+            <a:extLst>
+              <a:ext uri="{FF2B5EF4-FFF2-40B4-BE49-F238E27FC236}">
+                <a16:creationId xmlns:a16="http://schemas.microsoft.com/office/drawing/2014/main" id="{73E464AB-8AEC-94F7-9C46-FE53FBCD27E6}"/>
+              </a:ext>
+            </a:extLst>
+          </p:cNvPr>
+          <p:cNvSpPr txBox="1"/>
+          <p:nvPr/>
+        </p:nvSpPr>
+        <p:spPr>
+          <a:xfrm>
+            <a:off x="8781856" y="4806393"/>
+            <a:ext cx="362144" cy="261610"/>
+          </a:xfrm>
+          <a:prstGeom prst="rect">
+            <a:avLst/>
+          </a:prstGeom>
+          <a:noFill/>
+        </p:spPr>
+        <p:txBody>
+          <a:bodyPr wrap="square" rtlCol="0">
+            <a:spAutoFit/>
+          </a:bodyPr>
+          <a:lstStyle/>
+          <a:p>
+            <a:r>
+              <a:rPr lang="fr-FR" sz="1100" dirty="0">
+                <a:solidFill>
+                  <a:schemeClr val="tx1"/>
+                </a:solidFill>
+                <a:latin typeface="Maven Pro" panose="020B0604020202020204" charset="0"/>
+              </a:rPr>
+              <a:t>10</a:t>
+            </a:r>
+          </a:p>
+        </p:txBody>
+      </p:sp>
     </p:spTree>
     <p:extLst>
       <p:ext uri="{BB962C8B-B14F-4D97-AF65-F5344CB8AC3E}">
@@ -15424,6 +15465,46 @@
           </a:p>
         </p:txBody>
       </p:sp>
+      <p:sp>
+        <p:nvSpPr>
+          <p:cNvPr id="4" name="ZoneTexte 3">
+            <a:extLst>
+              <a:ext uri="{FF2B5EF4-FFF2-40B4-BE49-F238E27FC236}">
+                <a16:creationId xmlns:a16="http://schemas.microsoft.com/office/drawing/2014/main" id="{E469DFA3-2484-9170-6F8B-0089BA61BA52}"/>
+              </a:ext>
+            </a:extLst>
+          </p:cNvPr>
+          <p:cNvSpPr txBox="1"/>
+          <p:nvPr/>
+        </p:nvSpPr>
+        <p:spPr>
+          <a:xfrm>
+            <a:off x="8781856" y="4806393"/>
+            <a:ext cx="362144" cy="261610"/>
+          </a:xfrm>
+          <a:prstGeom prst="rect">
+            <a:avLst/>
+          </a:prstGeom>
+          <a:noFill/>
+        </p:spPr>
+        <p:txBody>
+          <a:bodyPr wrap="square" rtlCol="0">
+            <a:spAutoFit/>
+          </a:bodyPr>
+          <a:lstStyle/>
+          <a:p>
+            <a:r>
+              <a:rPr lang="fr-FR" sz="1100" dirty="0">
+                <a:solidFill>
+                  <a:schemeClr val="tx1"/>
+                </a:solidFill>
+                <a:latin typeface="Maven Pro" panose="020B0604020202020204" charset="0"/>
+              </a:rPr>
+              <a:t>11</a:t>
+            </a:r>
+          </a:p>
+        </p:txBody>
+      </p:sp>
     </p:spTree>
     <p:extLst>
       <p:ext uri="{BB962C8B-B14F-4D97-AF65-F5344CB8AC3E}">
@@ -15586,6 +15667,46 @@
           </a:p>
         </p:txBody>
       </p:sp>
+      <p:sp>
+        <p:nvSpPr>
+          <p:cNvPr id="4" name="ZoneTexte 3">
+            <a:extLst>
+              <a:ext uri="{FF2B5EF4-FFF2-40B4-BE49-F238E27FC236}">
+                <a16:creationId xmlns:a16="http://schemas.microsoft.com/office/drawing/2014/main" id="{E345B119-B845-C8C7-E6E0-8657CB589F62}"/>
+              </a:ext>
+            </a:extLst>
+          </p:cNvPr>
+          <p:cNvSpPr txBox="1"/>
+          <p:nvPr/>
+        </p:nvSpPr>
+        <p:spPr>
+          <a:xfrm>
+            <a:off x="8781856" y="4806393"/>
+            <a:ext cx="362144" cy="261610"/>
+          </a:xfrm>
+          <a:prstGeom prst="rect">
+            <a:avLst/>
+          </a:prstGeom>
+          <a:noFill/>
+        </p:spPr>
+        <p:txBody>
+          <a:bodyPr wrap="square" rtlCol="0">
+            <a:spAutoFit/>
+          </a:bodyPr>
+          <a:lstStyle/>
+          <a:p>
+            <a:r>
+              <a:rPr lang="fr-FR" sz="1100" dirty="0">
+                <a:solidFill>
+                  <a:schemeClr val="tx1"/>
+                </a:solidFill>
+                <a:latin typeface="Maven Pro" panose="020B0604020202020204" charset="0"/>
+              </a:rPr>
+              <a:t>12</a:t>
+            </a:r>
+          </a:p>
+        </p:txBody>
+      </p:sp>
     </p:spTree>
     <p:extLst>
       <p:ext uri="{BB962C8B-B14F-4D97-AF65-F5344CB8AC3E}">
@@ -15725,6 +15846,46 @@
           </a:p>
         </p:txBody>
       </p:sp>
+      <p:sp>
+        <p:nvSpPr>
+          <p:cNvPr id="4" name="ZoneTexte 3">
+            <a:extLst>
+              <a:ext uri="{FF2B5EF4-FFF2-40B4-BE49-F238E27FC236}">
+                <a16:creationId xmlns:a16="http://schemas.microsoft.com/office/drawing/2014/main" id="{FE5F793D-49D6-9DFC-3F48-9ADE30776EB5}"/>
+              </a:ext>
+            </a:extLst>
+          </p:cNvPr>
+          <p:cNvSpPr txBox="1"/>
+          <p:nvPr/>
+        </p:nvSpPr>
+        <p:spPr>
+          <a:xfrm>
+            <a:off x="8781856" y="4806393"/>
+            <a:ext cx="362144" cy="261610"/>
+          </a:xfrm>
+          <a:prstGeom prst="rect">
+            <a:avLst/>
+          </a:prstGeom>
+          <a:noFill/>
+        </p:spPr>
+        <p:txBody>
+          <a:bodyPr wrap="square" rtlCol="0">
+            <a:spAutoFit/>
+          </a:bodyPr>
+          <a:lstStyle/>
+          <a:p>
+            <a:r>
+              <a:rPr lang="fr-FR" sz="1100" dirty="0">
+                <a:solidFill>
+                  <a:schemeClr val="tx1"/>
+                </a:solidFill>
+                <a:latin typeface="Maven Pro" panose="020B0604020202020204" charset="0"/>
+              </a:rPr>
+              <a:t>13</a:t>
+            </a:r>
+          </a:p>
+        </p:txBody>
+      </p:sp>
     </p:spTree>
     <p:extLst>
       <p:ext uri="{BB962C8B-B14F-4D97-AF65-F5344CB8AC3E}">
@@ -15739,6 +15900,140 @@
 </file>
 
 <file path=ppt/slides/slide14.xml><?xml version="1.0" encoding="utf-8"?>
+<p:sld xmlns:a="http://schemas.openxmlformats.org/drawingml/2006/main" xmlns:r="http://schemas.openxmlformats.org/officeDocument/2006/relationships" xmlns:p="http://schemas.openxmlformats.org/presentationml/2006/main">
+  <p:cSld>
+    <p:spTree>
+      <p:nvGrpSpPr>
+        <p:cNvPr id="1" name="">
+          <a:extLst>
+            <a:ext uri="{FF2B5EF4-FFF2-40B4-BE49-F238E27FC236}">
+              <a16:creationId xmlns:a16="http://schemas.microsoft.com/office/drawing/2014/main" id="{F3CF42A7-5E33-E838-6E64-F175DF8E9135}"/>
+            </a:ext>
+          </a:extLst>
+        </p:cNvPr>
+        <p:cNvGrpSpPr/>
+        <p:nvPr/>
+      </p:nvGrpSpPr>
+      <p:grpSpPr>
+        <a:xfrm>
+          <a:off x="0" y="0"/>
+          <a:ext cx="0" cy="0"/>
+          <a:chOff x="0" y="0"/>
+          <a:chExt cx="0" cy="0"/>
+        </a:xfrm>
+      </p:grpSpPr>
+      <p:sp>
+        <p:nvSpPr>
+          <p:cNvPr id="2" name="Titre 1">
+            <a:extLst>
+              <a:ext uri="{FF2B5EF4-FFF2-40B4-BE49-F238E27FC236}">
+                <a16:creationId xmlns:a16="http://schemas.microsoft.com/office/drawing/2014/main" id="{8671FAC6-3EA4-C1BF-31D1-7B24E3798C02}"/>
+              </a:ext>
+            </a:extLst>
+          </p:cNvPr>
+          <p:cNvSpPr>
+            <a:spLocks noGrp="1"/>
+          </p:cNvSpPr>
+          <p:nvPr>
+            <p:ph type="title"/>
+          </p:nvPr>
+        </p:nvSpPr>
+        <p:spPr/>
+        <p:txBody>
+          <a:bodyPr/>
+          <a:lstStyle/>
+          <a:p>
+            <a:r>
+              <a:rPr lang="fr-FR" dirty="0"/>
+              <a:t>Temps passé sur le projet</a:t>
+            </a:r>
+          </a:p>
+        </p:txBody>
+      </p:sp>
+      <p:sp>
+        <p:nvSpPr>
+          <p:cNvPr id="3" name="ZoneTexte 2">
+            <a:extLst>
+              <a:ext uri="{FF2B5EF4-FFF2-40B4-BE49-F238E27FC236}">
+                <a16:creationId xmlns:a16="http://schemas.microsoft.com/office/drawing/2014/main" id="{37687CA0-0057-8EA3-1854-F888B38E8201}"/>
+              </a:ext>
+            </a:extLst>
+          </p:cNvPr>
+          <p:cNvSpPr txBox="1"/>
+          <p:nvPr/>
+        </p:nvSpPr>
+        <p:spPr>
+          <a:xfrm>
+            <a:off x="8781856" y="4806393"/>
+            <a:ext cx="362144" cy="261610"/>
+          </a:xfrm>
+          <a:prstGeom prst="rect">
+            <a:avLst/>
+          </a:prstGeom>
+          <a:noFill/>
+        </p:spPr>
+        <p:txBody>
+          <a:bodyPr wrap="square" rtlCol="0">
+            <a:spAutoFit/>
+          </a:bodyPr>
+          <a:lstStyle/>
+          <a:p>
+            <a:r>
+              <a:rPr lang="fr-FR" sz="1100" dirty="0">
+                <a:solidFill>
+                  <a:schemeClr val="tx1"/>
+                </a:solidFill>
+                <a:latin typeface="Maven Pro" panose="020B0604020202020204" charset="0"/>
+              </a:rPr>
+              <a:t>14</a:t>
+            </a:r>
+          </a:p>
+        </p:txBody>
+      </p:sp>
+      <p:pic>
+        <p:nvPicPr>
+          <p:cNvPr id="8" name="Image 7">
+            <a:extLst>
+              <a:ext uri="{FF2B5EF4-FFF2-40B4-BE49-F238E27FC236}">
+                <a16:creationId xmlns:a16="http://schemas.microsoft.com/office/drawing/2014/main" id="{D044664E-20F0-619A-7F46-EE1EED6FF731}"/>
+              </a:ext>
+            </a:extLst>
+          </p:cNvPr>
+          <p:cNvPicPr>
+            <a:picLocks noChangeAspect="1"/>
+          </p:cNvPicPr>
+          <p:nvPr/>
+        </p:nvPicPr>
+        <p:blipFill>
+          <a:blip r:embed="rId2"/>
+          <a:stretch>
+            <a:fillRect/>
+          </a:stretch>
+        </p:blipFill>
+        <p:spPr>
+          <a:xfrm>
+            <a:off x="1096445" y="1336789"/>
+            <a:ext cx="6951109" cy="3160695"/>
+          </a:xfrm>
+          <a:prstGeom prst="rect">
+            <a:avLst/>
+          </a:prstGeom>
+        </p:spPr>
+      </p:pic>
+    </p:spTree>
+    <p:extLst>
+      <p:ext uri="{BB962C8B-B14F-4D97-AF65-F5344CB8AC3E}">
+        <p14:creationId xmlns:p14="http://schemas.microsoft.com/office/powerpoint/2010/main" val="2521921160"/>
+      </p:ext>
+    </p:extLst>
+  </p:cSld>
+  <p:clrMapOvr>
+    <a:masterClrMapping/>
+  </p:clrMapOvr>
+</p:sld>
+</file>
+
+<file path=ppt/slides/slide15.xml><?xml version="1.0" encoding="utf-8"?>
 <p:sld xmlns:a="http://schemas.openxmlformats.org/drawingml/2006/main" xmlns:r="http://schemas.openxmlformats.org/officeDocument/2006/relationships" xmlns:p="http://schemas.openxmlformats.org/presentationml/2006/main">
   <p:cSld>
     <p:spTree>
@@ -15818,6 +16113,46 @@
           </a:prstGeom>
         </p:spPr>
       </p:pic>
+      <p:sp>
+        <p:nvSpPr>
+          <p:cNvPr id="3" name="ZoneTexte 2">
+            <a:extLst>
+              <a:ext uri="{FF2B5EF4-FFF2-40B4-BE49-F238E27FC236}">
+                <a16:creationId xmlns:a16="http://schemas.microsoft.com/office/drawing/2014/main" id="{CF9FB70E-9C52-7226-B3EA-D710D69365E4}"/>
+              </a:ext>
+            </a:extLst>
+          </p:cNvPr>
+          <p:cNvSpPr txBox="1"/>
+          <p:nvPr/>
+        </p:nvSpPr>
+        <p:spPr>
+          <a:xfrm>
+            <a:off x="8781856" y="4806393"/>
+            <a:ext cx="362144" cy="261610"/>
+          </a:xfrm>
+          <a:prstGeom prst="rect">
+            <a:avLst/>
+          </a:prstGeom>
+          <a:noFill/>
+        </p:spPr>
+        <p:txBody>
+          <a:bodyPr wrap="square" rtlCol="0">
+            <a:spAutoFit/>
+          </a:bodyPr>
+          <a:lstStyle/>
+          <a:p>
+            <a:r>
+              <a:rPr lang="fr-FR" sz="1100" dirty="0">
+                <a:solidFill>
+                  <a:schemeClr val="tx1"/>
+                </a:solidFill>
+                <a:latin typeface="Maven Pro" panose="020B0604020202020204" charset="0"/>
+              </a:rPr>
+              <a:t>15</a:t>
+            </a:r>
+          </a:p>
+        </p:txBody>
+      </p:sp>
     </p:spTree>
     <p:extLst>
       <p:ext uri="{BB962C8B-B14F-4D97-AF65-F5344CB8AC3E}">
@@ -15831,7 +16166,7 @@
 </p:sld>
 </file>
 
-<file path=ppt/slides/slide15.xml><?xml version="1.0" encoding="utf-8"?>
+<file path=ppt/slides/slide16.xml><?xml version="1.0" encoding="utf-8"?>
 <p:sld xmlns:a="http://schemas.openxmlformats.org/drawingml/2006/main" xmlns:r="http://schemas.openxmlformats.org/officeDocument/2006/relationships" xmlns:p="http://schemas.openxmlformats.org/presentationml/2006/main">
   <p:cSld>
     <p:spTree>
@@ -15915,6 +16250,46 @@
           </a:graphicData>
         </a:graphic>
       </p:graphicFrame>
+      <p:sp>
+        <p:nvSpPr>
+          <p:cNvPr id="3" name="ZoneTexte 2">
+            <a:extLst>
+              <a:ext uri="{FF2B5EF4-FFF2-40B4-BE49-F238E27FC236}">
+                <a16:creationId xmlns:a16="http://schemas.microsoft.com/office/drawing/2014/main" id="{88E05B74-EA28-ECF4-5CA8-0C339A9C51A1}"/>
+              </a:ext>
+            </a:extLst>
+          </p:cNvPr>
+          <p:cNvSpPr txBox="1"/>
+          <p:nvPr/>
+        </p:nvSpPr>
+        <p:spPr>
+          <a:xfrm>
+            <a:off x="8781856" y="4806393"/>
+            <a:ext cx="362144" cy="261610"/>
+          </a:xfrm>
+          <a:prstGeom prst="rect">
+            <a:avLst/>
+          </a:prstGeom>
+          <a:noFill/>
+        </p:spPr>
+        <p:txBody>
+          <a:bodyPr wrap="square" rtlCol="0">
+            <a:spAutoFit/>
+          </a:bodyPr>
+          <a:lstStyle/>
+          <a:p>
+            <a:r>
+              <a:rPr lang="fr-FR" sz="1100" dirty="0">
+                <a:solidFill>
+                  <a:schemeClr val="tx1"/>
+                </a:solidFill>
+                <a:latin typeface="Maven Pro" panose="020B0604020202020204" charset="0"/>
+              </a:rPr>
+              <a:t>16</a:t>
+            </a:r>
+          </a:p>
+        </p:txBody>
+      </p:sp>
     </p:spTree>
     <p:extLst>
       <p:ext uri="{BB962C8B-B14F-4D97-AF65-F5344CB8AC3E}">
@@ -15928,7 +16303,7 @@
 </p:sld>
 </file>
 
-<file path=ppt/slides/slide16.xml><?xml version="1.0" encoding="utf-8"?>
+<file path=ppt/slides/slide17.xml><?xml version="1.0" encoding="utf-8"?>
 <p:sld xmlns:a="http://schemas.openxmlformats.org/drawingml/2006/main" xmlns:r="http://schemas.openxmlformats.org/officeDocument/2006/relationships" xmlns:p="http://schemas.openxmlformats.org/presentationml/2006/main">
   <p:cSld>
     <p:spTree>
@@ -17027,13 +17402,13 @@
           <a:lstStyle/>
           <a:p>
             <a:r>
-              <a:rPr lang="fr-FR" sz="1100">
+              <a:rPr lang="fr-FR" sz="1100" dirty="0">
                 <a:solidFill>
                   <a:schemeClr val="tx1"/>
                 </a:solidFill>
                 <a:latin typeface="Maven Pro" panose="020B0604020202020204" charset="0"/>
               </a:rPr>
-              <a:t>18</a:t>
+              <a:t>17</a:t>
             </a:r>
           </a:p>
         </p:txBody>
@@ -17087,7 +17462,7 @@
 </p:sld>
 </file>
 
-<file path=ppt/slides/slide17.xml><?xml version="1.0" encoding="utf-8"?>
+<file path=ppt/slides/slide18.xml><?xml version="1.0" encoding="utf-8"?>
 <p:sld xmlns:a="http://schemas.openxmlformats.org/drawingml/2006/main" xmlns:r="http://schemas.openxmlformats.org/officeDocument/2006/relationships" xmlns:p="http://schemas.openxmlformats.org/presentationml/2006/main">
   <p:cSld>
     <p:spTree>
@@ -18239,13 +18614,13 @@
           <a:lstStyle/>
           <a:p>
             <a:r>
-              <a:rPr lang="fr-FR" sz="1100">
+              <a:rPr lang="fr-FR" sz="1100" dirty="0">
                 <a:solidFill>
                   <a:schemeClr val="tx1"/>
                 </a:solidFill>
                 <a:latin typeface="Maven Pro" panose="020B0604020202020204" charset="0"/>
               </a:rPr>
-              <a:t>16</a:t>
+              <a:t>18</a:t>
             </a:r>
           </a:p>
         </p:txBody>
@@ -18335,7 +18710,7 @@
 </p:sld>
 </file>
 
-<file path=ppt/slides/slide18.xml><?xml version="1.0" encoding="utf-8"?>
+<file path=ppt/slides/slide19.xml><?xml version="1.0" encoding="utf-8"?>
 <p:sld xmlns:a="http://schemas.openxmlformats.org/drawingml/2006/main" xmlns:r="http://schemas.openxmlformats.org/officeDocument/2006/relationships" xmlns:p="http://schemas.openxmlformats.org/presentationml/2006/main">
   <p:cSld>
     <p:spTree>
@@ -21016,6 +21391,46 @@
           </a:p>
         </p:txBody>
       </p:sp>
+      <p:sp>
+        <p:nvSpPr>
+          <p:cNvPr id="3" name="ZoneTexte 2">
+            <a:extLst>
+              <a:ext uri="{FF2B5EF4-FFF2-40B4-BE49-F238E27FC236}">
+                <a16:creationId xmlns:a16="http://schemas.microsoft.com/office/drawing/2014/main" id="{421E1B3C-13A0-C593-71EF-D16856A49D6E}"/>
+              </a:ext>
+            </a:extLst>
+          </p:cNvPr>
+          <p:cNvSpPr txBox="1"/>
+          <p:nvPr/>
+        </p:nvSpPr>
+        <p:spPr>
+          <a:xfrm>
+            <a:off x="8781856" y="4806393"/>
+            <a:ext cx="362144" cy="261610"/>
+          </a:xfrm>
+          <a:prstGeom prst="rect">
+            <a:avLst/>
+          </a:prstGeom>
+          <a:noFill/>
+        </p:spPr>
+        <p:txBody>
+          <a:bodyPr wrap="square" rtlCol="0">
+            <a:spAutoFit/>
+          </a:bodyPr>
+          <a:lstStyle/>
+          <a:p>
+            <a:r>
+              <a:rPr lang="fr-FR" sz="1100" dirty="0">
+                <a:solidFill>
+                  <a:schemeClr val="tx1"/>
+                </a:solidFill>
+                <a:latin typeface="Maven Pro" panose="020B0604020202020204" charset="0"/>
+              </a:rPr>
+              <a:t>2</a:t>
+            </a:r>
+          </a:p>
+        </p:txBody>
+      </p:sp>
     </p:spTree>
   </p:cSld>
   <p:clrMapOvr>
@@ -21238,6 +21653,46 @@
           </a:extLst>
         </p:spPr>
       </p:pic>
+      <p:sp>
+        <p:nvSpPr>
+          <p:cNvPr id="4" name="ZoneTexte 3">
+            <a:extLst>
+              <a:ext uri="{FF2B5EF4-FFF2-40B4-BE49-F238E27FC236}">
+                <a16:creationId xmlns:a16="http://schemas.microsoft.com/office/drawing/2014/main" id="{F3F0A046-4F67-9138-4C7E-7BD3BB0C7BBE}"/>
+              </a:ext>
+            </a:extLst>
+          </p:cNvPr>
+          <p:cNvSpPr txBox="1"/>
+          <p:nvPr/>
+        </p:nvSpPr>
+        <p:spPr>
+          <a:xfrm>
+            <a:off x="8781856" y="4806393"/>
+            <a:ext cx="362144" cy="261610"/>
+          </a:xfrm>
+          <a:prstGeom prst="rect">
+            <a:avLst/>
+          </a:prstGeom>
+          <a:noFill/>
+        </p:spPr>
+        <p:txBody>
+          <a:bodyPr wrap="square" rtlCol="0">
+            <a:spAutoFit/>
+          </a:bodyPr>
+          <a:lstStyle/>
+          <a:p>
+            <a:r>
+              <a:rPr lang="fr-FR" sz="1100" dirty="0">
+                <a:solidFill>
+                  <a:schemeClr val="tx1"/>
+                </a:solidFill>
+                <a:latin typeface="Maven Pro" panose="020B0604020202020204" charset="0"/>
+              </a:rPr>
+              <a:t>3</a:t>
+            </a:r>
+          </a:p>
+        </p:txBody>
+      </p:sp>
     </p:spTree>
     <p:extLst>
       <p:ext uri="{BB962C8B-B14F-4D97-AF65-F5344CB8AC3E}">
@@ -22598,6 +23053,46 @@
           </a:prstGeom>
         </p:spPr>
       </p:pic>
+      <p:sp>
+        <p:nvSpPr>
+          <p:cNvPr id="2" name="ZoneTexte 1">
+            <a:extLst>
+              <a:ext uri="{FF2B5EF4-FFF2-40B4-BE49-F238E27FC236}">
+                <a16:creationId xmlns:a16="http://schemas.microsoft.com/office/drawing/2014/main" id="{01FC4A2B-1A94-6DF0-B9D7-6F781996479F}"/>
+              </a:ext>
+            </a:extLst>
+          </p:cNvPr>
+          <p:cNvSpPr txBox="1"/>
+          <p:nvPr/>
+        </p:nvSpPr>
+        <p:spPr>
+          <a:xfrm>
+            <a:off x="8781856" y="4806393"/>
+            <a:ext cx="362144" cy="261610"/>
+          </a:xfrm>
+          <a:prstGeom prst="rect">
+            <a:avLst/>
+          </a:prstGeom>
+          <a:noFill/>
+        </p:spPr>
+        <p:txBody>
+          <a:bodyPr wrap="square" rtlCol="0">
+            <a:spAutoFit/>
+          </a:bodyPr>
+          <a:lstStyle/>
+          <a:p>
+            <a:r>
+              <a:rPr lang="fr-FR" sz="1100" dirty="0">
+                <a:solidFill>
+                  <a:schemeClr val="tx1"/>
+                </a:solidFill>
+                <a:latin typeface="Maven Pro" panose="020B0604020202020204" charset="0"/>
+              </a:rPr>
+              <a:t>4</a:t>
+            </a:r>
+          </a:p>
+        </p:txBody>
+      </p:sp>
     </p:spTree>
     <p:extLst>
       <p:ext uri="{BB962C8B-B14F-4D97-AF65-F5344CB8AC3E}">
@@ -22702,6 +23197,46 @@
           </a:prstGeom>
         </p:spPr>
       </p:pic>
+      <p:sp>
+        <p:nvSpPr>
+          <p:cNvPr id="3" name="ZoneTexte 2">
+            <a:extLst>
+              <a:ext uri="{FF2B5EF4-FFF2-40B4-BE49-F238E27FC236}">
+                <a16:creationId xmlns:a16="http://schemas.microsoft.com/office/drawing/2014/main" id="{ADBF799A-BB47-23A4-F6B3-76884A701A50}"/>
+              </a:ext>
+            </a:extLst>
+          </p:cNvPr>
+          <p:cNvSpPr txBox="1"/>
+          <p:nvPr/>
+        </p:nvSpPr>
+        <p:spPr>
+          <a:xfrm>
+            <a:off x="8781856" y="4806393"/>
+            <a:ext cx="362144" cy="261610"/>
+          </a:xfrm>
+          <a:prstGeom prst="rect">
+            <a:avLst/>
+          </a:prstGeom>
+          <a:noFill/>
+        </p:spPr>
+        <p:txBody>
+          <a:bodyPr wrap="square" rtlCol="0">
+            <a:spAutoFit/>
+          </a:bodyPr>
+          <a:lstStyle/>
+          <a:p>
+            <a:r>
+              <a:rPr lang="fr-FR" sz="1100" dirty="0">
+                <a:solidFill>
+                  <a:schemeClr val="tx1"/>
+                </a:solidFill>
+                <a:latin typeface="Maven Pro" panose="020B0604020202020204" charset="0"/>
+              </a:rPr>
+              <a:t>5</a:t>
+            </a:r>
+          </a:p>
+        </p:txBody>
+      </p:sp>
     </p:spTree>
     <p:extLst>
       <p:ext uri="{BB962C8B-B14F-4D97-AF65-F5344CB8AC3E}">
@@ -23815,6 +24350,46 @@
               <a:cs typeface="Share Tech"/>
               <a:sym typeface="Share Tech"/>
             </a:endParaRPr>
+          </a:p>
+        </p:txBody>
+      </p:sp>
+      <p:sp>
+        <p:nvSpPr>
+          <p:cNvPr id="3" name="ZoneTexte 2">
+            <a:extLst>
+              <a:ext uri="{FF2B5EF4-FFF2-40B4-BE49-F238E27FC236}">
+                <a16:creationId xmlns:a16="http://schemas.microsoft.com/office/drawing/2014/main" id="{2963AE4B-084E-C022-C9B0-AF03494EE3BE}"/>
+              </a:ext>
+            </a:extLst>
+          </p:cNvPr>
+          <p:cNvSpPr txBox="1"/>
+          <p:nvPr/>
+        </p:nvSpPr>
+        <p:spPr>
+          <a:xfrm>
+            <a:off x="8781856" y="4806393"/>
+            <a:ext cx="362144" cy="261610"/>
+          </a:xfrm>
+          <a:prstGeom prst="rect">
+            <a:avLst/>
+          </a:prstGeom>
+          <a:noFill/>
+        </p:spPr>
+        <p:txBody>
+          <a:bodyPr wrap="square" rtlCol="0">
+            <a:spAutoFit/>
+          </a:bodyPr>
+          <a:lstStyle/>
+          <a:p>
+            <a:r>
+              <a:rPr lang="fr-FR" sz="1100" dirty="0">
+                <a:solidFill>
+                  <a:schemeClr val="tx1"/>
+                </a:solidFill>
+                <a:latin typeface="Maven Pro" panose="020B0604020202020204" charset="0"/>
+              </a:rPr>
+              <a:t>6</a:t>
+            </a:r>
           </a:p>
         </p:txBody>
       </p:sp>
@@ -24413,6 +24988,46 @@
           </a:p>
         </p:txBody>
       </p:sp>
+      <p:sp>
+        <p:nvSpPr>
+          <p:cNvPr id="4" name="ZoneTexte 3">
+            <a:extLst>
+              <a:ext uri="{FF2B5EF4-FFF2-40B4-BE49-F238E27FC236}">
+                <a16:creationId xmlns:a16="http://schemas.microsoft.com/office/drawing/2014/main" id="{E84E5B68-6B31-C4EE-44EB-E43755F684D2}"/>
+              </a:ext>
+            </a:extLst>
+          </p:cNvPr>
+          <p:cNvSpPr txBox="1"/>
+          <p:nvPr/>
+        </p:nvSpPr>
+        <p:spPr>
+          <a:xfrm>
+            <a:off x="8781856" y="4806393"/>
+            <a:ext cx="362144" cy="261610"/>
+          </a:xfrm>
+          <a:prstGeom prst="rect">
+            <a:avLst/>
+          </a:prstGeom>
+          <a:noFill/>
+        </p:spPr>
+        <p:txBody>
+          <a:bodyPr wrap="square" rtlCol="0">
+            <a:spAutoFit/>
+          </a:bodyPr>
+          <a:lstStyle/>
+          <a:p>
+            <a:r>
+              <a:rPr lang="fr-FR" sz="1100" dirty="0">
+                <a:solidFill>
+                  <a:schemeClr val="tx1"/>
+                </a:solidFill>
+                <a:latin typeface="Maven Pro" panose="020B0604020202020204" charset="0"/>
+              </a:rPr>
+              <a:t>7</a:t>
+            </a:r>
+          </a:p>
+        </p:txBody>
+      </p:sp>
     </p:spTree>
     <p:extLst>
       <p:ext uri="{BB962C8B-B14F-4D97-AF65-F5344CB8AC3E}">
@@ -24501,14 +25116,14 @@
           <p:nvPr>
             <p:extLst>
               <p:ext uri="{D42A27DB-BD31-4B8C-83A1-F6EECF244321}">
-                <p14:modId xmlns:p14="http://schemas.microsoft.com/office/powerpoint/2010/main" val="3485586166"/>
+                <p14:modId xmlns:p14="http://schemas.microsoft.com/office/powerpoint/2010/main" val="1091476869"/>
               </p:ext>
             </p:extLst>
           </p:nvPr>
         </p:nvGraphicFramePr>
         <p:xfrm>
-          <a:off x="2242328" y="2000625"/>
-          <a:ext cx="1102597" cy="914777"/>
+          <a:off x="2242328" y="2039811"/>
+          <a:ext cx="1102597" cy="837271"/>
         </p:xfrm>
         <a:graphic>
           <a:graphicData uri="http://schemas.openxmlformats.org/drawingml/2006/table">
@@ -24525,7 +25140,7 @@
                   </a:extLst>
                 </a:gridCol>
               </a:tblGrid>
-              <a:tr h="199971">
+              <a:tr h="222078">
                 <a:tc>
                   <a:txBody>
                     <a:bodyPr/>
@@ -24546,7 +25161,7 @@
                   </a:ext>
                 </a:extLst>
               </a:tr>
-              <a:tr h="663317">
+              <a:tr h="585811">
                 <a:tc>
                   <a:txBody>
                     <a:bodyPr/>
@@ -24597,14 +25212,14 @@
           <p:nvPr>
             <p:extLst>
               <p:ext uri="{D42A27DB-BD31-4B8C-83A1-F6EECF244321}">
-                <p14:modId xmlns:p14="http://schemas.microsoft.com/office/powerpoint/2010/main" val="3948951739"/>
+                <p14:modId xmlns:p14="http://schemas.microsoft.com/office/powerpoint/2010/main" val="1903156034"/>
               </p:ext>
             </p:extLst>
           </p:nvPr>
         </p:nvGraphicFramePr>
         <p:xfrm>
-          <a:off x="236222" y="1946911"/>
-          <a:ext cx="1192111" cy="1022206"/>
+          <a:off x="156386" y="1865424"/>
+          <a:ext cx="765408" cy="1189846"/>
         </p:xfrm>
         <a:graphic>
           <a:graphicData uri="http://schemas.openxmlformats.org/drawingml/2006/table">
@@ -24613,7 +25228,7 @@
                 <a:tableStyleId>{8FD4443E-F989-4FC4-A0C8-D5A2AF1F390B}</a:tableStyleId>
               </a:tblPr>
               <a:tblGrid>
-                <a:gridCol w="1192111">
+                <a:gridCol w="765408">
                   <a:extLst>
                     <a:ext uri="{9D8B030D-6E8A-4147-A177-3AD203B41FA5}">
                       <a16:colId xmlns:a16="http://schemas.microsoft.com/office/drawing/2014/main" val="1632321074"/>
@@ -24795,14 +25410,14 @@
           <p:nvPr>
             <p:extLst>
               <p:ext uri="{D42A27DB-BD31-4B8C-83A1-F6EECF244321}">
-                <p14:modId xmlns:p14="http://schemas.microsoft.com/office/powerpoint/2010/main" val="2314824276"/>
+                <p14:modId xmlns:p14="http://schemas.microsoft.com/office/powerpoint/2010/main" val="2148345985"/>
               </p:ext>
             </p:extLst>
           </p:nvPr>
         </p:nvGraphicFramePr>
         <p:xfrm>
-          <a:off x="3928197" y="3512173"/>
-          <a:ext cx="1287605" cy="820337"/>
+          <a:off x="3928197" y="2809202"/>
+          <a:ext cx="1287605" cy="732773"/>
         </p:xfrm>
         <a:graphic>
           <a:graphicData uri="http://schemas.openxmlformats.org/drawingml/2006/table">
@@ -24819,7 +25434,7 @@
                   </a:extLst>
                 </a:gridCol>
               </a:tblGrid>
-              <a:tr h="171500">
+              <a:tr h="212754">
                 <a:tc>
                   <a:txBody>
                     <a:bodyPr/>
@@ -24841,7 +25456,7 @@
                   </a:ext>
                 </a:extLst>
               </a:tr>
-              <a:tr h="568877">
+              <a:tr h="481313">
                 <a:tc>
                   <a:txBody>
                     <a:bodyPr/>
@@ -24888,13 +25503,13 @@
           <p:nvPr>
             <p:extLst>
               <p:ext uri="{D42A27DB-BD31-4B8C-83A1-F6EECF244321}">
-                <p14:modId xmlns:p14="http://schemas.microsoft.com/office/powerpoint/2010/main" val="3508573056"/>
+                <p14:modId xmlns:p14="http://schemas.microsoft.com/office/powerpoint/2010/main" val="2022247891"/>
               </p:ext>
             </p:extLst>
           </p:nvPr>
         </p:nvGraphicFramePr>
         <p:xfrm>
-          <a:off x="6034771" y="1786132"/>
+          <a:off x="5892535" y="1419745"/>
           <a:ext cx="1192111" cy="1334478"/>
         </p:xfrm>
         <a:graphic>
@@ -25008,13 +25623,13 @@
           <p:nvPr>
             <p:extLst>
               <p:ext uri="{D42A27DB-BD31-4B8C-83A1-F6EECF244321}">
-                <p14:modId xmlns:p14="http://schemas.microsoft.com/office/powerpoint/2010/main" val="3374732329"/>
+                <p14:modId xmlns:p14="http://schemas.microsoft.com/office/powerpoint/2010/main" val="1659433610"/>
               </p:ext>
             </p:extLst>
           </p:nvPr>
         </p:nvGraphicFramePr>
         <p:xfrm>
-          <a:off x="8040877" y="1996940"/>
+          <a:off x="7733900" y="3414656"/>
           <a:ext cx="866901" cy="910870"/>
         </p:xfrm>
         <a:graphic>
@@ -25110,8 +25725,8 @@
         </p:nvCxnSpPr>
         <p:spPr>
           <a:xfrm flipV="1">
-            <a:off x="1428333" y="2458013"/>
-            <a:ext cx="813995" cy="1"/>
+            <a:off x="921794" y="2458446"/>
+            <a:ext cx="1320534" cy="1901"/>
           </a:xfrm>
           <a:prstGeom prst="bentConnector3">
             <a:avLst>
@@ -25161,57 +25776,8 @@
         </p:nvCxnSpPr>
         <p:spPr>
           <a:xfrm rot="5400000" flipH="1" flipV="1">
-            <a:off x="3019069" y="977420"/>
-            <a:ext cx="797762" cy="1248648"/>
-          </a:xfrm>
-          <a:prstGeom prst="bentConnector2">
-            <a:avLst/>
-          </a:prstGeom>
-          <a:ln w="19050" cap="flat" cmpd="sng" algn="ctr">
-            <a:solidFill>
-              <a:srgbClr val="F8F8F8"/>
-            </a:solidFill>
-            <a:prstDash val="dash"/>
-            <a:round/>
-            <a:headEnd type="none" w="lg" len="med"/>
-            <a:tailEnd type="triangle" w="lg" len="lg"/>
-          </a:ln>
-        </p:spPr>
-        <p:style>
-          <a:lnRef idx="0">
-            <a:scrgbClr r="0" g="0" b="0"/>
-          </a:lnRef>
-          <a:fillRef idx="0">
-            <a:scrgbClr r="0" g="0" b="0"/>
-          </a:fillRef>
-          <a:effectRef idx="0">
-            <a:scrgbClr r="0" g="0" b="0"/>
-          </a:effectRef>
-          <a:fontRef idx="minor">
-            <a:schemeClr val="tx1"/>
-          </a:fontRef>
-        </p:style>
-      </p:cxnSp>
-      <p:cxnSp>
-        <p:nvCxnSpPr>
-          <p:cNvPr id="23" name="Google Shape;1170;p39">
-            <a:extLst>
-              <a:ext uri="{FF2B5EF4-FFF2-40B4-BE49-F238E27FC236}">
-                <a16:creationId xmlns:a16="http://schemas.microsoft.com/office/drawing/2014/main" id="{2737275F-ACFB-935D-D10C-DD1CBC2AF2E9}"/>
-              </a:ext>
-            </a:extLst>
-          </p:cNvPr>
-          <p:cNvCxnSpPr>
-            <a:cxnSpLocks/>
-            <a:stCxn id="10" idx="3"/>
-            <a:endCxn id="11" idx="2"/>
-          </p:cNvCxnSpPr>
-          <p:nvPr/>
-        </p:nvCxnSpPr>
-        <p:spPr>
-          <a:xfrm flipV="1">
-            <a:off x="5215802" y="3120610"/>
-            <a:ext cx="1415024" cy="801731"/>
+            <a:off x="2999476" y="997013"/>
+            <a:ext cx="836948" cy="1248648"/>
           </a:xfrm>
           <a:prstGeom prst="bentConnector2">
             <a:avLst/>
@@ -25252,20 +25818,17 @@
           </p:cNvPr>
           <p:cNvCxnSpPr>
             <a:cxnSpLocks/>
-            <a:stCxn id="11" idx="3"/>
             <a:endCxn id="12" idx="1"/>
           </p:cNvCxnSpPr>
           <p:nvPr/>
         </p:nvCxnSpPr>
         <p:spPr>
-          <a:xfrm flipV="1">
-            <a:off x="7226882" y="2452375"/>
-            <a:ext cx="813995" cy="996"/>
+          <a:xfrm rot="16200000" flipH="1">
+            <a:off x="6787764" y="2923955"/>
+            <a:ext cx="1116166" cy="776105"/>
           </a:xfrm>
-          <a:prstGeom prst="bentConnector3">
-            <a:avLst>
-              <a:gd name="adj1" fmla="val 50000"/>
-            </a:avLst>
+          <a:prstGeom prst="bentConnector2">
+            <a:avLst/>
           </a:prstGeom>
           <a:ln w="19050" cap="flat" cmpd="sng" algn="ctr">
             <a:solidFill>
@@ -25273,8 +25836,8 @@
             </a:solidFill>
             <a:prstDash val="dash"/>
             <a:round/>
-            <a:headEnd type="none" w="lg" len="med"/>
-            <a:tailEnd type="triangle" w="lg" len="lg"/>
+            <a:headEnd type="triangle" w="med" len="med"/>
+            <a:tailEnd type="none" w="med" len="med"/>
           </a:ln>
         </p:spPr>
         <p:style>
@@ -25310,8 +25873,8 @@
         </p:nvCxnSpPr>
         <p:spPr>
           <a:xfrm rot="5400000">
-            <a:off x="3631578" y="2571750"/>
-            <a:ext cx="1880845" cy="1"/>
+            <a:off x="3983063" y="2220265"/>
+            <a:ext cx="1177874" cy="1"/>
           </a:xfrm>
           <a:prstGeom prst="bentConnector3">
             <a:avLst>
@@ -25324,8 +25887,8 @@
             </a:solidFill>
             <a:prstDash val="dash"/>
             <a:round/>
-            <a:headEnd type="none" w="lg" len="med"/>
-            <a:tailEnd type="triangle" w="lg" len="lg"/>
+            <a:headEnd type="triangle" w="med" len="med"/>
+            <a:tailEnd type="none" w="med" len="med"/>
           </a:ln>
         </p:spPr>
         <p:style>
@@ -25343,6 +25906,651 @@
           </a:fontRef>
         </p:style>
       </p:cxnSp>
+      <p:pic>
+        <p:nvPicPr>
+          <p:cNvPr id="27" name="Graphique 26" descr="Base de données contour">
+            <a:extLst>
+              <a:ext uri="{FF2B5EF4-FFF2-40B4-BE49-F238E27FC236}">
+                <a16:creationId xmlns:a16="http://schemas.microsoft.com/office/drawing/2014/main" id="{54381722-CD81-E9A6-E207-DAF4E04439F8}"/>
+              </a:ext>
+            </a:extLst>
+          </p:cNvPr>
+          <p:cNvPicPr>
+            <a:picLocks noChangeAspect="1"/>
+          </p:cNvPicPr>
+          <p:nvPr/>
+        </p:nvPicPr>
+        <p:blipFill>
+          <a:blip r:embed="rId2">
+            <a:extLst>
+              <a:ext uri="{96DAC541-7B7A-43D3-8B79-37D633B846F1}">
+                <asvg:svgBlip xmlns:asvg="http://schemas.microsoft.com/office/drawing/2016/SVG/main" r:embed="rId3"/>
+              </a:ext>
+            </a:extLst>
+          </a:blip>
+          <a:stretch>
+            <a:fillRect/>
+          </a:stretch>
+        </p:blipFill>
+        <p:spPr>
+          <a:xfrm>
+            <a:off x="8366750" y="1741908"/>
+            <a:ext cx="689555" cy="689555"/>
+          </a:xfrm>
+          <a:prstGeom prst="rect">
+            <a:avLst/>
+          </a:prstGeom>
+        </p:spPr>
+      </p:pic>
+      <p:cxnSp>
+        <p:nvCxnSpPr>
+          <p:cNvPr id="31" name="Google Shape;1170;p39">
+            <a:extLst>
+              <a:ext uri="{FF2B5EF4-FFF2-40B4-BE49-F238E27FC236}">
+                <a16:creationId xmlns:a16="http://schemas.microsoft.com/office/drawing/2014/main" id="{BFC611CC-8E67-5220-A272-8C059BD8EBFF}"/>
+              </a:ext>
+            </a:extLst>
+          </p:cNvPr>
+          <p:cNvCxnSpPr>
+            <a:cxnSpLocks/>
+            <a:stCxn id="11" idx="3"/>
+            <a:endCxn id="27" idx="1"/>
+          </p:cNvCxnSpPr>
+          <p:nvPr/>
+        </p:nvCxnSpPr>
+        <p:spPr>
+          <a:xfrm flipV="1">
+            <a:off x="7084646" y="2086686"/>
+            <a:ext cx="1282104" cy="298"/>
+          </a:xfrm>
+          <a:prstGeom prst="bentConnector3">
+            <a:avLst>
+              <a:gd name="adj1" fmla="val 50000"/>
+            </a:avLst>
+          </a:prstGeom>
+          <a:ln w="19050" cap="flat" cmpd="sng" algn="ctr">
+            <a:solidFill>
+              <a:srgbClr val="F8F8F8"/>
+            </a:solidFill>
+            <a:prstDash val="dash"/>
+            <a:round/>
+            <a:headEnd type="triangle" w="med" len="med"/>
+            <a:tailEnd type="triangle" w="med" len="med"/>
+          </a:ln>
+        </p:spPr>
+        <p:style>
+          <a:lnRef idx="0">
+            <a:scrgbClr r="0" g="0" b="0"/>
+          </a:lnRef>
+          <a:fillRef idx="0">
+            <a:scrgbClr r="0" g="0" b="0"/>
+          </a:fillRef>
+          <a:effectRef idx="0">
+            <a:scrgbClr r="0" g="0" b="0"/>
+          </a:effectRef>
+          <a:fontRef idx="minor">
+            <a:schemeClr val="tx1"/>
+          </a:fontRef>
+        </p:style>
+      </p:cxnSp>
+      <p:sp>
+        <p:nvSpPr>
+          <p:cNvPr id="39" name="Google Shape;1159;p39">
+            <a:extLst>
+              <a:ext uri="{FF2B5EF4-FFF2-40B4-BE49-F238E27FC236}">
+                <a16:creationId xmlns:a16="http://schemas.microsoft.com/office/drawing/2014/main" id="{D64FF2F0-D247-5D4B-37AD-26CCBB153082}"/>
+              </a:ext>
+            </a:extLst>
+          </p:cNvPr>
+          <p:cNvSpPr txBox="1"/>
+          <p:nvPr/>
+        </p:nvSpPr>
+        <p:spPr>
+          <a:xfrm>
+            <a:off x="1301296" y="2149930"/>
+            <a:ext cx="556414" cy="308516"/>
+          </a:xfrm>
+          <a:prstGeom prst="rect">
+            <a:avLst/>
+          </a:prstGeom>
+          <a:noFill/>
+          <a:ln>
+            <a:noFill/>
+          </a:ln>
+        </p:spPr>
+        <p:txBody>
+          <a:bodyPr spcFirstLastPara="1" wrap="square" lIns="91425" tIns="91425" rIns="91425" bIns="91425" anchor="b" anchorCtr="0">
+            <a:noAutofit/>
+          </a:bodyPr>
+          <a:lstStyle/>
+          <a:p>
+            <a:pPr marL="0" lvl="0" indent="0" algn="ctr" rtl="0">
+              <a:spcBef>
+                <a:spcPts val="0"/>
+              </a:spcBef>
+              <a:spcAft>
+                <a:spcPts val="0"/>
+              </a:spcAft>
+              <a:buNone/>
+            </a:pPr>
+            <a:r>
+              <a:rPr lang="fr-FR" sz="1200" dirty="0">
+                <a:solidFill>
+                  <a:schemeClr val="dk1"/>
+                </a:solidFill>
+                <a:latin typeface="Share Tech"/>
+                <a:ea typeface="Share Tech"/>
+                <a:cs typeface="Share Tech"/>
+                <a:sym typeface="Share Tech"/>
+              </a:rPr>
+              <a:t>Arrive</a:t>
+            </a:r>
+            <a:endParaRPr sz="1200" dirty="0">
+              <a:solidFill>
+                <a:schemeClr val="dk1"/>
+              </a:solidFill>
+              <a:latin typeface="Share Tech"/>
+              <a:ea typeface="Share Tech"/>
+              <a:cs typeface="Share Tech"/>
+              <a:sym typeface="Share Tech"/>
+            </a:endParaRPr>
+          </a:p>
+        </p:txBody>
+      </p:sp>
+      <p:sp>
+        <p:nvSpPr>
+          <p:cNvPr id="42" name="Google Shape;1159;p39">
+            <a:extLst>
+              <a:ext uri="{FF2B5EF4-FFF2-40B4-BE49-F238E27FC236}">
+                <a16:creationId xmlns:a16="http://schemas.microsoft.com/office/drawing/2014/main" id="{0B1EDCB9-837A-E120-2397-5BEF30DBB001}"/>
+              </a:ext>
+            </a:extLst>
+          </p:cNvPr>
+          <p:cNvSpPr txBox="1"/>
+          <p:nvPr/>
+        </p:nvSpPr>
+        <p:spPr>
+          <a:xfrm>
+            <a:off x="3014672" y="905162"/>
+            <a:ext cx="660506" cy="308516"/>
+          </a:xfrm>
+          <a:prstGeom prst="rect">
+            <a:avLst/>
+          </a:prstGeom>
+          <a:noFill/>
+          <a:ln>
+            <a:noFill/>
+          </a:ln>
+        </p:spPr>
+        <p:txBody>
+          <a:bodyPr spcFirstLastPara="1" wrap="square" lIns="91425" tIns="91425" rIns="91425" bIns="91425" anchor="b" anchorCtr="0">
+            <a:noAutofit/>
+          </a:bodyPr>
+          <a:lstStyle/>
+          <a:p>
+            <a:pPr marL="0" lvl="0" indent="0" algn="ctr" rtl="0">
+              <a:spcBef>
+                <a:spcPts val="0"/>
+              </a:spcBef>
+              <a:spcAft>
+                <a:spcPts val="0"/>
+              </a:spcAft>
+              <a:buNone/>
+            </a:pPr>
+            <a:r>
+              <a:rPr lang="fr-FR" sz="1200" dirty="0">
+                <a:solidFill>
+                  <a:schemeClr val="dk1"/>
+                </a:solidFill>
+                <a:latin typeface="Share Tech"/>
+                <a:ea typeface="Share Tech"/>
+                <a:cs typeface="Share Tech"/>
+                <a:sym typeface="Share Tech"/>
+              </a:rPr>
+              <a:t>Utilise</a:t>
+            </a:r>
+            <a:endParaRPr sz="1200" dirty="0">
+              <a:solidFill>
+                <a:schemeClr val="dk1"/>
+              </a:solidFill>
+              <a:latin typeface="Share Tech"/>
+              <a:ea typeface="Share Tech"/>
+              <a:cs typeface="Share Tech"/>
+              <a:sym typeface="Share Tech"/>
+            </a:endParaRPr>
+          </a:p>
+        </p:txBody>
+      </p:sp>
+      <p:cxnSp>
+        <p:nvCxnSpPr>
+          <p:cNvPr id="46" name="Google Shape;1170;p39">
+            <a:extLst>
+              <a:ext uri="{FF2B5EF4-FFF2-40B4-BE49-F238E27FC236}">
+                <a16:creationId xmlns:a16="http://schemas.microsoft.com/office/drawing/2014/main" id="{CA84763A-50BC-0F17-C139-E5BCE1FA9A7B}"/>
+              </a:ext>
+            </a:extLst>
+          </p:cNvPr>
+          <p:cNvCxnSpPr>
+            <a:cxnSpLocks/>
+            <a:stCxn id="11" idx="0"/>
+            <a:endCxn id="7" idx="3"/>
+          </p:cNvCxnSpPr>
+          <p:nvPr/>
+        </p:nvCxnSpPr>
+        <p:spPr>
+          <a:xfrm rot="16200000" flipV="1">
+            <a:off x="5686717" y="617872"/>
+            <a:ext cx="216882" cy="1386864"/>
+          </a:xfrm>
+          <a:prstGeom prst="bentConnector2">
+            <a:avLst/>
+          </a:prstGeom>
+          <a:ln w="19050" cap="flat" cmpd="sng" algn="ctr">
+            <a:solidFill>
+              <a:srgbClr val="F8F8F8"/>
+            </a:solidFill>
+            <a:prstDash val="dash"/>
+            <a:round/>
+            <a:headEnd type="triangle" w="med" len="med"/>
+            <a:tailEnd type="none" w="med" len="med"/>
+          </a:ln>
+        </p:spPr>
+        <p:style>
+          <a:lnRef idx="0">
+            <a:scrgbClr r="0" g="0" b="0"/>
+          </a:lnRef>
+          <a:fillRef idx="0">
+            <a:scrgbClr r="0" g="0" b="0"/>
+          </a:fillRef>
+          <a:effectRef idx="0">
+            <a:scrgbClr r="0" g="0" b="0"/>
+          </a:effectRef>
+          <a:fontRef idx="minor">
+            <a:schemeClr val="tx1"/>
+          </a:fontRef>
+        </p:style>
+      </p:cxnSp>
+      <p:sp>
+        <p:nvSpPr>
+          <p:cNvPr id="53" name="Google Shape;1159;p39">
+            <a:extLst>
+              <a:ext uri="{FF2B5EF4-FFF2-40B4-BE49-F238E27FC236}">
+                <a16:creationId xmlns:a16="http://schemas.microsoft.com/office/drawing/2014/main" id="{B5875D28-DFDA-C05E-9E0F-598934B85AF9}"/>
+              </a:ext>
+            </a:extLst>
+          </p:cNvPr>
+          <p:cNvSpPr txBox="1"/>
+          <p:nvPr/>
+        </p:nvSpPr>
+        <p:spPr>
+          <a:xfrm>
+            <a:off x="6866999" y="3064427"/>
+            <a:ext cx="739191" cy="495160"/>
+          </a:xfrm>
+          <a:prstGeom prst="rect">
+            <a:avLst/>
+          </a:prstGeom>
+          <a:noFill/>
+          <a:ln>
+            <a:noFill/>
+          </a:ln>
+        </p:spPr>
+        <p:txBody>
+          <a:bodyPr spcFirstLastPara="1" wrap="square" lIns="91425" tIns="91425" rIns="91425" bIns="91425" anchor="b" anchorCtr="0">
+            <a:noAutofit/>
+          </a:bodyPr>
+          <a:lstStyle/>
+          <a:p>
+            <a:pPr marL="0" lvl="0" indent="0" algn="ctr" rtl="0">
+              <a:spcBef>
+                <a:spcPts val="0"/>
+              </a:spcBef>
+              <a:spcAft>
+                <a:spcPts val="0"/>
+              </a:spcAft>
+              <a:buNone/>
+            </a:pPr>
+            <a:r>
+              <a:rPr lang="fr-FR" sz="1200" dirty="0">
+                <a:solidFill>
+                  <a:schemeClr val="dk1"/>
+                </a:solidFill>
+                <a:latin typeface="Share Tech"/>
+                <a:ea typeface="Share Tech"/>
+                <a:cs typeface="Share Tech"/>
+                <a:sym typeface="Share Tech"/>
+              </a:rPr>
+              <a:t>Sont utilisés</a:t>
+            </a:r>
+            <a:endParaRPr sz="1200" dirty="0">
+              <a:solidFill>
+                <a:schemeClr val="dk1"/>
+              </a:solidFill>
+              <a:latin typeface="Share Tech"/>
+              <a:ea typeface="Share Tech"/>
+              <a:cs typeface="Share Tech"/>
+              <a:sym typeface="Share Tech"/>
+            </a:endParaRPr>
+          </a:p>
+        </p:txBody>
+      </p:sp>
+      <p:sp>
+        <p:nvSpPr>
+          <p:cNvPr id="56" name="Google Shape;1159;p39">
+            <a:extLst>
+              <a:ext uri="{FF2B5EF4-FFF2-40B4-BE49-F238E27FC236}">
+                <a16:creationId xmlns:a16="http://schemas.microsoft.com/office/drawing/2014/main" id="{3A936DF2-5843-07F2-5C62-D5788DCE9F9C}"/>
+              </a:ext>
+            </a:extLst>
+          </p:cNvPr>
+          <p:cNvSpPr txBox="1"/>
+          <p:nvPr/>
+        </p:nvSpPr>
+        <p:spPr>
+          <a:xfrm>
+            <a:off x="4593572" y="1957268"/>
+            <a:ext cx="781130" cy="682598"/>
+          </a:xfrm>
+          <a:prstGeom prst="rect">
+            <a:avLst/>
+          </a:prstGeom>
+          <a:noFill/>
+          <a:ln>
+            <a:noFill/>
+          </a:ln>
+        </p:spPr>
+        <p:txBody>
+          <a:bodyPr spcFirstLastPara="1" wrap="square" lIns="91425" tIns="91425" rIns="91425" bIns="91425" anchor="b" anchorCtr="0">
+            <a:noAutofit/>
+          </a:bodyPr>
+          <a:lstStyle/>
+          <a:p>
+            <a:pPr marL="0" lvl="0" indent="0" algn="ctr" rtl="0">
+              <a:spcBef>
+                <a:spcPts val="0"/>
+              </a:spcBef>
+              <a:spcAft>
+                <a:spcPts val="0"/>
+              </a:spcAft>
+              <a:buNone/>
+            </a:pPr>
+            <a:r>
+              <a:rPr lang="fr-FR" sz="1200" dirty="0">
+                <a:solidFill>
+                  <a:schemeClr val="dk1"/>
+                </a:solidFill>
+                <a:latin typeface="Share Tech"/>
+                <a:ea typeface="Share Tech"/>
+                <a:cs typeface="Share Tech"/>
+                <a:sym typeface="Share Tech"/>
+              </a:rPr>
+              <a:t>Crée l’instance de DAO</a:t>
+            </a:r>
+            <a:endParaRPr sz="1200" dirty="0">
+              <a:solidFill>
+                <a:schemeClr val="dk1"/>
+              </a:solidFill>
+              <a:latin typeface="Share Tech"/>
+              <a:ea typeface="Share Tech"/>
+              <a:cs typeface="Share Tech"/>
+              <a:sym typeface="Share Tech"/>
+            </a:endParaRPr>
+          </a:p>
+        </p:txBody>
+      </p:sp>
+      <p:sp>
+        <p:nvSpPr>
+          <p:cNvPr id="57" name="Google Shape;1159;p39">
+            <a:extLst>
+              <a:ext uri="{FF2B5EF4-FFF2-40B4-BE49-F238E27FC236}">
+                <a16:creationId xmlns:a16="http://schemas.microsoft.com/office/drawing/2014/main" id="{19242F7B-6589-9F09-59A3-E7B7C5F0119F}"/>
+              </a:ext>
+            </a:extLst>
+          </p:cNvPr>
+          <p:cNvSpPr txBox="1"/>
+          <p:nvPr/>
+        </p:nvSpPr>
+        <p:spPr>
+          <a:xfrm>
+            <a:off x="7084646" y="1760039"/>
+            <a:ext cx="1408956" cy="308516"/>
+          </a:xfrm>
+          <a:prstGeom prst="rect">
+            <a:avLst/>
+          </a:prstGeom>
+          <a:noFill/>
+          <a:ln>
+            <a:noFill/>
+          </a:ln>
+        </p:spPr>
+        <p:txBody>
+          <a:bodyPr spcFirstLastPara="1" wrap="square" lIns="91425" tIns="91425" rIns="91425" bIns="91425" anchor="b" anchorCtr="0">
+            <a:noAutofit/>
+          </a:bodyPr>
+          <a:lstStyle/>
+          <a:p>
+            <a:pPr marL="0" lvl="0" indent="0" algn="ctr" rtl="0">
+              <a:spcBef>
+                <a:spcPts val="0"/>
+              </a:spcBef>
+              <a:spcAft>
+                <a:spcPts val="0"/>
+              </a:spcAft>
+              <a:buNone/>
+            </a:pPr>
+            <a:r>
+              <a:rPr lang="fr-FR" sz="1000" dirty="0">
+                <a:solidFill>
+                  <a:schemeClr val="dk1"/>
+                </a:solidFill>
+                <a:latin typeface="Share Tech"/>
+                <a:ea typeface="Share Tech"/>
+                <a:cs typeface="Share Tech"/>
+                <a:sym typeface="Share Tech"/>
+              </a:rPr>
+              <a:t>Récupération/Insertion</a:t>
+            </a:r>
+            <a:endParaRPr sz="1000" dirty="0">
+              <a:solidFill>
+                <a:schemeClr val="dk1"/>
+              </a:solidFill>
+              <a:latin typeface="Share Tech"/>
+              <a:ea typeface="Share Tech"/>
+              <a:cs typeface="Share Tech"/>
+              <a:sym typeface="Share Tech"/>
+            </a:endParaRPr>
+          </a:p>
+        </p:txBody>
+      </p:sp>
+      <p:cxnSp>
+        <p:nvCxnSpPr>
+          <p:cNvPr id="58" name="Google Shape;1170;p39">
+            <a:extLst>
+              <a:ext uri="{FF2B5EF4-FFF2-40B4-BE49-F238E27FC236}">
+                <a16:creationId xmlns:a16="http://schemas.microsoft.com/office/drawing/2014/main" id="{538BA55A-B71C-9680-DA38-2128C2C6949A}"/>
+              </a:ext>
+            </a:extLst>
+          </p:cNvPr>
+          <p:cNvCxnSpPr>
+            <a:cxnSpLocks/>
+          </p:cNvCxnSpPr>
+          <p:nvPr/>
+        </p:nvCxnSpPr>
+        <p:spPr>
+          <a:xfrm rot="5400000" flipH="1" flipV="1">
+            <a:off x="1444401" y="3037111"/>
+            <a:ext cx="1504608" cy="1193840"/>
+          </a:xfrm>
+          <a:prstGeom prst="bentConnector3">
+            <a:avLst>
+              <a:gd name="adj1" fmla="val -285"/>
+            </a:avLst>
+          </a:prstGeom>
+          <a:ln w="19050" cap="flat" cmpd="sng" algn="ctr">
+            <a:solidFill>
+              <a:srgbClr val="F8F8F8"/>
+            </a:solidFill>
+            <a:prstDash val="dash"/>
+            <a:round/>
+            <a:headEnd type="triangle" w="med" len="med"/>
+            <a:tailEnd type="none" w="med" len="med"/>
+          </a:ln>
+        </p:spPr>
+        <p:style>
+          <a:lnRef idx="0">
+            <a:scrgbClr r="0" g="0" b="0"/>
+          </a:lnRef>
+          <a:fillRef idx="0">
+            <a:scrgbClr r="0" g="0" b="0"/>
+          </a:fillRef>
+          <a:effectRef idx="0">
+            <a:scrgbClr r="0" g="0" b="0"/>
+          </a:effectRef>
+          <a:fontRef idx="minor">
+            <a:schemeClr val="tx1"/>
+          </a:fontRef>
+        </p:style>
+      </p:cxnSp>
+      <p:sp>
+        <p:nvSpPr>
+          <p:cNvPr id="64" name="Google Shape;1159;p39">
+            <a:extLst>
+              <a:ext uri="{FF2B5EF4-FFF2-40B4-BE49-F238E27FC236}">
+                <a16:creationId xmlns:a16="http://schemas.microsoft.com/office/drawing/2014/main" id="{AE438002-6417-9F96-95CA-F6F88B4D8A70}"/>
+              </a:ext>
+            </a:extLst>
+          </p:cNvPr>
+          <p:cNvSpPr txBox="1"/>
+          <p:nvPr/>
+        </p:nvSpPr>
+        <p:spPr>
+          <a:xfrm>
+            <a:off x="1579503" y="3258094"/>
+            <a:ext cx="1293574" cy="751874"/>
+          </a:xfrm>
+          <a:prstGeom prst="rect">
+            <a:avLst/>
+          </a:prstGeom>
+          <a:noFill/>
+          <a:ln>
+            <a:noFill/>
+          </a:ln>
+        </p:spPr>
+        <p:txBody>
+          <a:bodyPr spcFirstLastPara="1" wrap="square" lIns="91425" tIns="91425" rIns="91425" bIns="91425" anchor="b" anchorCtr="0">
+            <a:noAutofit/>
+          </a:bodyPr>
+          <a:lstStyle/>
+          <a:p>
+            <a:pPr marL="0" lvl="0" indent="0" algn="ctr" rtl="0">
+              <a:spcBef>
+                <a:spcPts val="0"/>
+              </a:spcBef>
+              <a:spcAft>
+                <a:spcPts val="0"/>
+              </a:spcAft>
+              <a:buNone/>
+            </a:pPr>
+            <a:r>
+              <a:rPr lang="fr-FR" sz="1200" dirty="0">
+                <a:solidFill>
+                  <a:schemeClr val="dk1"/>
+                </a:solidFill>
+                <a:latin typeface="Share Tech"/>
+                <a:ea typeface="Share Tech"/>
+                <a:cs typeface="Share Tech"/>
+                <a:sym typeface="Share Tech"/>
+              </a:rPr>
+              <a:t>Retourne les informations à l’utilisateur après le traitement</a:t>
+            </a:r>
+            <a:endParaRPr sz="1200" dirty="0">
+              <a:solidFill>
+                <a:schemeClr val="dk1"/>
+              </a:solidFill>
+              <a:latin typeface="Share Tech"/>
+              <a:ea typeface="Share Tech"/>
+              <a:cs typeface="Share Tech"/>
+              <a:sym typeface="Share Tech"/>
+            </a:endParaRPr>
+          </a:p>
+        </p:txBody>
+      </p:sp>
+      <p:pic>
+        <p:nvPicPr>
+          <p:cNvPr id="67" name="Graphique 66" descr="Profil mâle avec un remplissage uni">
+            <a:extLst>
+              <a:ext uri="{FF2B5EF4-FFF2-40B4-BE49-F238E27FC236}">
+                <a16:creationId xmlns:a16="http://schemas.microsoft.com/office/drawing/2014/main" id="{1C1FB4E2-CC74-3700-607B-DBBC82CE0DD7}"/>
+              </a:ext>
+            </a:extLst>
+          </p:cNvPr>
+          <p:cNvPicPr>
+            <a:picLocks noChangeAspect="1"/>
+          </p:cNvPicPr>
+          <p:nvPr/>
+        </p:nvPicPr>
+        <p:blipFill>
+          <a:blip r:embed="rId4">
+            <a:extLst>
+              <a:ext uri="{96DAC541-7B7A-43D3-8B79-37D633B846F1}">
+                <asvg:svgBlip xmlns:asvg="http://schemas.microsoft.com/office/drawing/2016/SVG/main" r:embed="rId5"/>
+              </a:ext>
+            </a:extLst>
+          </a:blip>
+          <a:stretch>
+            <a:fillRect/>
+          </a:stretch>
+        </p:blipFill>
+        <p:spPr>
+          <a:xfrm>
+            <a:off x="767883" y="3909279"/>
+            <a:ext cx="904059" cy="904059"/>
+          </a:xfrm>
+          <a:prstGeom prst="rect">
+            <a:avLst/>
+          </a:prstGeom>
+        </p:spPr>
+      </p:pic>
+      <p:sp>
+        <p:nvSpPr>
+          <p:cNvPr id="82" name="ZoneTexte 81">
+            <a:extLst>
+              <a:ext uri="{FF2B5EF4-FFF2-40B4-BE49-F238E27FC236}">
+                <a16:creationId xmlns:a16="http://schemas.microsoft.com/office/drawing/2014/main" id="{7DA80AE3-0D80-8B31-4CD7-488C96F1705D}"/>
+              </a:ext>
+            </a:extLst>
+          </p:cNvPr>
+          <p:cNvSpPr txBox="1"/>
+          <p:nvPr/>
+        </p:nvSpPr>
+        <p:spPr>
+          <a:xfrm>
+            <a:off x="8781856" y="4806393"/>
+            <a:ext cx="362144" cy="261610"/>
+          </a:xfrm>
+          <a:prstGeom prst="rect">
+            <a:avLst/>
+          </a:prstGeom>
+          <a:noFill/>
+        </p:spPr>
+        <p:txBody>
+          <a:bodyPr wrap="square" rtlCol="0">
+            <a:spAutoFit/>
+          </a:bodyPr>
+          <a:lstStyle/>
+          <a:p>
+            <a:r>
+              <a:rPr lang="fr-FR" sz="1100" dirty="0">
+                <a:solidFill>
+                  <a:schemeClr val="tx1"/>
+                </a:solidFill>
+                <a:latin typeface="Maven Pro" panose="020B0604020202020204" charset="0"/>
+              </a:rPr>
+              <a:t>8</a:t>
+            </a:r>
+          </a:p>
+        </p:txBody>
+      </p:sp>
     </p:spTree>
     <p:extLst>
       <p:ext uri="{BB962C8B-B14F-4D97-AF65-F5344CB8AC3E}">
@@ -26381,6 +27589,46 @@
               <a:cs typeface="Share Tech"/>
               <a:sym typeface="Share Tech"/>
             </a:endParaRPr>
+          </a:p>
+        </p:txBody>
+      </p:sp>
+      <p:sp>
+        <p:nvSpPr>
+          <p:cNvPr id="5" name="ZoneTexte 4">
+            <a:extLst>
+              <a:ext uri="{FF2B5EF4-FFF2-40B4-BE49-F238E27FC236}">
+                <a16:creationId xmlns:a16="http://schemas.microsoft.com/office/drawing/2014/main" id="{E644D973-53F9-1354-8C4E-2F8A2FDBF161}"/>
+              </a:ext>
+            </a:extLst>
+          </p:cNvPr>
+          <p:cNvSpPr txBox="1"/>
+          <p:nvPr/>
+        </p:nvSpPr>
+        <p:spPr>
+          <a:xfrm>
+            <a:off x="8781856" y="4806393"/>
+            <a:ext cx="362144" cy="261610"/>
+          </a:xfrm>
+          <a:prstGeom prst="rect">
+            <a:avLst/>
+          </a:prstGeom>
+          <a:noFill/>
+        </p:spPr>
+        <p:txBody>
+          <a:bodyPr wrap="square" rtlCol="0">
+            <a:spAutoFit/>
+          </a:bodyPr>
+          <a:lstStyle/>
+          <a:p>
+            <a:r>
+              <a:rPr lang="fr-FR" sz="1100" dirty="0">
+                <a:solidFill>
+                  <a:schemeClr val="tx1"/>
+                </a:solidFill>
+                <a:latin typeface="Maven Pro" panose="020B0604020202020204" charset="0"/>
+              </a:rPr>
+              <a:t>9</a:t>
+            </a:r>
           </a:p>
         </p:txBody>
       </p:sp>
@@ -27446,18 +28694,18 @@
 </file>
 
 <file path=customXml/item2.xml><?xml version="1.0" encoding="utf-8"?>
+<p:properties xmlns:p="http://schemas.microsoft.com/office/2006/metadata/properties" xmlns:xsi="http://www.w3.org/2001/XMLSchema-instance" xmlns:pc="http://schemas.microsoft.com/office/infopath/2007/PartnerControls">
+  <documentManagement/>
+</p:properties>
+</file>
+
+<file path=customXml/item3.xml><?xml version="1.0" encoding="utf-8"?>
 <?mso-contentType ?>
 <FormTemplates xmlns="http://schemas.microsoft.com/sharepoint/v3/contenttype/forms">
   <Display>DocumentLibraryForm</Display>
   <Edit>DocumentLibraryForm</Edit>
   <New>DocumentLibraryForm</New>
 </FormTemplates>
-</file>
-
-<file path=customXml/item3.xml><?xml version="1.0" encoding="utf-8"?>
-<p:properties xmlns:p="http://schemas.microsoft.com/office/2006/metadata/properties" xmlns:xsi="http://www.w3.org/2001/XMLSchema-instance" xmlns:pc="http://schemas.microsoft.com/office/infopath/2007/PartnerControls">
-  <documentManagement/>
-</p:properties>
 </file>
 
 <file path=customXml/itemProps1.xml><?xml version="1.0" encoding="utf-8"?>
@@ -27480,14 +28728,6 @@
 </file>
 
 <file path=customXml/itemProps2.xml><?xml version="1.0" encoding="utf-8"?>
-<ds:datastoreItem xmlns:ds="http://schemas.openxmlformats.org/officeDocument/2006/customXml" ds:itemID="{FABF05A6-EFD4-4AFB-BAA9-65A8EB6C8E2D}">
-  <ds:schemaRefs>
-    <ds:schemaRef ds:uri="http://schemas.microsoft.com/sharepoint/v3/contenttype/forms"/>
-  </ds:schemaRefs>
-</ds:datastoreItem>
-</file>
-
-<file path=customXml/itemProps3.xml><?xml version="1.0" encoding="utf-8"?>
 <ds:datastoreItem xmlns:ds="http://schemas.openxmlformats.org/officeDocument/2006/customXml" ds:itemID="{97B0A5C4-F87A-4071-AE7B-E80DA40CE374}">
   <ds:schemaRefs>
     <ds:schemaRef ds:uri="a4505148-1984-4b71-82bf-8ee338bb755e"/>
@@ -27502,4 +28742,12 @@
     <ds:schemaRef ds:uri="http://www.w3.org/XML/1998/namespace"/>
   </ds:schemaRefs>
 </ds:datastoreItem>
+</file>
+
+<file path=customXml/itemProps3.xml><?xml version="1.0" encoding="utf-8"?>
+<ds:datastoreItem xmlns:ds="http://schemas.openxmlformats.org/officeDocument/2006/customXml" ds:itemID="{FABF05A6-EFD4-4AFB-BAA9-65A8EB6C8E2D}">
+  <ds:schemaRefs>
+    <ds:schemaRef ds:uri="http://schemas.microsoft.com/sharepoint/v3/contenttype/forms"/>
+  </ds:schemaRefs>
+</ds:datastoreItem>
 </file>
--- a/Revue de projet/Diapo revue de projet.pptx
+++ b/Revue de projet/Diapo revue de projet.pptx
@@ -663,7 +663,7 @@
                   <c:v>7</c:v>
                 </c:pt>
                 <c:pt idx="7">
-                  <c:v>20.5</c:v>
+                  <c:v>23.75</c:v>
                 </c:pt>
               </c:numCache>
             </c:numRef>
@@ -16084,35 +16084,6 @@
           </a:p>
         </p:txBody>
       </p:sp>
-      <p:pic>
-        <p:nvPicPr>
-          <p:cNvPr id="4" name="Image 3">
-            <a:extLst>
-              <a:ext uri="{FF2B5EF4-FFF2-40B4-BE49-F238E27FC236}">
-                <a16:creationId xmlns:a16="http://schemas.microsoft.com/office/drawing/2014/main" id="{319A860F-97EA-30A1-7BC0-2F69A800F01A}"/>
-              </a:ext>
-            </a:extLst>
-          </p:cNvPr>
-          <p:cNvPicPr>
-            <a:picLocks noChangeAspect="1"/>
-          </p:cNvPicPr>
-          <p:nvPr/>
-        </p:nvPicPr>
-        <p:blipFill rotWithShape="1">
-          <a:blip r:embed="rId2"/>
-          <a:srcRect l="400" t="914"/>
-          <a:stretch/>
-        </p:blipFill>
-        <p:spPr>
-          <a:xfrm>
-            <a:off x="2011680" y="1384663"/>
-            <a:ext cx="5141318" cy="3219337"/>
-          </a:xfrm>
-          <a:prstGeom prst="rect">
-            <a:avLst/>
-          </a:prstGeom>
-        </p:spPr>
-      </p:pic>
       <p:sp>
         <p:nvSpPr>
           <p:cNvPr id="3" name="ZoneTexte 2">
@@ -16153,6 +16124,36 @@
           </a:p>
         </p:txBody>
       </p:sp>
+      <p:pic>
+        <p:nvPicPr>
+          <p:cNvPr id="7" name="Image 6">
+            <a:extLst>
+              <a:ext uri="{FF2B5EF4-FFF2-40B4-BE49-F238E27FC236}">
+                <a16:creationId xmlns:a16="http://schemas.microsoft.com/office/drawing/2014/main" id="{4B6C5673-E05E-D5B4-E199-BC0788ACDEA5}"/>
+              </a:ext>
+            </a:extLst>
+          </p:cNvPr>
+          <p:cNvPicPr>
+            <a:picLocks noChangeAspect="1"/>
+          </p:cNvPicPr>
+          <p:nvPr/>
+        </p:nvPicPr>
+        <p:blipFill>
+          <a:blip r:embed="rId2"/>
+          <a:stretch>
+            <a:fillRect/>
+          </a:stretch>
+        </p:blipFill>
+        <p:spPr>
+          <a:xfrm>
+            <a:off x="1833495" y="1408756"/>
+            <a:ext cx="5477010" cy="3472096"/>
+          </a:xfrm>
+          <a:prstGeom prst="rect">
+            <a:avLst/>
+          </a:prstGeom>
+        </p:spPr>
+      </p:pic>
     </p:spTree>
     <p:extLst>
       <p:ext uri="{BB962C8B-B14F-4D97-AF65-F5344CB8AC3E}">
@@ -16235,7 +16236,7 @@
           <p:nvPr>
             <p:extLst>
               <p:ext uri="{D42A27DB-BD31-4B8C-83A1-F6EECF244321}">
-                <p14:modId xmlns:p14="http://schemas.microsoft.com/office/powerpoint/2010/main" val="3673706830"/>
+                <p14:modId xmlns:p14="http://schemas.microsoft.com/office/powerpoint/2010/main" val="3382394153"/>
               </p:ext>
             </p:extLst>
           </p:nvPr>
@@ -16286,6 +16287,45 @@
                 <a:latin typeface="Maven Pro" panose="020B0604020202020204" charset="0"/>
               </a:rPr>
               <a:t>16</a:t>
+            </a:r>
+          </a:p>
+        </p:txBody>
+      </p:sp>
+      <p:sp>
+        <p:nvSpPr>
+          <p:cNvPr id="4" name="ZoneTexte 3">
+            <a:extLst>
+              <a:ext uri="{FF2B5EF4-FFF2-40B4-BE49-F238E27FC236}">
+                <a16:creationId xmlns:a16="http://schemas.microsoft.com/office/drawing/2014/main" id="{2E189AB9-2CC2-2AAF-A567-0A4E451A0964}"/>
+              </a:ext>
+            </a:extLst>
+          </p:cNvPr>
+          <p:cNvSpPr txBox="1"/>
+          <p:nvPr/>
+        </p:nvSpPr>
+        <p:spPr>
+          <a:xfrm>
+            <a:off x="2912571" y="2706615"/>
+            <a:ext cx="1659429" cy="369332"/>
+          </a:xfrm>
+          <a:prstGeom prst="rect">
+            <a:avLst/>
+          </a:prstGeom>
+          <a:noFill/>
+        </p:spPr>
+        <p:txBody>
+          <a:bodyPr wrap="none" rtlCol="0">
+            <a:spAutoFit/>
+          </a:bodyPr>
+          <a:lstStyle/>
+          <a:p>
+            <a:r>
+              <a:rPr lang="fr-FR" sz="1800" dirty="0">
+                <a:solidFill>
+                  <a:schemeClr val="tx1"/>
+                </a:solidFill>
+              </a:rPr>
+              <a:t>158,25 heures</a:t>
             </a:r>
           </a:p>
         </p:txBody>
@@ -28694,18 +28734,18 @@
 </file>
 
 <file path=customXml/item2.xml><?xml version="1.0" encoding="utf-8"?>
-<p:properties xmlns:p="http://schemas.microsoft.com/office/2006/metadata/properties" xmlns:xsi="http://www.w3.org/2001/XMLSchema-instance" xmlns:pc="http://schemas.microsoft.com/office/infopath/2007/PartnerControls">
-  <documentManagement/>
-</p:properties>
-</file>
-
-<file path=customXml/item3.xml><?xml version="1.0" encoding="utf-8"?>
 <?mso-contentType ?>
 <FormTemplates xmlns="http://schemas.microsoft.com/sharepoint/v3/contenttype/forms">
   <Display>DocumentLibraryForm</Display>
   <Edit>DocumentLibraryForm</Edit>
   <New>DocumentLibraryForm</New>
 </FormTemplates>
+</file>
+
+<file path=customXml/item3.xml><?xml version="1.0" encoding="utf-8"?>
+<p:properties xmlns:p="http://schemas.microsoft.com/office/2006/metadata/properties" xmlns:xsi="http://www.w3.org/2001/XMLSchema-instance" xmlns:pc="http://schemas.microsoft.com/office/infopath/2007/PartnerControls">
+  <documentManagement/>
+</p:properties>
 </file>
 
 <file path=customXml/itemProps1.xml><?xml version="1.0" encoding="utf-8"?>
@@ -28728,26 +28768,26 @@
 </file>
 
 <file path=customXml/itemProps2.xml><?xml version="1.0" encoding="utf-8"?>
-<ds:datastoreItem xmlns:ds="http://schemas.openxmlformats.org/officeDocument/2006/customXml" ds:itemID="{97B0A5C4-F87A-4071-AE7B-E80DA40CE374}">
+<ds:datastoreItem xmlns:ds="http://schemas.openxmlformats.org/officeDocument/2006/customXml" ds:itemID="{FABF05A6-EFD4-4AFB-BAA9-65A8EB6C8E2D}">
   <ds:schemaRefs>
-    <ds:schemaRef ds:uri="a4505148-1984-4b71-82bf-8ee338bb755e"/>
-    <ds:schemaRef ds:uri="bb86211b-6858-4a67-bee9-3cc0c565fc01"/>
-    <ds:schemaRef ds:uri="http://purl.org/dc/dcmitype/"/>
-    <ds:schemaRef ds:uri="http://purl.org/dc/elements/1.1/"/>
-    <ds:schemaRef ds:uri="http://purl.org/dc/terms/"/>
-    <ds:schemaRef ds:uri="http://schemas.microsoft.com/office/2006/documentManagement/types"/>
-    <ds:schemaRef ds:uri="http://schemas.microsoft.com/office/2006/metadata/properties"/>
-    <ds:schemaRef ds:uri="http://schemas.microsoft.com/office/infopath/2007/PartnerControls"/>
-    <ds:schemaRef ds:uri="http://schemas.openxmlformats.org/package/2006/metadata/core-properties"/>
-    <ds:schemaRef ds:uri="http://www.w3.org/XML/1998/namespace"/>
+    <ds:schemaRef ds:uri="http://schemas.microsoft.com/sharepoint/v3/contenttype/forms"/>
   </ds:schemaRefs>
 </ds:datastoreItem>
 </file>
 
 <file path=customXml/itemProps3.xml><?xml version="1.0" encoding="utf-8"?>
-<ds:datastoreItem xmlns:ds="http://schemas.openxmlformats.org/officeDocument/2006/customXml" ds:itemID="{FABF05A6-EFD4-4AFB-BAA9-65A8EB6C8E2D}">
+<ds:datastoreItem xmlns:ds="http://schemas.openxmlformats.org/officeDocument/2006/customXml" ds:itemID="{97B0A5C4-F87A-4071-AE7B-E80DA40CE374}">
   <ds:schemaRefs>
-    <ds:schemaRef ds:uri="http://schemas.microsoft.com/sharepoint/v3/contenttype/forms"/>
+    <ds:schemaRef ds:uri="http://schemas.microsoft.com/office/infopath/2007/PartnerControls"/>
+    <ds:schemaRef ds:uri="http://purl.org/dc/elements/1.1/"/>
+    <ds:schemaRef ds:uri="http://schemas.openxmlformats.org/package/2006/metadata/core-properties"/>
+    <ds:schemaRef ds:uri="http://schemas.microsoft.com/office/2006/documentManagement/types"/>
+    <ds:schemaRef ds:uri="bb86211b-6858-4a67-bee9-3cc0c565fc01"/>
+    <ds:schemaRef ds:uri="http://purl.org/dc/dcmitype/"/>
+    <ds:schemaRef ds:uri="http://schemas.microsoft.com/office/2006/metadata/properties"/>
+    <ds:schemaRef ds:uri="http://purl.org/dc/terms/"/>
+    <ds:schemaRef ds:uri="a4505148-1984-4b71-82bf-8ee338bb755e"/>
+    <ds:schemaRef ds:uri="http://www.w3.org/XML/1998/namespace"/>
   </ds:schemaRefs>
 </ds:datastoreItem>
 </file>